--- a/EDM/00-overview.pptx
+++ b/EDM/00-overview.pptx
@@ -8034,15 +8034,7 @@
             <a:pPr eaLnBrk="1" hangingPunct="1"/>
             <a:r>
               <a:rPr lang="en-US" altLang="zh-TW" dirty="0" smtClean="0"/>
-              <a:t>Sep. </a:t>
-            </a:r>
-            <a:r>
-              <a:rPr lang="en-US" altLang="zh-TW" dirty="0" smtClean="0"/>
-              <a:t>7, </a:t>
-            </a:r>
-            <a:r>
-              <a:rPr lang="en-US" altLang="zh-TW" dirty="0" smtClean="0"/>
-              <a:t>2023</a:t>
+              <a:t>Sep. 7, 2023</a:t>
             </a:r>
           </a:p>
         </p:txBody>
@@ -9367,15 +9359,7 @@
             </a:pPr>
             <a:r>
               <a:rPr lang="en-US" altLang="zh-TW" sz="2800" dirty="0" smtClean="0"/>
-              <a:t>The term project for </a:t>
-            </a:r>
-            <a:r>
-              <a:rPr lang="en-US" altLang="zh-TW" sz="2800" dirty="0" smtClean="0"/>
-              <a:t>educational data </a:t>
-            </a:r>
-            <a:r>
-              <a:rPr lang="en-US" altLang="zh-TW" sz="2800" dirty="0" smtClean="0"/>
-              <a:t>analysis or system development</a:t>
+              <a:t>The term project for educational data analysis or system development</a:t>
             </a:r>
           </a:p>
           <a:p>
@@ -9531,7 +9515,19 @@
             </a:r>
             <a:r>
               <a:rPr lang="en-US" altLang="zh-TW" b="1" dirty="0" smtClean="0"/>
-              <a:t>DM4] Ch.1-2, 3 (part), 6, 8, 9 (part), 10</a:t>
+              <a:t>DM4] Ch.1-2, </a:t>
+            </a:r>
+            <a:r>
+              <a:rPr lang="en-US" altLang="zh-TW" b="1" dirty="0" smtClean="0"/>
+              <a:t>4-5, </a:t>
+            </a:r>
+            <a:r>
+              <a:rPr lang="en-US" altLang="zh-TW" b="1" dirty="0" smtClean="0"/>
+              <a:t>6, </a:t>
+            </a:r>
+            <a:r>
+              <a:rPr lang="en-US" altLang="zh-TW" b="1" dirty="0" smtClean="0"/>
+              <a:t>8</a:t>
             </a:r>
             <a:endParaRPr lang="en-US" altLang="zh-TW" dirty="0" smtClean="0"/>
           </a:p>
@@ -10712,17 +10708,8 @@
             <a:pPr lvl="1" eaLnBrk="1" hangingPunct="1"/>
             <a:r>
               <a:rPr lang="en-US" altLang="zh-TW" sz="2400" dirty="0" smtClean="0"/>
-              <a:t>Focus on analytical methods, results </a:t>
-            </a:r>
-            <a:r>
-              <a:rPr lang="en-US" altLang="zh-TW" sz="2400" dirty="0" smtClean="0"/>
-              <a:t>and </a:t>
-            </a:r>
-            <a:r>
-              <a:rPr lang="en-US" altLang="zh-TW" sz="2400" dirty="0" smtClean="0"/>
-              <a:t>interpretations</a:t>
-            </a:r>
-            <a:endParaRPr lang="en-US" altLang="zh-TW" sz="2400" dirty="0" smtClean="0"/>
+              <a:t>Focus on analytical methods, results and interpretations</a:t>
+            </a:r>
           </a:p>
           <a:p>
             <a:pPr eaLnBrk="1" hangingPunct="1"/>
@@ -11316,23 +11303,14 @@
             <a:pPr lvl="1" eaLnBrk="1" hangingPunct="1"/>
             <a:r>
               <a:rPr lang="en-US" altLang="zh-TW" dirty="0" smtClean="0"/>
-              <a:t>Written exercises are to be submitted in </a:t>
-            </a:r>
+              <a:t>Written exercises are to be submitted in paper</a:t>
+            </a:r>
+          </a:p>
+          <a:p>
+            <a:pPr lvl="2" eaLnBrk="1" hangingPunct="1"/>
             <a:r>
               <a:rPr lang="en-US" altLang="zh-TW" dirty="0" smtClean="0"/>
-              <a:t>paper</a:t>
-            </a:r>
-            <a:endParaRPr lang="en-US" altLang="zh-TW" dirty="0" smtClean="0"/>
-          </a:p>
-          <a:p>
-            <a:pPr lvl="2" eaLnBrk="1" hangingPunct="1"/>
-            <a:r>
-              <a:rPr lang="en-US" altLang="zh-TW" dirty="0" smtClean="0"/>
-              <a:t>Electronic version is also acceptable </a:t>
-            </a:r>
-            <a:r>
-              <a:rPr lang="en-US" altLang="zh-TW" dirty="0" smtClean="0"/>
-              <a:t>in </a:t>
+              <a:t>Electronic version is also acceptable in </a:t>
             </a:r>
             <a:r>
               <a:rPr lang="en-US" altLang="zh-TW" dirty="0" err="1" smtClean="0">
@@ -11354,21 +11332,12 @@
               <a:rPr lang="en-US" altLang="zh-TW" dirty="0" smtClean="0"/>
               <a:t> </a:t>
             </a:r>
-            <a:endParaRPr lang="en-US" altLang="zh-TW" dirty="0" smtClean="0"/>
           </a:p>
           <a:p>
             <a:pPr lvl="1" eaLnBrk="1" hangingPunct="1"/>
             <a:r>
               <a:rPr lang="en-US" altLang="zh-TW" dirty="0" smtClean="0"/>
-              <a:t>Systems, </a:t>
-            </a:r>
-            <a:r>
-              <a:rPr lang="en-US" altLang="zh-TW" dirty="0" smtClean="0"/>
-              <a:t>programs &amp; documentation, </a:t>
-            </a:r>
-            <a:r>
-              <a:rPr lang="en-US" altLang="zh-TW" dirty="0" smtClean="0"/>
-              <a:t>project proposals, and project reports in electronic files must be submitted online to </a:t>
+              <a:t>Systems, programs &amp; documentation, project proposals, and project reports in electronic files must be submitted online to </a:t>
             </a:r>
             <a:r>
               <a:rPr lang="en-US" altLang="zh-TW" dirty="0" err="1" smtClean="0">
@@ -11391,15 +11360,7 @@
             <a:pPr lvl="1" eaLnBrk="1" hangingPunct="1"/>
             <a:r>
               <a:rPr lang="en-US" altLang="zh-TW" dirty="0" smtClean="0"/>
-              <a:t>You will get </a:t>
-            </a:r>
-            <a:r>
-              <a:rPr lang="en-US" altLang="zh-TW" dirty="0" smtClean="0"/>
-              <a:t>deducted </a:t>
-            </a:r>
-            <a:r>
-              <a:rPr lang="en-US" altLang="zh-TW" dirty="0" smtClean="0"/>
-              <a:t>score when there’s delay in homework submission</a:t>
+              <a:t>You will get deducted score when there’s delay in homework submission</a:t>
             </a:r>
           </a:p>
           <a:p>
@@ -11410,21 +11371,8 @@
                   <a:srgbClr val="0000FF"/>
                 </a:solidFill>
               </a:rPr>
-              <a:t>The longer the delay, the higher the </a:t>
-            </a:r>
-            <a:r>
-              <a:rPr lang="en-US" altLang="zh-TW" dirty="0" smtClean="0">
-                <a:solidFill>
-                  <a:srgbClr val="0000FF"/>
-                </a:solidFill>
-              </a:rPr>
-              <a:t>deduction</a:t>
-            </a:r>
-            <a:endParaRPr lang="en-US" altLang="zh-TW" dirty="0" smtClean="0">
-              <a:solidFill>
-                <a:srgbClr val="0000FF"/>
-              </a:solidFill>
-            </a:endParaRPr>
+              <a:t>The longer the delay, the higher the deduction</a:t>
+            </a:r>
           </a:p>
           <a:p>
             <a:pPr lvl="2" eaLnBrk="1" hangingPunct="1"/>
@@ -12049,13 +11997,8 @@
             <a:pPr lvl="1" eaLnBrk="1" hangingPunct="1"/>
             <a:r>
               <a:rPr lang="en-US" altLang="zh-TW" sz="2400" dirty="0" smtClean="0"/>
-              <a:t>Have an idea of what distributed platforms like Hadoop/Spark can </a:t>
-            </a:r>
-            <a:r>
-              <a:rPr lang="en-US" altLang="zh-TW" sz="2400" dirty="0" smtClean="0"/>
-              <a:t>do (if time permits)</a:t>
-            </a:r>
-            <a:endParaRPr lang="en-US" altLang="zh-TW" sz="2400" dirty="0" smtClean="0"/>
+              <a:t>Have an idea of what distributed platforms like Hadoop/Spark can do (if time permits)</a:t>
+            </a:r>
           </a:p>
           <a:p>
             <a:pPr eaLnBrk="1" hangingPunct="1"/>
@@ -12474,15 +12417,7 @@
           <a:p>
             <a:r>
               <a:rPr lang="en-US" altLang="zh-TW" dirty="0" smtClean="0"/>
-              <a:t>Focus </a:t>
-            </a:r>
-            <a:r>
-              <a:rPr lang="en-US" altLang="zh-TW" dirty="0" smtClean="0"/>
-              <a:t>in </a:t>
-            </a:r>
-            <a:r>
-              <a:rPr lang="en-US" altLang="zh-TW" dirty="0" smtClean="0"/>
-              <a:t>Educational Data Mining</a:t>
+              <a:t>Focus in Educational Data Mining</a:t>
             </a:r>
             <a:endParaRPr lang="zh-TW" altLang="en-US" dirty="0" smtClean="0"/>
           </a:p>
@@ -12602,11 +12537,6 @@
               </a:rPr>
               <a:t>Visualization &amp; Interpretation</a:t>
             </a:r>
-            <a:endParaRPr lang="en-US" altLang="zh-TW" b="1" dirty="0">
-              <a:solidFill>
-                <a:srgbClr val="0000FF"/>
-              </a:solidFill>
-            </a:endParaRPr>
           </a:p>
           <a:p>
             <a:pPr lvl="1">
@@ -13719,7 +13649,6 @@
               <a:rPr lang="en-US" altLang="zh-TW" dirty="0" smtClean="0"/>
               <a:t>To interpret the analytic results of data mining</a:t>
             </a:r>
-            <a:endParaRPr lang="en-US" altLang="zh-TW" dirty="0" smtClean="0"/>
           </a:p>
         </p:txBody>
       </p:sp>
@@ -15082,11 +15011,6 @@
               </a:rPr>
               <a:t>Applications</a:t>
             </a:r>
-            <a:endParaRPr lang="en-US" altLang="zh-TW" sz="2000" dirty="0" smtClean="0">
-              <a:solidFill>
-                <a:srgbClr val="0000FF"/>
-              </a:solidFill>
-            </a:endParaRPr>
           </a:p>
           <a:p>
             <a:pPr lvl="1" eaLnBrk="1" hangingPunct="1">
@@ -15826,11 +15750,7 @@
             </a:pPr>
             <a:r>
               <a:rPr lang="en-US" altLang="zh-TW" sz="2400" dirty="0" smtClean="0"/>
-              <a:t>Data </a:t>
-            </a:r>
-            <a:r>
-              <a:rPr lang="en-US" altLang="zh-TW" sz="2400" dirty="0" smtClean="0"/>
-              <a:t>characteristics &amp; preprocessing (2 </a:t>
+              <a:t>Data characteristics &amp; preprocessing (2 </a:t>
             </a:r>
             <a:r>
               <a:rPr lang="en-US" altLang="zh-TW" sz="2400" dirty="0" err="1" smtClean="0"/>
@@ -15840,7 +15760,6 @@
               <a:rPr lang="en-US" altLang="zh-TW" sz="2400" dirty="0" smtClean="0"/>
               <a:t>)</a:t>
             </a:r>
-            <a:endParaRPr lang="en-US" altLang="zh-TW" sz="2400" dirty="0" smtClean="0"/>
           </a:p>
           <a:p>
             <a:pPr lvl="1" eaLnBrk="1" hangingPunct="1">
@@ -15869,11 +15788,7 @@
             </a:pPr>
             <a:r>
               <a:rPr lang="en-US" altLang="zh-TW" sz="2400" dirty="0" smtClean="0"/>
-              <a:t>Data classification (</a:t>
-            </a:r>
-            <a:r>
-              <a:rPr lang="en-US" altLang="zh-TW" sz="2400" dirty="0" smtClean="0"/>
-              <a:t>2-3 </a:t>
+              <a:t>Data classification (2-3 </a:t>
             </a:r>
             <a:r>
               <a:rPr lang="en-US" altLang="zh-TW" sz="2400" dirty="0" err="1" smtClean="0"/>
@@ -15892,11 +15807,7 @@
             </a:pPr>
             <a:r>
               <a:rPr lang="en-US" altLang="zh-TW" sz="2800" dirty="0" smtClean="0"/>
-              <a:t>After </a:t>
-            </a:r>
-            <a:r>
-              <a:rPr lang="en-US" altLang="zh-TW" sz="2800" dirty="0" smtClean="0"/>
-              <a:t>midterm </a:t>
+              <a:t>After midterm </a:t>
             </a:r>
           </a:p>
           <a:p>
@@ -15926,11 +15837,7 @@
             </a:pPr>
             <a:r>
               <a:rPr lang="en-US" altLang="zh-TW" sz="2400" dirty="0" smtClean="0"/>
-              <a:t>Introducing </a:t>
-            </a:r>
-            <a:r>
-              <a:rPr lang="en-US" altLang="zh-TW" sz="2400" dirty="0" smtClean="0"/>
-              <a:t>distributed platforms: Hadoop, Spark (1 </a:t>
+              <a:t>Introducing distributed platforms: Hadoop, Spark (1 </a:t>
             </a:r>
             <a:r>
               <a:rPr lang="en-US" altLang="zh-TW" sz="2400" dirty="0" err="1" smtClean="0"/>
@@ -15953,15 +15860,7 @@
             </a:r>
             <a:r>
               <a:rPr lang="en-US" altLang="zh-TW" sz="2400" dirty="0" smtClean="0"/>
-              <a:t> </a:t>
-            </a:r>
-            <a:r>
-              <a:rPr lang="en-US" altLang="zh-TW" sz="2400" dirty="0" smtClean="0"/>
-              <a:t>programming </a:t>
-            </a:r>
-            <a:r>
-              <a:rPr lang="en-US" altLang="zh-TW" sz="2400" dirty="0" smtClean="0"/>
-              <a:t>(1-2 </a:t>
+              <a:t> programming (1-2 </a:t>
             </a:r>
             <a:r>
               <a:rPr lang="en-US" altLang="zh-TW" sz="2400" dirty="0" err="1" smtClean="0"/>
@@ -16078,7 +15977,7 @@
             <p:ph idx="1"/>
             <p:extLst>
               <p:ext uri="{D42A27DB-BD31-4B8C-83A1-F6EECF244321}">
-                <p14:modId xmlns:p14="http://schemas.microsoft.com/office/powerpoint/2010/main" val="2093015647"/>
+                <p14:modId xmlns:p14="http://schemas.microsoft.com/office/powerpoint/2010/main" val="2456314446"/>
               </p:ext>
             </p:extLst>
           </p:nvPr>
@@ -16245,8 +16144,28 @@
                     <a:p>
                       <a:r>
                         <a:rPr lang="en-US" altLang="zh-TW" dirty="0" smtClean="0"/>
-                        <a:t>Course Overview</a:t>
+                        <a:t>Course </a:t>
                       </a:r>
+                      <a:r>
+                        <a:rPr lang="en-US" altLang="zh-TW" dirty="0" smtClean="0"/>
+                        <a:t>Overview</a:t>
+                      </a:r>
+                    </a:p>
+                    <a:p>
+                      <a:r>
+                        <a:rPr lang="hsb-DE" altLang="zh-TW" sz="1800" b="0" i="0" kern="1200" dirty="0" smtClean="0">
+                          <a:solidFill>
+                            <a:schemeClr val="dk1"/>
+                          </a:solidFill>
+                          <a:effectLst/>
+                          <a:latin typeface="+mn-lt"/>
+                          <a:ea typeface="+mn-ea"/>
+                          <a:cs typeface="+mn-cs"/>
+                          <a:hlinkClick r:id="rId2"/>
+                        </a:rPr>
+                        <a:t>Ch.1, Introduction</a:t>
+                      </a:r>
+                      <a:endParaRPr lang="en-US" altLang="zh-TW" dirty="0" smtClean="0"/>
                     </a:p>
                   </a:txBody>
                   <a:tcPr/>
@@ -16333,22 +16252,9 @@
                           <a:latin typeface="+mn-lt"/>
                           <a:ea typeface="+mn-ea"/>
                           <a:cs typeface="+mn-cs"/>
-                          <a:hlinkClick r:id="rId2"/>
+                          <a:hlinkClick r:id="rId3"/>
                         </a:rPr>
-                        <a:t>Ch.2</a:t>
-                      </a:r>
-                      <a:r>
-                        <a:rPr lang="en-US" altLang="zh-TW" sz="1800" b="0" i="0" kern="1200" dirty="0" smtClean="0">
-                          <a:solidFill>
-                            <a:schemeClr val="dk1"/>
-                          </a:solidFill>
-                          <a:effectLst/>
-                          <a:latin typeface="+mn-lt"/>
-                          <a:ea typeface="+mn-ea"/>
-                          <a:cs typeface="+mn-cs"/>
-                          <a:hlinkClick r:id="rId2"/>
-                        </a:rPr>
-                        <a:t>, Getting to Know Your Data</a:t>
+                        <a:t>Ch.2, Data, Measurements, and Data Preprocessing</a:t>
                       </a:r>
                       <a:endParaRPr lang="en-US" altLang="zh-TW" sz="1800" b="0" i="0" kern="1200" dirty="0" smtClean="0">
                         <a:solidFill>
@@ -16444,9 +16350,8 @@
                           <a:latin typeface="+mn-lt"/>
                           <a:ea typeface="+mn-ea"/>
                           <a:cs typeface="+mn-cs"/>
-                          <a:hlinkClick r:id="rId3"/>
                         </a:rPr>
-                        <a:t>Ch.3, Data Preprocessing</a:t>
+                        <a:t>(Case Study: Preprocessing Educational Open Data)</a:t>
                       </a:r>
                       <a:endParaRPr lang="en-US" dirty="0" smtClean="0">
                         <a:hlinkClick r:id="rId4"/>
@@ -16516,8 +16421,17 @@
                     <a:lstStyle/>
                     <a:p>
                       <a:r>
-                        <a:rPr lang="en-US" altLang="zh-TW" dirty="0" smtClean="0"/>
-                        <a:t>Ch.3</a:t>
+                        <a:rPr lang="en-US" altLang="zh-TW" sz="1800" b="0" i="0" kern="1200" dirty="0" smtClean="0">
+                          <a:solidFill>
+                            <a:schemeClr val="dk1"/>
+                          </a:solidFill>
+                          <a:effectLst/>
+                          <a:latin typeface="+mn-lt"/>
+                          <a:ea typeface="+mn-ea"/>
+                          <a:cs typeface="+mn-cs"/>
+                          <a:hlinkClick r:id="rId5"/>
+                        </a:rPr>
+                        <a:t>Ch.4, Pattern Mining: Basic Concepts and Methods</a:t>
                       </a:r>
                       <a:endParaRPr lang="en-US" altLang="zh-TW" dirty="0"/>
                     </a:p>
@@ -16733,10 +16647,17 @@
                         <a:defRPr/>
                       </a:pPr>
                       <a:r>
-                        <a:rPr lang="en-US" altLang="zh-TW" dirty="0" smtClean="0">
-                          <a:hlinkClick r:id="rId4"/>
+                        <a:rPr lang="en-US" altLang="zh-TW" sz="1800" b="0" i="0" kern="1200" dirty="0" smtClean="0">
+                          <a:solidFill>
+                            <a:schemeClr val="dk1"/>
+                          </a:solidFill>
+                          <a:effectLst/>
+                          <a:latin typeface="+mn-lt"/>
+                          <a:ea typeface="+mn-ea"/>
+                          <a:cs typeface="+mn-cs"/>
+                          <a:hlinkClick r:id="rId6"/>
                         </a:rPr>
-                        <a:t>Ch.6, Frequent Pattern Mining</a:t>
+                        <a:t>Ch.5, Pattern Mining: Advanced Methods</a:t>
                       </a:r>
                       <a:endParaRPr lang="en-US" altLang="zh-TW" dirty="0" smtClean="0"/>
                     </a:p>
@@ -16857,9 +16778,22 @@
                           <a:latin typeface="+mn-lt"/>
                           <a:ea typeface="+mn-ea"/>
                           <a:cs typeface="+mn-cs"/>
-                          <a:hlinkClick r:id="rId5"/>
+                          <a:hlinkClick r:id="rId7"/>
                         </a:rPr>
-                        <a:t>Ch.8, Classification: Basic Concepts</a:t>
+                        <a:t>Ch.6, </a:t>
+                      </a:r>
+                      <a:r>
+                        <a:rPr lang="en-US" altLang="zh-TW" sz="1800" b="0" i="0" kern="1200" dirty="0" smtClean="0">
+                          <a:solidFill>
+                            <a:schemeClr val="dk1"/>
+                          </a:solidFill>
+                          <a:effectLst/>
+                          <a:latin typeface="+mn-lt"/>
+                          <a:ea typeface="+mn-ea"/>
+                          <a:cs typeface="+mn-cs"/>
+                          <a:hlinkClick r:id="rId7"/>
+                        </a:rPr>
+                        <a:t>Classification: Basic Concepts</a:t>
                       </a:r>
                       <a:endParaRPr lang="zh-TW" altLang="en-US" dirty="0" smtClean="0"/>
                     </a:p>
@@ -17977,7 +17911,7 @@
             <p:ph idx="1"/>
             <p:extLst>
               <p:ext uri="{D42A27DB-BD31-4B8C-83A1-F6EECF244321}">
-                <p14:modId xmlns:p14="http://schemas.microsoft.com/office/powerpoint/2010/main" val="1027364102"/>
+                <p14:modId xmlns:p14="http://schemas.microsoft.com/office/powerpoint/2010/main" val="3413934489"/>
               </p:ext>
             </p:extLst>
           </p:nvPr>
@@ -18145,7 +18079,7 @@
                       </a:pPr>
                       <a:r>
                         <a:rPr lang="en-US" altLang="zh-TW" sz="1800" dirty="0" smtClean="0"/>
-                        <a:t>Ch.8</a:t>
+                        <a:t>Ch.6</a:t>
                       </a:r>
                       <a:endParaRPr lang="zh-TW" altLang="en-US" sz="1800" dirty="0" smtClean="0"/>
                     </a:p>
@@ -18237,7 +18171,20 @@
                           <a:cs typeface="+mn-cs"/>
                           <a:hlinkClick r:id="rId2"/>
                         </a:rPr>
-                        <a:t>Ch.9, Classification: Advanced Methods</a:t>
+                        <a:t>Ch.7, </a:t>
+                      </a:r>
+                      <a:r>
+                        <a:rPr lang="en-US" altLang="zh-TW" sz="1800" b="0" i="0" kern="1200" dirty="0" smtClean="0">
+                          <a:solidFill>
+                            <a:schemeClr val="dk1"/>
+                          </a:solidFill>
+                          <a:effectLst/>
+                          <a:latin typeface="+mn-lt"/>
+                          <a:ea typeface="+mn-ea"/>
+                          <a:cs typeface="+mn-cs"/>
+                          <a:hlinkClick r:id="rId2"/>
+                        </a:rPr>
+                        <a:t>Classification: Advanced Methods</a:t>
                       </a:r>
                       <a:endParaRPr lang="zh-TW" altLang="en-US" sz="1800" dirty="0" smtClean="0"/>
                     </a:p>
@@ -18344,11 +18291,7 @@
                       </a:r>
                       <a:r>
                         <a:rPr lang="en-US" sz="1800" dirty="0" smtClean="0"/>
-                        <a:t>: Midterm</a:t>
-                      </a:r>
-                      <a:r>
-                        <a:rPr lang="en-US" sz="1800" dirty="0" smtClean="0"/>
-                        <a:t>)</a:t>
+                        <a:t>: Midterm)</a:t>
                       </a:r>
                       <a:endParaRPr lang="en-US" sz="1800" dirty="0"/>
                     </a:p>
@@ -18439,7 +18382,20 @@
                           <a:cs typeface="+mn-cs"/>
                           <a:hlinkClick r:id="rId3"/>
                         </a:rPr>
-                        <a:t>Ch.10, Cluster Analysis: Basic Concepts and Methods</a:t>
+                        <a:t>Ch.8, </a:t>
+                      </a:r>
+                      <a:r>
+                        <a:rPr lang="en-US" altLang="zh-TW" sz="1800" b="0" i="0" kern="1200" dirty="0" smtClean="0">
+                          <a:solidFill>
+                            <a:schemeClr val="dk1"/>
+                          </a:solidFill>
+                          <a:effectLst/>
+                          <a:latin typeface="+mn-lt"/>
+                          <a:ea typeface="+mn-ea"/>
+                          <a:cs typeface="+mn-cs"/>
+                          <a:hlinkClick r:id="rId3"/>
+                        </a:rPr>
+                        <a:t>Cluster Analysis: Basic Concepts and Methods</a:t>
                       </a:r>
                       <a:endParaRPr lang="zh-TW" altLang="en-US" sz="1800" dirty="0" smtClean="0"/>
                     </a:p>
@@ -18485,11 +18441,7 @@
                     <a:p>
                       <a:r>
                         <a:rPr lang="en-US" altLang="zh-TW" sz="1800" dirty="0" smtClean="0"/>
-                        <a:t>Due</a:t>
-                      </a:r>
-                      <a:r>
-                        <a:rPr lang="en-US" altLang="zh-TW" sz="1800" dirty="0" smtClean="0"/>
-                        <a:t>: Proposal</a:t>
+                        <a:t>Due: Proposal</a:t>
                       </a:r>
                       <a:endParaRPr lang="zh-TW" altLang="en-US" sz="1800" dirty="0"/>
                     </a:p>
@@ -18984,7 +18936,6 @@
                         <a:rPr lang="en-US" altLang="zh-TW" sz="1800" dirty="0" smtClean="0"/>
                         <a:t>12/20</a:t>
                       </a:r>
-                      <a:endParaRPr lang="en-US" altLang="zh-TW" sz="1800" dirty="0" smtClean="0"/>
                     </a:p>
                   </a:txBody>
                   <a:tcPr marT="45682" marB="45682"/>
@@ -19261,11 +19212,7 @@
                       </a:r>
                       <a:r>
                         <a:rPr lang="en-US" altLang="zh-TW" sz="1800" dirty="0" smtClean="0"/>
-                        <a:t>Due</a:t>
-                      </a:r>
-                      <a:r>
-                        <a:rPr lang="en-US" altLang="zh-TW" sz="1800" dirty="0" smtClean="0"/>
-                        <a:t>: Final report</a:t>
+                        <a:t>Due: Final report</a:t>
                       </a:r>
                       <a:endParaRPr lang="zh-TW" altLang="en-US" sz="1800" dirty="0"/>
                     </a:p>
@@ -19879,13 +19826,8 @@
             </a:pPr>
             <a:r>
               <a:rPr lang="en-US" altLang="zh-TW" dirty="0" smtClean="0"/>
-              <a:t>Near-duplicate codes will get equal and </a:t>
-            </a:r>
-            <a:r>
-              <a:rPr lang="en-US" altLang="zh-TW" dirty="0" smtClean="0"/>
-              <a:t>deducted scores</a:t>
-            </a:r>
-            <a:endParaRPr lang="en-US" altLang="zh-TW" dirty="0" smtClean="0"/>
+              <a:t>Near-duplicate codes will get equal and deducted scores</a:t>
+            </a:r>
           </a:p>
           <a:p>
             <a:pPr>
@@ -19914,21 +19856,8 @@
             </a:pPr>
             <a:r>
               <a:rPr lang="en-US" altLang="zh-TW" dirty="0" smtClean="0"/>
-              <a:t>Instructions on downloading, installing, configuring, and executing your </a:t>
-            </a:r>
-            <a:r>
-              <a:rPr lang="en-US" altLang="zh-TW" dirty="0" smtClean="0"/>
-              <a:t>code, open </a:t>
-            </a:r>
-            <a:r>
-              <a:rPr lang="en-US" altLang="zh-TW" dirty="0" smtClean="0"/>
-              <a:t>source library, APIs, or codes must be </a:t>
-            </a:r>
-            <a:r>
-              <a:rPr lang="en-US" altLang="zh-TW" dirty="0" smtClean="0"/>
-              <a:t>included in the documentation</a:t>
-            </a:r>
-            <a:endParaRPr lang="en-US" altLang="zh-TW" dirty="0" smtClean="0"/>
+              <a:t>Instructions on downloading, installing, configuring, and executing your code, open source library, APIs, or codes must be included in the documentation</a:t>
+            </a:r>
           </a:p>
           <a:p>
             <a:pPr lvl="1">
@@ -20533,21 +20462,12 @@
                   <a:srgbClr val="FF0000"/>
                 </a:solidFill>
               </a:rPr>
-              <a:t>Nov. 21, </a:t>
-            </a:r>
-            <a:r>
-              <a:rPr lang="en-US" altLang="zh-TW" sz="2400" dirty="0" smtClean="0">
-                <a:solidFill>
-                  <a:srgbClr val="FF0000"/>
-                </a:solidFill>
-              </a:rPr>
-              <a:t>2023</a:t>
+              <a:t>Nov. 21, 2023</a:t>
             </a:r>
             <a:r>
               <a:rPr lang="en-US" altLang="zh-TW" sz="2400" dirty="0" smtClean="0"/>
               <a:t>)</a:t>
             </a:r>
-            <a:endParaRPr lang="en-US" altLang="zh-TW" sz="2400" dirty="0" smtClean="0"/>
           </a:p>
           <a:p>
             <a:pPr lvl="1" eaLnBrk="1" hangingPunct="1"/>
@@ -20577,21 +20497,12 @@
                   <a:srgbClr val="FF0000"/>
                 </a:solidFill>
               </a:rPr>
-              <a:t>Dec. 19, </a:t>
-            </a:r>
-            <a:r>
-              <a:rPr lang="en-US" altLang="zh-TW" sz="2400" dirty="0" smtClean="0">
-                <a:solidFill>
-                  <a:srgbClr val="FF0000"/>
-                </a:solidFill>
-              </a:rPr>
-              <a:t>2023</a:t>
+              <a:t>Dec. 19, 2023</a:t>
             </a:r>
             <a:r>
               <a:rPr lang="en-US" altLang="zh-TW" sz="2400" dirty="0" smtClean="0"/>
               <a:t>)</a:t>
             </a:r>
-            <a:endParaRPr lang="en-US" altLang="zh-TW" sz="2400" dirty="0" smtClean="0"/>
           </a:p>
           <a:p>
             <a:pPr lvl="1" eaLnBrk="1" hangingPunct="1"/>
@@ -20609,21 +20520,12 @@
                   <a:srgbClr val="FF0000"/>
                 </a:solidFill>
               </a:rPr>
-              <a:t>Jan. </a:t>
-            </a:r>
-            <a:r>
-              <a:rPr lang="en-US" altLang="zh-TW" sz="2400" dirty="0" smtClean="0">
-                <a:solidFill>
-                  <a:srgbClr val="FF0000"/>
-                </a:solidFill>
-              </a:rPr>
-              <a:t>12, 2024</a:t>
+              <a:t>Jan. 12, 2024</a:t>
             </a:r>
             <a:r>
               <a:rPr lang="en-US" altLang="zh-TW" sz="2400" dirty="0" smtClean="0"/>
               <a:t>)</a:t>
             </a:r>
-            <a:endParaRPr lang="en-US" altLang="zh-TW" sz="2400" dirty="0" smtClean="0"/>
           </a:p>
           <a:p>
             <a:pPr lvl="2" eaLnBrk="1" hangingPunct="1"/>
@@ -21210,11 +21112,7 @@
             </a:pPr>
             <a:r>
               <a:rPr lang="en-US" altLang="zh-TW" dirty="0" smtClean="0"/>
-              <a:t>You can write your own code in any programming </a:t>
-            </a:r>
-            <a:r>
-              <a:rPr lang="en-US" altLang="zh-TW" dirty="0" smtClean="0"/>
-              <a:t>language</a:t>
+              <a:t>You can write your own code in any programming language</a:t>
             </a:r>
           </a:p>
           <a:p>
@@ -21225,7 +21123,6 @@
               <a:rPr lang="en-US" altLang="zh-TW" dirty="0" smtClean="0"/>
               <a:t>Python, R, …</a:t>
             </a:r>
-            <a:endParaRPr lang="en-US" altLang="zh-TW" dirty="0" smtClean="0"/>
           </a:p>
           <a:p>
             <a:pPr>
@@ -21336,13 +21233,8 @@
             </a:pPr>
             <a:r>
               <a:rPr lang="en-US" altLang="zh-TW" dirty="0" smtClean="0"/>
-              <a:t>Any </a:t>
-            </a:r>
-            <a:r>
-              <a:rPr lang="en-US" altLang="zh-TW" dirty="0" smtClean="0"/>
-              <a:t>application on educational data</a:t>
-            </a:r>
-            <a:endParaRPr lang="en-US" altLang="zh-TW" dirty="0" smtClean="0"/>
+              <a:t>Any application on educational data</a:t>
+            </a:r>
           </a:p>
           <a:p>
             <a:pPr lvl="1">
@@ -21366,13 +21258,8 @@
             </a:r>
             <a:r>
               <a:rPr lang="en-US" altLang="zh-TW" dirty="0" smtClean="0"/>
-              <a:t>, </a:t>
-            </a:r>
-            <a:r>
-              <a:rPr lang="en-US" altLang="zh-TW" dirty="0" smtClean="0"/>
-              <a:t>NERDA, …</a:t>
-            </a:r>
-            <a:endParaRPr lang="en-US" altLang="zh-TW" dirty="0" smtClean="0"/>
+              <a:t>, NERDA, …</a:t>
+            </a:r>
           </a:p>
         </p:txBody>
       </p:sp>
@@ -28139,13 +28026,8 @@
           <a:p>
             <a:r>
               <a:rPr lang="en-US" altLang="zh-TW" dirty="0" smtClean="0"/>
-              <a:t>CSIE juniors and </a:t>
-            </a:r>
-            <a:r>
-              <a:rPr lang="en-US" altLang="zh-TW" dirty="0" smtClean="0"/>
-              <a:t>above</a:t>
-            </a:r>
-            <a:endParaRPr lang="en-US" altLang="zh-TW" dirty="0" smtClean="0"/>
+              <a:t>CSIE juniors and above</a:t>
+            </a:r>
           </a:p>
           <a:p>
             <a:r>
@@ -28793,19 +28675,12 @@
               <a:rPr lang="en-US" altLang="zh-TW" dirty="0" smtClean="0">
                 <a:hlinkClick r:id="rId2"/>
               </a:rPr>
-              <a:t>https</a:t>
-            </a:r>
-            <a:r>
-              <a:rPr lang="en-US" altLang="zh-TW" dirty="0" smtClean="0">
-                <a:hlinkClick r:id="rId2"/>
-              </a:rPr>
-              <a:t>://oaa.ntut.edu.tw/p/412-1008-17153.php?Lang=zh-tw</a:t>
+              <a:t>https://oaa.ntut.edu.tw/p/412-1008-17153.php?Lang=zh-tw</a:t>
             </a:r>
             <a:r>
               <a:rPr lang="en-US" altLang="zh-TW" dirty="0" smtClean="0"/>
               <a:t> </a:t>
             </a:r>
-            <a:endParaRPr lang="en-US" altLang="zh-TW" dirty="0" smtClean="0"/>
           </a:p>
           <a:p>
             <a:pPr lvl="1"/>
@@ -28861,7 +28736,6 @@
               <a:rPr lang="en-US" altLang="zh-TW" dirty="0" smtClean="0"/>
               <a:t> </a:t>
             </a:r>
-            <a:endParaRPr lang="en-US" altLang="zh-TW" dirty="0" smtClean="0"/>
           </a:p>
           <a:p>
             <a:r>
@@ -29002,11 +28876,7 @@
           <a:p>
             <a:r>
               <a:rPr lang="en-US" altLang="zh-TW" dirty="0" smtClean="0"/>
-              <a:t>Differences between </a:t>
-            </a:r>
-            <a:r>
-              <a:rPr lang="en-US" altLang="zh-TW" dirty="0" smtClean="0"/>
-              <a:t>Courses with Similar Names</a:t>
+              <a:t>Differences between Courses with Similar Names</a:t>
             </a:r>
             <a:endParaRPr lang="zh-TW" altLang="en-US" dirty="0"/>
           </a:p>
@@ -29038,15 +28908,7 @@
             <a:pPr lvl="1"/>
             <a:r>
               <a:rPr lang="en-US" altLang="zh-TW" dirty="0" smtClean="0"/>
-              <a:t>Basics</a:t>
-            </a:r>
-            <a:r>
-              <a:rPr lang="en-US" altLang="zh-TW" dirty="0" smtClean="0"/>
-              <a:t>: Introduction to Big Data </a:t>
-            </a:r>
-            <a:r>
-              <a:rPr lang="en-US" altLang="zh-TW" dirty="0" smtClean="0"/>
-              <a:t>Analytics</a:t>
+              <a:t>Basics: Introduction to Big Data Analytics</a:t>
             </a:r>
           </a:p>
           <a:p>
@@ -29077,17 +28939,12 @@
               <a:rPr lang="en-US" altLang="zh-TW" dirty="0" smtClean="0"/>
               <a:t>Data mining concept + educational data analysis</a:t>
             </a:r>
-            <a:endParaRPr lang="en-US" altLang="zh-TW" dirty="0" smtClean="0"/>
           </a:p>
           <a:p>
             <a:pPr lvl="1"/>
             <a:r>
               <a:rPr lang="en-US" altLang="zh-TW" dirty="0" smtClean="0"/>
-              <a:t>Advanced: Big Data Mining and </a:t>
-            </a:r>
-            <a:r>
-              <a:rPr lang="en-US" altLang="zh-TW" dirty="0" smtClean="0"/>
-              <a:t>Applications</a:t>
+              <a:t>Advanced: Big Data Mining and Applications</a:t>
             </a:r>
           </a:p>
           <a:p>
@@ -29124,11 +28981,7 @@
             <a:pPr lvl="1"/>
             <a:r>
               <a:rPr lang="en-US" altLang="zh-TW" dirty="0" smtClean="0"/>
-              <a:t>Basics: Big Data </a:t>
-            </a:r>
-            <a:r>
-              <a:rPr lang="en-US" altLang="zh-TW" dirty="0" smtClean="0"/>
-              <a:t>Analytics</a:t>
+              <a:t>Basics: Big Data Analytics</a:t>
             </a:r>
           </a:p>
           <a:p>
@@ -29137,7 +28990,6 @@
               <a:rPr lang="en-US" altLang="zh-TW" dirty="0" smtClean="0"/>
               <a:t>Data mining concepts</a:t>
             </a:r>
-            <a:endParaRPr lang="en-US" altLang="zh-TW" dirty="0" smtClean="0"/>
           </a:p>
           <a:p>
             <a:pPr lvl="1"/>

--- a/EDM/00-overview.pptx
+++ b/EDM/00-overview.pptx
@@ -8034,7 +8034,7 @@
             <a:pPr eaLnBrk="1" hangingPunct="1"/>
             <a:r>
               <a:rPr lang="en-US" altLang="zh-TW" dirty="0" smtClean="0"/>
-              <a:t>Sep. 7, 2023</a:t>
+              <a:t>Sep. 12, 2023</a:t>
             </a:r>
           </a:p>
         </p:txBody>
@@ -9515,19 +9515,11 @@
             </a:r>
             <a:r>
               <a:rPr lang="en-US" altLang="zh-TW" b="1" dirty="0" smtClean="0"/>
-              <a:t>DM4] Ch.1-2, </a:t>
-            </a:r>
-            <a:r>
-              <a:rPr lang="en-US" altLang="zh-TW" b="1" dirty="0" smtClean="0"/>
-              <a:t>4-5, </a:t>
-            </a:r>
-            <a:r>
-              <a:rPr lang="en-US" altLang="zh-TW" b="1" dirty="0" smtClean="0"/>
-              <a:t>6, </a:t>
-            </a:r>
-            <a:r>
-              <a:rPr lang="en-US" altLang="zh-TW" b="1" dirty="0" smtClean="0"/>
-              <a:t>8</a:t>
+              <a:t>DM4] Ch.1-2, 4-5, 6</a:t>
+            </a:r>
+            <a:r>
+              <a:rPr lang="en-US" altLang="zh-TW" b="1" smtClean="0"/>
+              <a:t>, 7 (part), 8</a:t>
             </a:r>
             <a:endParaRPr lang="en-US" altLang="zh-TW" dirty="0" smtClean="0"/>
           </a:p>
@@ -16144,11 +16136,7 @@
                     <a:p>
                       <a:r>
                         <a:rPr lang="en-US" altLang="zh-TW" dirty="0" smtClean="0"/>
-                        <a:t>Course </a:t>
-                      </a:r>
-                      <a:r>
-                        <a:rPr lang="en-US" altLang="zh-TW" dirty="0" smtClean="0"/>
-                        <a:t>Overview</a:t>
+                        <a:t>Course Overview</a:t>
                       </a:r>
                     </a:p>
                     <a:p>
@@ -16770,7 +16758,7 @@
                         <a:defRPr/>
                       </a:pPr>
                       <a:r>
-                        <a:rPr lang="en-US" altLang="zh-TW" sz="1800" b="0" i="0" kern="1200" dirty="0" smtClean="0">
+                        <a:rPr lang="hsb-DE" altLang="zh-TW" sz="1800" b="0" i="0" kern="1200" dirty="0" smtClean="0">
                           <a:solidFill>
                             <a:schemeClr val="dk1"/>
                           </a:solidFill>
@@ -16780,20 +16768,7 @@
                           <a:cs typeface="+mn-cs"/>
                           <a:hlinkClick r:id="rId7"/>
                         </a:rPr>
-                        <a:t>Ch.6, </a:t>
-                      </a:r>
-                      <a:r>
-                        <a:rPr lang="en-US" altLang="zh-TW" sz="1800" b="0" i="0" kern="1200" dirty="0" smtClean="0">
-                          <a:solidFill>
-                            <a:schemeClr val="dk1"/>
-                          </a:solidFill>
-                          <a:effectLst/>
-                          <a:latin typeface="+mn-lt"/>
-                          <a:ea typeface="+mn-ea"/>
-                          <a:cs typeface="+mn-cs"/>
-                          <a:hlinkClick r:id="rId7"/>
-                        </a:rPr>
-                        <a:t>Classification: Basic Concepts</a:t>
+                        <a:t>Ch.6, Classification: Basic Concepts</a:t>
                       </a:r>
                       <a:endParaRPr lang="zh-TW" altLang="en-US" dirty="0" smtClean="0"/>
                     </a:p>
@@ -17911,7 +17886,7 @@
             <p:ph idx="1"/>
             <p:extLst>
               <p:ext uri="{D42A27DB-BD31-4B8C-83A1-F6EECF244321}">
-                <p14:modId xmlns:p14="http://schemas.microsoft.com/office/powerpoint/2010/main" val="3413934489"/>
+                <p14:modId xmlns:p14="http://schemas.microsoft.com/office/powerpoint/2010/main" val="3433910544"/>
               </p:ext>
             </p:extLst>
           </p:nvPr>
@@ -18161,7 +18136,7 @@
                         <a:defRPr/>
                       </a:pPr>
                       <a:r>
-                        <a:rPr lang="en-US" altLang="zh-TW" sz="1800" b="0" i="0" kern="1200" dirty="0" smtClean="0">
+                        <a:rPr lang="hsb-DE" altLang="zh-TW" sz="1800" b="0" i="0" kern="1200" dirty="0" smtClean="0">
                           <a:solidFill>
                             <a:schemeClr val="dk1"/>
                           </a:solidFill>
@@ -18171,20 +18146,7 @@
                           <a:cs typeface="+mn-cs"/>
                           <a:hlinkClick r:id="rId2"/>
                         </a:rPr>
-                        <a:t>Ch.7, </a:t>
-                      </a:r>
-                      <a:r>
-                        <a:rPr lang="en-US" altLang="zh-TW" sz="1800" b="0" i="0" kern="1200" dirty="0" smtClean="0">
-                          <a:solidFill>
-                            <a:schemeClr val="dk1"/>
-                          </a:solidFill>
-                          <a:effectLst/>
-                          <a:latin typeface="+mn-lt"/>
-                          <a:ea typeface="+mn-ea"/>
-                          <a:cs typeface="+mn-cs"/>
-                          <a:hlinkClick r:id="rId2"/>
-                        </a:rPr>
-                        <a:t>Classification: Advanced Methods</a:t>
+                        <a:t>Ch.7, Classification: Advanced Methods</a:t>
                       </a:r>
                       <a:endParaRPr lang="zh-TW" altLang="en-US" sz="1800" dirty="0" smtClean="0"/>
                     </a:p>
@@ -18382,20 +18344,7 @@
                           <a:cs typeface="+mn-cs"/>
                           <a:hlinkClick r:id="rId3"/>
                         </a:rPr>
-                        <a:t>Ch.8, </a:t>
-                      </a:r>
-                      <a:r>
-                        <a:rPr lang="en-US" altLang="zh-TW" sz="1800" b="0" i="0" kern="1200" dirty="0" smtClean="0">
-                          <a:solidFill>
-                            <a:schemeClr val="dk1"/>
-                          </a:solidFill>
-                          <a:effectLst/>
-                          <a:latin typeface="+mn-lt"/>
-                          <a:ea typeface="+mn-ea"/>
-                          <a:cs typeface="+mn-cs"/>
-                          <a:hlinkClick r:id="rId3"/>
-                        </a:rPr>
-                        <a:t>Cluster Analysis: Basic Concepts and Methods</a:t>
+                        <a:t>Ch.8, Cluster Analysis: Basic Concepts and Methods</a:t>
                       </a:r>
                       <a:endParaRPr lang="zh-TW" altLang="en-US" sz="1800" dirty="0" smtClean="0"/>
                     </a:p>
@@ -18494,51 +18443,22 @@
                     <a:bodyPr/>
                     <a:lstStyle/>
                     <a:p>
-                      <a:pPr marL="0" marR="0" indent="0" algn="l" defTabSz="914400" rtl="0" eaLnBrk="1" fontAlgn="auto" latinLnBrk="0" hangingPunct="1">
-                        <a:lnSpc>
-                          <a:spcPct val="100000"/>
-                        </a:lnSpc>
-                        <a:spcBef>
-                          <a:spcPts val="0"/>
-                        </a:spcBef>
-                        <a:spcAft>
-                          <a:spcPts val="0"/>
-                        </a:spcAft>
-                        <a:buClrTx/>
-                        <a:buSzTx/>
-                        <a:buFontTx/>
-                        <a:buNone/>
-                        <a:tabLst/>
-                        <a:defRPr/>
-                      </a:pPr>
                       <a:r>
-                        <a:rPr lang="en-US" altLang="zh-TW" sz="1800" b="0" i="0" kern="1200" dirty="0" smtClean="0">
-                          <a:solidFill>
-                            <a:schemeClr val="dk1"/>
-                          </a:solidFill>
-                          <a:effectLst/>
-                          <a:latin typeface="+mn-lt"/>
-                          <a:ea typeface="+mn-ea"/>
-                          <a:cs typeface="+mn-cs"/>
+                        <a:rPr lang="en-US" dirty="0" smtClean="0">
                           <a:hlinkClick r:id="rId4"/>
                         </a:rPr>
-                        <a:t>Distributed Platforms</a:t>
+                        <a:t>Ch.9</a:t>
                       </a:r>
                       <a:r>
-                        <a:rPr lang="en-US" altLang="zh-TW" sz="1800" b="0" i="0" kern="1200" dirty="0" smtClean="0">
-                          <a:solidFill>
-                            <a:schemeClr val="dk1"/>
-                          </a:solidFill>
-                          <a:effectLst/>
-                          <a:latin typeface="+mn-lt"/>
-                          <a:ea typeface="+mn-ea"/>
-                          <a:cs typeface="+mn-cs"/>
+                        <a:rPr lang="en-US" dirty="0">
+                          <a:hlinkClick r:id="rId4"/>
                         </a:rPr>
-                        <a:t>: Hadoop, Spark </a:t>
+                        <a:t>, Cluster Analysis: Advanced Methods</a:t>
                       </a:r>
+                      <a:endParaRPr lang="en-US" dirty="0"/>
                     </a:p>
                   </a:txBody>
-                  <a:tcPr marT="45729" marB="45729"/>
+                  <a:tcPr anchor="ctr"/>
                 </a:tc>
                 <a:tc>
                   <a:txBody>
@@ -18596,6 +18516,23 @@
                     <a:bodyPr/>
                     <a:lstStyle/>
                     <a:p>
+                      <a:pPr marL="0" marR="0" indent="0" algn="l" defTabSz="914400" rtl="0" eaLnBrk="1" fontAlgn="auto" latinLnBrk="0" hangingPunct="1">
+                        <a:lnSpc>
+                          <a:spcPct val="100000"/>
+                        </a:lnSpc>
+                        <a:spcBef>
+                          <a:spcPts val="0"/>
+                        </a:spcBef>
+                        <a:spcAft>
+                          <a:spcPts val="0"/>
+                        </a:spcAft>
+                        <a:buClrTx/>
+                        <a:buSzTx/>
+                        <a:buFontTx/>
+                        <a:buNone/>
+                        <a:tabLst/>
+                        <a:defRPr/>
+                      </a:pPr>
                       <a:r>
                         <a:rPr lang="en-US" altLang="zh-TW" sz="1800" b="0" i="0" kern="1200" dirty="0" smtClean="0">
                           <a:solidFill>
@@ -18607,7 +18544,47 @@
                           <a:cs typeface="+mn-cs"/>
                           <a:hlinkClick r:id="rId5"/>
                         </a:rPr>
-                        <a:t>MapReduce Programming</a:t>
+                        <a:t>Distributed Platforms</a:t>
+                      </a:r>
+                      <a:r>
+                        <a:rPr lang="en-US" altLang="zh-TW" sz="1800" b="0" i="0" kern="1200" dirty="0" smtClean="0">
+                          <a:solidFill>
+                            <a:schemeClr val="dk1"/>
+                          </a:solidFill>
+                          <a:effectLst/>
+                          <a:latin typeface="+mn-lt"/>
+                          <a:ea typeface="+mn-ea"/>
+                          <a:cs typeface="+mn-cs"/>
+                        </a:rPr>
+                        <a:t>: Hadoop, Spark </a:t>
+                      </a:r>
+                    </a:p>
+                    <a:p>
+                      <a:r>
+                        <a:rPr lang="en-US" altLang="zh-TW" sz="1800" b="0" i="0" kern="1200" dirty="0" err="1" smtClean="0">
+                          <a:solidFill>
+                            <a:schemeClr val="dk1"/>
+                          </a:solidFill>
+                          <a:effectLst/>
+                          <a:latin typeface="+mn-lt"/>
+                          <a:ea typeface="+mn-ea"/>
+                          <a:cs typeface="+mn-cs"/>
+                          <a:hlinkClick r:id="rId6"/>
+                        </a:rPr>
+                        <a:t>MapReduce</a:t>
+                      </a:r>
+                      <a:r>
+                        <a:rPr lang="en-US" altLang="zh-TW" sz="1800" b="0" i="0" kern="1200" dirty="0" smtClean="0">
+                          <a:solidFill>
+                            <a:schemeClr val="dk1"/>
+                          </a:solidFill>
+                          <a:effectLst/>
+                          <a:latin typeface="+mn-lt"/>
+                          <a:ea typeface="+mn-ea"/>
+                          <a:cs typeface="+mn-cs"/>
+                          <a:hlinkClick r:id="rId6"/>
+                        </a:rPr>
+                        <a:t> Programming</a:t>
                       </a:r>
                       <a:endParaRPr lang="zh-TW" altLang="en-US" sz="1800" dirty="0"/>
                     </a:p>
@@ -18708,7 +18685,7 @@
                           <a:latin typeface="+mn-lt"/>
                           <a:ea typeface="+mn-ea"/>
                           <a:cs typeface="+mn-cs"/>
-                          <a:hlinkClick r:id="rId6"/>
+                          <a:hlinkClick r:id="rId7"/>
                         </a:rPr>
                         <a:t>Spark Programming</a:t>
                       </a:r>
@@ -28740,8 +28717,17 @@
           <a:p>
             <a:r>
               <a:rPr lang="en-US" altLang="zh-TW" dirty="0" smtClean="0"/>
-              <a:t>NOTE: For CS students, this course is NOT qualified for the micro courses</a:t>
-            </a:r>
+              <a:t>NOTE: For CS students, this course is NOT </a:t>
+            </a:r>
+            <a:r>
+              <a:rPr lang="en-US" altLang="zh-TW" dirty="0" smtClean="0"/>
+              <a:t>credited as the </a:t>
+            </a:r>
+            <a:r>
+              <a:rPr lang="en-US" altLang="zh-TW" smtClean="0"/>
+              <a:t>cross-college credits</a:t>
+            </a:r>
+            <a:endParaRPr lang="en-US" altLang="zh-TW" dirty="0" smtClean="0"/>
           </a:p>
           <a:p>
             <a:endParaRPr lang="zh-TW" altLang="en-US" dirty="0"/>

--- a/EDM/00-overview.pptx
+++ b/EDM/00-overview.pptx
@@ -518,6 +518,11 @@
         </p:txBody>
       </p:sp>
     </p:spTree>
+    <p:extLst>
+      <p:ext uri="{BB962C8B-B14F-4D97-AF65-F5344CB8AC3E}">
+        <p14:creationId xmlns:p14="http://schemas.microsoft.com/office/powerpoint/2010/main" val="1"/>
+      </p:ext>
+    </p:extLst>
   </p:cSld>
   <p:clrMap bg1="lt1" tx1="dk1" bg2="lt2" tx2="dk2" accent1="accent1" accent2="accent2" accent3="accent3" accent4="accent4" accent5="accent5" accent6="accent6" hlink="hlink" folHlink="folHlink"/>
 </p:handoutMaster>
@@ -809,35 +814,35 @@
           <a:p>
             <a:pPr lvl="0"/>
             <a:r>
-              <a:rPr lang="zh-TW" altLang="en-US" noProof="0" smtClean="0"/>
+              <a:rPr lang="zh-TW" altLang="en-US" noProof="0"/>
               <a:t>按一下以編輯母片</a:t>
             </a:r>
           </a:p>
           <a:p>
             <a:pPr lvl="1"/>
             <a:r>
-              <a:rPr lang="zh-TW" altLang="en-US" noProof="0" smtClean="0"/>
+              <a:rPr lang="zh-TW" altLang="en-US" noProof="0"/>
               <a:t>第二層</a:t>
             </a:r>
           </a:p>
           <a:p>
             <a:pPr lvl="2"/>
             <a:r>
-              <a:rPr lang="zh-TW" altLang="en-US" noProof="0" smtClean="0"/>
+              <a:rPr lang="zh-TW" altLang="en-US" noProof="0"/>
               <a:t>第三層</a:t>
             </a:r>
           </a:p>
           <a:p>
             <a:pPr lvl="3"/>
             <a:r>
-              <a:rPr lang="zh-TW" altLang="en-US" noProof="0" smtClean="0"/>
+              <a:rPr lang="zh-TW" altLang="en-US" noProof="0"/>
               <a:t>第四層</a:t>
             </a:r>
           </a:p>
           <a:p>
             <a:pPr lvl="4"/>
             <a:r>
-              <a:rPr lang="zh-TW" altLang="en-US" noProof="0" smtClean="0"/>
+              <a:rPr lang="zh-TW" altLang="en-US" noProof="0"/>
               <a:t>第五層</a:t>
             </a:r>
           </a:p>
@@ -1292,7 +1297,7 @@
               </a:pPr>
               <a:t>1</a:t>
             </a:fld>
-            <a:endParaRPr lang="en-US" altLang="zh-TW" smtClean="0"/>
+            <a:endParaRPr lang="en-US" altLang="zh-TW"/>
           </a:p>
         </p:txBody>
       </p:sp>
@@ -1328,7 +1333,7 @@
           <a:lstStyle/>
           <a:p>
             <a:pPr eaLnBrk="1" hangingPunct="1"/>
-            <a:endParaRPr lang="zh-TW" altLang="zh-TW" smtClean="0">
+            <a:endParaRPr lang="zh-TW" altLang="zh-TW">
               <a:latin typeface="Arial" panose="020B0604020202020204" pitchFamily="34" charset="0"/>
             </a:endParaRPr>
           </a:p>
@@ -1511,7 +1516,7 @@
               </a:pPr>
               <a:t>15</a:t>
             </a:fld>
-            <a:endParaRPr lang="en-US" altLang="zh-TW" smtClean="0"/>
+            <a:endParaRPr lang="en-US" altLang="zh-TW"/>
           </a:p>
         </p:txBody>
       </p:sp>
@@ -1547,7 +1552,7 @@
           <a:lstStyle/>
           <a:p>
             <a:pPr eaLnBrk="1" hangingPunct="1"/>
-            <a:endParaRPr lang="zh-TW" altLang="zh-TW" smtClean="0">
+            <a:endParaRPr lang="zh-TW" altLang="zh-TW">
               <a:latin typeface="Arial" panose="020B0604020202020204" pitchFamily="34" charset="0"/>
             </a:endParaRPr>
           </a:p>
@@ -1730,7 +1735,7 @@
               </a:pPr>
               <a:t>19</a:t>
             </a:fld>
-            <a:endParaRPr lang="en-US" altLang="zh-TW" smtClean="0"/>
+            <a:endParaRPr lang="en-US" altLang="zh-TW"/>
           </a:p>
         </p:txBody>
       </p:sp>
@@ -1766,7 +1771,7 @@
           <a:lstStyle/>
           <a:p>
             <a:pPr eaLnBrk="1" hangingPunct="1"/>
-            <a:endParaRPr lang="zh-TW" altLang="zh-TW" smtClean="0">
+            <a:endParaRPr lang="zh-TW" altLang="zh-TW">
               <a:latin typeface="Arial" panose="020B0604020202020204" pitchFamily="34" charset="0"/>
             </a:endParaRPr>
           </a:p>
@@ -1949,7 +1954,7 @@
               </a:pPr>
               <a:t>20</a:t>
             </a:fld>
-            <a:endParaRPr lang="en-US" altLang="zh-TW" smtClean="0"/>
+            <a:endParaRPr lang="en-US" altLang="zh-TW"/>
           </a:p>
         </p:txBody>
       </p:sp>
@@ -1985,7 +1990,7 @@
           <a:lstStyle/>
           <a:p>
             <a:pPr eaLnBrk="1" hangingPunct="1"/>
-            <a:endParaRPr lang="zh-TW" altLang="zh-TW" smtClean="0">
+            <a:endParaRPr lang="zh-TW" altLang="zh-TW">
               <a:latin typeface="Arial" panose="020B0604020202020204" pitchFamily="34" charset="0"/>
             </a:endParaRPr>
           </a:p>
@@ -2168,7 +2173,7 @@
               </a:pPr>
               <a:t>21</a:t>
             </a:fld>
-            <a:endParaRPr lang="en-US" altLang="zh-TW" smtClean="0"/>
+            <a:endParaRPr lang="en-US" altLang="zh-TW"/>
           </a:p>
         </p:txBody>
       </p:sp>
@@ -2204,7 +2209,7 @@
           <a:lstStyle/>
           <a:p>
             <a:pPr eaLnBrk="1" hangingPunct="1"/>
-            <a:endParaRPr lang="zh-TW" altLang="zh-TW" smtClean="0">
+            <a:endParaRPr lang="zh-TW" altLang="zh-TW">
               <a:latin typeface="Arial" panose="020B0604020202020204" pitchFamily="34" charset="0"/>
             </a:endParaRPr>
           </a:p>
@@ -2387,7 +2392,7 @@
               </a:pPr>
               <a:t>26</a:t>
             </a:fld>
-            <a:endParaRPr lang="en-US" altLang="zh-TW" smtClean="0"/>
+            <a:endParaRPr lang="en-US" altLang="zh-TW"/>
           </a:p>
         </p:txBody>
       </p:sp>
@@ -2423,7 +2428,7 @@
           <a:lstStyle/>
           <a:p>
             <a:pPr eaLnBrk="1" hangingPunct="1"/>
-            <a:endParaRPr lang="zh-TW" altLang="zh-TW" smtClean="0">
+            <a:endParaRPr lang="zh-TW" altLang="zh-TW">
               <a:latin typeface="Arial" panose="020B0604020202020204" pitchFamily="34" charset="0"/>
             </a:endParaRPr>
           </a:p>
@@ -2606,7 +2611,7 @@
               </a:pPr>
               <a:t>34</a:t>
             </a:fld>
-            <a:endParaRPr lang="en-US" altLang="zh-TW" smtClean="0"/>
+            <a:endParaRPr lang="en-US" altLang="zh-TW"/>
           </a:p>
         </p:txBody>
       </p:sp>
@@ -2642,7 +2647,7 @@
           <a:lstStyle/>
           <a:p>
             <a:pPr eaLnBrk="1" hangingPunct="1"/>
-            <a:endParaRPr lang="zh-TW" altLang="zh-TW" smtClean="0">
+            <a:endParaRPr lang="zh-TW" altLang="zh-TW">
               <a:latin typeface="Arial" panose="020B0604020202020204" pitchFamily="34" charset="0"/>
             </a:endParaRPr>
           </a:p>
@@ -2825,7 +2830,7 @@
               </a:pPr>
               <a:t>2</a:t>
             </a:fld>
-            <a:endParaRPr lang="en-US" altLang="zh-TW" smtClean="0"/>
+            <a:endParaRPr lang="en-US" altLang="zh-TW"/>
           </a:p>
         </p:txBody>
       </p:sp>
@@ -2861,7 +2866,7 @@
           <a:lstStyle/>
           <a:p>
             <a:pPr eaLnBrk="1" hangingPunct="1"/>
-            <a:endParaRPr lang="zh-TW" altLang="zh-TW" smtClean="0">
+            <a:endParaRPr lang="zh-TW" altLang="zh-TW">
               <a:latin typeface="Arial" panose="020B0604020202020204" pitchFamily="34" charset="0"/>
             </a:endParaRPr>
           </a:p>
@@ -3044,7 +3049,7 @@
               </a:pPr>
               <a:t>3</a:t>
             </a:fld>
-            <a:endParaRPr lang="en-US" altLang="zh-TW" smtClean="0"/>
+            <a:endParaRPr lang="en-US" altLang="zh-TW"/>
           </a:p>
         </p:txBody>
       </p:sp>
@@ -3080,7 +3085,7 @@
           <a:lstStyle/>
           <a:p>
             <a:pPr eaLnBrk="1" hangingPunct="1"/>
-            <a:endParaRPr lang="zh-TW" altLang="zh-TW" smtClean="0">
+            <a:endParaRPr lang="zh-TW" altLang="zh-TW">
               <a:latin typeface="Arial" panose="020B0604020202020204" pitchFamily="34" charset="0"/>
             </a:endParaRPr>
           </a:p>
@@ -3263,7 +3268,7 @@
               </a:pPr>
               <a:t>5</a:t>
             </a:fld>
-            <a:endParaRPr lang="en-US" altLang="zh-TW" smtClean="0"/>
+            <a:endParaRPr lang="en-US" altLang="zh-TW"/>
           </a:p>
         </p:txBody>
       </p:sp>
@@ -3299,7 +3304,7 @@
           <a:lstStyle/>
           <a:p>
             <a:pPr eaLnBrk="1" hangingPunct="1"/>
-            <a:endParaRPr lang="zh-TW" altLang="zh-TW" smtClean="0">
+            <a:endParaRPr lang="zh-TW" altLang="zh-TW">
               <a:latin typeface="Arial" panose="020B0604020202020204" pitchFamily="34" charset="0"/>
             </a:endParaRPr>
           </a:p>
@@ -3482,7 +3487,7 @@
               </a:pPr>
               <a:t>9</a:t>
             </a:fld>
-            <a:endParaRPr lang="en-US" altLang="zh-TW" smtClean="0"/>
+            <a:endParaRPr lang="en-US" altLang="zh-TW"/>
           </a:p>
         </p:txBody>
       </p:sp>
@@ -3518,7 +3523,7 @@
           <a:lstStyle/>
           <a:p>
             <a:pPr eaLnBrk="1" hangingPunct="1"/>
-            <a:endParaRPr lang="zh-TW" altLang="zh-TW" smtClean="0">
+            <a:endParaRPr lang="zh-TW" altLang="zh-TW">
               <a:latin typeface="Arial" panose="020B0604020202020204" pitchFamily="34" charset="0"/>
             </a:endParaRPr>
           </a:p>
@@ -3701,7 +3706,7 @@
               </a:pPr>
               <a:t>10</a:t>
             </a:fld>
-            <a:endParaRPr lang="en-US" altLang="zh-TW" smtClean="0"/>
+            <a:endParaRPr lang="en-US" altLang="zh-TW"/>
           </a:p>
         </p:txBody>
       </p:sp>
@@ -3737,7 +3742,7 @@
           <a:lstStyle/>
           <a:p>
             <a:pPr eaLnBrk="1" hangingPunct="1"/>
-            <a:endParaRPr lang="zh-TW" altLang="zh-TW" smtClean="0">
+            <a:endParaRPr lang="zh-TW" altLang="zh-TW">
               <a:latin typeface="Arial" panose="020B0604020202020204" pitchFamily="34" charset="0"/>
             </a:endParaRPr>
           </a:p>
@@ -3920,7 +3925,7 @@
               </a:pPr>
               <a:t>11</a:t>
             </a:fld>
-            <a:endParaRPr lang="en-US" altLang="zh-TW" smtClean="0"/>
+            <a:endParaRPr lang="en-US" altLang="zh-TW"/>
           </a:p>
         </p:txBody>
       </p:sp>
@@ -3956,7 +3961,7 @@
           <a:lstStyle/>
           <a:p>
             <a:pPr eaLnBrk="1" hangingPunct="1"/>
-            <a:endParaRPr lang="zh-TW" altLang="zh-TW" smtClean="0">
+            <a:endParaRPr lang="zh-TW" altLang="zh-TW">
               <a:latin typeface="Arial" panose="020B0604020202020204" pitchFamily="34" charset="0"/>
             </a:endParaRPr>
           </a:p>
@@ -4139,7 +4144,7 @@
               </a:pPr>
               <a:t>13</a:t>
             </a:fld>
-            <a:endParaRPr lang="en-US" altLang="zh-TW" smtClean="0"/>
+            <a:endParaRPr lang="en-US" altLang="zh-TW"/>
           </a:p>
         </p:txBody>
       </p:sp>
@@ -4175,7 +4180,7 @@
           <a:lstStyle/>
           <a:p>
             <a:pPr eaLnBrk="1" hangingPunct="1"/>
-            <a:endParaRPr lang="zh-TW" altLang="zh-TW" smtClean="0">
+            <a:endParaRPr lang="zh-TW" altLang="zh-TW">
               <a:latin typeface="Arial" panose="020B0604020202020204" pitchFamily="34" charset="0"/>
             </a:endParaRPr>
           </a:p>
@@ -4358,7 +4363,7 @@
               </a:pPr>
               <a:t>14</a:t>
             </a:fld>
-            <a:endParaRPr lang="en-US" altLang="zh-TW" smtClean="0"/>
+            <a:endParaRPr lang="en-US" altLang="zh-TW"/>
           </a:p>
         </p:txBody>
       </p:sp>
@@ -4394,7 +4399,7 @@
           <a:lstStyle/>
           <a:p>
             <a:pPr eaLnBrk="1" hangingPunct="1"/>
-            <a:endParaRPr lang="zh-TW" altLang="zh-TW" smtClean="0">
+            <a:endParaRPr lang="zh-TW" altLang="zh-TW">
               <a:latin typeface="Arial" panose="020B0604020202020204" pitchFamily="34" charset="0"/>
             </a:endParaRPr>
           </a:p>
@@ -4446,10 +4451,9 @@
           <a:lstStyle/>
           <a:p>
             <a:r>
-              <a:rPr lang="zh-TW" altLang="en-US" smtClean="0"/>
+              <a:rPr lang="zh-TW" altLang="en-US"/>
               <a:t>按一下以編輯母片標題樣式</a:t>
             </a:r>
-            <a:endParaRPr lang="zh-TW" altLang="en-US"/>
           </a:p>
         </p:txBody>
       </p:sp>
@@ -4511,10 +4515,9 @@
           </a:lstStyle>
           <a:p>
             <a:r>
-              <a:rPr lang="zh-TW" altLang="en-US" smtClean="0"/>
+              <a:rPr lang="zh-TW" altLang="en-US"/>
               <a:t>按一下以編輯母片副標題樣式</a:t>
             </a:r>
-            <a:endParaRPr lang="zh-TW" altLang="en-US"/>
           </a:p>
         </p:txBody>
       </p:sp>
@@ -4543,10 +4546,9 @@
               <a:defRPr/>
             </a:pPr>
             <a:r>
-              <a:rPr lang="en-US" altLang="zh-TW" smtClean="0"/>
-              <a:t>Educational Data Mining, Fall 2023</a:t>
-            </a:r>
-            <a:endParaRPr lang="en-US" altLang="zh-TW"/>
+              <a:rPr lang="en-US" altLang="zh-TW"/>
+              <a:t>Educational Data Mining, Fall 2024</a:t>
+            </a:r>
           </a:p>
         </p:txBody>
       </p:sp>
@@ -4662,10 +4664,9 @@
           <a:lstStyle/>
           <a:p>
             <a:r>
-              <a:rPr lang="zh-TW" altLang="en-US" smtClean="0"/>
+              <a:rPr lang="zh-TW" altLang="en-US"/>
               <a:t>按一下以編輯母片標題樣式</a:t>
             </a:r>
-            <a:endParaRPr lang="zh-TW" altLang="en-US"/>
           </a:p>
         </p:txBody>
       </p:sp>
@@ -4686,38 +4687,37 @@
           <a:p>
             <a:pPr lvl="0"/>
             <a:r>
-              <a:rPr lang="zh-TW" altLang="en-US" smtClean="0"/>
+              <a:rPr lang="zh-TW" altLang="en-US"/>
               <a:t>按一下以編輯母片文字樣式</a:t>
             </a:r>
           </a:p>
           <a:p>
             <a:pPr lvl="1"/>
             <a:r>
-              <a:rPr lang="zh-TW" altLang="en-US" smtClean="0"/>
+              <a:rPr lang="zh-TW" altLang="en-US"/>
               <a:t>第二層</a:t>
             </a:r>
           </a:p>
           <a:p>
             <a:pPr lvl="2"/>
             <a:r>
-              <a:rPr lang="zh-TW" altLang="en-US" smtClean="0"/>
+              <a:rPr lang="zh-TW" altLang="en-US"/>
               <a:t>第三層</a:t>
             </a:r>
           </a:p>
           <a:p>
             <a:pPr lvl="3"/>
             <a:r>
-              <a:rPr lang="zh-TW" altLang="en-US" smtClean="0"/>
+              <a:rPr lang="zh-TW" altLang="en-US"/>
               <a:t>第四層</a:t>
             </a:r>
           </a:p>
           <a:p>
             <a:pPr lvl="4"/>
             <a:r>
-              <a:rPr lang="zh-TW" altLang="en-US" smtClean="0"/>
+              <a:rPr lang="zh-TW" altLang="en-US"/>
               <a:t>第五層</a:t>
             </a:r>
-            <a:endParaRPr lang="zh-TW" altLang="en-US"/>
           </a:p>
         </p:txBody>
       </p:sp>
@@ -4746,10 +4746,9 @@
               <a:defRPr/>
             </a:pPr>
             <a:r>
-              <a:rPr lang="en-US" altLang="zh-TW" smtClean="0"/>
-              <a:t>Educational Data Mining, Fall 2023</a:t>
-            </a:r>
-            <a:endParaRPr lang="en-US" altLang="zh-TW"/>
+              <a:rPr lang="en-US" altLang="zh-TW"/>
+              <a:t>Educational Data Mining, Fall 2024</a:t>
+            </a:r>
           </a:p>
         </p:txBody>
       </p:sp>
@@ -4870,10 +4869,9 @@
           <a:lstStyle/>
           <a:p>
             <a:r>
-              <a:rPr lang="zh-TW" altLang="en-US" smtClean="0"/>
+              <a:rPr lang="zh-TW" altLang="en-US"/>
               <a:t>按一下以編輯母片標題樣式</a:t>
             </a:r>
-            <a:endParaRPr lang="zh-TW" altLang="en-US"/>
           </a:p>
         </p:txBody>
       </p:sp>
@@ -4899,38 +4897,37 @@
           <a:p>
             <a:pPr lvl="0"/>
             <a:r>
-              <a:rPr lang="zh-TW" altLang="en-US" smtClean="0"/>
+              <a:rPr lang="zh-TW" altLang="en-US"/>
               <a:t>按一下以編輯母片文字樣式</a:t>
             </a:r>
           </a:p>
           <a:p>
             <a:pPr lvl="1"/>
             <a:r>
-              <a:rPr lang="zh-TW" altLang="en-US" smtClean="0"/>
+              <a:rPr lang="zh-TW" altLang="en-US"/>
               <a:t>第二層</a:t>
             </a:r>
           </a:p>
           <a:p>
             <a:pPr lvl="2"/>
             <a:r>
-              <a:rPr lang="zh-TW" altLang="en-US" smtClean="0"/>
+              <a:rPr lang="zh-TW" altLang="en-US"/>
               <a:t>第三層</a:t>
             </a:r>
           </a:p>
           <a:p>
             <a:pPr lvl="3"/>
             <a:r>
-              <a:rPr lang="zh-TW" altLang="en-US" smtClean="0"/>
+              <a:rPr lang="zh-TW" altLang="en-US"/>
               <a:t>第四層</a:t>
             </a:r>
           </a:p>
           <a:p>
             <a:pPr lvl="4"/>
             <a:r>
-              <a:rPr lang="zh-TW" altLang="en-US" smtClean="0"/>
+              <a:rPr lang="zh-TW" altLang="en-US"/>
               <a:t>第五層</a:t>
             </a:r>
-            <a:endParaRPr lang="zh-TW" altLang="en-US"/>
           </a:p>
         </p:txBody>
       </p:sp>
@@ -4959,10 +4956,9 @@
               <a:defRPr/>
             </a:pPr>
             <a:r>
-              <a:rPr lang="en-US" altLang="zh-TW" smtClean="0"/>
-              <a:t>Educational Data Mining, Fall 2023</a:t>
-            </a:r>
-            <a:endParaRPr lang="en-US" altLang="zh-TW"/>
+              <a:rPr lang="en-US" altLang="zh-TW"/>
+              <a:t>Educational Data Mining, Fall 2024</a:t>
+            </a:r>
           </a:p>
         </p:txBody>
       </p:sp>
@@ -5078,10 +5074,9 @@
           <a:lstStyle/>
           <a:p>
             <a:r>
-              <a:rPr lang="zh-TW" altLang="en-US" smtClean="0"/>
+              <a:rPr lang="zh-TW" altLang="en-US"/>
               <a:t>按一下以編輯母片標題樣式</a:t>
             </a:r>
-            <a:endParaRPr lang="zh-TW" altLang="en-US"/>
           </a:p>
         </p:txBody>
       </p:sp>
@@ -5102,38 +5097,37 @@
           <a:p>
             <a:pPr lvl="0"/>
             <a:r>
-              <a:rPr lang="zh-TW" altLang="en-US" smtClean="0"/>
+              <a:rPr lang="zh-TW" altLang="en-US"/>
               <a:t>按一下以編輯母片文字樣式</a:t>
             </a:r>
           </a:p>
           <a:p>
             <a:pPr lvl="1"/>
             <a:r>
-              <a:rPr lang="zh-TW" altLang="en-US" smtClean="0"/>
+              <a:rPr lang="zh-TW" altLang="en-US"/>
               <a:t>第二層</a:t>
             </a:r>
           </a:p>
           <a:p>
             <a:pPr lvl="2"/>
             <a:r>
-              <a:rPr lang="zh-TW" altLang="en-US" smtClean="0"/>
+              <a:rPr lang="zh-TW" altLang="en-US"/>
               <a:t>第三層</a:t>
             </a:r>
           </a:p>
           <a:p>
             <a:pPr lvl="3"/>
             <a:r>
-              <a:rPr lang="zh-TW" altLang="en-US" smtClean="0"/>
+              <a:rPr lang="zh-TW" altLang="en-US"/>
               <a:t>第四層</a:t>
             </a:r>
           </a:p>
           <a:p>
             <a:pPr lvl="4"/>
             <a:r>
-              <a:rPr lang="zh-TW" altLang="en-US" smtClean="0"/>
+              <a:rPr lang="zh-TW" altLang="en-US"/>
               <a:t>第五層</a:t>
             </a:r>
-            <a:endParaRPr lang="zh-TW" altLang="en-US"/>
           </a:p>
         </p:txBody>
       </p:sp>
@@ -5162,10 +5156,9 @@
               <a:defRPr/>
             </a:pPr>
             <a:r>
-              <a:rPr lang="en-US" altLang="zh-TW" smtClean="0"/>
-              <a:t>Educational Data Mining, Fall 2023</a:t>
-            </a:r>
-            <a:endParaRPr lang="en-US" altLang="zh-TW"/>
+              <a:rPr lang="en-US" altLang="zh-TW"/>
+              <a:t>Educational Data Mining, Fall 2024</a:t>
+            </a:r>
           </a:p>
         </p:txBody>
       </p:sp>
@@ -5290,10 +5283,9 @@
           </a:lstStyle>
           <a:p>
             <a:r>
-              <a:rPr lang="zh-TW" altLang="en-US" smtClean="0"/>
+              <a:rPr lang="zh-TW" altLang="en-US"/>
               <a:t>按一下以編輯母片標題樣式</a:t>
             </a:r>
-            <a:endParaRPr lang="zh-TW" altLang="en-US"/>
           </a:p>
         </p:txBody>
       </p:sp>
@@ -5356,7 +5348,7 @@
           <a:p>
             <a:pPr lvl="0"/>
             <a:r>
-              <a:rPr lang="zh-TW" altLang="en-US" smtClean="0"/>
+              <a:rPr lang="zh-TW" altLang="en-US"/>
               <a:t>按一下以編輯母片文字樣式</a:t>
             </a:r>
           </a:p>
@@ -5387,10 +5379,9 @@
               <a:defRPr/>
             </a:pPr>
             <a:r>
-              <a:rPr lang="en-US" altLang="zh-TW" smtClean="0"/>
-              <a:t>Educational Data Mining, Fall 2023</a:t>
-            </a:r>
-            <a:endParaRPr lang="en-US" altLang="zh-TW"/>
+              <a:rPr lang="en-US" altLang="zh-TW"/>
+              <a:t>Educational Data Mining, Fall 2024</a:t>
+            </a:r>
           </a:p>
         </p:txBody>
       </p:sp>
@@ -5506,10 +5497,9 @@
           <a:lstStyle/>
           <a:p>
             <a:r>
-              <a:rPr lang="zh-TW" altLang="en-US" smtClean="0"/>
+              <a:rPr lang="zh-TW" altLang="en-US"/>
               <a:t>按一下以編輯母片標題樣式</a:t>
             </a:r>
-            <a:endParaRPr lang="zh-TW" altLang="en-US"/>
           </a:p>
         </p:txBody>
       </p:sp>
@@ -5563,38 +5553,37 @@
           <a:p>
             <a:pPr lvl="0"/>
             <a:r>
-              <a:rPr lang="zh-TW" altLang="en-US" smtClean="0"/>
+              <a:rPr lang="zh-TW" altLang="en-US"/>
               <a:t>按一下以編輯母片文字樣式</a:t>
             </a:r>
           </a:p>
           <a:p>
             <a:pPr lvl="1"/>
             <a:r>
-              <a:rPr lang="zh-TW" altLang="en-US" smtClean="0"/>
+              <a:rPr lang="zh-TW" altLang="en-US"/>
               <a:t>第二層</a:t>
             </a:r>
           </a:p>
           <a:p>
             <a:pPr lvl="2"/>
             <a:r>
-              <a:rPr lang="zh-TW" altLang="en-US" smtClean="0"/>
+              <a:rPr lang="zh-TW" altLang="en-US"/>
               <a:t>第三層</a:t>
             </a:r>
           </a:p>
           <a:p>
             <a:pPr lvl="3"/>
             <a:r>
-              <a:rPr lang="zh-TW" altLang="en-US" smtClean="0"/>
+              <a:rPr lang="zh-TW" altLang="en-US"/>
               <a:t>第四層</a:t>
             </a:r>
           </a:p>
           <a:p>
             <a:pPr lvl="4"/>
             <a:r>
-              <a:rPr lang="zh-TW" altLang="en-US" smtClean="0"/>
+              <a:rPr lang="zh-TW" altLang="en-US"/>
               <a:t>第五層</a:t>
             </a:r>
-            <a:endParaRPr lang="zh-TW" altLang="en-US"/>
           </a:p>
         </p:txBody>
       </p:sp>
@@ -5648,38 +5637,37 @@
           <a:p>
             <a:pPr lvl="0"/>
             <a:r>
-              <a:rPr lang="zh-TW" altLang="en-US" smtClean="0"/>
+              <a:rPr lang="zh-TW" altLang="en-US"/>
               <a:t>按一下以編輯母片文字樣式</a:t>
             </a:r>
           </a:p>
           <a:p>
             <a:pPr lvl="1"/>
             <a:r>
-              <a:rPr lang="zh-TW" altLang="en-US" smtClean="0"/>
+              <a:rPr lang="zh-TW" altLang="en-US"/>
               <a:t>第二層</a:t>
             </a:r>
           </a:p>
           <a:p>
             <a:pPr lvl="2"/>
             <a:r>
-              <a:rPr lang="zh-TW" altLang="en-US" smtClean="0"/>
+              <a:rPr lang="zh-TW" altLang="en-US"/>
               <a:t>第三層</a:t>
             </a:r>
           </a:p>
           <a:p>
             <a:pPr lvl="3"/>
             <a:r>
-              <a:rPr lang="zh-TW" altLang="en-US" smtClean="0"/>
+              <a:rPr lang="zh-TW" altLang="en-US"/>
               <a:t>第四層</a:t>
             </a:r>
           </a:p>
           <a:p>
             <a:pPr lvl="4"/>
             <a:r>
-              <a:rPr lang="zh-TW" altLang="en-US" smtClean="0"/>
+              <a:rPr lang="zh-TW" altLang="en-US"/>
               <a:t>第五層</a:t>
             </a:r>
-            <a:endParaRPr lang="zh-TW" altLang="en-US"/>
           </a:p>
         </p:txBody>
       </p:sp>
@@ -5708,10 +5696,9 @@
               <a:defRPr/>
             </a:pPr>
             <a:r>
-              <a:rPr lang="en-US" altLang="zh-TW" smtClean="0"/>
-              <a:t>Educational Data Mining, Fall 2023</a:t>
-            </a:r>
-            <a:endParaRPr lang="en-US" altLang="zh-TW"/>
+              <a:rPr lang="en-US" altLang="zh-TW"/>
+              <a:t>Educational Data Mining, Fall 2024</a:t>
+            </a:r>
           </a:p>
         </p:txBody>
       </p:sp>
@@ -5831,10 +5818,9 @@
           </a:lstStyle>
           <a:p>
             <a:r>
-              <a:rPr lang="zh-TW" altLang="en-US" smtClean="0"/>
+              <a:rPr lang="zh-TW" altLang="en-US"/>
               <a:t>按一下以編輯母片標題樣式</a:t>
             </a:r>
-            <a:endParaRPr lang="zh-TW" altLang="en-US"/>
           </a:p>
         </p:txBody>
       </p:sp>
@@ -5897,7 +5883,7 @@
           <a:p>
             <a:pPr lvl="0"/>
             <a:r>
-              <a:rPr lang="zh-TW" altLang="en-US" smtClean="0"/>
+              <a:rPr lang="zh-TW" altLang="en-US"/>
               <a:t>按一下以編輯母片文字樣式</a:t>
             </a:r>
           </a:p>
@@ -5953,38 +5939,37 @@
           <a:p>
             <a:pPr lvl="0"/>
             <a:r>
-              <a:rPr lang="zh-TW" altLang="en-US" smtClean="0"/>
+              <a:rPr lang="zh-TW" altLang="en-US"/>
               <a:t>按一下以編輯母片文字樣式</a:t>
             </a:r>
           </a:p>
           <a:p>
             <a:pPr lvl="1"/>
             <a:r>
-              <a:rPr lang="zh-TW" altLang="en-US" smtClean="0"/>
+              <a:rPr lang="zh-TW" altLang="en-US"/>
               <a:t>第二層</a:t>
             </a:r>
           </a:p>
           <a:p>
             <a:pPr lvl="2"/>
             <a:r>
-              <a:rPr lang="zh-TW" altLang="en-US" smtClean="0"/>
+              <a:rPr lang="zh-TW" altLang="en-US"/>
               <a:t>第三層</a:t>
             </a:r>
           </a:p>
           <a:p>
             <a:pPr lvl="3"/>
             <a:r>
-              <a:rPr lang="zh-TW" altLang="en-US" smtClean="0"/>
+              <a:rPr lang="zh-TW" altLang="en-US"/>
               <a:t>第四層</a:t>
             </a:r>
           </a:p>
           <a:p>
             <a:pPr lvl="4"/>
             <a:r>
-              <a:rPr lang="zh-TW" altLang="en-US" smtClean="0"/>
+              <a:rPr lang="zh-TW" altLang="en-US"/>
               <a:t>第五層</a:t>
             </a:r>
-            <a:endParaRPr lang="zh-TW" altLang="en-US"/>
           </a:p>
         </p:txBody>
       </p:sp>
@@ -6047,7 +6032,7 @@
           <a:p>
             <a:pPr lvl="0"/>
             <a:r>
-              <a:rPr lang="zh-TW" altLang="en-US" smtClean="0"/>
+              <a:rPr lang="zh-TW" altLang="en-US"/>
               <a:t>按一下以編輯母片文字樣式</a:t>
             </a:r>
           </a:p>
@@ -6103,38 +6088,37 @@
           <a:p>
             <a:pPr lvl="0"/>
             <a:r>
-              <a:rPr lang="zh-TW" altLang="en-US" smtClean="0"/>
+              <a:rPr lang="zh-TW" altLang="en-US"/>
               <a:t>按一下以編輯母片文字樣式</a:t>
             </a:r>
           </a:p>
           <a:p>
             <a:pPr lvl="1"/>
             <a:r>
-              <a:rPr lang="zh-TW" altLang="en-US" smtClean="0"/>
+              <a:rPr lang="zh-TW" altLang="en-US"/>
               <a:t>第二層</a:t>
             </a:r>
           </a:p>
           <a:p>
             <a:pPr lvl="2"/>
             <a:r>
-              <a:rPr lang="zh-TW" altLang="en-US" smtClean="0"/>
+              <a:rPr lang="zh-TW" altLang="en-US"/>
               <a:t>第三層</a:t>
             </a:r>
           </a:p>
           <a:p>
             <a:pPr lvl="3"/>
             <a:r>
-              <a:rPr lang="zh-TW" altLang="en-US" smtClean="0"/>
+              <a:rPr lang="zh-TW" altLang="en-US"/>
               <a:t>第四層</a:t>
             </a:r>
           </a:p>
           <a:p>
             <a:pPr lvl="4"/>
             <a:r>
-              <a:rPr lang="zh-TW" altLang="en-US" smtClean="0"/>
+              <a:rPr lang="zh-TW" altLang="en-US"/>
               <a:t>第五層</a:t>
             </a:r>
-            <a:endParaRPr lang="zh-TW" altLang="en-US"/>
           </a:p>
         </p:txBody>
       </p:sp>
@@ -6163,10 +6147,9 @@
               <a:defRPr/>
             </a:pPr>
             <a:r>
-              <a:rPr lang="en-US" altLang="zh-TW" smtClean="0"/>
-              <a:t>Educational Data Mining, Fall 2023</a:t>
-            </a:r>
-            <a:endParaRPr lang="en-US" altLang="zh-TW"/>
+              <a:rPr lang="en-US" altLang="zh-TW"/>
+              <a:t>Educational Data Mining, Fall 2024</a:t>
+            </a:r>
           </a:p>
         </p:txBody>
       </p:sp>
@@ -6282,10 +6265,9 @@
           <a:lstStyle/>
           <a:p>
             <a:r>
-              <a:rPr lang="zh-TW" altLang="en-US" smtClean="0"/>
+              <a:rPr lang="zh-TW" altLang="en-US"/>
               <a:t>按一下以編輯母片標題樣式</a:t>
             </a:r>
-            <a:endParaRPr lang="zh-TW" altLang="en-US"/>
           </a:p>
         </p:txBody>
       </p:sp>
@@ -6314,10 +6296,9 @@
               <a:defRPr/>
             </a:pPr>
             <a:r>
-              <a:rPr lang="en-US" altLang="zh-TW" smtClean="0"/>
-              <a:t>Educational Data Mining, Fall 2023</a:t>
-            </a:r>
-            <a:endParaRPr lang="en-US" altLang="zh-TW"/>
+              <a:rPr lang="en-US" altLang="zh-TW"/>
+              <a:t>Educational Data Mining, Fall 2024</a:t>
+            </a:r>
           </a:p>
         </p:txBody>
       </p:sp>
@@ -6442,10 +6423,9 @@
               <a:defRPr/>
             </a:pPr>
             <a:r>
-              <a:rPr lang="en-US" altLang="zh-TW" smtClean="0"/>
-              <a:t>Educational Data Mining, Fall 2023</a:t>
-            </a:r>
-            <a:endParaRPr lang="en-US" altLang="zh-TW"/>
+              <a:rPr lang="en-US" altLang="zh-TW"/>
+              <a:t>Educational Data Mining, Fall 2024</a:t>
+            </a:r>
           </a:p>
         </p:txBody>
       </p:sp>
@@ -6570,10 +6550,9 @@
           </a:lstStyle>
           <a:p>
             <a:r>
-              <a:rPr lang="zh-TW" altLang="en-US" smtClean="0"/>
+              <a:rPr lang="zh-TW" altLang="en-US"/>
               <a:t>按一下以編輯母片標題樣式</a:t>
             </a:r>
-            <a:endParaRPr lang="zh-TW" altLang="en-US"/>
           </a:p>
         </p:txBody>
       </p:sp>
@@ -6627,38 +6606,37 @@
           <a:p>
             <a:pPr lvl="0"/>
             <a:r>
-              <a:rPr lang="zh-TW" altLang="en-US" smtClean="0"/>
+              <a:rPr lang="zh-TW" altLang="en-US"/>
               <a:t>按一下以編輯母片文字樣式</a:t>
             </a:r>
           </a:p>
           <a:p>
             <a:pPr lvl="1"/>
             <a:r>
-              <a:rPr lang="zh-TW" altLang="en-US" smtClean="0"/>
+              <a:rPr lang="zh-TW" altLang="en-US"/>
               <a:t>第二層</a:t>
             </a:r>
           </a:p>
           <a:p>
             <a:pPr lvl="2"/>
             <a:r>
-              <a:rPr lang="zh-TW" altLang="en-US" smtClean="0"/>
+              <a:rPr lang="zh-TW" altLang="en-US"/>
               <a:t>第三層</a:t>
             </a:r>
           </a:p>
           <a:p>
             <a:pPr lvl="3"/>
             <a:r>
-              <a:rPr lang="zh-TW" altLang="en-US" smtClean="0"/>
+              <a:rPr lang="zh-TW" altLang="en-US"/>
               <a:t>第四層</a:t>
             </a:r>
           </a:p>
           <a:p>
             <a:pPr lvl="4"/>
             <a:r>
-              <a:rPr lang="zh-TW" altLang="en-US" smtClean="0"/>
+              <a:rPr lang="zh-TW" altLang="en-US"/>
               <a:t>第五層</a:t>
             </a:r>
-            <a:endParaRPr lang="zh-TW" altLang="en-US"/>
           </a:p>
         </p:txBody>
       </p:sp>
@@ -6721,7 +6699,7 @@
           <a:p>
             <a:pPr lvl="0"/>
             <a:r>
-              <a:rPr lang="zh-TW" altLang="en-US" smtClean="0"/>
+              <a:rPr lang="zh-TW" altLang="en-US"/>
               <a:t>按一下以編輯母片文字樣式</a:t>
             </a:r>
           </a:p>
@@ -6752,10 +6730,9 @@
               <a:defRPr/>
             </a:pPr>
             <a:r>
-              <a:rPr lang="en-US" altLang="zh-TW" smtClean="0"/>
-              <a:t>Educational Data Mining, Fall 2023</a:t>
-            </a:r>
-            <a:endParaRPr lang="en-US" altLang="zh-TW"/>
+              <a:rPr lang="en-US" altLang="zh-TW"/>
+              <a:t>Educational Data Mining, Fall 2024</a:t>
+            </a:r>
           </a:p>
         </p:txBody>
       </p:sp>
@@ -6880,10 +6857,9 @@
           </a:lstStyle>
           <a:p>
             <a:r>
-              <a:rPr lang="zh-TW" altLang="en-US" smtClean="0"/>
+              <a:rPr lang="zh-TW" altLang="en-US"/>
               <a:t>按一下以編輯母片標題樣式</a:t>
             </a:r>
-            <a:endParaRPr lang="zh-TW" altLang="en-US"/>
           </a:p>
         </p:txBody>
       </p:sp>
@@ -6945,7 +6921,7 @@
           </a:lstStyle>
           <a:p>
             <a:pPr lvl="0"/>
-            <a:endParaRPr lang="zh-TW" altLang="en-US" noProof="0" smtClean="0"/>
+            <a:endParaRPr lang="zh-TW" altLang="en-US" noProof="0"/>
           </a:p>
         </p:txBody>
       </p:sp>
@@ -7008,7 +6984,7 @@
           <a:p>
             <a:pPr lvl="0"/>
             <a:r>
-              <a:rPr lang="zh-TW" altLang="en-US" smtClean="0"/>
+              <a:rPr lang="zh-TW" altLang="en-US"/>
               <a:t>按一下以編輯母片文字樣式</a:t>
             </a:r>
           </a:p>
@@ -7039,10 +7015,9 @@
               <a:defRPr/>
             </a:pPr>
             <a:r>
-              <a:rPr lang="en-US" altLang="zh-TW" smtClean="0"/>
-              <a:t>Educational Data Mining, Fall 2023</a:t>
-            </a:r>
-            <a:endParaRPr lang="en-US" altLang="zh-TW"/>
+              <a:rPr lang="en-US" altLang="zh-TW"/>
+              <a:t>Educational Data Mining, Fall 2024</a:t>
+            </a:r>
           </a:p>
         </p:txBody>
       </p:sp>
@@ -7212,7 +7187,7 @@
           <a:p>
             <a:pPr lvl="0"/>
             <a:r>
-              <a:rPr lang="zh-TW" altLang="en-US" smtClean="0"/>
+              <a:rPr lang="zh-TW" altLang="en-US"/>
               <a:t>按一下以編輯母片標題樣式</a:t>
             </a:r>
           </a:p>
@@ -7280,35 +7255,35 @@
           <a:p>
             <a:pPr lvl="0"/>
             <a:r>
-              <a:rPr lang="zh-TW" altLang="en-US" smtClean="0"/>
+              <a:rPr lang="zh-TW" altLang="en-US"/>
               <a:t>按一下以編輯母片</a:t>
             </a:r>
           </a:p>
           <a:p>
             <a:pPr lvl="1"/>
             <a:r>
-              <a:rPr lang="zh-TW" altLang="en-US" smtClean="0"/>
+              <a:rPr lang="zh-TW" altLang="en-US"/>
               <a:t>第二層</a:t>
             </a:r>
           </a:p>
           <a:p>
             <a:pPr lvl="2"/>
             <a:r>
-              <a:rPr lang="zh-TW" altLang="en-US" smtClean="0"/>
+              <a:rPr lang="zh-TW" altLang="en-US"/>
               <a:t>第三層</a:t>
             </a:r>
           </a:p>
           <a:p>
             <a:pPr lvl="3"/>
             <a:r>
-              <a:rPr lang="zh-TW" altLang="en-US" smtClean="0"/>
+              <a:rPr lang="zh-TW" altLang="en-US"/>
               <a:t>第四層</a:t>
             </a:r>
           </a:p>
           <a:p>
             <a:pPr lvl="4"/>
             <a:r>
-              <a:rPr lang="zh-TW" altLang="en-US" smtClean="0"/>
+              <a:rPr lang="zh-TW" altLang="en-US"/>
               <a:t>第五層</a:t>
             </a:r>
           </a:p>
@@ -7385,10 +7360,9 @@
               <a:defRPr/>
             </a:pPr>
             <a:r>
-              <a:rPr lang="en-US" altLang="zh-TW" smtClean="0"/>
-              <a:t>Educational Data Mining, Fall 2023</a:t>
-            </a:r>
-            <a:endParaRPr lang="en-US" altLang="zh-TW"/>
+              <a:rPr lang="en-US" altLang="zh-TW"/>
+              <a:t>Educational Data Mining, Fall 2024</a:t>
+            </a:r>
           </a:p>
         </p:txBody>
       </p:sp>
@@ -7988,20 +7962,20 @@
           <a:p>
             <a:pPr eaLnBrk="1" hangingPunct="1"/>
             <a:r>
-              <a:rPr lang="en-US" altLang="zh-TW" sz="4000" dirty="0" smtClean="0"/>
+              <a:rPr lang="en-US" altLang="zh-TW" sz="4000" dirty="0"/>
               <a:t>Course Overview: </a:t>
             </a:r>
             <a:br>
-              <a:rPr lang="en-US" altLang="zh-TW" sz="4000" dirty="0" smtClean="0"/>
+              <a:rPr lang="en-US" altLang="zh-TW" sz="4000" dirty="0"/>
             </a:br>
             <a:r>
-              <a:rPr lang="en-US" altLang="zh-TW" sz="4000" dirty="0" smtClean="0"/>
+              <a:rPr lang="en-US" altLang="zh-TW" sz="4000" dirty="0"/>
               <a:t>Educational Data Mining and Applications</a:t>
             </a:r>
             <a:br>
-              <a:rPr lang="en-US" altLang="zh-TW" sz="4000" dirty="0" smtClean="0"/>
+              <a:rPr lang="en-US" altLang="zh-TW" sz="4000" dirty="0"/>
             </a:br>
-            <a:endParaRPr lang="en-US" altLang="zh-TW" sz="4000" dirty="0" smtClean="0"/>
+            <a:endParaRPr lang="en-US" altLang="zh-TW" sz="4000" dirty="0"/>
           </a:p>
         </p:txBody>
       </p:sp>
@@ -8021,20 +7995,20 @@
           <a:lstStyle/>
           <a:p>
             <a:pPr eaLnBrk="1" hangingPunct="1"/>
-            <a:endParaRPr lang="en-US" altLang="zh-TW" dirty="0" smtClean="0"/>
+            <a:endParaRPr lang="en-US" altLang="zh-TW" dirty="0"/>
           </a:p>
           <a:p>
             <a:pPr eaLnBrk="1" hangingPunct="1"/>
             <a:r>
-              <a:rPr lang="en-US" altLang="zh-TW" dirty="0" smtClean="0"/>
+              <a:rPr lang="en-US" altLang="zh-TW" dirty="0"/>
               <a:t>J. H. Wang</a:t>
             </a:r>
           </a:p>
           <a:p>
             <a:pPr eaLnBrk="1" hangingPunct="1"/>
             <a:r>
-              <a:rPr lang="en-US" altLang="zh-TW" dirty="0" smtClean="0"/>
-              <a:t>Sep. 12, 2023</a:t>
+              <a:rPr lang="en-US" altLang="zh-TW" dirty="0"/>
+              <a:t>Sep. 2, 2024</a:t>
             </a:r>
           </a:p>
         </p:txBody>
@@ -8044,13 +8018,6 @@
   <p:clrMapOvr>
     <a:masterClrMapping/>
   </p:clrMapOvr>
-  <p:timing>
-    <p:tnLst>
-      <p:par>
-        <p:cTn id="1" dur="indefinite" restart="never" nodeType="tmRoot"/>
-      </p:par>
-    </p:tnLst>
-  </p:timing>
 </p:sld>
 </file>
 
@@ -8226,10 +8193,10 @@
               <a:buNone/>
             </a:pPr>
             <a:r>
-              <a:rPr kumimoji="0" lang="en-US" altLang="zh-TW" sz="1400" smtClean="0">
+              <a:rPr kumimoji="0" lang="en-US" altLang="zh-TW" sz="1400">
                 <a:latin typeface="Arial" panose="020B0604020202020204" pitchFamily="34" charset="0"/>
               </a:rPr>
-              <a:t>Educational Data Mining, Fall 2023</a:t>
+              <a:t>Educational Data Mining, Fall 2024</a:t>
             </a:r>
           </a:p>
         </p:txBody>
@@ -8389,7 +8356,7 @@
               <a:buNone/>
             </a:pPr>
             <a:r>
-              <a:rPr kumimoji="0" lang="en-US" altLang="zh-TW" sz="1400" smtClean="0">
+              <a:rPr kumimoji="0" lang="en-US" altLang="zh-TW" sz="1400">
                 <a:latin typeface="Arial" panose="020B0604020202020204" pitchFamily="34" charset="0"/>
               </a:rPr>
               <a:t>NTUT CSIE</a:t>
@@ -8564,7 +8531,7 @@
               </a:pPr>
               <a:t>10</a:t>
             </a:fld>
-            <a:endParaRPr kumimoji="0" lang="en-US" altLang="zh-TW" sz="1400" smtClean="0">
+            <a:endParaRPr kumimoji="0" lang="en-US" altLang="zh-TW" sz="1400">
               <a:latin typeface="Arial" panose="020B0604020202020204" pitchFamily="34" charset="0"/>
             </a:endParaRPr>
           </a:p>
@@ -8587,7 +8554,7 @@
           <a:p>
             <a:pPr eaLnBrk="1" hangingPunct="1"/>
             <a:r>
-              <a:rPr lang="en-US" altLang="zh-TW" smtClean="0"/>
+              <a:rPr lang="en-US" altLang="zh-TW"/>
               <a:t>Grading Policy</a:t>
             </a:r>
           </a:p>
@@ -8614,7 +8581,7 @@
               <a:defRPr/>
             </a:pPr>
             <a:r>
-              <a:rPr lang="en-US" altLang="zh-TW" dirty="0" smtClean="0"/>
+              <a:rPr lang="en-US" altLang="zh-TW" dirty="0"/>
               <a:t>Homework assignments and programming exercises: ~40%</a:t>
             </a:r>
           </a:p>
@@ -8623,7 +8590,7 @@
               <a:defRPr/>
             </a:pPr>
             <a:r>
-              <a:rPr lang="en-US" altLang="zh-TW" dirty="0" smtClean="0"/>
+              <a:rPr lang="en-US" altLang="zh-TW" dirty="0"/>
               <a:t>Mid-term exam: ~25%</a:t>
             </a:r>
           </a:p>
@@ -8632,7 +8599,7 @@
               <a:defRPr/>
             </a:pPr>
             <a:r>
-              <a:rPr lang="en-US" altLang="zh-TW" dirty="0" smtClean="0">
+              <a:rPr lang="en-US" altLang="zh-TW" dirty="0">
                 <a:solidFill>
                   <a:srgbClr val="0000FF"/>
                 </a:solidFill>
@@ -8640,7 +8607,7 @@
               <a:t>Term project</a:t>
             </a:r>
             <a:r>
-              <a:rPr lang="en-US" altLang="zh-TW" dirty="0" smtClean="0"/>
+              <a:rPr lang="en-US" altLang="zh-TW" dirty="0"/>
               <a:t>: ~35%</a:t>
             </a:r>
           </a:p>
@@ -8649,7 +8616,7 @@
               <a:defRPr/>
             </a:pPr>
             <a:r>
-              <a:rPr lang="en-US" altLang="zh-TW" dirty="0" smtClean="0"/>
+              <a:rPr lang="en-US" altLang="zh-TW" dirty="0"/>
               <a:t>Including proposal, presentation, and final report</a:t>
             </a:r>
           </a:p>
@@ -8658,24 +8625,16 @@
               <a:defRPr/>
             </a:pPr>
             <a:r>
-              <a:rPr lang="en-US" altLang="zh-TW" dirty="0" smtClean="0"/>
+              <a:rPr lang="en-US" altLang="zh-TW" dirty="0"/>
               <a:t>All </a:t>
             </a:r>
             <a:r>
-              <a:rPr lang="en-US" altLang="zh-TW" dirty="0" err="1" smtClean="0"/>
+              <a:rPr lang="en-US" altLang="zh-TW" dirty="0" err="1"/>
               <a:t>homeworks</a:t>
             </a:r>
             <a:r>
-              <a:rPr lang="en-US" altLang="zh-TW" dirty="0" smtClean="0"/>
-              <a:t>, projects, </a:t>
-            </a:r>
-            <a:r>
               <a:rPr lang="en-US" altLang="zh-TW" dirty="0"/>
-              <a:t>and</a:t>
-            </a:r>
-            <a:r>
-              <a:rPr lang="en-US" altLang="zh-TW" dirty="0" smtClean="0"/>
-              <a:t> reports must be submitted before the deadline</a:t>
+              <a:t>, projects, and reports must be submitted before the deadline</a:t>
             </a:r>
           </a:p>
           <a:p>
@@ -8683,27 +8642,27 @@
               <a:defRPr/>
             </a:pPr>
             <a:r>
-              <a:rPr lang="en-US" altLang="zh-TW" dirty="0" smtClean="0"/>
+              <a:rPr lang="en-US" altLang="zh-TW" dirty="0"/>
               <a:t>Late submission has to be done *</a:t>
             </a:r>
             <a:r>
-              <a:rPr lang="en-US" altLang="zh-TW" b="1" dirty="0" smtClean="0"/>
+              <a:rPr lang="en-US" altLang="zh-TW" b="1" dirty="0"/>
               <a:t>before*</a:t>
             </a:r>
             <a:r>
-              <a:rPr lang="en-US" altLang="zh-TW" dirty="0" smtClean="0"/>
+              <a:rPr lang="en-US" altLang="zh-TW" dirty="0"/>
               <a:t> the end of the semester (</a:t>
             </a:r>
             <a:r>
-              <a:rPr lang="en-US" altLang="zh-TW" dirty="0" smtClean="0">
+              <a:rPr lang="en-US" altLang="zh-TW" dirty="0">
                 <a:solidFill>
                   <a:srgbClr val="FF0000"/>
                 </a:solidFill>
               </a:rPr>
-              <a:t>Jan. 12, 2024</a:t>
-            </a:r>
-            <a:r>
-              <a:rPr lang="en-US" altLang="zh-TW" dirty="0" smtClean="0"/>
+              <a:t>Jan. 10, 2025</a:t>
+            </a:r>
+            <a:r>
+              <a:rPr lang="en-US" altLang="zh-TW" dirty="0"/>
               <a:t>), if not specified otherwise</a:t>
             </a:r>
           </a:p>
@@ -8711,7 +8670,7 @@
             <a:pPr lvl="1" eaLnBrk="1" hangingPunct="1">
               <a:defRPr/>
             </a:pPr>
-            <a:endParaRPr lang="en-US" altLang="zh-TW" dirty="0" smtClean="0"/>
+            <a:endParaRPr lang="en-US" altLang="zh-TW" dirty="0"/>
           </a:p>
         </p:txBody>
       </p:sp>
@@ -8720,13 +8679,6 @@
   <p:clrMapOvr>
     <a:masterClrMapping/>
   </p:clrMapOvr>
-  <p:timing>
-    <p:tnLst>
-      <p:par>
-        <p:cTn id="1" dur="indefinite" restart="never" nodeType="tmRoot"/>
-      </p:par>
-    </p:tnLst>
-  </p:timing>
 </p:sld>
 </file>
 
@@ -8902,10 +8854,10 @@
               <a:buNone/>
             </a:pPr>
             <a:r>
-              <a:rPr kumimoji="0" lang="en-US" altLang="zh-TW" sz="1400" smtClean="0">
+              <a:rPr kumimoji="0" lang="en-US" altLang="zh-TW" sz="1400">
                 <a:latin typeface="Arial" panose="020B0604020202020204" pitchFamily="34" charset="0"/>
               </a:rPr>
-              <a:t>Educational Data Mining, Fall 2023</a:t>
+              <a:t>Educational Data Mining, Fall 2024</a:t>
             </a:r>
           </a:p>
         </p:txBody>
@@ -9065,7 +9017,7 @@
               <a:buNone/>
             </a:pPr>
             <a:r>
-              <a:rPr kumimoji="0" lang="en-US" altLang="zh-TW" sz="1400" smtClean="0">
+              <a:rPr kumimoji="0" lang="en-US" altLang="zh-TW" sz="1400">
                 <a:latin typeface="Arial" panose="020B0604020202020204" pitchFamily="34" charset="0"/>
               </a:rPr>
               <a:t>NTUT CSIE</a:t>
@@ -9240,7 +9192,7 @@
               </a:pPr>
               <a:t>11</a:t>
             </a:fld>
-            <a:endParaRPr kumimoji="0" lang="en-US" altLang="zh-TW" sz="1400" smtClean="0">
+            <a:endParaRPr kumimoji="0" lang="en-US" altLang="zh-TW" sz="1400">
               <a:latin typeface="Arial" panose="020B0604020202020204" pitchFamily="34" charset="0"/>
             </a:endParaRPr>
           </a:p>
@@ -9263,7 +9215,7 @@
           <a:p>
             <a:pPr eaLnBrk="1" hangingPunct="1"/>
             <a:r>
-              <a:rPr lang="en-US" altLang="zh-TW" sz="4000" smtClean="0"/>
+              <a:rPr lang="en-US" altLang="zh-TW" sz="4000"/>
               <a:t>Homeworks and Projects</a:t>
             </a:r>
           </a:p>
@@ -9290,11 +9242,11 @@
               <a:defRPr/>
             </a:pPr>
             <a:r>
-              <a:rPr lang="en-US" altLang="zh-TW" sz="2800" dirty="0" smtClean="0"/>
+              <a:rPr lang="en-US" altLang="zh-TW" sz="2800" dirty="0"/>
               <a:t>About </a:t>
             </a:r>
             <a:r>
-              <a:rPr lang="en-US" altLang="zh-TW" sz="2800" dirty="0" smtClean="0">
+              <a:rPr lang="en-US" altLang="zh-TW" sz="2800" dirty="0">
                 <a:solidFill>
                   <a:srgbClr val="0000FF"/>
                 </a:solidFill>
@@ -9302,7 +9254,7 @@
               <a:t>3</a:t>
             </a:r>
             <a:r>
-              <a:rPr lang="en-US" altLang="zh-TW" sz="2800" dirty="0" smtClean="0"/>
+              <a:rPr lang="en-US" altLang="zh-TW" sz="2800" dirty="0"/>
               <a:t> written assignments</a:t>
             </a:r>
           </a:p>
@@ -9311,7 +9263,7 @@
               <a:defRPr/>
             </a:pPr>
             <a:r>
-              <a:rPr lang="en-US" altLang="zh-TW" sz="2000" dirty="0" smtClean="0"/>
+              <a:rPr lang="en-US" altLang="zh-TW" sz="2000" dirty="0"/>
               <a:t>Data mining concepts </a:t>
             </a:r>
           </a:p>
@@ -9320,11 +9272,11 @@
               <a:defRPr/>
             </a:pPr>
             <a:r>
-              <a:rPr lang="en-US" altLang="zh-TW" sz="2800" dirty="0" smtClean="0"/>
+              <a:rPr lang="en-US" altLang="zh-TW" sz="2800" dirty="0"/>
               <a:t>About </a:t>
             </a:r>
             <a:r>
-              <a:rPr lang="en-US" altLang="zh-TW" sz="2800" dirty="0" smtClean="0">
+              <a:rPr lang="en-US" altLang="zh-TW" sz="2800" dirty="0">
                 <a:solidFill>
                   <a:srgbClr val="0000FF"/>
                 </a:solidFill>
@@ -9332,7 +9284,7 @@
               <a:t>3</a:t>
             </a:r>
             <a:r>
-              <a:rPr lang="en-US" altLang="zh-TW" sz="2800" dirty="0" smtClean="0"/>
+              <a:rPr lang="en-US" altLang="zh-TW" sz="2800" dirty="0"/>
               <a:t> team-based programming exercises</a:t>
             </a:r>
           </a:p>
@@ -9341,11 +9293,11 @@
               <a:defRPr/>
             </a:pPr>
             <a:r>
-              <a:rPr lang="en-US" altLang="zh-TW" sz="2400" dirty="0" smtClean="0"/>
+              <a:rPr lang="en-US" altLang="zh-TW" sz="2400" dirty="0"/>
               <a:t>Maximum number of students per team: </a:t>
             </a:r>
             <a:r>
-              <a:rPr lang="en-US" altLang="zh-TW" sz="2400" dirty="0" smtClean="0">
+              <a:rPr lang="en-US" altLang="zh-TW" sz="2400" dirty="0">
                 <a:solidFill>
                   <a:srgbClr val="FF0000"/>
                 </a:solidFill>
@@ -9358,7 +9310,7 @@
               <a:defRPr/>
             </a:pPr>
             <a:r>
-              <a:rPr lang="en-US" altLang="zh-TW" sz="2800" dirty="0" smtClean="0"/>
+              <a:rPr lang="en-US" altLang="zh-TW" sz="2800" dirty="0"/>
               <a:t>The term project for educational data analysis or system development</a:t>
             </a:r>
           </a:p>
@@ -9367,7 +9319,7 @@
               <a:defRPr/>
             </a:pPr>
             <a:r>
-              <a:rPr lang="en-US" altLang="zh-TW" sz="2400" dirty="0" smtClean="0"/>
+              <a:rPr lang="en-US" altLang="zh-TW" sz="2400" dirty="0"/>
               <a:t>Team-based (the same as programming exercises)</a:t>
             </a:r>
           </a:p>
@@ -9376,7 +9328,7 @@
               <a:defRPr/>
             </a:pPr>
             <a:r>
-              <a:rPr lang="en-US" altLang="zh-TW" sz="2400" dirty="0" smtClean="0"/>
+              <a:rPr lang="en-US" altLang="zh-TW" sz="2400" dirty="0"/>
               <a:t>e.g. given interesting educational datasets, find appropriate methods to analyze </a:t>
             </a:r>
           </a:p>
@@ -9385,7 +9337,7 @@
               <a:defRPr/>
             </a:pPr>
             <a:r>
-              <a:rPr lang="en-US" altLang="zh-TW" sz="2800" dirty="0" smtClean="0"/>
+              <a:rPr lang="en-US" altLang="zh-TW" sz="2800" dirty="0"/>
               <a:t>Responsibility of each member must be specified in the document</a:t>
             </a:r>
           </a:p>
@@ -9396,13 +9348,6 @@
   <p:clrMapOvr>
     <a:masterClrMapping/>
   </p:clrMapOvr>
-  <p:timing>
-    <p:tnLst>
-      <p:par>
-        <p:cTn id="1" dur="indefinite" restart="never" nodeType="tmRoot"/>
-      </p:par>
-    </p:tnLst>
-  </p:timing>
 </p:sld>
 </file>
 
@@ -9439,10 +9384,10 @@
           <a:lstStyle/>
           <a:p>
             <a:r>
-              <a:rPr lang="en-US" altLang="zh-TW" smtClean="0"/>
+              <a:rPr lang="en-US" altLang="zh-TW"/>
               <a:t>About the Midterm Exam</a:t>
             </a:r>
-            <a:endParaRPr lang="zh-TW" altLang="en-US" smtClean="0"/>
+            <a:endParaRPr lang="zh-TW" altLang="en-US"/>
           </a:p>
         </p:txBody>
       </p:sp>
@@ -9467,16 +9412,16 @@
               <a:defRPr/>
             </a:pPr>
             <a:r>
-              <a:rPr lang="en-US" altLang="zh-TW" dirty="0" smtClean="0"/>
+              <a:rPr lang="en-US" altLang="zh-TW" dirty="0"/>
               <a:t>Date: (TBD) </a:t>
             </a:r>
             <a:r>
-              <a:rPr lang="en-US" altLang="zh-TW" dirty="0" smtClean="0">
+              <a:rPr lang="en-US" altLang="zh-TW" dirty="0">
                 <a:solidFill>
                   <a:srgbClr val="FF0000"/>
                 </a:solidFill>
               </a:rPr>
-              <a:t>Nov. 14, 2023</a:t>
+              <a:t>Nov. 4, 2024</a:t>
             </a:r>
           </a:p>
           <a:p>
@@ -9484,8 +9429,8 @@
               <a:defRPr/>
             </a:pPr>
             <a:r>
-              <a:rPr lang="en-US" altLang="zh-TW" dirty="0" smtClean="0"/>
-              <a:t>Time: 13:10-15:00</a:t>
+              <a:rPr lang="en-US" altLang="zh-TW" dirty="0"/>
+              <a:t>Time: 10:10-12:00</a:t>
             </a:r>
           </a:p>
           <a:p>
@@ -9493,16 +9438,8 @@
               <a:defRPr/>
             </a:pPr>
             <a:r>
-              <a:rPr lang="en-US" altLang="zh-TW" dirty="0" smtClean="0"/>
-              <a:t>Location: R227, 6</a:t>
-            </a:r>
-            <a:r>
-              <a:rPr lang="en-US" altLang="zh-TW" baseline="30000" dirty="0" smtClean="0"/>
-              <a:t>th</a:t>
-            </a:r>
-            <a:r>
-              <a:rPr lang="en-US" altLang="zh-TW" dirty="0" smtClean="0"/>
-              <a:t> Teaching Building</a:t>
+              <a:rPr lang="en-US" altLang="zh-TW" dirty="0"/>
+              <a:t>Location: R234, Technology Building</a:t>
             </a:r>
           </a:p>
           <a:p>
@@ -9510,25 +9447,21 @@
               <a:defRPr/>
             </a:pPr>
             <a:r>
-              <a:rPr lang="en-US" altLang="zh-TW" dirty="0" smtClean="0"/>
+              <a:rPr lang="en-US" altLang="zh-TW" dirty="0"/>
               <a:t>Range: (TBD) [</a:t>
             </a:r>
             <a:r>
-              <a:rPr lang="en-US" altLang="zh-TW" b="1" dirty="0" smtClean="0"/>
-              <a:t>DM4] Ch.1-2, 4-5, 6</a:t>
-            </a:r>
-            <a:r>
-              <a:rPr lang="en-US" altLang="zh-TW" b="1" smtClean="0"/>
-              <a:t>, 7 (part), 8</a:t>
-            </a:r>
-            <a:endParaRPr lang="en-US" altLang="zh-TW" dirty="0" smtClean="0"/>
+              <a:rPr lang="en-US" altLang="zh-TW" b="1" dirty="0"/>
+              <a:t>DM4] Ch.1-2, 4-5, 6, 7 (part), 8</a:t>
+            </a:r>
+            <a:endParaRPr lang="en-US" altLang="zh-TW" dirty="0"/>
           </a:p>
           <a:p>
             <a:pPr>
               <a:defRPr/>
             </a:pPr>
             <a:r>
-              <a:rPr lang="en-US" altLang="zh-TW" dirty="0" smtClean="0"/>
+              <a:rPr lang="en-US" altLang="zh-TW" dirty="0"/>
               <a:t>Question Types: Calculation, Short Answer, True-False, Multiple Choice</a:t>
             </a:r>
           </a:p>
@@ -9537,14 +9470,14 @@
               <a:defRPr/>
             </a:pPr>
             <a:r>
-              <a:rPr lang="en-US" altLang="zh-TW" dirty="0" smtClean="0">
+              <a:rPr lang="en-US" altLang="zh-TW" dirty="0">
                 <a:solidFill>
                   <a:srgbClr val="0000FF"/>
                 </a:solidFill>
               </a:rPr>
               <a:t>Closed-book</a:t>
             </a:r>
-            <a:endParaRPr lang="zh-TW" altLang="en-US" dirty="0" smtClean="0">
+            <a:endParaRPr lang="zh-TW" altLang="en-US" dirty="0">
               <a:solidFill>
                 <a:srgbClr val="0000FF"/>
               </a:solidFill>
@@ -9707,10 +9640,10 @@
               <a:buNone/>
             </a:pPr>
             <a:r>
-              <a:rPr kumimoji="0" lang="en-US" altLang="zh-TW" sz="1400" smtClean="0">
+              <a:rPr kumimoji="0" lang="en-US" altLang="zh-TW" sz="1400">
                 <a:latin typeface="Arial" panose="020B0604020202020204" pitchFamily="34" charset="0"/>
               </a:rPr>
-              <a:t>Educational Data Mining, Fall 2023</a:t>
+              <a:t>Educational Data Mining, Fall 2024</a:t>
             </a:r>
           </a:p>
         </p:txBody>
@@ -9870,7 +9803,7 @@
               <a:buNone/>
             </a:pPr>
             <a:r>
-              <a:rPr kumimoji="0" lang="en-US" altLang="zh-TW" sz="1400" smtClean="0">
+              <a:rPr kumimoji="0" lang="en-US" altLang="zh-TW" sz="1400">
                 <a:latin typeface="Arial" panose="020B0604020202020204" pitchFamily="34" charset="0"/>
               </a:rPr>
               <a:t>NTUT CSIE</a:t>
@@ -10045,7 +9978,7 @@
               </a:pPr>
               <a:t>12</a:t>
             </a:fld>
-            <a:endParaRPr kumimoji="0" lang="en-US" altLang="zh-TW" sz="1400" smtClean="0">
+            <a:endParaRPr kumimoji="0" lang="en-US" altLang="zh-TW" sz="1400">
               <a:latin typeface="Arial" panose="020B0604020202020204" pitchFamily="34" charset="0"/>
             </a:endParaRPr>
           </a:p>
@@ -10056,13 +9989,6 @@
   <p:clrMapOvr>
     <a:masterClrMapping/>
   </p:clrMapOvr>
-  <p:timing>
-    <p:tnLst>
-      <p:par>
-        <p:cTn id="1" dur="indefinite" restart="never" nodeType="tmRoot"/>
-      </p:par>
-    </p:tnLst>
-  </p:timing>
 </p:sld>
 </file>
 
@@ -10238,10 +10164,10 @@
               <a:buNone/>
             </a:pPr>
             <a:r>
-              <a:rPr kumimoji="0" lang="en-US" altLang="zh-TW" sz="1400" smtClean="0">
+              <a:rPr kumimoji="0" lang="en-US" altLang="zh-TW" sz="1400">
                 <a:latin typeface="Arial" panose="020B0604020202020204" pitchFamily="34" charset="0"/>
               </a:rPr>
-              <a:t>Educational Data Mining, Fall 2023</a:t>
+              <a:t>Educational Data Mining, Fall 2024</a:t>
             </a:r>
           </a:p>
         </p:txBody>
@@ -10401,7 +10327,7 @@
               <a:buNone/>
             </a:pPr>
             <a:r>
-              <a:rPr kumimoji="0" lang="en-US" altLang="zh-TW" sz="1400" smtClean="0">
+              <a:rPr kumimoji="0" lang="en-US" altLang="zh-TW" sz="1400">
                 <a:latin typeface="Arial" panose="020B0604020202020204" pitchFamily="34" charset="0"/>
               </a:rPr>
               <a:t>NTUT CSIE</a:t>
@@ -10576,7 +10502,7 @@
               </a:pPr>
               <a:t>13</a:t>
             </a:fld>
-            <a:endParaRPr kumimoji="0" lang="en-US" altLang="zh-TW" sz="1400" smtClean="0">
+            <a:endParaRPr kumimoji="0" lang="en-US" altLang="zh-TW" sz="1400">
               <a:latin typeface="Arial" panose="020B0604020202020204" pitchFamily="34" charset="0"/>
             </a:endParaRPr>
           </a:p>
@@ -10599,7 +10525,7 @@
           <a:p>
             <a:pPr eaLnBrk="1" hangingPunct="1"/>
             <a:r>
-              <a:rPr lang="en-US" altLang="zh-TW" smtClean="0"/>
+              <a:rPr lang="en-US" altLang="zh-TW"/>
               <a:t>About the Term Project</a:t>
             </a:r>
           </a:p>
@@ -10624,11 +10550,11 @@
           <a:p>
             <a:pPr eaLnBrk="1" hangingPunct="1"/>
             <a:r>
-              <a:rPr lang="en-US" altLang="zh-TW" sz="2800" dirty="0" smtClean="0"/>
+              <a:rPr lang="en-US" altLang="zh-TW" sz="2800" dirty="0"/>
               <a:t>Proposals, presentations, and reports are </a:t>
             </a:r>
             <a:r>
-              <a:rPr lang="en-US" altLang="zh-TW" sz="2800" b="1" dirty="0" smtClean="0">
+              <a:rPr lang="en-US" altLang="zh-TW" sz="2800" b="1" dirty="0">
                 <a:solidFill>
                   <a:srgbClr val="0000FF"/>
                 </a:solidFill>
@@ -10636,36 +10562,36 @@
               <a:t>*required*</a:t>
             </a:r>
             <a:r>
-              <a:rPr lang="en-US" altLang="zh-TW" sz="2800" b="1" dirty="0" smtClean="0"/>
+              <a:rPr lang="en-US" altLang="zh-TW" sz="2800" b="1" dirty="0"/>
               <a:t> for each team</a:t>
             </a:r>
             <a:r>
-              <a:rPr lang="en-US" altLang="zh-TW" sz="2800" dirty="0" smtClean="0"/>
+              <a:rPr lang="en-US" altLang="zh-TW" sz="2800" dirty="0"/>
               <a:t>, and will be counted in the score</a:t>
             </a:r>
           </a:p>
           <a:p>
             <a:pPr lvl="1" eaLnBrk="1" hangingPunct="1"/>
             <a:r>
-              <a:rPr lang="en-US" altLang="zh-TW" sz="2400" dirty="0" smtClean="0"/>
+              <a:rPr lang="en-US" altLang="zh-TW" sz="2400" dirty="0"/>
               <a:t>The score you’ll get depends on the functionality, difficulty, and quality of your project </a:t>
             </a:r>
           </a:p>
           <a:p>
             <a:pPr eaLnBrk="1" hangingPunct="1"/>
             <a:r>
-              <a:rPr lang="en-US" altLang="zh-TW" sz="2800" dirty="0" smtClean="0"/>
+              <a:rPr lang="en-US" altLang="zh-TW" sz="2800" dirty="0"/>
               <a:t>Proposal: A one-page description of your idea on how you are going analyze which dataset</a:t>
             </a:r>
           </a:p>
           <a:p>
             <a:pPr lvl="1" eaLnBrk="1" hangingPunct="1"/>
             <a:r>
-              <a:rPr lang="en-US" altLang="zh-TW" sz="2400" dirty="0" smtClean="0"/>
+              <a:rPr lang="en-US" altLang="zh-TW" sz="2400" dirty="0"/>
               <a:t>You can either write your own program, or </a:t>
             </a:r>
             <a:r>
-              <a:rPr lang="en-US" altLang="zh-TW" sz="2400" dirty="0" smtClean="0">
+              <a:rPr lang="en-US" altLang="zh-TW" sz="2400" dirty="0">
                 <a:solidFill>
                   <a:srgbClr val="0000FF"/>
                 </a:solidFill>
@@ -10673,11 +10599,11 @@
               <a:t>call existing open source code or library</a:t>
             </a:r>
             <a:r>
-              <a:rPr lang="en-US" altLang="zh-TW" sz="2400" dirty="0" smtClean="0"/>
+              <a:rPr lang="en-US" altLang="zh-TW" sz="2400" dirty="0"/>
               <a:t> (but </a:t>
             </a:r>
             <a:r>
-              <a:rPr lang="en-US" altLang="zh-TW" sz="2400" dirty="0" smtClean="0">
+              <a:rPr lang="en-US" altLang="zh-TW" sz="2400" dirty="0">
                 <a:solidFill>
                   <a:srgbClr val="FF0000"/>
                 </a:solidFill>
@@ -10685,34 +10611,34 @@
               <a:t>NOT</a:t>
             </a:r>
             <a:r>
-              <a:rPr lang="en-US" altLang="zh-TW" sz="2400" dirty="0" smtClean="0"/>
+              <a:rPr lang="en-US" altLang="zh-TW" sz="2400" dirty="0"/>
               <a:t> executing binary code only)</a:t>
             </a:r>
           </a:p>
           <a:p>
             <a:pPr eaLnBrk="1" hangingPunct="1"/>
             <a:r>
-              <a:rPr lang="en-US" altLang="zh-TW" sz="2800" dirty="0" smtClean="0"/>
+              <a:rPr lang="en-US" altLang="zh-TW" sz="2800" dirty="0"/>
               <a:t>Presentation: 20 minutes per team</a:t>
             </a:r>
           </a:p>
           <a:p>
             <a:pPr lvl="1" eaLnBrk="1" hangingPunct="1"/>
             <a:r>
-              <a:rPr lang="en-US" altLang="zh-TW" sz="2400" dirty="0" smtClean="0"/>
+              <a:rPr lang="en-US" altLang="zh-TW" sz="2400" dirty="0"/>
               <a:t>Focus on analytical methods, results and interpretations</a:t>
             </a:r>
           </a:p>
           <a:p>
             <a:pPr eaLnBrk="1" hangingPunct="1"/>
             <a:r>
-              <a:rPr lang="en-US" altLang="zh-TW" sz="2800" dirty="0" smtClean="0"/>
+              <a:rPr lang="en-US" altLang="zh-TW" sz="2800" dirty="0"/>
               <a:t>Reports: slides, source code, and document</a:t>
             </a:r>
           </a:p>
           <a:p>
             <a:pPr lvl="1" eaLnBrk="1" hangingPunct="1"/>
-            <a:endParaRPr lang="en-US" altLang="zh-TW" sz="2400" dirty="0" smtClean="0"/>
+            <a:endParaRPr lang="en-US" altLang="zh-TW" sz="2400" dirty="0"/>
           </a:p>
         </p:txBody>
       </p:sp>
@@ -10721,13 +10647,6 @@
   <p:clrMapOvr>
     <a:masterClrMapping/>
   </p:clrMapOvr>
-  <p:timing>
-    <p:tnLst>
-      <p:par>
-        <p:cTn id="1" dur="indefinite" restart="never" nodeType="tmRoot"/>
-      </p:par>
-    </p:tnLst>
-  </p:timing>
 </p:sld>
 </file>
 
@@ -10903,10 +10822,10 @@
               <a:buNone/>
             </a:pPr>
             <a:r>
-              <a:rPr kumimoji="0" lang="en-US" altLang="zh-TW" sz="1400" smtClean="0">
+              <a:rPr kumimoji="0" lang="en-US" altLang="zh-TW" sz="1400">
                 <a:latin typeface="Arial" panose="020B0604020202020204" pitchFamily="34" charset="0"/>
               </a:rPr>
-              <a:t>Educational Data Mining, Fall 2023</a:t>
+              <a:t>Educational Data Mining, Fall 2024</a:t>
             </a:r>
           </a:p>
         </p:txBody>
@@ -11066,7 +10985,7 @@
               <a:buNone/>
             </a:pPr>
             <a:r>
-              <a:rPr kumimoji="0" lang="en-US" altLang="zh-TW" sz="1400" smtClean="0">
+              <a:rPr kumimoji="0" lang="en-US" altLang="zh-TW" sz="1400">
                 <a:latin typeface="Arial" panose="020B0604020202020204" pitchFamily="34" charset="0"/>
               </a:rPr>
               <a:t>NTUT CSIE</a:t>
@@ -11241,7 +11160,7 @@
               </a:pPr>
               <a:t>14</a:t>
             </a:fld>
-            <a:endParaRPr kumimoji="0" lang="en-US" altLang="zh-TW" sz="1400" smtClean="0">
+            <a:endParaRPr kumimoji="0" lang="en-US" altLang="zh-TW" sz="1400">
               <a:latin typeface="Arial" panose="020B0604020202020204" pitchFamily="34" charset="0"/>
             </a:endParaRPr>
           </a:p>
@@ -11264,7 +11183,7 @@
           <a:p>
             <a:pPr eaLnBrk="1" hangingPunct="1"/>
             <a:r>
-              <a:rPr lang="en-US" altLang="zh-TW" smtClean="0"/>
+              <a:rPr lang="en-US" altLang="zh-TW"/>
               <a:t>Homework Submission</a:t>
             </a:r>
           </a:p>
@@ -11287,25 +11206,25 @@
           <a:p>
             <a:pPr eaLnBrk="1" hangingPunct="1"/>
             <a:r>
-              <a:rPr lang="en-US" altLang="zh-TW" dirty="0" smtClean="0"/>
+              <a:rPr lang="en-US" altLang="zh-TW" dirty="0"/>
               <a:t>How to Submit:</a:t>
             </a:r>
           </a:p>
           <a:p>
             <a:pPr lvl="1" eaLnBrk="1" hangingPunct="1"/>
             <a:r>
-              <a:rPr lang="en-US" altLang="zh-TW" dirty="0" smtClean="0"/>
+              <a:rPr lang="en-US" altLang="zh-TW" dirty="0"/>
               <a:t>Written exercises are to be submitted in paper</a:t>
             </a:r>
           </a:p>
           <a:p>
             <a:pPr lvl="2" eaLnBrk="1" hangingPunct="1"/>
             <a:r>
-              <a:rPr lang="en-US" altLang="zh-TW" dirty="0" smtClean="0"/>
+              <a:rPr lang="en-US" altLang="zh-TW" dirty="0"/>
               <a:t>Electronic version is also acceptable in </a:t>
             </a:r>
             <a:r>
-              <a:rPr lang="en-US" altLang="zh-TW" dirty="0" err="1" smtClean="0">
+              <a:rPr lang="en-US" altLang="zh-TW" dirty="0" err="1">
                 <a:solidFill>
                   <a:srgbClr val="0000FF"/>
                 </a:solidFill>
@@ -11313,7 +11232,7 @@
               <a:t>iSchool</a:t>
             </a:r>
             <a:r>
-              <a:rPr lang="en-US" altLang="zh-TW" dirty="0" smtClean="0">
+              <a:rPr lang="en-US" altLang="zh-TW" dirty="0">
                 <a:solidFill>
                   <a:srgbClr val="0000FF"/>
                 </a:solidFill>
@@ -11321,18 +11240,18 @@
               <a:t>+</a:t>
             </a:r>
             <a:r>
-              <a:rPr lang="en-US" altLang="zh-TW" dirty="0" smtClean="0"/>
+              <a:rPr lang="en-US" altLang="zh-TW" dirty="0"/>
               <a:t> </a:t>
             </a:r>
           </a:p>
           <a:p>
             <a:pPr lvl="1" eaLnBrk="1" hangingPunct="1"/>
             <a:r>
-              <a:rPr lang="en-US" altLang="zh-TW" dirty="0" smtClean="0"/>
+              <a:rPr lang="en-US" altLang="zh-TW" dirty="0"/>
               <a:t>Systems, programs &amp; documentation, project proposals, and project reports in electronic files must be submitted online to </a:t>
             </a:r>
             <a:r>
-              <a:rPr lang="en-US" altLang="zh-TW" dirty="0" err="1" smtClean="0">
+              <a:rPr lang="en-US" altLang="zh-TW" dirty="0" err="1">
                 <a:solidFill>
                   <a:srgbClr val="0000FF"/>
                 </a:solidFill>
@@ -11340,7 +11259,7 @@
               <a:t>iSchool</a:t>
             </a:r>
             <a:r>
-              <a:rPr lang="en-US" altLang="zh-TW" dirty="0" smtClean="0">
+              <a:rPr lang="en-US" altLang="zh-TW" dirty="0">
                 <a:solidFill>
                   <a:srgbClr val="0000FF"/>
                 </a:solidFill>
@@ -11351,14 +11270,14 @@
           <a:p>
             <a:pPr lvl="1" eaLnBrk="1" hangingPunct="1"/>
             <a:r>
-              <a:rPr lang="en-US" altLang="zh-TW" dirty="0" smtClean="0"/>
+              <a:rPr lang="en-US" altLang="zh-TW" dirty="0"/>
               <a:t>You will get deducted score when there’s delay in homework submission</a:t>
             </a:r>
           </a:p>
           <a:p>
             <a:pPr lvl="2" eaLnBrk="1" hangingPunct="1"/>
             <a:r>
-              <a:rPr lang="en-US" altLang="zh-TW" dirty="0" smtClean="0">
+              <a:rPr lang="en-US" altLang="zh-TW" dirty="0">
                 <a:solidFill>
                   <a:srgbClr val="0000FF"/>
                 </a:solidFill>
@@ -11368,7 +11287,7 @@
           </a:p>
           <a:p>
             <a:pPr lvl="2" eaLnBrk="1" hangingPunct="1"/>
-            <a:endParaRPr lang="en-US" altLang="zh-TW" dirty="0" smtClean="0">
+            <a:endParaRPr lang="en-US" altLang="zh-TW" dirty="0">
               <a:solidFill>
                 <a:srgbClr val="0000FF"/>
               </a:solidFill>
@@ -11381,13 +11300,6 @@
   <p:clrMapOvr>
     <a:masterClrMapping/>
   </p:clrMapOvr>
-  <p:timing>
-    <p:tnLst>
-      <p:par>
-        <p:cTn id="1" dur="indefinite" restart="never" nodeType="tmRoot"/>
-      </p:par>
-    </p:tnLst>
-  </p:timing>
 </p:sld>
 </file>
 
@@ -11563,10 +11475,10 @@
               <a:buNone/>
             </a:pPr>
             <a:r>
-              <a:rPr kumimoji="0" lang="en-US" altLang="zh-TW" sz="1400" smtClean="0">
+              <a:rPr kumimoji="0" lang="en-US" altLang="zh-TW" sz="1400">
                 <a:latin typeface="Arial" panose="020B0604020202020204" pitchFamily="34" charset="0"/>
               </a:rPr>
-              <a:t>Educational Data Mining, Fall 2023</a:t>
+              <a:t>Educational Data Mining, Fall 2024</a:t>
             </a:r>
           </a:p>
         </p:txBody>
@@ -11726,7 +11638,7 @@
               <a:buNone/>
             </a:pPr>
             <a:r>
-              <a:rPr kumimoji="0" lang="en-US" altLang="zh-TW" sz="1400" smtClean="0">
+              <a:rPr kumimoji="0" lang="en-US" altLang="zh-TW" sz="1400">
                 <a:latin typeface="Arial" panose="020B0604020202020204" pitchFamily="34" charset="0"/>
               </a:rPr>
               <a:t>NTUT CSIE</a:t>
@@ -11901,7 +11813,7 @@
               </a:pPr>
               <a:t>15</a:t>
             </a:fld>
-            <a:endParaRPr kumimoji="0" lang="en-US" altLang="zh-TW" sz="1400" smtClean="0">
+            <a:endParaRPr kumimoji="0" lang="en-US" altLang="zh-TW" sz="1400">
               <a:latin typeface="Arial" panose="020B0604020202020204" pitchFamily="34" charset="0"/>
             </a:endParaRPr>
           </a:p>
@@ -11924,7 +11836,7 @@
           <a:p>
             <a:pPr eaLnBrk="1" hangingPunct="1"/>
             <a:r>
-              <a:rPr lang="en-US" altLang="zh-TW" smtClean="0"/>
+              <a:rPr lang="en-US" altLang="zh-TW"/>
               <a:t>What This Course is about</a:t>
             </a:r>
           </a:p>
@@ -11947,18 +11859,18 @@
           <a:p>
             <a:pPr eaLnBrk="1" hangingPunct="1"/>
             <a:r>
-              <a:rPr lang="en-US" altLang="zh-TW" sz="2800" dirty="0" smtClean="0"/>
+              <a:rPr lang="en-US" altLang="zh-TW" sz="2800" dirty="0"/>
               <a:t>This course can help you</a:t>
             </a:r>
           </a:p>
           <a:p>
             <a:pPr lvl="1" eaLnBrk="1" hangingPunct="1"/>
             <a:r>
-              <a:rPr lang="en-US" altLang="zh-TW" sz="2400" dirty="0" smtClean="0"/>
+              <a:rPr lang="en-US" altLang="zh-TW" sz="2400" dirty="0"/>
               <a:t>Understand the general techniques of </a:t>
             </a:r>
             <a:r>
-              <a:rPr lang="en-US" altLang="zh-TW" sz="2400" dirty="0" smtClean="0">
+              <a:rPr lang="en-US" altLang="zh-TW" sz="2400" dirty="0">
                 <a:solidFill>
                   <a:srgbClr val="0000FF"/>
                 </a:solidFill>
@@ -11969,11 +11881,11 @@
           <a:p>
             <a:pPr lvl="1" eaLnBrk="1" hangingPunct="1"/>
             <a:r>
-              <a:rPr lang="en-US" altLang="zh-TW" sz="2400" dirty="0" smtClean="0"/>
+              <a:rPr lang="en-US" altLang="zh-TW" sz="2400" dirty="0"/>
               <a:t>How to apply data mining tools in </a:t>
             </a:r>
             <a:r>
-              <a:rPr lang="en-US" altLang="zh-TW" sz="2400" dirty="0" smtClean="0">
+              <a:rPr lang="en-US" altLang="zh-TW" sz="2400" dirty="0">
                 <a:solidFill>
                   <a:srgbClr val="0000FF"/>
                 </a:solidFill>
@@ -11981,56 +11893,52 @@
               <a:t>educational</a:t>
             </a:r>
             <a:r>
-              <a:rPr lang="en-US" altLang="zh-TW" sz="2400" dirty="0" smtClean="0"/>
+              <a:rPr lang="en-US" altLang="zh-TW" sz="2400" dirty="0"/>
               <a:t> data</a:t>
             </a:r>
           </a:p>
           <a:p>
             <a:pPr lvl="1" eaLnBrk="1" hangingPunct="1"/>
             <a:r>
-              <a:rPr lang="en-US" altLang="zh-TW" sz="2400" dirty="0" smtClean="0"/>
+              <a:rPr lang="en-US" altLang="zh-TW" sz="2400" dirty="0"/>
               <a:t>Have an idea of what distributed platforms like Hadoop/Spark can do (if time permits)</a:t>
             </a:r>
           </a:p>
           <a:p>
             <a:pPr eaLnBrk="1" hangingPunct="1"/>
             <a:r>
-              <a:rPr lang="en-US" altLang="zh-TW" sz="2800" dirty="0" smtClean="0"/>
+              <a:rPr lang="en-US" altLang="zh-TW" sz="2800" dirty="0"/>
               <a:t>And MORE…</a:t>
             </a:r>
           </a:p>
           <a:p>
             <a:pPr lvl="1" eaLnBrk="1" hangingPunct="1"/>
             <a:r>
-              <a:rPr lang="en-US" altLang="zh-TW" sz="2400" dirty="0" smtClean="0"/>
+              <a:rPr lang="en-US" altLang="zh-TW" sz="2400" dirty="0"/>
               <a:t>Technical and practical skills for:</a:t>
             </a:r>
           </a:p>
           <a:p>
             <a:pPr lvl="2" eaLnBrk="1" hangingPunct="1"/>
             <a:r>
-              <a:rPr lang="en-US" altLang="zh-TW" sz="1600" dirty="0" smtClean="0"/>
+              <a:rPr lang="en-US" altLang="zh-TW" sz="1600" dirty="0"/>
               <a:t>Educational data analysis</a:t>
             </a:r>
           </a:p>
           <a:p>
             <a:pPr lvl="2" eaLnBrk="1" hangingPunct="1"/>
             <a:r>
-              <a:rPr lang="en-US" altLang="zh-TW" sz="1600" dirty="0" smtClean="0"/>
-              <a:t>Environment setup of distributed </a:t>
-            </a:r>
-            <a:r>
               <a:rPr lang="en-US" altLang="zh-TW" sz="1600" dirty="0"/>
-              <a:t>computing (if time permits)</a:t>
+              <a:t>Environment setup of distributed computing (if time permits)</a:t>
             </a:r>
           </a:p>
           <a:p>
             <a:pPr lvl="2" eaLnBrk="1" hangingPunct="1"/>
-            <a:endParaRPr lang="en-US" altLang="zh-TW" sz="1600" dirty="0" smtClean="0"/>
+            <a:endParaRPr lang="en-US" altLang="zh-TW" sz="1600" dirty="0"/>
           </a:p>
           <a:p>
             <a:pPr lvl="2" eaLnBrk="1" hangingPunct="1"/>
-            <a:endParaRPr lang="en-US" altLang="zh-TW" sz="1600" dirty="0" smtClean="0"/>
+            <a:endParaRPr lang="en-US" altLang="zh-TW" sz="1600" dirty="0"/>
           </a:p>
         </p:txBody>
       </p:sp>
@@ -12039,13 +11947,6 @@
   <p:clrMapOvr>
     <a:masterClrMapping/>
   </p:clrMapOvr>
-  <p:timing>
-    <p:tnLst>
-      <p:par>
-        <p:cTn id="1" dur="indefinite" restart="never" nodeType="tmRoot"/>
-      </p:par>
-    </p:tnLst>
-  </p:timing>
 </p:sld>
 </file>
 
@@ -12082,7 +11983,7 @@
           <a:lstStyle/>
           <a:p>
             <a:r>
-              <a:rPr lang="en-US" altLang="zh-TW" dirty="0" smtClean="0"/>
+              <a:rPr lang="en-US" altLang="zh-TW" dirty="0"/>
               <a:t>Related Topics</a:t>
             </a:r>
             <a:endParaRPr lang="zh-TW" altLang="en-US" dirty="0"/>
@@ -12108,10 +12009,9 @@
               <a:defRPr/>
             </a:pPr>
             <a:r>
-              <a:rPr lang="en-US" altLang="zh-TW" smtClean="0"/>
-              <a:t>Educational Data Mining, Fall 2023</a:t>
-            </a:r>
-            <a:endParaRPr lang="en-US" altLang="zh-TW"/>
+              <a:rPr lang="en-US" altLang="zh-TW"/>
+              <a:t>Educational Data Mining, Fall 2024</a:t>
+            </a:r>
           </a:p>
         </p:txBody>
       </p:sp>
@@ -12134,10 +12034,9 @@
               <a:defRPr/>
             </a:pPr>
             <a:r>
-              <a:rPr lang="en-US" altLang="zh-TW" smtClean="0"/>
+              <a:rPr lang="en-US" altLang="zh-TW"/>
               <a:t>NTUT CSIE</a:t>
             </a:r>
-            <a:endParaRPr lang="en-US" altLang="zh-TW"/>
           </a:p>
         </p:txBody>
       </p:sp>
@@ -12245,7 +12144,7 @@
           <a:lstStyle/>
           <a:p>
             <a:r>
-              <a:rPr lang="en-US" altLang="zh-TW" dirty="0" smtClean="0"/>
+              <a:rPr lang="en-US" altLang="zh-TW" dirty="0"/>
               <a:t>Related Topics</a:t>
             </a:r>
             <a:endParaRPr lang="zh-TW" altLang="en-US" dirty="0"/>
@@ -12271,10 +12170,9 @@
               <a:defRPr/>
             </a:pPr>
             <a:r>
-              <a:rPr lang="en-US" altLang="zh-TW" smtClean="0"/>
-              <a:t>Educational Data Mining, Fall 2023</a:t>
-            </a:r>
-            <a:endParaRPr lang="en-US" altLang="zh-TW"/>
+              <a:rPr lang="en-US" altLang="zh-TW"/>
+              <a:t>Educational Data Mining, Fall 2024</a:t>
+            </a:r>
           </a:p>
         </p:txBody>
       </p:sp>
@@ -12297,10 +12195,9 @@
               <a:defRPr/>
             </a:pPr>
             <a:r>
-              <a:rPr lang="en-US" altLang="zh-TW" smtClean="0"/>
+              <a:rPr lang="en-US" altLang="zh-TW"/>
               <a:t>NTUT CSIE</a:t>
             </a:r>
-            <a:endParaRPr lang="en-US" altLang="zh-TW"/>
           </a:p>
         </p:txBody>
       </p:sp>
@@ -12408,10 +12305,10 @@
           <a:lstStyle/>
           <a:p>
             <a:r>
-              <a:rPr lang="en-US" altLang="zh-TW" dirty="0" smtClean="0"/>
+              <a:rPr lang="en-US" altLang="zh-TW" dirty="0"/>
               <a:t>Focus in Educational Data Mining</a:t>
             </a:r>
-            <a:endParaRPr lang="zh-TW" altLang="en-US" dirty="0" smtClean="0"/>
+            <a:endParaRPr lang="zh-TW" altLang="en-US" dirty="0"/>
           </a:p>
         </p:txBody>
       </p:sp>
@@ -12436,7 +12333,7 @@
               <a:defRPr/>
             </a:pPr>
             <a:r>
-              <a:rPr lang="en-US" altLang="zh-TW" dirty="0" smtClean="0"/>
+              <a:rPr lang="en-US" altLang="zh-TW" dirty="0"/>
               <a:t>The management of complete data lifecycle</a:t>
             </a:r>
           </a:p>
@@ -12445,7 +12342,7 @@
               <a:defRPr/>
             </a:pPr>
             <a:r>
-              <a:rPr lang="en-US" altLang="zh-TW" dirty="0" smtClean="0">
+              <a:rPr lang="en-US" altLang="zh-TW" dirty="0">
                 <a:solidFill>
                   <a:schemeClr val="bg1">
                     <a:lumMod val="65000"/>
@@ -12460,7 +12357,7 @@
               <a:defRPr/>
             </a:pPr>
             <a:r>
-              <a:rPr lang="en-US" altLang="zh-TW" dirty="0" smtClean="0">
+              <a:rPr lang="en-US" altLang="zh-TW" dirty="0">
                 <a:solidFill>
                   <a:schemeClr val="bg1">
                     <a:lumMod val="65000"/>
@@ -12475,7 +12372,7 @@
               <a:defRPr/>
             </a:pPr>
             <a:r>
-              <a:rPr lang="en-US" altLang="zh-TW" dirty="0" smtClean="0">
+              <a:rPr lang="en-US" altLang="zh-TW" dirty="0">
                 <a:solidFill>
                   <a:schemeClr val="bg1">
                     <a:lumMod val="65000"/>
@@ -12490,7 +12387,7 @@
               <a:defRPr/>
             </a:pPr>
             <a:r>
-              <a:rPr lang="en-US" altLang="zh-TW" dirty="0" smtClean="0">
+              <a:rPr lang="en-US" altLang="zh-TW" dirty="0">
                 <a:solidFill>
                   <a:schemeClr val="bg1">
                     <a:lumMod val="65000"/>
@@ -12500,7 +12397,7 @@
               <a:t>Storing</a:t>
             </a:r>
             <a:r>
-              <a:rPr lang="en-US" altLang="zh-TW" dirty="0" smtClean="0"/>
+              <a:rPr lang="en-US" altLang="zh-TW" dirty="0"/>
               <a:t> </a:t>
             </a:r>
           </a:p>
@@ -12509,7 +12406,7 @@
               <a:defRPr/>
             </a:pPr>
             <a:r>
-              <a:rPr lang="en-US" altLang="zh-TW" dirty="0" smtClean="0">
+              <a:rPr lang="en-US" altLang="zh-TW" dirty="0">
                 <a:solidFill>
                   <a:srgbClr val="FF0000"/>
                 </a:solidFill>
@@ -12535,7 +12432,7 @@
               <a:defRPr/>
             </a:pPr>
             <a:r>
-              <a:rPr lang="en-US" altLang="zh-TW" dirty="0" smtClean="0">
+              <a:rPr lang="en-US" altLang="zh-TW" dirty="0">
                 <a:solidFill>
                   <a:schemeClr val="bg1">
                     <a:lumMod val="65000"/>
@@ -12708,10 +12605,10 @@
               <a:buNone/>
             </a:pPr>
             <a:r>
-              <a:rPr kumimoji="0" lang="en-US" altLang="zh-TW" sz="1400" smtClean="0">
+              <a:rPr kumimoji="0" lang="en-US" altLang="zh-TW" sz="1400">
                 <a:latin typeface="Arial" panose="020B0604020202020204" pitchFamily="34" charset="0"/>
               </a:rPr>
-              <a:t>Educational Data Mining, Fall 2023</a:t>
+              <a:t>Educational Data Mining, Fall 2024</a:t>
             </a:r>
           </a:p>
         </p:txBody>
@@ -12871,7 +12768,7 @@
               <a:buNone/>
             </a:pPr>
             <a:r>
-              <a:rPr kumimoji="0" lang="en-US" altLang="zh-TW" sz="1400" smtClean="0">
+              <a:rPr kumimoji="0" lang="en-US" altLang="zh-TW" sz="1400">
                 <a:latin typeface="Arial" panose="020B0604020202020204" pitchFamily="34" charset="0"/>
               </a:rPr>
               <a:t>NTUT CSIE</a:t>
@@ -13046,7 +12943,7 @@
               </a:pPr>
               <a:t>18</a:t>
             </a:fld>
-            <a:endParaRPr kumimoji="0" lang="en-US" altLang="zh-TW" sz="1400" smtClean="0">
+            <a:endParaRPr kumimoji="0" lang="en-US" altLang="zh-TW" sz="1400">
               <a:latin typeface="Arial" panose="020B0604020202020204" pitchFamily="34" charset="0"/>
             </a:endParaRPr>
           </a:p>
@@ -13057,13 +12954,6 @@
   <p:clrMapOvr>
     <a:masterClrMapping/>
   </p:clrMapOvr>
-  <p:timing>
-    <p:tnLst>
-      <p:par>
-        <p:cTn id="1" dur="indefinite" restart="never" nodeType="tmRoot"/>
-      </p:par>
-    </p:tnLst>
-  </p:timing>
 </p:sld>
 </file>
 
@@ -13239,10 +13129,10 @@
               <a:buNone/>
             </a:pPr>
             <a:r>
-              <a:rPr kumimoji="0" lang="en-US" altLang="zh-TW" sz="1400" smtClean="0">
+              <a:rPr kumimoji="0" lang="en-US" altLang="zh-TW" sz="1400">
                 <a:latin typeface="Arial" panose="020B0604020202020204" pitchFamily="34" charset="0"/>
               </a:rPr>
-              <a:t>Educational Data Mining, Fall 2023</a:t>
+              <a:t>Educational Data Mining, Fall 2024</a:t>
             </a:r>
           </a:p>
         </p:txBody>
@@ -13402,7 +13292,7 @@
               <a:buNone/>
             </a:pPr>
             <a:r>
-              <a:rPr kumimoji="0" lang="en-US" altLang="zh-TW" sz="1400" smtClean="0">
+              <a:rPr kumimoji="0" lang="en-US" altLang="zh-TW" sz="1400">
                 <a:latin typeface="Arial" panose="020B0604020202020204" pitchFamily="34" charset="0"/>
               </a:rPr>
               <a:t>NTUT CSIE</a:t>
@@ -13577,7 +13467,7 @@
               </a:pPr>
               <a:t>19</a:t>
             </a:fld>
-            <a:endParaRPr kumimoji="0" lang="en-US" altLang="zh-TW" sz="1400" smtClean="0">
+            <a:endParaRPr kumimoji="0" lang="en-US" altLang="zh-TW" sz="1400">
               <a:latin typeface="Arial" panose="020B0604020202020204" pitchFamily="34" charset="0"/>
             </a:endParaRPr>
           </a:p>
@@ -13600,7 +13490,7 @@
           <a:p>
             <a:pPr eaLnBrk="1" hangingPunct="1"/>
             <a:r>
-              <a:rPr lang="en-US" altLang="zh-TW" smtClean="0"/>
+              <a:rPr lang="en-US" altLang="zh-TW"/>
               <a:t>The Goal of the Course</a:t>
             </a:r>
           </a:p>
@@ -13623,22 +13513,21 @@
           <a:p>
             <a:pPr eaLnBrk="1" hangingPunct="1"/>
             <a:r>
-              <a:rPr lang="en-US" altLang="zh-TW" dirty="0" smtClean="0"/>
+              <a:rPr lang="en-US" altLang="zh-TW" dirty="0"/>
               <a:t>To help students learn the basic concepts &amp; principles of data mining</a:t>
             </a:r>
           </a:p>
           <a:p>
             <a:pPr eaLnBrk="1" hangingPunct="1"/>
             <a:r>
-              <a:rPr lang="en-US" altLang="zh-TW" dirty="0" smtClean="0"/>
+              <a:rPr lang="en-US" altLang="zh-TW" dirty="0"/>
               <a:t>To get students familiar with data mining tools and their application on educational data</a:t>
             </a:r>
-            <a:endParaRPr lang="en-US" altLang="zh-TW" dirty="0"/>
           </a:p>
           <a:p>
             <a:pPr eaLnBrk="1" hangingPunct="1"/>
             <a:r>
-              <a:rPr lang="en-US" altLang="zh-TW" dirty="0" smtClean="0"/>
+              <a:rPr lang="en-US" altLang="zh-TW" dirty="0"/>
               <a:t>To interpret the analytic results of data mining</a:t>
             </a:r>
           </a:p>
@@ -13649,13 +13538,6 @@
   <p:clrMapOvr>
     <a:masterClrMapping/>
   </p:clrMapOvr>
-  <p:timing>
-    <p:tnLst>
-      <p:par>
-        <p:cTn id="1" dur="indefinite" restart="never" nodeType="tmRoot"/>
-      </p:par>
-    </p:tnLst>
-  </p:timing>
 </p:sld>
 </file>
 
@@ -13831,10 +13713,10 @@
               <a:buNone/>
             </a:pPr>
             <a:r>
-              <a:rPr kumimoji="0" lang="en-US" altLang="zh-TW" sz="1400" smtClean="0">
+              <a:rPr kumimoji="0" lang="en-US" altLang="zh-TW" sz="1400">
                 <a:latin typeface="Arial" panose="020B0604020202020204" pitchFamily="34" charset="0"/>
               </a:rPr>
-              <a:t>Educational Data Mining, Fall 2023</a:t>
+              <a:t>Educational Data Mining, Fall 2024</a:t>
             </a:r>
           </a:p>
         </p:txBody>
@@ -13994,7 +13876,7 @@
               <a:buNone/>
             </a:pPr>
             <a:r>
-              <a:rPr kumimoji="0" lang="en-US" altLang="zh-TW" sz="1400" smtClean="0">
+              <a:rPr kumimoji="0" lang="en-US" altLang="zh-TW" sz="1400">
                 <a:latin typeface="Arial" panose="020B0604020202020204" pitchFamily="34" charset="0"/>
               </a:rPr>
               <a:t>NTUT CSIE</a:t>
@@ -14169,7 +14051,7 @@
               </a:pPr>
               <a:t>2</a:t>
             </a:fld>
-            <a:endParaRPr kumimoji="0" lang="en-US" altLang="zh-TW" sz="1400" smtClean="0">
+            <a:endParaRPr kumimoji="0" lang="en-US" altLang="zh-TW" sz="1400">
               <a:latin typeface="Arial" panose="020B0604020202020204" pitchFamily="34" charset="0"/>
             </a:endParaRPr>
           </a:p>
@@ -14192,7 +14074,7 @@
           <a:p>
             <a:pPr eaLnBrk="1" hangingPunct="1"/>
             <a:r>
-              <a:rPr lang="en-US" altLang="zh-TW" smtClean="0"/>
+              <a:rPr lang="en-US" altLang="zh-TW"/>
               <a:t>Instructor &amp; TA</a:t>
             </a:r>
           </a:p>
@@ -14219,7 +14101,7 @@
               </a:lnSpc>
             </a:pPr>
             <a:r>
-              <a:rPr lang="en-US" altLang="zh-TW" sz="2800" dirty="0" smtClean="0"/>
+              <a:rPr lang="en-US" altLang="zh-TW" sz="2800" dirty="0"/>
               <a:t>Instructor</a:t>
             </a:r>
           </a:p>
@@ -14230,15 +14112,15 @@
               </a:lnSpc>
             </a:pPr>
             <a:r>
-              <a:rPr lang="en-US" altLang="zh-TW" sz="2400" dirty="0" smtClean="0"/>
+              <a:rPr lang="en-US" altLang="zh-TW" sz="2400" dirty="0"/>
               <a:t>J. H. Wang (</a:t>
             </a:r>
             <a:r>
-              <a:rPr lang="zh-TW" altLang="en-US" sz="2400" dirty="0" smtClean="0"/>
+              <a:rPr lang="zh-TW" altLang="en-US" sz="2400" dirty="0"/>
               <a:t>王正豪</a:t>
             </a:r>
             <a:r>
-              <a:rPr lang="en-US" altLang="zh-TW" sz="2400" dirty="0" smtClean="0"/>
+              <a:rPr lang="en-US" altLang="zh-TW" sz="2400" dirty="0"/>
               <a:t>)</a:t>
             </a:r>
           </a:p>
@@ -14249,7 +14131,7 @@
               </a:lnSpc>
             </a:pPr>
             <a:r>
-              <a:rPr lang="en-US" altLang="zh-TW" sz="2400" dirty="0" smtClean="0"/>
+              <a:rPr lang="en-US" altLang="zh-TW" sz="2400" dirty="0"/>
               <a:t>Professor, CSIE, NTUT</a:t>
             </a:r>
           </a:p>
@@ -14260,7 +14142,7 @@
               </a:lnSpc>
             </a:pPr>
             <a:r>
-              <a:rPr lang="en-US" altLang="zh-TW" sz="2400" dirty="0" smtClean="0"/>
+              <a:rPr lang="en-US" altLang="zh-TW" sz="2400" dirty="0"/>
               <a:t>Office: R1534, Technology Building</a:t>
             </a:r>
           </a:p>
@@ -14271,16 +14153,16 @@
               </a:lnSpc>
             </a:pPr>
             <a:r>
-              <a:rPr lang="en-US" altLang="zh-TW" sz="2400" dirty="0" smtClean="0"/>
+              <a:rPr lang="en-US" altLang="zh-TW" sz="2400" dirty="0"/>
               <a:t>E-mail: </a:t>
             </a:r>
             <a:r>
-              <a:rPr lang="en-US" altLang="zh-TW" sz="2400" dirty="0" smtClean="0">
+              <a:rPr lang="en-US" altLang="zh-TW" sz="2400" dirty="0">
                 <a:hlinkClick r:id="rId3"/>
               </a:rPr>
               <a:t>jhwang@ntut.edu.tw</a:t>
             </a:r>
-            <a:endParaRPr lang="en-US" altLang="zh-TW" sz="2400" dirty="0" smtClean="0"/>
+            <a:endParaRPr lang="en-US" altLang="zh-TW" sz="2400" dirty="0"/>
           </a:p>
           <a:p>
             <a:pPr lvl="1" eaLnBrk="1" hangingPunct="1">
@@ -14289,7 +14171,7 @@
               </a:lnSpc>
             </a:pPr>
             <a:r>
-              <a:rPr lang="en-US" altLang="zh-TW" sz="2400" dirty="0" smtClean="0"/>
+              <a:rPr lang="en-US" altLang="zh-TW" sz="2400" dirty="0"/>
               <a:t>Tel: ext. 4238</a:t>
             </a:r>
           </a:p>
@@ -14300,7 +14182,7 @@
               </a:lnSpc>
             </a:pPr>
             <a:r>
-              <a:rPr lang="en-US" altLang="zh-TW" sz="2400" dirty="0" smtClean="0"/>
+              <a:rPr lang="en-US" altLang="zh-TW" sz="2400" dirty="0"/>
               <a:t>Office Hour: 9:10-12:00am, every Tuesday and Friday</a:t>
             </a:r>
           </a:p>
@@ -14311,7 +14193,7 @@
               </a:lnSpc>
             </a:pPr>
             <a:r>
-              <a:rPr lang="en-US" altLang="zh-TW" sz="2800" dirty="0" smtClean="0"/>
+              <a:rPr lang="en-US" altLang="zh-TW" sz="2800" dirty="0"/>
               <a:t>TA</a:t>
             </a:r>
           </a:p>
@@ -14322,12 +14204,12 @@
               </a:lnSpc>
             </a:pPr>
             <a:r>
-              <a:rPr lang="en-US" altLang="zh-TW" sz="2400" dirty="0" smtClean="0">
+              <a:rPr lang="en-US" altLang="zh-TW" sz="2400" dirty="0">
                 <a:solidFill>
                   <a:srgbClr val="0000FF"/>
                 </a:solidFill>
               </a:rPr>
-              <a:t>Mr. Yen (@ R1424, Technology Building)</a:t>
+              <a:t>Mr. Wang (@ R1424, Technology Building)</a:t>
             </a:r>
           </a:p>
           <a:p>
@@ -14337,7 +14219,7 @@
               </a:lnSpc>
             </a:pPr>
             <a:r>
-              <a:rPr lang="en-US" altLang="zh-TW" sz="2400" dirty="0" smtClean="0"/>
+              <a:rPr lang="en-US" altLang="zh-TW" sz="2400" dirty="0"/>
               <a:t>E-mail: (TBD)</a:t>
             </a:r>
           </a:p>
@@ -14348,13 +14230,6 @@
   <p:clrMapOvr>
     <a:masterClrMapping/>
   </p:clrMapOvr>
-  <p:timing>
-    <p:tnLst>
-      <p:par>
-        <p:cTn id="1" dur="indefinite" restart="never" nodeType="tmRoot"/>
-      </p:par>
-    </p:tnLst>
-  </p:timing>
 </p:sld>
 </file>
 
@@ -14530,10 +14405,10 @@
               <a:buNone/>
             </a:pPr>
             <a:r>
-              <a:rPr kumimoji="0" lang="en-US" altLang="zh-TW" sz="1400" smtClean="0">
+              <a:rPr kumimoji="0" lang="en-US" altLang="zh-TW" sz="1400">
                 <a:latin typeface="Arial" panose="020B0604020202020204" pitchFamily="34" charset="0"/>
               </a:rPr>
-              <a:t>Educational Data Mining, Fall 2023</a:t>
+              <a:t>Educational Data Mining, Fall 2024</a:t>
             </a:r>
           </a:p>
         </p:txBody>
@@ -14693,7 +14568,7 @@
               <a:buNone/>
             </a:pPr>
             <a:r>
-              <a:rPr kumimoji="0" lang="en-US" altLang="zh-TW" sz="1400" smtClean="0">
+              <a:rPr kumimoji="0" lang="en-US" altLang="zh-TW" sz="1400">
                 <a:latin typeface="Arial" panose="020B0604020202020204" pitchFamily="34" charset="0"/>
               </a:rPr>
               <a:t>NTUT CSIE</a:t>
@@ -14868,7 +14743,7 @@
               </a:pPr>
               <a:t>20</a:t>
             </a:fld>
-            <a:endParaRPr kumimoji="0" lang="en-US" altLang="zh-TW" sz="1400" smtClean="0">
+            <a:endParaRPr kumimoji="0" lang="en-US" altLang="zh-TW" sz="1400">
               <a:latin typeface="Arial" panose="020B0604020202020204" pitchFamily="34" charset="0"/>
             </a:endParaRPr>
           </a:p>
@@ -14891,7 +14766,7 @@
           <a:p>
             <a:pPr eaLnBrk="1" hangingPunct="1"/>
             <a:r>
-              <a:rPr lang="en-US" altLang="zh-TW" smtClean="0"/>
+              <a:rPr lang="en-US" altLang="zh-TW"/>
               <a:t>The Topics to be Covered</a:t>
             </a:r>
           </a:p>
@@ -14919,7 +14794,7 @@
               <a:defRPr/>
             </a:pPr>
             <a:r>
-              <a:rPr lang="en-US" altLang="zh-TW" sz="2000" dirty="0" smtClean="0"/>
+              <a:rPr lang="en-US" altLang="zh-TW" sz="2000" dirty="0"/>
               <a:t>Introduction</a:t>
             </a:r>
           </a:p>
@@ -14931,14 +14806,14 @@
               <a:defRPr/>
             </a:pPr>
             <a:r>
-              <a:rPr lang="en-US" altLang="zh-TW" sz="2000" dirty="0" smtClean="0">
+              <a:rPr lang="en-US" altLang="zh-TW" sz="2000" dirty="0">
                 <a:solidFill>
                   <a:srgbClr val="FF0000"/>
                 </a:solidFill>
               </a:rPr>
               <a:t>Data mining concepts</a:t>
             </a:r>
-            <a:endParaRPr lang="en-US" altLang="zh-TW" sz="2000" dirty="0" smtClean="0"/>
+            <a:endParaRPr lang="en-US" altLang="zh-TW" sz="2000" dirty="0"/>
           </a:p>
           <a:p>
             <a:pPr lvl="1" eaLnBrk="1" hangingPunct="1">
@@ -14948,7 +14823,7 @@
               <a:defRPr/>
             </a:pPr>
             <a:r>
-              <a:rPr lang="en-US" altLang="zh-TW" sz="1800" dirty="0" smtClean="0"/>
+              <a:rPr lang="en-US" altLang="zh-TW" sz="1800" dirty="0"/>
               <a:t>Data preprocessing</a:t>
             </a:r>
           </a:p>
@@ -14960,7 +14835,7 @@
               <a:defRPr/>
             </a:pPr>
             <a:r>
-              <a:rPr lang="en-US" altLang="zh-TW" sz="1800" dirty="0" smtClean="0"/>
+              <a:rPr lang="en-US" altLang="zh-TW" sz="1800" dirty="0"/>
               <a:t>Frequent pattern mining</a:t>
             </a:r>
           </a:p>
@@ -14972,7 +14847,7 @@
               <a:defRPr/>
             </a:pPr>
             <a:r>
-              <a:rPr lang="en-US" altLang="zh-TW" sz="1800" dirty="0" smtClean="0"/>
+              <a:rPr lang="en-US" altLang="zh-TW" sz="1800" dirty="0"/>
               <a:t>Data classification</a:t>
             </a:r>
           </a:p>
@@ -14984,7 +14859,7 @@
               <a:defRPr/>
             </a:pPr>
             <a:r>
-              <a:rPr lang="en-US" altLang="zh-TW" sz="1800" dirty="0" smtClean="0"/>
+              <a:rPr lang="en-US" altLang="zh-TW" sz="1800" dirty="0"/>
               <a:t>Data clustering </a:t>
             </a:r>
           </a:p>
@@ -14996,7 +14871,7 @@
               <a:defRPr/>
             </a:pPr>
             <a:r>
-              <a:rPr lang="en-US" altLang="zh-TW" sz="2000" dirty="0" smtClean="0">
+              <a:rPr lang="en-US" altLang="zh-TW" sz="2000" dirty="0">
                 <a:solidFill>
                   <a:srgbClr val="0000FF"/>
                 </a:solidFill>
@@ -15012,7 +14887,7 @@
               <a:defRPr/>
             </a:pPr>
             <a:r>
-              <a:rPr lang="en-US" altLang="zh-TW" sz="1800" dirty="0" smtClean="0"/>
+              <a:rPr lang="en-US" altLang="zh-TW" sz="1800" dirty="0"/>
               <a:t>Characteristics of educational data</a:t>
             </a:r>
           </a:p>
@@ -15024,7 +14899,7 @@
               <a:defRPr/>
             </a:pPr>
             <a:r>
-              <a:rPr lang="en-US" altLang="zh-TW" sz="1800" dirty="0" smtClean="0"/>
+              <a:rPr lang="en-US" altLang="zh-TW" sz="1800" dirty="0"/>
               <a:t>Analysis result interpretation</a:t>
             </a:r>
           </a:p>
@@ -15043,25 +14918,8 @@
                   </a:schemeClr>
                 </a:solidFill>
               </a:rPr>
-              <a:t>Distributed platform </a:t>
-            </a:r>
-            <a:r>
-              <a:rPr lang="en-US" altLang="zh-TW" sz="2000" dirty="0" smtClean="0">
-                <a:solidFill>
-                  <a:schemeClr val="bg1">
-                    <a:lumMod val="65000"/>
-                  </a:schemeClr>
-                </a:solidFill>
-              </a:rPr>
-              <a:t>for big data</a:t>
-            </a:r>
-            <a:endParaRPr lang="en-US" altLang="zh-TW" sz="2000" dirty="0">
-              <a:solidFill>
-                <a:schemeClr val="bg1">
-                  <a:lumMod val="65000"/>
-                </a:schemeClr>
-              </a:solidFill>
-            </a:endParaRPr>
+              <a:t>Distributed platform for big data</a:t>
+            </a:r>
           </a:p>
           <a:p>
             <a:pPr lvl="1" eaLnBrk="1" hangingPunct="1">
@@ -15089,7 +14947,7 @@
               <a:defRPr/>
             </a:pPr>
             <a:r>
-              <a:rPr lang="en-US" altLang="zh-TW" sz="1800" dirty="0" err="1" smtClean="0">
+              <a:rPr lang="en-US" altLang="zh-TW" sz="1800" dirty="0" err="1">
                 <a:solidFill>
                   <a:schemeClr val="bg1">
                     <a:lumMod val="65000"/>
@@ -15099,24 +14957,14 @@
               <a:t>MapReduce</a:t>
             </a:r>
             <a:r>
-              <a:rPr lang="en-US" altLang="zh-TW" sz="1800" dirty="0" smtClean="0">
+              <a:rPr lang="en-US" altLang="zh-TW" sz="1800" dirty="0">
                 <a:solidFill>
                   <a:schemeClr val="bg1">
                     <a:lumMod val="65000"/>
                   </a:schemeClr>
                 </a:solidFill>
               </a:rPr>
-              <a:t> </a:t>
-            </a:r>
-            <a:r>
-              <a:rPr lang="en-US" altLang="zh-TW" sz="1800" dirty="0">
-                <a:solidFill>
-                  <a:schemeClr val="bg1">
-                    <a:lumMod val="65000"/>
-                  </a:schemeClr>
-                </a:solidFill>
-              </a:rPr>
-              <a:t>programming</a:t>
+              <a:t> programming</a:t>
             </a:r>
           </a:p>
           <a:p>
@@ -15126,7 +14974,7 @@
               </a:lnSpc>
               <a:defRPr/>
             </a:pPr>
-            <a:endParaRPr lang="en-US" altLang="zh-TW" sz="1800" dirty="0" smtClean="0">
+            <a:endParaRPr lang="en-US" altLang="zh-TW" sz="1800" dirty="0">
               <a:solidFill>
                 <a:schemeClr val="bg1">
                   <a:lumMod val="75000"/>
@@ -15141,13 +14989,6 @@
   <p:clrMapOvr>
     <a:masterClrMapping/>
   </p:clrMapOvr>
-  <p:timing>
-    <p:tnLst>
-      <p:par>
-        <p:cTn id="1" dur="indefinite" restart="never" nodeType="tmRoot"/>
-      </p:par>
-    </p:tnLst>
-  </p:timing>
 </p:sld>
 </file>
 
@@ -15323,10 +15164,10 @@
               <a:buNone/>
             </a:pPr>
             <a:r>
-              <a:rPr kumimoji="0" lang="en-US" altLang="zh-TW" sz="1400" smtClean="0">
+              <a:rPr kumimoji="0" lang="en-US" altLang="zh-TW" sz="1400">
                 <a:latin typeface="Arial" panose="020B0604020202020204" pitchFamily="34" charset="0"/>
               </a:rPr>
-              <a:t>Educational Data Mining, Fall 2023</a:t>
+              <a:t>Educational Data Mining, Fall 2024</a:t>
             </a:r>
           </a:p>
         </p:txBody>
@@ -15486,7 +15327,7 @@
               <a:buNone/>
             </a:pPr>
             <a:r>
-              <a:rPr kumimoji="0" lang="en-US" altLang="zh-TW" sz="1400" smtClean="0">
+              <a:rPr kumimoji="0" lang="en-US" altLang="zh-TW" sz="1400">
                 <a:latin typeface="Arial" panose="020B0604020202020204" pitchFamily="34" charset="0"/>
               </a:rPr>
               <a:t>NTUT CSIE</a:t>
@@ -15661,7 +15502,7 @@
               </a:pPr>
               <a:t>21</a:t>
             </a:fld>
-            <a:endParaRPr kumimoji="0" lang="en-US" altLang="zh-TW" sz="1400" smtClean="0">
+            <a:endParaRPr kumimoji="0" lang="en-US" altLang="zh-TW" sz="1400">
               <a:latin typeface="Arial" panose="020B0604020202020204" pitchFamily="34" charset="0"/>
             </a:endParaRPr>
           </a:p>
@@ -15684,7 +15525,7 @@
           <a:p>
             <a:pPr eaLnBrk="1" hangingPunct="1"/>
             <a:r>
-              <a:rPr lang="en-US" altLang="zh-TW" smtClean="0"/>
+              <a:rPr lang="en-US" altLang="zh-TW"/>
               <a:t>Tentative Schedule</a:t>
             </a:r>
           </a:p>
@@ -15711,7 +15552,7 @@
               </a:lnSpc>
             </a:pPr>
             <a:r>
-              <a:rPr lang="en-US" altLang="zh-TW" sz="2800" dirty="0" smtClean="0"/>
+              <a:rPr lang="en-US" altLang="zh-TW" sz="2800" dirty="0"/>
               <a:t>Before midterm</a:t>
             </a:r>
           </a:p>
@@ -15722,15 +15563,15 @@
               </a:lnSpc>
             </a:pPr>
             <a:r>
-              <a:rPr lang="en-US" altLang="zh-TW" sz="2400" dirty="0" smtClean="0"/>
+              <a:rPr lang="en-US" altLang="zh-TW" sz="2400" dirty="0"/>
               <a:t>Introduction (1 </a:t>
             </a:r>
             <a:r>
-              <a:rPr lang="en-US" altLang="zh-TW" sz="2400" dirty="0" err="1" smtClean="0"/>
+              <a:rPr lang="en-US" altLang="zh-TW" sz="2400" dirty="0" err="1"/>
               <a:t>wk</a:t>
             </a:r>
             <a:r>
-              <a:rPr lang="en-US" altLang="zh-TW" sz="2400" dirty="0" smtClean="0"/>
+              <a:rPr lang="en-US" altLang="zh-TW" sz="2400" dirty="0"/>
               <a:t>)</a:t>
             </a:r>
           </a:p>
@@ -15741,15 +15582,15 @@
               </a:lnSpc>
             </a:pPr>
             <a:r>
-              <a:rPr lang="en-US" altLang="zh-TW" sz="2400" dirty="0" smtClean="0"/>
+              <a:rPr lang="en-US" altLang="zh-TW" sz="2400" dirty="0"/>
               <a:t>Data characteristics &amp; preprocessing (2 </a:t>
             </a:r>
             <a:r>
-              <a:rPr lang="en-US" altLang="zh-TW" sz="2400" dirty="0" err="1" smtClean="0"/>
+              <a:rPr lang="en-US" altLang="zh-TW" sz="2400" dirty="0" err="1"/>
               <a:t>wks</a:t>
             </a:r>
             <a:r>
-              <a:rPr lang="en-US" altLang="zh-TW" sz="2400" dirty="0" smtClean="0"/>
+              <a:rPr lang="en-US" altLang="zh-TW" sz="2400" dirty="0"/>
               <a:t>)</a:t>
             </a:r>
           </a:p>
@@ -15760,15 +15601,15 @@
               </a:lnSpc>
             </a:pPr>
             <a:r>
-              <a:rPr lang="en-US" altLang="zh-TW" sz="2400" dirty="0" smtClean="0"/>
+              <a:rPr lang="en-US" altLang="zh-TW" sz="2400" dirty="0"/>
               <a:t>Frequent pattern mining (2 </a:t>
             </a:r>
             <a:r>
-              <a:rPr lang="en-US" altLang="zh-TW" sz="2400" dirty="0" err="1" smtClean="0"/>
+              <a:rPr lang="en-US" altLang="zh-TW" sz="2400" dirty="0" err="1"/>
               <a:t>wks</a:t>
             </a:r>
             <a:r>
-              <a:rPr lang="en-US" altLang="zh-TW" sz="2400" dirty="0" smtClean="0"/>
+              <a:rPr lang="en-US" altLang="zh-TW" sz="2400" dirty="0"/>
               <a:t>)</a:t>
             </a:r>
           </a:p>
@@ -15779,15 +15620,15 @@
               </a:lnSpc>
             </a:pPr>
             <a:r>
-              <a:rPr lang="en-US" altLang="zh-TW" sz="2400" dirty="0" smtClean="0"/>
+              <a:rPr lang="en-US" altLang="zh-TW" sz="2400" dirty="0"/>
               <a:t>Data classification (2-3 </a:t>
             </a:r>
             <a:r>
-              <a:rPr lang="en-US" altLang="zh-TW" sz="2400" dirty="0" err="1" smtClean="0"/>
+              <a:rPr lang="en-US" altLang="zh-TW" sz="2400" dirty="0" err="1"/>
               <a:t>wks</a:t>
             </a:r>
             <a:r>
-              <a:rPr lang="en-US" altLang="zh-TW" sz="2400" dirty="0" smtClean="0"/>
+              <a:rPr lang="en-US" altLang="zh-TW" sz="2400" dirty="0"/>
               <a:t>)</a:t>
             </a:r>
           </a:p>
@@ -15798,7 +15639,7 @@
               </a:lnSpc>
             </a:pPr>
             <a:r>
-              <a:rPr lang="en-US" altLang="zh-TW" sz="2800" dirty="0" smtClean="0"/>
+              <a:rPr lang="en-US" altLang="zh-TW" sz="2800" dirty="0"/>
               <a:t>After midterm </a:t>
             </a:r>
           </a:p>
@@ -15828,15 +15669,15 @@
               </a:lnSpc>
             </a:pPr>
             <a:r>
-              <a:rPr lang="en-US" altLang="zh-TW" sz="2400" dirty="0" smtClean="0"/>
+              <a:rPr lang="en-US" altLang="zh-TW" sz="2400" dirty="0"/>
               <a:t>Introducing distributed platforms: Hadoop, Spark (1 </a:t>
             </a:r>
             <a:r>
-              <a:rPr lang="en-US" altLang="zh-TW" sz="2400" dirty="0" err="1" smtClean="0"/>
+              <a:rPr lang="en-US" altLang="zh-TW" sz="2400" dirty="0" err="1"/>
               <a:t>wk</a:t>
             </a:r>
             <a:r>
-              <a:rPr lang="en-US" altLang="zh-TW" sz="2400" dirty="0" smtClean="0"/>
+              <a:rPr lang="en-US" altLang="zh-TW" sz="2400" dirty="0"/>
               <a:t>)</a:t>
             </a:r>
           </a:p>
@@ -15847,19 +15688,19 @@
               </a:lnSpc>
             </a:pPr>
             <a:r>
-              <a:rPr lang="en-US" altLang="zh-TW" sz="2400" dirty="0" err="1" smtClean="0"/>
+              <a:rPr lang="en-US" altLang="zh-TW" sz="2400" dirty="0" err="1"/>
               <a:t>MapReduce</a:t>
             </a:r>
             <a:r>
-              <a:rPr lang="en-US" altLang="zh-TW" sz="2400" dirty="0" smtClean="0"/>
+              <a:rPr lang="en-US" altLang="zh-TW" sz="2400" dirty="0"/>
               <a:t> programming (1-2 </a:t>
             </a:r>
             <a:r>
-              <a:rPr lang="en-US" altLang="zh-TW" sz="2400" dirty="0" err="1" smtClean="0"/>
+              <a:rPr lang="en-US" altLang="zh-TW" sz="2400" dirty="0" err="1"/>
               <a:t>wks</a:t>
             </a:r>
             <a:r>
-              <a:rPr lang="en-US" altLang="zh-TW" sz="2400" dirty="0" smtClean="0"/>
+              <a:rPr lang="en-US" altLang="zh-TW" sz="2400" dirty="0"/>
               <a:t>)</a:t>
             </a:r>
           </a:p>
@@ -15870,11 +15711,11 @@
               </a:lnSpc>
             </a:pPr>
             <a:r>
-              <a:rPr lang="en-US" altLang="zh-TW" sz="2400" dirty="0" smtClean="0"/>
+              <a:rPr lang="en-US" altLang="zh-TW" sz="2400" dirty="0"/>
               <a:t>Term Project </a:t>
             </a:r>
             <a:r>
-              <a:rPr lang="en-US" altLang="zh-TW" sz="2400" dirty="0" smtClean="0">
+              <a:rPr lang="en-US" altLang="zh-TW" sz="2400" dirty="0">
                 <a:solidFill>
                   <a:srgbClr val="0000FF"/>
                 </a:solidFill>
@@ -15882,15 +15723,15 @@
               <a:t>Presentation</a:t>
             </a:r>
             <a:r>
-              <a:rPr lang="en-US" altLang="zh-TW" sz="2400" dirty="0" smtClean="0"/>
+              <a:rPr lang="en-US" altLang="zh-TW" sz="2400" dirty="0"/>
               <a:t> (3-4 </a:t>
             </a:r>
             <a:r>
-              <a:rPr lang="en-US" altLang="zh-TW" sz="2400" dirty="0" err="1" smtClean="0"/>
+              <a:rPr lang="en-US" altLang="zh-TW" sz="2400" dirty="0" err="1"/>
               <a:t>wks</a:t>
             </a:r>
             <a:r>
-              <a:rPr lang="en-US" altLang="zh-TW" sz="2400" dirty="0" smtClean="0"/>
+              <a:rPr lang="en-US" altLang="zh-TW" sz="2400" dirty="0"/>
               <a:t>)</a:t>
             </a:r>
           </a:p>
@@ -15900,7 +15741,7 @@
                 <a:spcPct val="80000"/>
               </a:lnSpc>
             </a:pPr>
-            <a:endParaRPr lang="en-US" altLang="zh-TW" sz="2800" dirty="0" smtClean="0"/>
+            <a:endParaRPr lang="en-US" altLang="zh-TW" sz="2800" dirty="0"/>
           </a:p>
         </p:txBody>
       </p:sp>
@@ -15909,13 +15750,6 @@
   <p:clrMapOvr>
     <a:masterClrMapping/>
   </p:clrMapOvr>
-  <p:timing>
-    <p:tnLst>
-      <p:par>
-        <p:cTn id="1" dur="indefinite" restart="never" nodeType="tmRoot"/>
-      </p:par>
-    </p:tnLst>
-  </p:timing>
 </p:sld>
 </file>
 
@@ -15952,10 +15786,10 @@
           <a:lstStyle/>
           <a:p>
             <a:r>
-              <a:rPr lang="en-US" altLang="zh-TW" smtClean="0"/>
+              <a:rPr lang="en-US" altLang="zh-TW"/>
               <a:t>Tentative Schedule</a:t>
             </a:r>
-            <a:endParaRPr lang="zh-TW" altLang="en-US" smtClean="0"/>
+            <a:endParaRPr lang="zh-TW" altLang="en-US"/>
           </a:p>
         </p:txBody>
       </p:sp>
@@ -15969,7 +15803,7 @@
             <p:ph idx="1"/>
             <p:extLst>
               <p:ext uri="{D42A27DB-BD31-4B8C-83A1-F6EECF244321}">
-                <p14:modId xmlns:p14="http://schemas.microsoft.com/office/powerpoint/2010/main" val="2456314446"/>
+                <p14:modId xmlns:p14="http://schemas.microsoft.com/office/powerpoint/2010/main" val="536855853"/>
               </p:ext>
             </p:extLst>
           </p:nvPr>
@@ -16021,7 +15855,7 @@
                     <a:lstStyle/>
                     <a:p>
                       <a:r>
-                        <a:rPr lang="en-US" altLang="zh-TW" dirty="0" smtClean="0"/>
+                        <a:rPr lang="en-US" altLang="zh-TW" dirty="0"/>
                         <a:t>Week</a:t>
                       </a:r>
                       <a:endParaRPr lang="zh-TW" altLang="en-US" dirty="0"/>
@@ -16035,7 +15869,7 @@
                     <a:lstStyle/>
                     <a:p>
                       <a:r>
-                        <a:rPr lang="en-US" altLang="zh-TW" dirty="0" smtClean="0"/>
+                        <a:rPr lang="en-US" altLang="zh-TW" dirty="0"/>
                         <a:t>Date</a:t>
                       </a:r>
                       <a:endParaRPr lang="zh-TW" altLang="en-US" dirty="0"/>
@@ -16049,7 +15883,7 @@
                     <a:lstStyle/>
                     <a:p>
                       <a:r>
-                        <a:rPr lang="en-US" altLang="zh-TW" dirty="0" smtClean="0"/>
+                        <a:rPr lang="en-US" altLang="zh-TW" dirty="0"/>
                         <a:t>Content</a:t>
                       </a:r>
                       <a:endParaRPr lang="zh-TW" altLang="en-US" dirty="0"/>
@@ -16063,7 +15897,7 @@
                     <a:lstStyle/>
                     <a:p>
                       <a:r>
-                        <a:rPr lang="en-US" altLang="zh-TW" dirty="0" smtClean="0"/>
+                        <a:rPr lang="en-US" altLang="zh-TW" dirty="0"/>
                         <a:t>Note</a:t>
                       </a:r>
                       <a:endParaRPr lang="zh-TW" altLang="en-US" dirty="0"/>
@@ -16084,7 +15918,7 @@
                     <a:lstStyle/>
                     <a:p>
                       <a:r>
-                        <a:rPr lang="en-US" altLang="zh-TW" dirty="0" smtClean="0"/>
+                        <a:rPr lang="en-US" altLang="zh-TW" dirty="0"/>
                         <a:t>1</a:t>
                       </a:r>
                       <a:endParaRPr lang="zh-TW" altLang="en-US" dirty="0"/>
@@ -16098,27 +15932,27 @@
                     <a:lstStyle/>
                     <a:p>
                       <a:r>
-                        <a:rPr lang="en-US" altLang="zh-TW" dirty="0" smtClean="0">
+                        <a:rPr lang="en-US" altLang="zh-TW" dirty="0">
                           <a:solidFill>
                             <a:schemeClr val="tx1"/>
                           </a:solidFill>
                         </a:rPr>
-                        <a:t>9/12</a:t>
+                        <a:t>9/9</a:t>
                       </a:r>
                       <a:br>
-                        <a:rPr lang="en-US" altLang="zh-TW" dirty="0" smtClean="0">
+                        <a:rPr lang="en-US" altLang="zh-TW" dirty="0">
                           <a:solidFill>
                             <a:schemeClr val="tx1"/>
                           </a:solidFill>
                         </a:rPr>
                       </a:br>
                       <a:r>
-                        <a:rPr lang="en-US" altLang="zh-TW" dirty="0" smtClean="0">
+                        <a:rPr lang="en-US" altLang="zh-TW" dirty="0">
                           <a:solidFill>
                             <a:schemeClr val="tx1"/>
                           </a:solidFill>
                         </a:rPr>
-                        <a:t>9/13</a:t>
+                        <a:t>9/11</a:t>
                       </a:r>
                       <a:endParaRPr lang="zh-TW" altLang="en-US" dirty="0">
                         <a:solidFill>
@@ -16135,13 +15969,13 @@
                     <a:lstStyle/>
                     <a:p>
                       <a:r>
-                        <a:rPr lang="en-US" altLang="zh-TW" dirty="0" smtClean="0"/>
+                        <a:rPr lang="en-US" altLang="zh-TW" dirty="0"/>
                         <a:t>Course Overview</a:t>
                       </a:r>
                     </a:p>
                     <a:p>
                       <a:r>
-                        <a:rPr lang="hsb-DE" altLang="zh-TW" sz="1800" b="0" i="0" kern="1200" dirty="0" smtClean="0">
+                        <a:rPr lang="hsb-DE" altLang="zh-TW" sz="1800" b="0" i="0" kern="1200" dirty="0">
                           <a:solidFill>
                             <a:schemeClr val="dk1"/>
                           </a:solidFill>
@@ -16153,7 +15987,7 @@
                         </a:rPr>
                         <a:t>Ch.1, Introduction</a:t>
                       </a:r>
-                      <a:endParaRPr lang="en-US" altLang="zh-TW" dirty="0" smtClean="0"/>
+                      <a:endParaRPr lang="en-US" altLang="zh-TW" dirty="0"/>
                     </a:p>
                   </a:txBody>
                   <a:tcPr/>
@@ -16181,7 +16015,7 @@
                     <a:lstStyle/>
                     <a:p>
                       <a:r>
-                        <a:rPr lang="en-US" altLang="zh-TW" dirty="0" smtClean="0"/>
+                        <a:rPr lang="en-US" altLang="zh-TW" dirty="0"/>
                         <a:t>2</a:t>
                       </a:r>
                       <a:endParaRPr lang="zh-TW" altLang="en-US" dirty="0"/>
@@ -16195,27 +16029,27 @@
                     <a:lstStyle/>
                     <a:p>
                       <a:r>
-                        <a:rPr lang="en-US" altLang="zh-TW" dirty="0" smtClean="0">
+                        <a:rPr lang="en-US" altLang="zh-TW" dirty="0">
                           <a:solidFill>
                             <a:schemeClr val="tx1"/>
                           </a:solidFill>
                         </a:rPr>
-                        <a:t>9/19</a:t>
+                        <a:t>9/16</a:t>
                       </a:r>
                       <a:br>
-                        <a:rPr lang="en-US" altLang="zh-TW" dirty="0" smtClean="0">
+                        <a:rPr lang="en-US" altLang="zh-TW" dirty="0">
                           <a:solidFill>
                             <a:schemeClr val="tx1"/>
                           </a:solidFill>
                         </a:rPr>
                       </a:br>
                       <a:r>
-                        <a:rPr lang="en-US" altLang="zh-TW" dirty="0" smtClean="0">
+                        <a:rPr lang="en-US" altLang="zh-TW" dirty="0">
                           <a:solidFill>
                             <a:schemeClr val="tx1"/>
                           </a:solidFill>
                         </a:rPr>
-                        <a:t>9/20</a:t>
+                        <a:t>9/18</a:t>
                       </a:r>
                       <a:endParaRPr lang="zh-TW" altLang="en-US" dirty="0">
                         <a:solidFill>
@@ -16232,7 +16066,7 @@
                     <a:lstStyle/>
                     <a:p>
                       <a:r>
-                        <a:rPr lang="en-US" altLang="zh-TW" sz="1800" b="0" i="0" kern="1200" dirty="0" smtClean="0">
+                        <a:rPr lang="en-US" altLang="zh-TW" sz="1800" b="0" i="0" kern="1200" dirty="0">
                           <a:solidFill>
                             <a:schemeClr val="dk1"/>
                           </a:solidFill>
@@ -16244,7 +16078,7 @@
                         </a:rPr>
                         <a:t>Ch.2, Data, Measurements, and Data Preprocessing</a:t>
                       </a:r>
-                      <a:endParaRPr lang="en-US" altLang="zh-TW" sz="1800" b="0" i="0" kern="1200" dirty="0" smtClean="0">
+                      <a:endParaRPr lang="en-US" altLang="zh-TW" sz="1800" b="0" i="0" kern="1200" dirty="0">
                         <a:solidFill>
                           <a:schemeClr val="dk1"/>
                         </a:solidFill>
@@ -16284,7 +16118,7 @@
                     <a:lstStyle/>
                     <a:p>
                       <a:r>
-                        <a:rPr lang="en-US" altLang="zh-TW" dirty="0" smtClean="0"/>
+                        <a:rPr lang="en-US" altLang="zh-TW" dirty="0"/>
                         <a:t>3</a:t>
                       </a:r>
                       <a:endParaRPr lang="zh-TW" altLang="en-US" dirty="0"/>
@@ -16298,22 +16132,22 @@
                     <a:lstStyle/>
                     <a:p>
                       <a:r>
-                        <a:rPr lang="en-US" altLang="zh-TW" dirty="0" smtClean="0">
+                        <a:rPr lang="en-US" altLang="zh-TW" dirty="0">
                           <a:solidFill>
                             <a:schemeClr val="tx1"/>
                           </a:solidFill>
                         </a:rPr>
-                        <a:t>9/26</a:t>
+                        <a:t>9/23</a:t>
                       </a:r>
                     </a:p>
                     <a:p>
                       <a:r>
-                        <a:rPr lang="en-US" altLang="zh-TW" dirty="0" smtClean="0">
+                        <a:rPr lang="en-US" altLang="zh-TW" dirty="0">
                           <a:solidFill>
                             <a:schemeClr val="tx1"/>
                           </a:solidFill>
                         </a:rPr>
-                        <a:t>9/27</a:t>
+                        <a:t>9/25</a:t>
                       </a:r>
                       <a:endParaRPr lang="zh-TW" altLang="en-US" dirty="0">
                         <a:solidFill>
@@ -16330,7 +16164,7 @@
                     <a:lstStyle/>
                     <a:p>
                       <a:r>
-                        <a:rPr lang="en-US" altLang="zh-TW" sz="1800" b="0" i="0" kern="1200" dirty="0" smtClean="0">
+                        <a:rPr lang="en-US" altLang="zh-TW" sz="1800" b="0" i="0" kern="1200" dirty="0">
                           <a:solidFill>
                             <a:schemeClr val="dk1"/>
                           </a:solidFill>
@@ -16341,7 +16175,7 @@
                         </a:rPr>
                         <a:t>(Case Study: Preprocessing Educational Open Data)</a:t>
                       </a:r>
-                      <a:endParaRPr lang="en-US" dirty="0" smtClean="0">
+                      <a:endParaRPr lang="en-US" dirty="0">
                         <a:hlinkClick r:id="rId4"/>
                       </a:endParaRPr>
                     </a:p>
@@ -16375,7 +16209,7 @@
                     <a:lstStyle/>
                     <a:p>
                       <a:r>
-                        <a:rPr lang="en-US" altLang="zh-TW" dirty="0" smtClean="0"/>
+                        <a:rPr lang="en-US" altLang="zh-TW" dirty="0"/>
                         <a:t>4</a:t>
                       </a:r>
                       <a:endParaRPr lang="zh-TW" altLang="en-US" dirty="0"/>
@@ -16389,14 +16223,14 @@
                     <a:lstStyle/>
                     <a:p>
                       <a:r>
-                        <a:rPr lang="en-US" altLang="zh-TW" dirty="0" smtClean="0"/>
-                        <a:t>10/3</a:t>
+                        <a:rPr lang="en-US" altLang="zh-TW" dirty="0"/>
+                        <a:t>9/30</a:t>
                       </a:r>
                     </a:p>
                     <a:p>
                       <a:r>
-                        <a:rPr lang="en-US" altLang="zh-TW" dirty="0" smtClean="0"/>
-                        <a:t>10/4</a:t>
+                        <a:rPr lang="en-US" altLang="zh-TW" dirty="0"/>
+                        <a:t>10/2</a:t>
                       </a:r>
                       <a:endParaRPr lang="zh-TW" altLang="en-US" dirty="0"/>
                     </a:p>
@@ -16409,7 +16243,7 @@
                     <a:lstStyle/>
                     <a:p>
                       <a:r>
-                        <a:rPr lang="en-US" altLang="zh-TW" sz="1800" b="0" i="0" kern="1200" dirty="0" smtClean="0">
+                        <a:rPr lang="en-US" altLang="zh-TW" sz="1800" b="0" i="0" kern="1200" dirty="0">
                           <a:solidFill>
                             <a:schemeClr val="dk1"/>
                           </a:solidFill>
@@ -16449,7 +16283,7 @@
                         <a:defRPr/>
                       </a:pPr>
                       <a:r>
-                        <a:rPr lang="en-US" altLang="zh-TW" sz="1800" b="0" i="0" kern="1200" dirty="0" smtClean="0">
+                        <a:rPr lang="en-US" altLang="zh-TW" sz="1800" b="0" i="0" kern="1200" dirty="0">
                           <a:solidFill>
                             <a:schemeClr val="tx1"/>
                           </a:solidFill>
@@ -16460,7 +16294,7 @@
                         </a:rPr>
                         <a:t>HW#1</a:t>
                       </a:r>
-                      <a:endParaRPr lang="zh-TW" altLang="en-US" dirty="0" smtClean="0">
+                      <a:endParaRPr lang="zh-TW" altLang="en-US" dirty="0">
                         <a:solidFill>
                           <a:schemeClr val="tx1"/>
                         </a:solidFill>
@@ -16485,7 +16319,7 @@
                     <a:lstStyle/>
                     <a:p>
                       <a:r>
-                        <a:rPr lang="en-US" altLang="zh-TW" dirty="0" smtClean="0"/>
+                        <a:rPr lang="en-US" altLang="zh-TW" dirty="0"/>
                         <a:t>5</a:t>
                       </a:r>
                       <a:endParaRPr lang="zh-TW" altLang="en-US" dirty="0"/>
@@ -16499,22 +16333,22 @@
                     <a:lstStyle/>
                     <a:p>
                       <a:r>
-                        <a:rPr lang="en-US" altLang="zh-TW" dirty="0" smtClean="0">
+                        <a:rPr lang="en-US" altLang="zh-TW" dirty="0">
                           <a:solidFill>
                             <a:schemeClr val="tx1"/>
                           </a:solidFill>
                         </a:rPr>
-                        <a:t>10/10</a:t>
+                        <a:t>10/7</a:t>
                       </a:r>
                     </a:p>
                     <a:p>
                       <a:r>
-                        <a:rPr lang="en-US" altLang="zh-TW" dirty="0" smtClean="0">
+                        <a:rPr lang="en-US" altLang="zh-TW" dirty="0">
                           <a:solidFill>
                             <a:schemeClr val="tx1"/>
                           </a:solidFill>
                         </a:rPr>
-                        <a:t>10/11</a:t>
+                        <a:t>10/9</a:t>
                       </a:r>
                       <a:endParaRPr lang="zh-TW" altLang="en-US" dirty="0">
                         <a:solidFill>
@@ -16531,21 +16365,7 @@
                     <a:lstStyle/>
                     <a:p>
                       <a:r>
-                        <a:rPr lang="en-US" altLang="zh-TW" dirty="0" smtClean="0"/>
-                        <a:t>(Leave for National</a:t>
-                      </a:r>
-                      <a:r>
-                        <a:rPr lang="en-US" altLang="zh-TW" baseline="0" dirty="0" smtClean="0"/>
-                        <a:t> Day</a:t>
-                      </a:r>
-                      <a:r>
-                        <a:rPr lang="en-US" altLang="zh-TW" dirty="0" smtClean="0"/>
-                        <a:t>)</a:t>
-                      </a:r>
-                    </a:p>
-                    <a:p>
-                      <a:r>
-                        <a:rPr lang="en-US" altLang="zh-TW" sz="1800" b="0" i="0" kern="1200" dirty="0" smtClean="0">
+                        <a:rPr lang="en-US" altLang="zh-TW" sz="1800" b="0" i="0" kern="1200" dirty="0">
                           <a:solidFill>
                             <a:schemeClr val="dk1"/>
                           </a:solidFill>
@@ -16584,7 +16404,7 @@
                     <a:lstStyle/>
                     <a:p>
                       <a:r>
-                        <a:rPr lang="en-US" altLang="zh-TW" dirty="0" smtClean="0"/>
+                        <a:rPr lang="en-US" altLang="zh-TW" dirty="0"/>
                         <a:t>6</a:t>
                       </a:r>
                       <a:endParaRPr lang="zh-TW" altLang="en-US" dirty="0"/>
@@ -16598,14 +16418,14 @@
                     <a:lstStyle/>
                     <a:p>
                       <a:r>
-                        <a:rPr lang="en-US" altLang="zh-TW" dirty="0" smtClean="0"/>
-                        <a:t>10/17</a:t>
+                        <a:rPr lang="en-US" altLang="zh-TW" dirty="0"/>
+                        <a:t>10/14</a:t>
                       </a:r>
                     </a:p>
                     <a:p>
                       <a:r>
-                        <a:rPr lang="en-US" altLang="zh-TW" dirty="0" smtClean="0"/>
-                        <a:t>10/18</a:t>
+                        <a:rPr lang="en-US" altLang="zh-TW" dirty="0"/>
+                        <a:t>10/16</a:t>
                       </a:r>
                       <a:endParaRPr lang="zh-TW" altLang="en-US" dirty="0"/>
                     </a:p>
@@ -16635,7 +16455,7 @@
                         <a:defRPr/>
                       </a:pPr>
                       <a:r>
-                        <a:rPr lang="en-US" altLang="zh-TW" sz="1800" b="0" i="0" kern="1200" dirty="0" smtClean="0">
+                        <a:rPr lang="en-US" altLang="zh-TW" sz="1800" b="0" i="0" kern="1200" dirty="0">
                           <a:solidFill>
                             <a:schemeClr val="dk1"/>
                           </a:solidFill>
@@ -16647,7 +16467,7 @@
                         </a:rPr>
                         <a:t>Ch.5, Pattern Mining: Advanced Methods</a:t>
                       </a:r>
-                      <a:endParaRPr lang="en-US" altLang="zh-TW" dirty="0" smtClean="0"/>
+                      <a:endParaRPr lang="en-US" altLang="zh-TW" dirty="0"/>
                     </a:p>
                     <a:p>
                       <a:endParaRPr lang="zh-TW" altLang="en-US" dirty="0"/>
@@ -16678,7 +16498,7 @@
                         <a:defRPr/>
                       </a:pPr>
                       <a:r>
-                        <a:rPr lang="en-US" altLang="zh-TW" sz="1800" b="1" i="0" kern="1200" dirty="0" smtClean="0">
+                        <a:rPr lang="en-US" altLang="zh-TW" sz="1800" b="1" i="0" kern="1200" dirty="0">
                           <a:solidFill>
                             <a:schemeClr val="dk1"/>
                           </a:solidFill>
@@ -16689,7 +16509,7 @@
                         </a:rPr>
                         <a:t>Due: HW#1</a:t>
                       </a:r>
-                      <a:endParaRPr lang="zh-TW" altLang="en-US" dirty="0" smtClean="0"/>
+                      <a:endParaRPr lang="zh-TW" altLang="en-US" dirty="0"/>
                     </a:p>
                   </a:txBody>
                   <a:tcPr/>
@@ -16707,7 +16527,7 @@
                     <a:lstStyle/>
                     <a:p>
                       <a:r>
-                        <a:rPr lang="en-US" altLang="zh-TW" dirty="0" smtClean="0"/>
+                        <a:rPr lang="en-US" altLang="zh-TW" dirty="0"/>
                         <a:t>7</a:t>
                       </a:r>
                       <a:endParaRPr lang="zh-TW" altLang="en-US" dirty="0"/>
@@ -16721,14 +16541,14 @@
                     <a:lstStyle/>
                     <a:p>
                       <a:r>
-                        <a:rPr lang="en-US" altLang="zh-TW" dirty="0" smtClean="0"/>
-                        <a:t>10/24</a:t>
+                        <a:rPr lang="en-US" altLang="zh-TW" dirty="0"/>
+                        <a:t>10/21</a:t>
                       </a:r>
                     </a:p>
                     <a:p>
                       <a:r>
-                        <a:rPr lang="en-US" altLang="zh-TW" dirty="0" smtClean="0"/>
-                        <a:t>10/25</a:t>
+                        <a:rPr lang="en-US" altLang="zh-TW" dirty="0"/>
+                        <a:t>10/23</a:t>
                       </a:r>
                       <a:endParaRPr lang="zh-TW" altLang="en-US" dirty="0"/>
                     </a:p>
@@ -16758,7 +16578,7 @@
                         <a:defRPr/>
                       </a:pPr>
                       <a:r>
-                        <a:rPr lang="hsb-DE" altLang="zh-TW" sz="1800" b="0" i="0" kern="1200" dirty="0" smtClean="0">
+                        <a:rPr lang="hsb-DE" altLang="zh-TW" sz="1800" b="0" i="0" kern="1200" dirty="0">
                           <a:solidFill>
                             <a:schemeClr val="dk1"/>
                           </a:solidFill>
@@ -16770,7 +16590,7 @@
                         </a:rPr>
                         <a:t>Ch.6, Classification: Basic Concepts</a:t>
                       </a:r>
-                      <a:endParaRPr lang="zh-TW" altLang="en-US" dirty="0" smtClean="0"/>
+                      <a:endParaRPr lang="zh-TW" altLang="en-US" dirty="0"/>
                     </a:p>
                   </a:txBody>
                   <a:tcPr/>
@@ -16798,7 +16618,7 @@
                         <a:defRPr/>
                       </a:pPr>
                       <a:r>
-                        <a:rPr lang="en-US" altLang="zh-TW" sz="1800" b="0" i="0" kern="1200" dirty="0" smtClean="0">
+                        <a:rPr lang="en-US" altLang="zh-TW" sz="1800" b="0" i="0" kern="1200" dirty="0">
                           <a:solidFill>
                             <a:schemeClr val="dk1"/>
                           </a:solidFill>
@@ -16809,7 +16629,7 @@
                         </a:rPr>
                         <a:t>HW#2</a:t>
                       </a:r>
-                      <a:endParaRPr lang="zh-TW" altLang="en-US" dirty="0" smtClean="0"/>
+                      <a:endParaRPr lang="zh-TW" altLang="en-US" dirty="0"/>
                     </a:p>
                     <a:p>
                       <a:endParaRPr lang="zh-TW" altLang="en-US" dirty="0"/>
@@ -16982,10 +16802,10 @@
               <a:buNone/>
             </a:pPr>
             <a:r>
-              <a:rPr kumimoji="0" lang="en-US" altLang="zh-TW" sz="1400" smtClean="0">
+              <a:rPr kumimoji="0" lang="en-US" altLang="zh-TW" sz="1400">
                 <a:latin typeface="Arial" panose="020B0604020202020204" pitchFamily="34" charset="0"/>
               </a:rPr>
-              <a:t>Educational Data Mining, Fall 2023</a:t>
+              <a:t>Educational Data Mining, Fall 2024</a:t>
             </a:r>
           </a:p>
         </p:txBody>
@@ -17145,7 +16965,7 @@
               <a:buNone/>
             </a:pPr>
             <a:r>
-              <a:rPr kumimoji="0" lang="en-US" altLang="zh-TW" sz="1400" smtClean="0">
+              <a:rPr kumimoji="0" lang="en-US" altLang="zh-TW" sz="1400">
                 <a:latin typeface="Arial" panose="020B0604020202020204" pitchFamily="34" charset="0"/>
               </a:rPr>
               <a:t>NTUT CSIE</a:t>
@@ -17320,7 +17140,7 @@
               </a:pPr>
               <a:t>22</a:t>
             </a:fld>
-            <a:endParaRPr kumimoji="0" lang="en-US" altLang="zh-TW" sz="1400" smtClean="0">
+            <a:endParaRPr kumimoji="0" lang="en-US" altLang="zh-TW" sz="1400">
               <a:latin typeface="Arial" panose="020B0604020202020204" pitchFamily="34" charset="0"/>
             </a:endParaRPr>
           </a:p>
@@ -17331,13 +17151,6 @@
   <p:clrMapOvr>
     <a:masterClrMapping/>
   </p:clrMapOvr>
-  <p:timing>
-    <p:tnLst>
-      <p:par>
-        <p:cTn id="1" dur="indefinite" restart="never" nodeType="tmRoot"/>
-      </p:par>
-    </p:tnLst>
-  </p:timing>
 </p:sld>
 </file>
 
@@ -17373,7 +17186,7 @@
           <a:bodyPr/>
           <a:lstStyle/>
           <a:p>
-            <a:endParaRPr lang="zh-TW" altLang="en-US" smtClean="0"/>
+            <a:endParaRPr lang="zh-TW" altLang="en-US"/>
           </a:p>
         </p:txBody>
       </p:sp>
@@ -17532,10 +17345,10 @@
               <a:buNone/>
             </a:pPr>
             <a:r>
-              <a:rPr kumimoji="0" lang="en-US" altLang="zh-TW" sz="1400" smtClean="0">
+              <a:rPr kumimoji="0" lang="en-US" altLang="zh-TW" sz="1400">
                 <a:latin typeface="Arial" panose="020B0604020202020204" pitchFamily="34" charset="0"/>
               </a:rPr>
-              <a:t>Educational Data Mining, Fall 2023</a:t>
+              <a:t>Educational Data Mining, Fall 2024</a:t>
             </a:r>
           </a:p>
         </p:txBody>
@@ -17695,7 +17508,7 @@
               <a:buNone/>
             </a:pPr>
             <a:r>
-              <a:rPr kumimoji="0" lang="en-US" altLang="zh-TW" sz="1400" smtClean="0">
+              <a:rPr kumimoji="0" lang="en-US" altLang="zh-TW" sz="1400">
                 <a:latin typeface="Arial" panose="020B0604020202020204" pitchFamily="34" charset="0"/>
               </a:rPr>
               <a:t>NTUT CSIE</a:t>
@@ -17870,7 +17683,7 @@
               </a:pPr>
               <a:t>23</a:t>
             </a:fld>
-            <a:endParaRPr kumimoji="0" lang="en-US" altLang="zh-TW" sz="1400" smtClean="0">
+            <a:endParaRPr kumimoji="0" lang="en-US" altLang="zh-TW" sz="1400">
               <a:latin typeface="Arial" panose="020B0604020202020204" pitchFamily="34" charset="0"/>
             </a:endParaRPr>
           </a:p>
@@ -17886,7 +17699,7 @@
             <p:ph idx="1"/>
             <p:extLst>
               <p:ext uri="{D42A27DB-BD31-4B8C-83A1-F6EECF244321}">
-                <p14:modId xmlns:p14="http://schemas.microsoft.com/office/powerpoint/2010/main" val="3433910544"/>
+                <p14:modId xmlns:p14="http://schemas.microsoft.com/office/powerpoint/2010/main" val="2672946005"/>
               </p:ext>
             </p:extLst>
           </p:nvPr>
@@ -17938,7 +17751,7 @@
                     <a:lstStyle/>
                     <a:p>
                       <a:r>
-                        <a:rPr lang="en-US" altLang="zh-TW" sz="1800" dirty="0" smtClean="0"/>
+                        <a:rPr lang="en-US" altLang="zh-TW" sz="1800" dirty="0"/>
                         <a:t>Week</a:t>
                       </a:r>
                       <a:endParaRPr lang="zh-TW" altLang="en-US" sz="1800" dirty="0"/>
@@ -17952,7 +17765,7 @@
                     <a:lstStyle/>
                     <a:p>
                       <a:r>
-                        <a:rPr lang="en-US" altLang="zh-TW" sz="1800" dirty="0" smtClean="0"/>
+                        <a:rPr lang="en-US" altLang="zh-TW" sz="1800" dirty="0"/>
                         <a:t>Date</a:t>
                       </a:r>
                       <a:endParaRPr lang="zh-TW" altLang="en-US" sz="1800" dirty="0"/>
@@ -17966,7 +17779,7 @@
                     <a:lstStyle/>
                     <a:p>
                       <a:r>
-                        <a:rPr lang="en-US" altLang="zh-TW" sz="1800" dirty="0" smtClean="0"/>
+                        <a:rPr lang="en-US" altLang="zh-TW" sz="1800" dirty="0"/>
                         <a:t>Content</a:t>
                       </a:r>
                       <a:endParaRPr lang="zh-TW" altLang="en-US" sz="1800" dirty="0"/>
@@ -17980,7 +17793,7 @@
                     <a:lstStyle/>
                     <a:p>
                       <a:r>
-                        <a:rPr lang="en-US" altLang="zh-TW" sz="1800" dirty="0" smtClean="0"/>
+                        <a:rPr lang="en-US" altLang="zh-TW" sz="1800" dirty="0"/>
                         <a:t>Note</a:t>
                       </a:r>
                       <a:endParaRPr lang="zh-TW" altLang="en-US" sz="1800" dirty="0"/>
@@ -18001,7 +17814,7 @@
                     <a:lstStyle/>
                     <a:p>
                       <a:r>
-                        <a:rPr lang="en-US" altLang="zh-TW" sz="1800" dirty="0" smtClean="0"/>
+                        <a:rPr lang="en-US" altLang="zh-TW" sz="1800" dirty="0"/>
                         <a:t>8</a:t>
                       </a:r>
                       <a:endParaRPr lang="zh-TW" altLang="en-US" sz="1800" dirty="0"/>
@@ -18015,15 +17828,15 @@
                     <a:lstStyle/>
                     <a:p>
                       <a:r>
-                        <a:rPr lang="en-US" altLang="zh-TW" sz="1800" dirty="0" smtClean="0"/>
-                        <a:t>10/31</a:t>
+                        <a:rPr lang="en-US" altLang="zh-TW" sz="1800" dirty="0"/>
+                        <a:t>10/28</a:t>
                       </a:r>
                       <a:br>
-                        <a:rPr lang="en-US" altLang="zh-TW" sz="1800" dirty="0" smtClean="0"/>
+                        <a:rPr lang="en-US" altLang="zh-TW" sz="1800" dirty="0"/>
                       </a:br>
                       <a:r>
-                        <a:rPr lang="en-US" altLang="zh-TW" sz="1800" dirty="0" smtClean="0"/>
-                        <a:t>11/1</a:t>
+                        <a:rPr lang="en-US" altLang="zh-TW" sz="1800" dirty="0"/>
+                        <a:t>10/30</a:t>
                       </a:r>
                       <a:endParaRPr lang="zh-TW" altLang="en-US" sz="1800" dirty="0"/>
                     </a:p>
@@ -18053,10 +17866,10 @@
                         <a:defRPr/>
                       </a:pPr>
                       <a:r>
-                        <a:rPr lang="en-US" altLang="zh-TW" sz="1800" dirty="0" smtClean="0"/>
+                        <a:rPr lang="en-US" altLang="zh-TW" sz="1800" dirty="0"/>
                         <a:t>Ch.6</a:t>
                       </a:r>
-                      <a:endParaRPr lang="zh-TW" altLang="en-US" sz="1800" dirty="0" smtClean="0"/>
+                      <a:endParaRPr lang="zh-TW" altLang="en-US" sz="1800" dirty="0"/>
                     </a:p>
                   </a:txBody>
                   <a:tcPr marT="45729" marB="45729"/>
@@ -18084,7 +17897,7 @@
                     <a:lstStyle/>
                     <a:p>
                       <a:r>
-                        <a:rPr lang="en-US" altLang="zh-TW" sz="1800" dirty="0" smtClean="0"/>
+                        <a:rPr lang="en-US" altLang="zh-TW" sz="1800" dirty="0"/>
                         <a:t>9</a:t>
                       </a:r>
                       <a:endParaRPr lang="zh-TW" altLang="en-US" sz="1800" dirty="0"/>
@@ -18098,15 +17911,15 @@
                     <a:lstStyle/>
                     <a:p>
                       <a:r>
-                        <a:rPr lang="en-US" altLang="zh-TW" sz="1800" dirty="0" smtClean="0"/>
-                        <a:t>11/7</a:t>
+                        <a:rPr lang="en-US" altLang="zh-TW" sz="1800" dirty="0"/>
+                        <a:t>11/4</a:t>
                       </a:r>
                       <a:br>
-                        <a:rPr lang="en-US" altLang="zh-TW" sz="1800" dirty="0" smtClean="0"/>
+                        <a:rPr lang="en-US" altLang="zh-TW" sz="1800" dirty="0"/>
                       </a:br>
                       <a:r>
-                        <a:rPr lang="en-US" altLang="zh-TW" sz="1800" dirty="0" smtClean="0"/>
-                        <a:t>11/8</a:t>
+                        <a:rPr lang="en-US" altLang="zh-TW" sz="1800" dirty="0"/>
+                        <a:t>11/6</a:t>
                       </a:r>
                       <a:endParaRPr lang="zh-TW" altLang="en-US" sz="1800" dirty="0"/>
                     </a:p>
@@ -18136,7 +17949,27 @@
                         <a:defRPr/>
                       </a:pPr>
                       <a:r>
-                        <a:rPr lang="hsb-DE" altLang="zh-TW" sz="1800" b="0" i="0" kern="1200" dirty="0" smtClean="0">
+                        <a:rPr lang="en-US" altLang="zh-TW" sz="1800" dirty="0"/>
+                        <a:t>(</a:t>
+                      </a:r>
+                      <a:r>
+                        <a:rPr lang="en-US" altLang="zh-TW" sz="1800" b="1" dirty="0"/>
+                        <a:t>1</a:t>
+                      </a:r>
+                      <a:r>
+                        <a:rPr lang="en-US" altLang="zh-TW" sz="1800" b="1" dirty="0">
+                          <a:solidFill>
+                            <a:schemeClr val="tx1"/>
+                          </a:solidFill>
+                        </a:rPr>
+                        <a:t>1/4</a:t>
+                      </a:r>
+                      <a:r>
+                        <a:rPr lang="en-US" altLang="zh-TW" sz="1800" dirty="0"/>
+                        <a:t>: Midterm)</a:t>
+                      </a:r>
+                      <a:r>
+                        <a:rPr lang="hsb-DE" altLang="zh-TW" sz="1800" b="0" i="0" kern="1200" dirty="0">
                           <a:solidFill>
                             <a:schemeClr val="dk1"/>
                           </a:solidFill>
@@ -18146,9 +17979,9 @@
                           <a:cs typeface="+mn-cs"/>
                           <a:hlinkClick r:id="rId2"/>
                         </a:rPr>
-                        <a:t>Ch.7, Classification: Advanced Methods</a:t>
+                        <a:t> </a:t>
                       </a:r>
-                      <a:endParaRPr lang="zh-TW" altLang="en-US" sz="1800" dirty="0" smtClean="0"/>
+                      <a:endParaRPr lang="zh-TW" altLang="en-US" sz="1800" dirty="0"/>
                     </a:p>
                   </a:txBody>
                   <a:tcPr marT="45729" marB="45729"/>
@@ -18159,7 +17992,7 @@
                     <a:lstStyle/>
                     <a:p>
                       <a:r>
-                        <a:rPr lang="en-US" altLang="zh-TW" sz="1800" b="1" i="0" kern="1200" dirty="0" smtClean="0">
+                        <a:rPr lang="en-US" altLang="zh-TW" sz="1800" b="1" i="0" kern="1200" dirty="0">
                           <a:solidFill>
                             <a:schemeClr val="dk1"/>
                           </a:solidFill>
@@ -18173,7 +18006,7 @@
                     </a:p>
                     <a:p>
                       <a:r>
-                        <a:rPr lang="en-US" altLang="zh-TW" sz="1800" b="0" i="0" kern="1200" dirty="0" smtClean="0">
+                        <a:rPr lang="en-US" altLang="zh-TW" sz="1800" b="0" i="0" kern="1200" dirty="0">
                           <a:solidFill>
                             <a:schemeClr val="dk1"/>
                           </a:solidFill>
@@ -18184,7 +18017,7 @@
                         </a:rPr>
                         <a:t>HW#3 </a:t>
                       </a:r>
-                      <a:endParaRPr lang="zh-TW" altLang="en-US" sz="1800" dirty="0" smtClean="0"/>
+                      <a:endParaRPr lang="zh-TW" altLang="en-US" sz="1800" dirty="0"/>
                     </a:p>
                   </a:txBody>
                   <a:tcPr marT="45729" marB="45729"/>
@@ -18202,7 +18035,7 @@
                     <a:lstStyle/>
                     <a:p>
                       <a:r>
-                        <a:rPr lang="en-US" altLang="zh-TW" sz="1800" dirty="0" smtClean="0"/>
+                        <a:rPr lang="en-US" altLang="zh-TW" sz="1800" dirty="0"/>
                         <a:t>10</a:t>
                       </a:r>
                       <a:endParaRPr lang="zh-TW" altLang="en-US" sz="1800" dirty="0"/>
@@ -18216,14 +18049,14 @@
                     <a:lstStyle/>
                     <a:p>
                       <a:r>
-                        <a:rPr lang="en-US" altLang="zh-TW" sz="1800" dirty="0" smtClean="0"/>
-                        <a:t>11/14</a:t>
+                        <a:rPr lang="en-US" altLang="zh-TW" sz="1800" dirty="0"/>
+                        <a:t>11/11</a:t>
                       </a:r>
                     </a:p>
                     <a:p>
                       <a:r>
-                        <a:rPr lang="en-US" altLang="zh-TW" sz="1800" dirty="0" smtClean="0"/>
-                        <a:t>11/15</a:t>
+                        <a:rPr lang="en-US" altLang="zh-TW" sz="1800" dirty="0"/>
+                        <a:t>11/13</a:t>
                       </a:r>
                       <a:endParaRPr lang="zh-TW" altLang="en-US" sz="1800" dirty="0"/>
                     </a:p>
@@ -18235,26 +18068,39 @@
                     <a:bodyPr/>
                     <a:lstStyle/>
                     <a:p>
+                      <a:pPr marL="0" marR="0" lvl="0" indent="0" algn="l" defTabSz="914400" rtl="0" eaLnBrk="1" fontAlgn="auto" latinLnBrk="0" hangingPunct="1">
+                        <a:lnSpc>
+                          <a:spcPct val="100000"/>
+                        </a:lnSpc>
+                        <a:spcBef>
+                          <a:spcPts val="0"/>
+                        </a:spcBef>
+                        <a:spcAft>
+                          <a:spcPts val="0"/>
+                        </a:spcAft>
+                        <a:buClrTx/>
+                        <a:buSzTx/>
+                        <a:buFontTx/>
+                        <a:buNone/>
+                        <a:tabLst/>
+                        <a:defRPr/>
+                      </a:pPr>
                       <a:r>
-                        <a:rPr lang="en-US" sz="1800" dirty="0" smtClean="0"/>
-                        <a:t>(</a:t>
+                        <a:rPr lang="hsb-DE" altLang="zh-TW" sz="1800" b="0" i="0" kern="1200" dirty="0">
+                          <a:solidFill>
+                            <a:schemeClr val="dk1"/>
+                          </a:solidFill>
+                          <a:effectLst/>
+                          <a:latin typeface="+mn-lt"/>
+                          <a:ea typeface="+mn-ea"/>
+                          <a:cs typeface="+mn-cs"/>
+                          <a:hlinkClick r:id="rId2"/>
+                        </a:rPr>
+                        <a:t>Ch.7, Classification: Advanced Methods</a:t>
                       </a:r>
-                      <a:r>
-                        <a:rPr lang="en-US" sz="1800" b="1" dirty="0" smtClean="0"/>
-                        <a:t>1</a:t>
-                      </a:r>
-                      <a:r>
-                        <a:rPr lang="en-US" sz="1800" b="1" dirty="0" smtClean="0">
-                          <a:solidFill>
-                            <a:schemeClr val="tx1"/>
-                          </a:solidFill>
-                        </a:rPr>
-                        <a:t>1/14</a:t>
-                      </a:r>
-                      <a:r>
-                        <a:rPr lang="en-US" sz="1800" dirty="0" smtClean="0"/>
-                        <a:t>: Midterm)</a:t>
-                      </a:r>
+                      <a:endParaRPr lang="zh-TW" altLang="en-US" sz="1800" dirty="0"/>
+                    </a:p>
+                    <a:p>
                       <a:endParaRPr lang="en-US" sz="1800" dirty="0"/>
                     </a:p>
                   </a:txBody>
@@ -18283,7 +18129,7 @@
                     <a:lstStyle/>
                     <a:p>
                       <a:r>
-                        <a:rPr lang="en-US" altLang="zh-TW" sz="1800" dirty="0" smtClean="0"/>
+                        <a:rPr lang="en-US" altLang="zh-TW" sz="1800" dirty="0"/>
                         <a:t>11</a:t>
                       </a:r>
                       <a:endParaRPr lang="zh-TW" altLang="en-US" sz="1800" dirty="0"/>
@@ -18297,14 +18143,14 @@
                     <a:lstStyle/>
                     <a:p>
                       <a:r>
-                        <a:rPr lang="en-US" altLang="zh-TW" sz="1800" dirty="0" smtClean="0"/>
-                        <a:t>11/21</a:t>
+                        <a:rPr lang="en-US" altLang="zh-TW" sz="1800" dirty="0"/>
+                        <a:t>11/18</a:t>
                       </a:r>
                     </a:p>
                     <a:p>
                       <a:r>
-                        <a:rPr lang="en-US" altLang="zh-TW" sz="1800" dirty="0" smtClean="0"/>
-                        <a:t>11/22</a:t>
+                        <a:rPr lang="en-US" altLang="zh-TW" sz="1800" dirty="0"/>
+                        <a:t>11/20</a:t>
                       </a:r>
                       <a:endParaRPr lang="zh-TW" altLang="en-US" sz="1800" dirty="0"/>
                     </a:p>
@@ -18334,7 +18180,7 @@
                         <a:defRPr/>
                       </a:pPr>
                       <a:r>
-                        <a:rPr lang="en-US" altLang="zh-TW" sz="1800" b="0" i="0" kern="1200" dirty="0" smtClean="0">
+                        <a:rPr lang="en-US" altLang="zh-TW" sz="1800" b="0" i="0" kern="1200" dirty="0">
                           <a:solidFill>
                             <a:schemeClr val="dk1"/>
                           </a:solidFill>
@@ -18346,7 +18192,7 @@
                         </a:rPr>
                         <a:t>Ch.8, Cluster Analysis: Basic Concepts and Methods</a:t>
                       </a:r>
-                      <a:endParaRPr lang="zh-TW" altLang="en-US" sz="1800" dirty="0" smtClean="0"/>
+                      <a:endParaRPr lang="zh-TW" altLang="en-US" sz="1800" dirty="0"/>
                     </a:p>
                   </a:txBody>
                   <a:tcPr marT="45729" marB="45729"/>
@@ -18374,7 +18220,7 @@
                         <a:defRPr/>
                       </a:pPr>
                       <a:r>
-                        <a:rPr lang="en-US" altLang="zh-TW" sz="1800" b="0" i="0" kern="1200" dirty="0" smtClean="0">
+                        <a:rPr lang="en-US" altLang="zh-TW" sz="1800" b="0" i="0" kern="1200" dirty="0">
                           <a:solidFill>
                             <a:schemeClr val="dk1"/>
                           </a:solidFill>
@@ -18385,11 +18231,11 @@
                         </a:rPr>
                         <a:t>Due: HW#3</a:t>
                       </a:r>
-                      <a:endParaRPr lang="zh-TW" altLang="en-US" sz="1800" dirty="0" smtClean="0"/>
+                      <a:endParaRPr lang="zh-TW" altLang="en-US" sz="1800" dirty="0"/>
                     </a:p>
                     <a:p>
                       <a:r>
-                        <a:rPr lang="en-US" altLang="zh-TW" sz="1800" dirty="0" smtClean="0"/>
+                        <a:rPr lang="en-US" altLang="zh-TW" sz="1800" dirty="0"/>
                         <a:t>Due: Proposal</a:t>
                       </a:r>
                       <a:endParaRPr lang="zh-TW" altLang="en-US" sz="1800" dirty="0"/>
@@ -18410,7 +18256,7 @@
                     <a:lstStyle/>
                     <a:p>
                       <a:r>
-                        <a:rPr lang="en-US" altLang="zh-TW" sz="1800" dirty="0" smtClean="0"/>
+                        <a:rPr lang="en-US" altLang="zh-TW" sz="1800" dirty="0"/>
                         <a:t>12</a:t>
                       </a:r>
                       <a:endParaRPr lang="zh-TW" altLang="en-US" sz="1800" dirty="0"/>
@@ -18424,14 +18270,14 @@
                     <a:lstStyle/>
                     <a:p>
                       <a:r>
-                        <a:rPr lang="en-US" altLang="zh-TW" sz="1800" dirty="0" smtClean="0"/>
-                        <a:t>11/28</a:t>
+                        <a:rPr lang="en-US" altLang="zh-TW" sz="1800" dirty="0"/>
+                        <a:t>11/25</a:t>
                       </a:r>
                     </a:p>
                     <a:p>
                       <a:r>
-                        <a:rPr lang="en-US" altLang="zh-TW" sz="1800" dirty="0" smtClean="0"/>
-                        <a:t>11/29</a:t>
+                        <a:rPr lang="en-US" altLang="zh-TW" sz="1800" dirty="0"/>
+                        <a:t>11/27</a:t>
                       </a:r>
                       <a:endParaRPr lang="zh-TW" altLang="en-US" sz="1800" dirty="0"/>
                     </a:p>
@@ -18444,16 +18290,10 @@
                     <a:lstStyle/>
                     <a:p>
                       <a:r>
-                        <a:rPr lang="en-US" dirty="0" smtClean="0">
-                          <a:hlinkClick r:id="rId4"/>
-                        </a:rPr>
-                        <a:t>Ch.9</a:t>
-                      </a:r>
-                      <a:r>
                         <a:rPr lang="en-US" dirty="0">
                           <a:hlinkClick r:id="rId4"/>
                         </a:rPr>
-                        <a:t>, Cluster Analysis: Advanced Methods</a:t>
+                        <a:t>Ch.9, Cluster Analysis: Advanced Methods</a:t>
                       </a:r>
                       <a:endParaRPr lang="en-US" dirty="0"/>
                     </a:p>
@@ -18483,7 +18323,7 @@
                     <a:lstStyle/>
                     <a:p>
                       <a:r>
-                        <a:rPr lang="en-US" altLang="zh-TW" sz="1800" dirty="0" smtClean="0"/>
+                        <a:rPr lang="en-US" altLang="zh-TW" sz="1800" dirty="0"/>
                         <a:t>13</a:t>
                       </a:r>
                       <a:endParaRPr lang="zh-TW" altLang="en-US" sz="1800" dirty="0"/>
@@ -18497,14 +18337,14 @@
                     <a:lstStyle/>
                     <a:p>
                       <a:r>
-                        <a:rPr lang="en-US" altLang="zh-TW" sz="1800" dirty="0" smtClean="0"/>
-                        <a:t>12/5</a:t>
+                        <a:rPr lang="en-US" altLang="zh-TW" sz="1800" dirty="0"/>
+                        <a:t>12/2</a:t>
                       </a:r>
                     </a:p>
                     <a:p>
                       <a:r>
-                        <a:rPr lang="en-US" altLang="zh-TW" sz="1800" dirty="0" smtClean="0"/>
-                        <a:t>12/6</a:t>
+                        <a:rPr lang="en-US" altLang="zh-TW" sz="1800" dirty="0"/>
+                        <a:t>12/4</a:t>
                       </a:r>
                       <a:endParaRPr lang="zh-TW" altLang="en-US" sz="1800" dirty="0"/>
                     </a:p>
@@ -18534,7 +18374,7 @@
                         <a:defRPr/>
                       </a:pPr>
                       <a:r>
-                        <a:rPr lang="en-US" altLang="zh-TW" sz="1800" b="0" i="0" kern="1200" dirty="0" smtClean="0">
+                        <a:rPr lang="en-US" altLang="zh-TW" sz="1800" b="0" i="0" kern="1200" dirty="0">
                           <a:solidFill>
                             <a:schemeClr val="dk1"/>
                           </a:solidFill>
@@ -18547,7 +18387,7 @@
                         <a:t>Distributed Platforms</a:t>
                       </a:r>
                       <a:r>
-                        <a:rPr lang="en-US" altLang="zh-TW" sz="1800" b="0" i="0" kern="1200" dirty="0" smtClean="0">
+                        <a:rPr lang="en-US" altLang="zh-TW" sz="1800" b="0" i="0" kern="1200" dirty="0">
                           <a:solidFill>
                             <a:schemeClr val="dk1"/>
                           </a:solidFill>
@@ -18561,7 +18401,7 @@
                     </a:p>
                     <a:p>
                       <a:r>
-                        <a:rPr lang="en-US" altLang="zh-TW" sz="1800" b="0" i="0" kern="1200" dirty="0" err="1" smtClean="0">
+                        <a:rPr lang="en-US" altLang="zh-TW" sz="1800" b="0" i="0" kern="1200" dirty="0" err="1">
                           <a:solidFill>
                             <a:schemeClr val="dk1"/>
                           </a:solidFill>
@@ -18574,7 +18414,7 @@
                         <a:t>MapReduce</a:t>
                       </a:r>
                       <a:r>
-                        <a:rPr lang="en-US" altLang="zh-TW" sz="1800" b="0" i="0" kern="1200" dirty="0" smtClean="0">
+                        <a:rPr lang="en-US" altLang="zh-TW" sz="1800" b="0" i="0" kern="1200" dirty="0">
                           <a:solidFill>
                             <a:schemeClr val="dk1"/>
                           </a:solidFill>
@@ -18614,7 +18454,7 @@
                         <a:defRPr/>
                       </a:pPr>
                       <a:r>
-                        <a:rPr lang="en-US" altLang="zh-TW" sz="1800" b="0" i="0" kern="1200" dirty="0" smtClean="0">
+                        <a:rPr lang="en-US" altLang="zh-TW" sz="1800" b="0" i="0" kern="1200" dirty="0">
                           <a:solidFill>
                             <a:schemeClr val="dk1"/>
                           </a:solidFill>
@@ -18625,7 +18465,7 @@
                         </a:rPr>
                         <a:t>HW#4:</a:t>
                       </a:r>
-                      <a:endParaRPr lang="zh-TW" altLang="en-US" sz="1800" dirty="0" smtClean="0"/>
+                      <a:endParaRPr lang="zh-TW" altLang="en-US" sz="1800" dirty="0"/>
                     </a:p>
                   </a:txBody>
                   <a:tcPr marT="45729" marB="45729"/>
@@ -18643,7 +18483,7 @@
                     <a:lstStyle/>
                     <a:p>
                       <a:r>
-                        <a:rPr lang="en-US" altLang="zh-TW" sz="1800" dirty="0" smtClean="0"/>
+                        <a:rPr lang="en-US" altLang="zh-TW" sz="1800" dirty="0"/>
                         <a:t>14</a:t>
                       </a:r>
                       <a:endParaRPr lang="zh-TW" altLang="en-US" sz="1800" dirty="0"/>
@@ -18657,14 +18497,14 @@
                     <a:lstStyle/>
                     <a:p>
                       <a:r>
-                        <a:rPr lang="en-US" altLang="zh-TW" sz="1800" dirty="0" smtClean="0"/>
-                        <a:t>12/12</a:t>
+                        <a:rPr lang="en-US" altLang="zh-TW" sz="1800" dirty="0"/>
+                        <a:t>12/9</a:t>
                       </a:r>
                     </a:p>
                     <a:p>
                       <a:r>
-                        <a:rPr lang="en-US" altLang="zh-TW" sz="1800" dirty="0" smtClean="0"/>
-                        <a:t>12/13</a:t>
+                        <a:rPr lang="en-US" altLang="zh-TW" sz="1800" dirty="0"/>
+                        <a:t>12/11</a:t>
                       </a:r>
                       <a:endParaRPr lang="zh-TW" altLang="en-US" sz="1800" dirty="0"/>
                     </a:p>
@@ -18677,7 +18517,7 @@
                     <a:lstStyle/>
                     <a:p>
                       <a:r>
-                        <a:rPr lang="en-US" altLang="zh-TW" sz="1800" b="0" i="0" kern="1200" dirty="0" smtClean="0">
+                        <a:rPr lang="en-US" altLang="zh-TW" sz="1800" b="0" i="0" kern="1200" dirty="0">
                           <a:solidFill>
                             <a:schemeClr val="dk1"/>
                           </a:solidFill>
@@ -18719,13 +18559,6 @@
   <p:clrMapOvr>
     <a:masterClrMapping/>
   </p:clrMapOvr>
-  <p:timing>
-    <p:tnLst>
-      <p:par>
-        <p:cTn id="1" dur="indefinite" restart="never" nodeType="tmRoot"/>
-      </p:par>
-    </p:tnLst>
-  </p:timing>
 </p:sld>
 </file>
 
@@ -18761,7 +18594,7 @@
           <a:bodyPr/>
           <a:lstStyle/>
           <a:p>
-            <a:endParaRPr lang="zh-TW" altLang="en-US" smtClean="0"/>
+            <a:endParaRPr lang="zh-TW" altLang="en-US"/>
           </a:p>
         </p:txBody>
       </p:sp>
@@ -18775,7 +18608,7 @@
             <p:ph idx="1"/>
             <p:extLst>
               <p:ext uri="{D42A27DB-BD31-4B8C-83A1-F6EECF244321}">
-                <p14:modId xmlns:p14="http://schemas.microsoft.com/office/powerpoint/2010/main" val="3874872045"/>
+                <p14:modId xmlns:p14="http://schemas.microsoft.com/office/powerpoint/2010/main" val="1252130289"/>
               </p:ext>
             </p:extLst>
           </p:nvPr>
@@ -18827,7 +18660,7 @@
                     <a:lstStyle/>
                     <a:p>
                       <a:r>
-                        <a:rPr lang="en-US" altLang="zh-TW" sz="1800" dirty="0" smtClean="0"/>
+                        <a:rPr lang="en-US" altLang="zh-TW" sz="1800" dirty="0"/>
                         <a:t>Week</a:t>
                       </a:r>
                       <a:endParaRPr lang="zh-TW" altLang="en-US" sz="1800" dirty="0"/>
@@ -18841,7 +18674,7 @@
                     <a:lstStyle/>
                     <a:p>
                       <a:r>
-                        <a:rPr lang="en-US" altLang="zh-TW" sz="1800" dirty="0" smtClean="0"/>
+                        <a:rPr lang="en-US" altLang="zh-TW" sz="1800" dirty="0"/>
                         <a:t>Date</a:t>
                       </a:r>
                       <a:endParaRPr lang="zh-TW" altLang="en-US" sz="1800" dirty="0"/>
@@ -18855,7 +18688,7 @@
                     <a:lstStyle/>
                     <a:p>
                       <a:r>
-                        <a:rPr lang="en-US" altLang="zh-TW" sz="1800" dirty="0" smtClean="0"/>
+                        <a:rPr lang="en-US" altLang="zh-TW" sz="1800" dirty="0"/>
                         <a:t>Content</a:t>
                       </a:r>
                       <a:endParaRPr lang="zh-TW" altLang="en-US" sz="1800" dirty="0"/>
@@ -18869,7 +18702,7 @@
                     <a:lstStyle/>
                     <a:p>
                       <a:r>
-                        <a:rPr lang="en-US" altLang="zh-TW" sz="1800" dirty="0" smtClean="0"/>
+                        <a:rPr lang="en-US" altLang="zh-TW" sz="1800" dirty="0"/>
                         <a:t>Note</a:t>
                       </a:r>
                       <a:endParaRPr lang="zh-TW" altLang="en-US" sz="1800" dirty="0"/>
@@ -18890,7 +18723,7 @@
                     <a:lstStyle/>
                     <a:p>
                       <a:r>
-                        <a:rPr lang="en-US" altLang="zh-TW" sz="1800" dirty="0" smtClean="0"/>
+                        <a:rPr lang="en-US" altLang="zh-TW" sz="1800" dirty="0"/>
                         <a:t>15</a:t>
                       </a:r>
                       <a:endParaRPr lang="zh-TW" altLang="en-US" sz="1800" dirty="0"/>
@@ -18904,14 +18737,14 @@
                     <a:lstStyle/>
                     <a:p>
                       <a:r>
-                        <a:rPr lang="en-US" altLang="zh-TW" sz="1800" dirty="0" smtClean="0"/>
-                        <a:t>12/19</a:t>
+                        <a:rPr lang="en-US" altLang="zh-TW" sz="1800" dirty="0"/>
+                        <a:t>12/16</a:t>
                       </a:r>
                     </a:p>
                     <a:p>
                       <a:r>
-                        <a:rPr lang="en-US" altLang="zh-TW" sz="1800" dirty="0" smtClean="0"/>
-                        <a:t>12/20</a:t>
+                        <a:rPr lang="en-US" altLang="zh-TW" sz="1800" dirty="0"/>
+                        <a:t>12/18</a:t>
                       </a:r>
                     </a:p>
                   </a:txBody>
@@ -18923,11 +18756,11 @@
                     <a:lstStyle/>
                     <a:p>
                       <a:r>
-                        <a:rPr lang="en-US" altLang="zh-TW" sz="1800" dirty="0" smtClean="0"/>
+                        <a:rPr lang="en-US" altLang="zh-TW" sz="1800" dirty="0"/>
                         <a:t>Term Project Presentation: Week</a:t>
                       </a:r>
                       <a:r>
-                        <a:rPr lang="en-US" altLang="zh-TW" sz="1800" baseline="0" dirty="0" smtClean="0"/>
+                        <a:rPr lang="en-US" altLang="zh-TW" sz="1800" baseline="0" dirty="0"/>
                         <a:t> 1</a:t>
                       </a:r>
                       <a:endParaRPr lang="zh-TW" altLang="en-US" sz="1800" dirty="0"/>
@@ -18958,7 +18791,7 @@
                         <a:defRPr/>
                       </a:pPr>
                       <a:r>
-                        <a:rPr lang="en-US" altLang="zh-TW" sz="1800" b="0" i="0" kern="1200" dirty="0" smtClean="0">
+                        <a:rPr lang="en-US" altLang="zh-TW" sz="1800" b="0" i="0" kern="1200" dirty="0">
                           <a:solidFill>
                             <a:schemeClr val="dk1"/>
                           </a:solidFill>
@@ -18969,7 +18802,7 @@
                         </a:rPr>
                         <a:t>Due: HW#4</a:t>
                       </a:r>
-                      <a:endParaRPr lang="zh-TW" altLang="en-US" sz="1800" dirty="0" smtClean="0"/>
+                      <a:endParaRPr lang="zh-TW" altLang="en-US" sz="1800" dirty="0"/>
                     </a:p>
                     <a:p>
                       <a:endParaRPr lang="zh-TW" altLang="en-US" sz="1800" dirty="0"/>
@@ -18990,7 +18823,7 @@
                     <a:lstStyle/>
                     <a:p>
                       <a:r>
-                        <a:rPr lang="en-US" altLang="zh-TW" sz="1800" dirty="0" smtClean="0"/>
+                        <a:rPr lang="en-US" altLang="zh-TW" sz="1800" dirty="0"/>
                         <a:t>16</a:t>
                       </a:r>
                       <a:endParaRPr lang="zh-TW" altLang="en-US" sz="1800" dirty="0"/>
@@ -19004,14 +18837,14 @@
                     <a:lstStyle/>
                     <a:p>
                       <a:r>
-                        <a:rPr lang="en-US" altLang="zh-TW" sz="1800" dirty="0" smtClean="0"/>
-                        <a:t>12/26</a:t>
+                        <a:rPr lang="en-US" altLang="zh-TW" sz="1800" dirty="0"/>
+                        <a:t>12/23</a:t>
                       </a:r>
                     </a:p>
                     <a:p>
                       <a:r>
-                        <a:rPr lang="en-US" altLang="zh-TW" sz="1800" dirty="0" smtClean="0"/>
-                        <a:t>12/27</a:t>
+                        <a:rPr lang="en-US" altLang="zh-TW" sz="1800" dirty="0"/>
+                        <a:t>12/25</a:t>
                       </a:r>
                       <a:endParaRPr lang="zh-TW" altLang="en-US" sz="1800" dirty="0"/>
                     </a:p>
@@ -19024,11 +18857,11 @@
                     <a:lstStyle/>
                     <a:p>
                       <a:r>
-                        <a:rPr lang="en-US" altLang="zh-TW" sz="1800" dirty="0" smtClean="0"/>
+                        <a:rPr lang="en-US" altLang="zh-TW" sz="1800" dirty="0"/>
                         <a:t>Term Project Presentation: Week</a:t>
                       </a:r>
                       <a:r>
-                        <a:rPr lang="en-US" altLang="zh-TW" sz="1800" baseline="0" dirty="0" smtClean="0"/>
+                        <a:rPr lang="en-US" altLang="zh-TW" sz="1800" baseline="0" dirty="0"/>
                         <a:t> 2</a:t>
                       </a:r>
                       <a:endParaRPr lang="zh-TW" altLang="en-US" sz="1800" dirty="0"/>
@@ -19059,7 +18892,7 @@
                     <a:lstStyle/>
                     <a:p>
                       <a:r>
-                        <a:rPr lang="en-US" altLang="zh-TW" sz="1800" dirty="0" smtClean="0"/>
+                        <a:rPr lang="en-US" altLang="zh-TW" sz="1800" dirty="0"/>
                         <a:t>17</a:t>
                       </a:r>
                       <a:endParaRPr lang="zh-TW" altLang="en-US" sz="1800" dirty="0"/>
@@ -19073,14 +18906,14 @@
                     <a:lstStyle/>
                     <a:p>
                       <a:r>
-                        <a:rPr lang="en-US" altLang="zh-TW" sz="1800" dirty="0" smtClean="0"/>
-                        <a:t>1/2</a:t>
+                        <a:rPr lang="en-US" altLang="zh-TW" sz="1800" dirty="0"/>
+                        <a:t>12/30</a:t>
                       </a:r>
                     </a:p>
                     <a:p>
                       <a:r>
-                        <a:rPr lang="en-US" altLang="zh-TW" sz="1800" dirty="0" smtClean="0"/>
-                        <a:t>1/3</a:t>
+                        <a:rPr lang="en-US" altLang="zh-TW" sz="1800" dirty="0"/>
+                        <a:t>1/1</a:t>
                       </a:r>
                       <a:endParaRPr lang="zh-TW" altLang="en-US" sz="1800" dirty="0"/>
                     </a:p>
@@ -19093,12 +18926,18 @@
                     <a:lstStyle/>
                     <a:p>
                       <a:r>
-                        <a:rPr lang="en-US" altLang="zh-TW" sz="1800" dirty="0" smtClean="0"/>
+                        <a:rPr lang="en-US" altLang="zh-TW" sz="1800" dirty="0"/>
                         <a:t>Term Project Presentation: Week</a:t>
                       </a:r>
                       <a:r>
-                        <a:rPr lang="en-US" altLang="zh-TW" sz="1800" baseline="0" dirty="0" smtClean="0"/>
+                        <a:rPr lang="en-US" altLang="zh-TW" sz="1800" baseline="0" dirty="0"/>
                         <a:t> 3</a:t>
+                      </a:r>
+                    </a:p>
+                    <a:p>
+                      <a:r>
+                        <a:rPr lang="en-US" altLang="zh-TW" sz="1800" baseline="0" dirty="0"/>
+                        <a:t>(Leave for New Year’s Day)</a:t>
                       </a:r>
                       <a:endParaRPr lang="zh-TW" altLang="en-US" sz="1800" dirty="0"/>
                     </a:p>
@@ -19128,7 +18967,7 @@
                     <a:lstStyle/>
                     <a:p>
                       <a:r>
-                        <a:rPr lang="en-US" altLang="zh-TW" sz="1800" dirty="0" smtClean="0"/>
+                        <a:rPr lang="en-US" altLang="zh-TW" sz="1800" dirty="0"/>
                         <a:t>18</a:t>
                       </a:r>
                       <a:endParaRPr lang="zh-TW" altLang="en-US" sz="1800" dirty="0"/>
@@ -19142,14 +18981,14 @@
                     <a:lstStyle/>
                     <a:p>
                       <a:r>
-                        <a:rPr lang="en-US" altLang="zh-TW" sz="1800" dirty="0" smtClean="0"/>
-                        <a:t>1/9</a:t>
+                        <a:rPr lang="en-US" altLang="zh-TW" sz="1800" dirty="0"/>
+                        <a:t>1/6</a:t>
                       </a:r>
                     </a:p>
                     <a:p>
                       <a:r>
-                        <a:rPr lang="en-US" altLang="zh-TW" sz="1800" dirty="0" smtClean="0"/>
-                        <a:t>1/10</a:t>
+                        <a:rPr lang="en-US" altLang="zh-TW" sz="1800" dirty="0"/>
+                        <a:t>1/8</a:t>
                       </a:r>
                       <a:endParaRPr lang="zh-TW" altLang="en-US" sz="1800" dirty="0"/>
                     </a:p>
@@ -19162,11 +19001,11 @@
                     <a:lstStyle/>
                     <a:p>
                       <a:r>
-                        <a:rPr lang="en-US" altLang="zh-TW" sz="1800" dirty="0" smtClean="0"/>
+                        <a:rPr lang="en-US" altLang="zh-TW" sz="1800" dirty="0"/>
                         <a:t>Term Project Presentation: Week</a:t>
                       </a:r>
                       <a:r>
-                        <a:rPr lang="en-US" altLang="zh-TW" sz="1800" baseline="0" dirty="0" smtClean="0"/>
+                        <a:rPr lang="en-US" altLang="zh-TW" sz="1800" baseline="0" dirty="0"/>
                         <a:t> 4</a:t>
                       </a:r>
                       <a:endParaRPr lang="zh-TW" altLang="en-US" sz="1800" dirty="0"/>
@@ -19180,15 +19019,15 @@
                     <a:lstStyle/>
                     <a:p>
                       <a:r>
-                        <a:rPr lang="en-US" altLang="zh-TW" sz="1800" dirty="0" smtClean="0">
+                        <a:rPr lang="en-US" altLang="zh-TW" sz="1800" dirty="0">
                           <a:solidFill>
                             <a:srgbClr val="FF0000"/>
                           </a:solidFill>
                         </a:rPr>
-                        <a:t>1/12 </a:t>
+                        <a:t>1/10 </a:t>
                       </a:r>
                       <a:r>
-                        <a:rPr lang="en-US" altLang="zh-TW" sz="1800" dirty="0" smtClean="0"/>
+                        <a:rPr lang="en-US" altLang="zh-TW" sz="1800" dirty="0"/>
                         <a:t>Due: Final report</a:t>
                       </a:r>
                       <a:endParaRPr lang="zh-TW" altLang="en-US" sz="1800" dirty="0"/>
@@ -19361,10 +19200,10 @@
               <a:buNone/>
             </a:pPr>
             <a:r>
-              <a:rPr kumimoji="0" lang="en-US" altLang="zh-TW" sz="1400" smtClean="0">
+              <a:rPr kumimoji="0" lang="en-US" altLang="zh-TW" sz="1400">
                 <a:latin typeface="Arial" panose="020B0604020202020204" pitchFamily="34" charset="0"/>
               </a:rPr>
-              <a:t>Educational Data Mining, Fall 2023</a:t>
+              <a:t>Educational Data Mining, Fall 2024</a:t>
             </a:r>
           </a:p>
         </p:txBody>
@@ -19524,7 +19363,7 @@
               <a:buNone/>
             </a:pPr>
             <a:r>
-              <a:rPr kumimoji="0" lang="en-US" altLang="zh-TW" sz="1400" smtClean="0">
+              <a:rPr kumimoji="0" lang="en-US" altLang="zh-TW" sz="1400">
                 <a:latin typeface="Arial" panose="020B0604020202020204" pitchFamily="34" charset="0"/>
               </a:rPr>
               <a:t>NTUT CSIE</a:t>
@@ -19699,7 +19538,7 @@
               </a:pPr>
               <a:t>24</a:t>
             </a:fld>
-            <a:endParaRPr kumimoji="0" lang="en-US" altLang="zh-TW" sz="1400" smtClean="0">
+            <a:endParaRPr kumimoji="0" lang="en-US" altLang="zh-TW" sz="1400">
               <a:latin typeface="Arial" panose="020B0604020202020204" pitchFamily="34" charset="0"/>
             </a:endParaRPr>
           </a:p>
@@ -19710,13 +19549,6 @@
   <p:clrMapOvr>
     <a:masterClrMapping/>
   </p:clrMapOvr>
-  <p:timing>
-    <p:tnLst>
-      <p:par>
-        <p:cTn id="1" dur="indefinite" restart="never" nodeType="tmRoot"/>
-      </p:par>
-    </p:tnLst>
-  </p:timing>
 </p:sld>
 </file>
 
@@ -19753,10 +19585,10 @@
           <a:lstStyle/>
           <a:p>
             <a:r>
-              <a:rPr lang="en-US" altLang="zh-TW" smtClean="0"/>
+              <a:rPr lang="en-US" altLang="zh-TW"/>
               <a:t>Notes on Homeworks</a:t>
             </a:r>
-            <a:endParaRPr lang="zh-TW" altLang="en-US" smtClean="0"/>
+            <a:endParaRPr lang="zh-TW" altLang="en-US"/>
           </a:p>
         </p:txBody>
       </p:sp>
@@ -19781,11 +19613,11 @@
               <a:defRPr/>
             </a:pPr>
             <a:r>
-              <a:rPr lang="en-US" altLang="zh-TW" dirty="0" smtClean="0"/>
+              <a:rPr lang="en-US" altLang="zh-TW" dirty="0"/>
               <a:t>Rule 1: </a:t>
             </a:r>
             <a:r>
-              <a:rPr lang="en-US" altLang="zh-TW" dirty="0" smtClean="0">
+              <a:rPr lang="en-US" altLang="zh-TW" dirty="0">
                 <a:solidFill>
                   <a:srgbClr val="FF0000"/>
                 </a:solidFill>
@@ -19793,7 +19625,7 @@
               <a:t>Plagiarism is prohibited</a:t>
             </a:r>
             <a:r>
-              <a:rPr lang="en-US" altLang="zh-TW" dirty="0" smtClean="0"/>
+              <a:rPr lang="en-US" altLang="zh-TW" dirty="0"/>
               <a:t>.</a:t>
             </a:r>
           </a:p>
@@ -19802,7 +19634,7 @@
               <a:defRPr/>
             </a:pPr>
             <a:r>
-              <a:rPr lang="en-US" altLang="zh-TW" dirty="0" smtClean="0"/>
+              <a:rPr lang="en-US" altLang="zh-TW" dirty="0"/>
               <a:t>Near-duplicate codes will get equal and deducted scores</a:t>
             </a:r>
           </a:p>
@@ -19811,11 +19643,11 @@
               <a:defRPr/>
             </a:pPr>
             <a:r>
-              <a:rPr lang="en-US" altLang="zh-TW" dirty="0" smtClean="0"/>
+              <a:rPr lang="en-US" altLang="zh-TW" dirty="0"/>
               <a:t>Rule 2: </a:t>
             </a:r>
             <a:r>
-              <a:rPr lang="en-US" altLang="zh-TW" dirty="0" smtClean="0">
+              <a:rPr lang="en-US" altLang="zh-TW" dirty="0">
                 <a:solidFill>
                   <a:srgbClr val="0000FF"/>
                 </a:solidFill>
@@ -19823,7 +19655,7 @@
               <a:t>Clear documentation is required </a:t>
             </a:r>
             <a:r>
-              <a:rPr lang="en-US" altLang="zh-TW" dirty="0" smtClean="0"/>
+              <a:rPr lang="en-US" altLang="zh-TW" dirty="0"/>
               <a:t>in your system projects.</a:t>
             </a:r>
           </a:p>
@@ -19832,7 +19664,7 @@
               <a:defRPr/>
             </a:pPr>
             <a:r>
-              <a:rPr lang="en-US" altLang="zh-TW" dirty="0" smtClean="0"/>
+              <a:rPr lang="en-US" altLang="zh-TW" dirty="0"/>
               <a:t>Instructions on downloading, installing, configuring, and executing your code, open source library, APIs, or codes must be included in the documentation</a:t>
             </a:r>
           </a:p>
@@ -19841,7 +19673,7 @@
               <a:defRPr/>
             </a:pPr>
             <a:r>
-              <a:rPr lang="en-US" altLang="zh-TW" dirty="0" smtClean="0"/>
+              <a:rPr lang="en-US" altLang="zh-TW" dirty="0"/>
               <a:t>Package control is recommended</a:t>
             </a:r>
             <a:endParaRPr lang="zh-TW" altLang="en-US" dirty="0"/>
@@ -20003,10 +19835,10 @@
               <a:buNone/>
             </a:pPr>
             <a:r>
-              <a:rPr kumimoji="0" lang="en-US" altLang="zh-TW" sz="1400" smtClean="0">
+              <a:rPr kumimoji="0" lang="en-US" altLang="zh-TW" sz="1400">
                 <a:latin typeface="Arial" panose="020B0604020202020204" pitchFamily="34" charset="0"/>
               </a:rPr>
-              <a:t>Educational Data Mining, Fall 2023</a:t>
+              <a:t>Educational Data Mining, Fall 2024</a:t>
             </a:r>
           </a:p>
         </p:txBody>
@@ -20166,7 +19998,7 @@
               <a:buNone/>
             </a:pPr>
             <a:r>
-              <a:rPr kumimoji="0" lang="en-US" altLang="zh-TW" sz="1400" smtClean="0">
+              <a:rPr kumimoji="0" lang="en-US" altLang="zh-TW" sz="1400">
                 <a:latin typeface="Arial" panose="020B0604020202020204" pitchFamily="34" charset="0"/>
               </a:rPr>
               <a:t>NTUT CSIE</a:t>
@@ -20341,7 +20173,7 @@
               </a:pPr>
               <a:t>25</a:t>
             </a:fld>
-            <a:endParaRPr kumimoji="0" lang="en-US" altLang="zh-TW" sz="1400" smtClean="0">
+            <a:endParaRPr kumimoji="0" lang="en-US" altLang="zh-TW" sz="1400">
               <a:latin typeface="Arial" panose="020B0604020202020204" pitchFamily="34" charset="0"/>
             </a:endParaRPr>
           </a:p>
@@ -20352,13 +20184,6 @@
   <p:clrMapOvr>
     <a:masterClrMapping/>
   </p:clrMapOvr>
-  <p:timing>
-    <p:tnLst>
-      <p:par>
-        <p:cTn id="1" dur="indefinite" restart="never" nodeType="tmRoot"/>
-      </p:par>
-    </p:tnLst>
-  </p:timing>
 </p:sld>
 </file>
 
@@ -20396,7 +20221,7 @@
           <a:p>
             <a:pPr eaLnBrk="1" hangingPunct="1"/>
             <a:r>
-              <a:rPr lang="en-US" altLang="zh-TW" smtClean="0"/>
+              <a:rPr lang="en-US" altLang="zh-TW"/>
               <a:t>More on Term Projects</a:t>
             </a:r>
           </a:p>
@@ -20419,45 +20244,45 @@
           <a:p>
             <a:pPr eaLnBrk="1" hangingPunct="1"/>
             <a:r>
-              <a:rPr lang="en-US" altLang="zh-TW" sz="2800" dirty="0" smtClean="0"/>
+              <a:rPr lang="en-US" altLang="zh-TW" sz="2800" dirty="0"/>
               <a:t>Tentative schedule for all teams:</a:t>
             </a:r>
           </a:p>
           <a:p>
             <a:pPr lvl="1" eaLnBrk="1" hangingPunct="1"/>
             <a:r>
-              <a:rPr lang="en-US" altLang="zh-TW" sz="2400" b="1" dirty="0" smtClean="0"/>
+              <a:rPr lang="en-US" altLang="zh-TW" sz="2400" b="1" dirty="0"/>
               <a:t>Proposal</a:t>
             </a:r>
             <a:r>
-              <a:rPr lang="en-US" altLang="zh-TW" sz="2400" dirty="0" smtClean="0"/>
+              <a:rPr lang="en-US" altLang="zh-TW" sz="2400" dirty="0"/>
               <a:t>: *required* one week after midterm (</a:t>
             </a:r>
             <a:r>
-              <a:rPr lang="en-US" altLang="zh-TW" sz="2400" dirty="0" smtClean="0">
+              <a:rPr lang="en-US" altLang="zh-TW" sz="2400" dirty="0">
                 <a:solidFill>
                   <a:srgbClr val="FF0000"/>
                 </a:solidFill>
               </a:rPr>
-              <a:t>Nov. 21, 2023</a:t>
-            </a:r>
-            <a:r>
-              <a:rPr lang="en-US" altLang="zh-TW" sz="2400" dirty="0" smtClean="0"/>
+              <a:t>Nov. 11, 2024</a:t>
+            </a:r>
+            <a:r>
+              <a:rPr lang="en-US" altLang="zh-TW" sz="2400" dirty="0"/>
               <a:t>)</a:t>
             </a:r>
           </a:p>
           <a:p>
             <a:pPr lvl="1" eaLnBrk="1" hangingPunct="1"/>
             <a:r>
-              <a:rPr lang="en-US" altLang="zh-TW" sz="2400" b="1" dirty="0" smtClean="0"/>
+              <a:rPr lang="en-US" altLang="zh-TW" sz="2400" b="1" dirty="0"/>
               <a:t>Presentations</a:t>
             </a:r>
             <a:r>
-              <a:rPr lang="en-US" altLang="zh-TW" sz="2400" dirty="0" smtClean="0"/>
+              <a:rPr lang="en-US" altLang="zh-TW" sz="2400" dirty="0"/>
               <a:t> (including demos): *required* in the last </a:t>
             </a:r>
             <a:r>
-              <a:rPr lang="en-US" altLang="zh-TW" sz="2400" dirty="0" smtClean="0">
+              <a:rPr lang="en-US" altLang="zh-TW" sz="2400" dirty="0">
                 <a:solidFill>
                   <a:srgbClr val="0000FF"/>
                 </a:solidFill>
@@ -20465,49 +20290,49 @@
               <a:t>three-four</a:t>
             </a:r>
             <a:r>
-              <a:rPr lang="en-US" altLang="zh-TW" sz="2400" dirty="0" smtClean="0"/>
+              <a:rPr lang="en-US" altLang="zh-TW" sz="2400" dirty="0"/>
               <a:t> weeks (starting as early as </a:t>
             </a:r>
             <a:r>
-              <a:rPr lang="en-US" altLang="zh-TW" sz="2400" dirty="0" smtClean="0">
+              <a:rPr lang="en-US" altLang="zh-TW" sz="2400" dirty="0">
                 <a:solidFill>
                   <a:srgbClr val="FF0000"/>
                 </a:solidFill>
               </a:rPr>
-              <a:t>Dec. 19, 2023</a:t>
-            </a:r>
-            <a:r>
-              <a:rPr lang="en-US" altLang="zh-TW" sz="2400" dirty="0" smtClean="0"/>
+              <a:t>Dec. 16, 2024</a:t>
+            </a:r>
+            <a:r>
+              <a:rPr lang="en-US" altLang="zh-TW" sz="2400" dirty="0"/>
               <a:t>)</a:t>
             </a:r>
           </a:p>
           <a:p>
             <a:pPr lvl="1" eaLnBrk="1" hangingPunct="1"/>
             <a:r>
-              <a:rPr lang="en-US" altLang="zh-TW" sz="2400" b="1" dirty="0" smtClean="0"/>
+              <a:rPr lang="en-US" altLang="zh-TW" sz="2400" b="1" dirty="0"/>
               <a:t>Final report</a:t>
             </a:r>
             <a:r>
-              <a:rPr lang="en-US" altLang="zh-TW" sz="2400" dirty="0" smtClean="0"/>
+              <a:rPr lang="en-US" altLang="zh-TW" sz="2400" dirty="0"/>
               <a:t>: *required* before the end of the semester (</a:t>
             </a:r>
             <a:r>
-              <a:rPr lang="en-US" altLang="zh-TW" sz="2400" dirty="0" smtClean="0">
+              <a:rPr lang="en-US" altLang="zh-TW" sz="2400" dirty="0">
                 <a:solidFill>
                   <a:srgbClr val="FF0000"/>
                 </a:solidFill>
               </a:rPr>
-              <a:t>Jan. 12, 2024</a:t>
-            </a:r>
-            <a:r>
-              <a:rPr lang="en-US" altLang="zh-TW" sz="2400" dirty="0" smtClean="0"/>
+              <a:t>Jan. 10, 2025</a:t>
+            </a:r>
+            <a:r>
+              <a:rPr lang="en-US" altLang="zh-TW" sz="2400" dirty="0"/>
               <a:t>)</a:t>
             </a:r>
           </a:p>
           <a:p>
             <a:pPr lvl="2" eaLnBrk="1" hangingPunct="1"/>
             <a:r>
-              <a:rPr lang="en-US" altLang="zh-TW" sz="2000" dirty="0" smtClean="0"/>
+              <a:rPr lang="en-US" altLang="zh-TW" sz="2000" dirty="0"/>
               <a:t>Slides, source code, documentation</a:t>
             </a:r>
           </a:p>
@@ -20668,10 +20493,10 @@
               <a:buNone/>
             </a:pPr>
             <a:r>
-              <a:rPr kumimoji="0" lang="en-US" altLang="zh-TW" sz="1400" smtClean="0">
+              <a:rPr kumimoji="0" lang="en-US" altLang="zh-TW" sz="1400">
                 <a:latin typeface="Arial" panose="020B0604020202020204" pitchFamily="34" charset="0"/>
               </a:rPr>
-              <a:t>Educational Data Mining, Fall 2023</a:t>
+              <a:t>Educational Data Mining, Fall 2024</a:t>
             </a:r>
           </a:p>
         </p:txBody>
@@ -20831,7 +20656,7 @@
               <a:buNone/>
             </a:pPr>
             <a:r>
-              <a:rPr kumimoji="0" lang="en-US" altLang="zh-TW" sz="1400" smtClean="0">
+              <a:rPr kumimoji="0" lang="en-US" altLang="zh-TW" sz="1400">
                 <a:latin typeface="Arial" panose="020B0604020202020204" pitchFamily="34" charset="0"/>
               </a:rPr>
               <a:t>NTUT CSIE</a:t>
@@ -21006,7 +20831,7 @@
               </a:pPr>
               <a:t>26</a:t>
             </a:fld>
-            <a:endParaRPr kumimoji="0" lang="en-US" altLang="zh-TW" sz="1400" smtClean="0">
+            <a:endParaRPr kumimoji="0" lang="en-US" altLang="zh-TW" sz="1400">
               <a:latin typeface="Arial" panose="020B0604020202020204" pitchFamily="34" charset="0"/>
             </a:endParaRPr>
           </a:p>
@@ -21017,13 +20842,6 @@
   <p:clrMapOvr>
     <a:masterClrMapping/>
   </p:clrMapOvr>
-  <p:timing>
-    <p:tnLst>
-      <p:par>
-        <p:cTn id="1" dur="indefinite" restart="never" nodeType="tmRoot"/>
-      </p:par>
-    </p:tnLst>
-  </p:timing>
 </p:sld>
 </file>
 
@@ -21060,10 +20878,10 @@
           <a:lstStyle/>
           <a:p>
             <a:r>
-              <a:rPr lang="en-US" altLang="zh-TW" smtClean="0"/>
+              <a:rPr lang="en-US" altLang="zh-TW"/>
               <a:t>Notes on System Development</a:t>
             </a:r>
-            <a:endParaRPr lang="zh-TW" altLang="en-US" smtClean="0"/>
+            <a:endParaRPr lang="zh-TW" altLang="en-US"/>
           </a:p>
         </p:txBody>
       </p:sp>
@@ -21088,7 +20906,7 @@
               <a:defRPr/>
             </a:pPr>
             <a:r>
-              <a:rPr lang="en-US" altLang="zh-TW" dirty="0" smtClean="0"/>
+              <a:rPr lang="en-US" altLang="zh-TW" dirty="0"/>
               <a:t>You can write your own code in any programming language</a:t>
             </a:r>
           </a:p>
@@ -21097,7 +20915,7 @@
               <a:defRPr/>
             </a:pPr>
             <a:r>
-              <a:rPr lang="en-US" altLang="zh-TW" dirty="0" smtClean="0"/>
+              <a:rPr lang="en-US" altLang="zh-TW" dirty="0"/>
               <a:t>Python, R, …</a:t>
             </a:r>
           </a:p>
@@ -21106,11 +20924,11 @@
               <a:defRPr/>
             </a:pPr>
             <a:r>
-              <a:rPr lang="en-US" altLang="zh-TW" dirty="0" smtClean="0"/>
+              <a:rPr lang="en-US" altLang="zh-TW" dirty="0"/>
               <a:t>You can also </a:t>
             </a:r>
             <a:r>
-              <a:rPr lang="en-US" altLang="zh-TW" dirty="0" smtClean="0">
+              <a:rPr lang="en-US" altLang="zh-TW" dirty="0">
                 <a:solidFill>
                   <a:srgbClr val="FF0000"/>
                 </a:solidFill>
@@ -21123,7 +20941,7 @@
               <a:defRPr/>
             </a:pPr>
             <a:r>
-              <a:rPr lang="en-US" altLang="zh-TW" dirty="0" smtClean="0">
+              <a:rPr lang="en-US" altLang="zh-TW" dirty="0">
                 <a:solidFill>
                   <a:srgbClr val="0000FF"/>
                 </a:solidFill>
@@ -21131,7 +20949,7 @@
               <a:t>E.g. Hadoop, Spark, </a:t>
             </a:r>
             <a:r>
-              <a:rPr lang="en-US" altLang="zh-TW" dirty="0" err="1" smtClean="0">
+              <a:rPr lang="en-US" altLang="zh-TW" dirty="0" err="1">
                 <a:solidFill>
                   <a:srgbClr val="0000FF"/>
                 </a:solidFill>
@@ -21139,7 +20957,7 @@
               <a:t>TensorFlow</a:t>
             </a:r>
             <a:r>
-              <a:rPr lang="en-US" altLang="zh-TW" dirty="0" smtClean="0">
+              <a:rPr lang="en-US" altLang="zh-TW" dirty="0">
                 <a:solidFill>
                   <a:srgbClr val="0000FF"/>
                 </a:solidFill>
@@ -21147,7 +20965,7 @@
               <a:t>, </a:t>
             </a:r>
             <a:r>
-              <a:rPr lang="en-US" altLang="zh-TW" dirty="0" err="1" smtClean="0">
+              <a:rPr lang="en-US" altLang="zh-TW" dirty="0" err="1">
                 <a:solidFill>
                   <a:srgbClr val="0000FF"/>
                 </a:solidFill>
@@ -21155,7 +20973,7 @@
               <a:t>Keras</a:t>
             </a:r>
             <a:r>
-              <a:rPr lang="en-US" altLang="zh-TW" dirty="0" smtClean="0">
+              <a:rPr lang="en-US" altLang="zh-TW" dirty="0">
                 <a:solidFill>
                   <a:srgbClr val="0000FF"/>
                 </a:solidFill>
@@ -21163,7 +20981,7 @@
               <a:t>, </a:t>
             </a:r>
             <a:r>
-              <a:rPr lang="en-US" altLang="zh-TW" dirty="0" err="1" smtClean="0">
+              <a:rPr lang="en-US" altLang="zh-TW" dirty="0" err="1">
                 <a:solidFill>
                   <a:srgbClr val="0000FF"/>
                 </a:solidFill>
@@ -21171,7 +20989,7 @@
               <a:t>PyTorch</a:t>
             </a:r>
             <a:r>
-              <a:rPr lang="en-US" altLang="zh-TW" dirty="0" smtClean="0">
+              <a:rPr lang="en-US" altLang="zh-TW" dirty="0">
                 <a:solidFill>
                   <a:srgbClr val="0000FF"/>
                 </a:solidFill>
@@ -21184,11 +21002,11 @@
               <a:defRPr/>
             </a:pPr>
             <a:r>
-              <a:rPr lang="en-US" altLang="zh-TW" dirty="0" smtClean="0"/>
+              <a:rPr lang="en-US" altLang="zh-TW" dirty="0"/>
               <a:t>But simply running existing binary codes or commercial tools is </a:t>
             </a:r>
             <a:r>
-              <a:rPr lang="en-US" altLang="zh-TW" b="1" dirty="0" smtClean="0">
+              <a:rPr lang="en-US" altLang="zh-TW" b="1" dirty="0">
                 <a:solidFill>
                   <a:srgbClr val="0000FF"/>
                 </a:solidFill>
@@ -21196,7 +21014,7 @@
               <a:t>NOT</a:t>
             </a:r>
             <a:r>
-              <a:rPr lang="en-US" altLang="zh-TW" dirty="0" smtClean="0">
+              <a:rPr lang="en-US" altLang="zh-TW" dirty="0">
                 <a:solidFill>
                   <a:srgbClr val="0000FF"/>
                 </a:solidFill>
@@ -21209,7 +21027,7 @@
               <a:defRPr/>
             </a:pPr>
             <a:r>
-              <a:rPr lang="en-US" altLang="zh-TW" dirty="0" smtClean="0"/>
+              <a:rPr lang="en-US" altLang="zh-TW" dirty="0"/>
               <a:t>Any application on educational data</a:t>
             </a:r>
           </a:p>
@@ -21218,23 +21036,23 @@
               <a:defRPr/>
             </a:pPr>
             <a:r>
-              <a:rPr lang="en-US" altLang="zh-TW" dirty="0" smtClean="0"/>
+              <a:rPr lang="en-US" altLang="zh-TW" dirty="0"/>
               <a:t>Public datasets: </a:t>
             </a:r>
             <a:r>
-              <a:rPr lang="en-US" altLang="zh-TW" dirty="0" err="1" smtClean="0"/>
+              <a:rPr lang="en-US" altLang="zh-TW" dirty="0" err="1"/>
               <a:t>eduLRS</a:t>
             </a:r>
             <a:r>
-              <a:rPr lang="en-US" altLang="zh-TW" dirty="0" smtClean="0"/>
+              <a:rPr lang="en-US" altLang="zh-TW" dirty="0"/>
               <a:t>, </a:t>
             </a:r>
             <a:r>
-              <a:rPr lang="en-US" altLang="zh-TW" dirty="0" err="1" smtClean="0"/>
+              <a:rPr lang="en-US" altLang="zh-TW" dirty="0" err="1"/>
               <a:t>kaggle</a:t>
             </a:r>
             <a:r>
-              <a:rPr lang="en-US" altLang="zh-TW" dirty="0" smtClean="0"/>
+              <a:rPr lang="en-US" altLang="zh-TW" dirty="0"/>
               <a:t>, NERDA, …</a:t>
             </a:r>
           </a:p>
@@ -21395,10 +21213,10 @@
               <a:buNone/>
             </a:pPr>
             <a:r>
-              <a:rPr kumimoji="0" lang="en-US" altLang="zh-TW" sz="1400" smtClean="0">
+              <a:rPr kumimoji="0" lang="en-US" altLang="zh-TW" sz="1400">
                 <a:latin typeface="Arial" panose="020B0604020202020204" pitchFamily="34" charset="0"/>
               </a:rPr>
-              <a:t>Educational Data Mining, Fall 2023</a:t>
+              <a:t>Educational Data Mining, Fall 2024</a:t>
             </a:r>
           </a:p>
         </p:txBody>
@@ -21558,7 +21376,7 @@
               <a:buNone/>
             </a:pPr>
             <a:r>
-              <a:rPr kumimoji="0" lang="en-US" altLang="zh-TW" sz="1400" smtClean="0">
+              <a:rPr kumimoji="0" lang="en-US" altLang="zh-TW" sz="1400">
                 <a:latin typeface="Arial" panose="020B0604020202020204" pitchFamily="34" charset="0"/>
               </a:rPr>
               <a:t>NTUT CSIE</a:t>
@@ -21733,7 +21551,7 @@
               </a:pPr>
               <a:t>27</a:t>
             </a:fld>
-            <a:endParaRPr kumimoji="0" lang="en-US" altLang="zh-TW" sz="1400" smtClean="0">
+            <a:endParaRPr kumimoji="0" lang="en-US" altLang="zh-TW" sz="1400">
               <a:latin typeface="Arial" panose="020B0604020202020204" pitchFamily="34" charset="0"/>
             </a:endParaRPr>
           </a:p>
@@ -21744,13 +21562,6 @@
   <p:clrMapOvr>
     <a:masterClrMapping/>
   </p:clrMapOvr>
-  <p:timing>
-    <p:tnLst>
-      <p:par>
-        <p:cTn id="1" dur="indefinite" restart="never" nodeType="tmRoot"/>
-      </p:par>
-    </p:tnLst>
-  </p:timing>
 </p:sld>
 </file>
 
@@ -21787,7 +21598,7 @@
           <a:lstStyle/>
           <a:p>
             <a:r>
-              <a:rPr lang="en-US" altLang="zh-TW" dirty="0" smtClean="0"/>
+              <a:rPr lang="en-US" altLang="zh-TW" dirty="0"/>
               <a:t>Examples of Open Educational Datasets</a:t>
             </a:r>
             <a:endParaRPr lang="zh-TW" altLang="en-US" dirty="0"/>
@@ -21810,7 +21621,7 @@
           <a:lstStyle/>
           <a:p>
             <a:r>
-              <a:rPr lang="zh-TW" altLang="en-US" dirty="0" smtClean="0"/>
+              <a:rPr lang="zh-TW" altLang="en-US" dirty="0"/>
               <a:t>均一平台教育基金會 </a:t>
             </a:r>
             <a:r>
@@ -21819,22 +21630,18 @@
             </a:r>
             <a:r>
               <a:rPr lang="en-US" altLang="zh-TW" dirty="0"/>
-              <a:t> Academy Online Learning Activity </a:t>
-            </a:r>
-            <a:r>
-              <a:rPr lang="en-US" altLang="zh-TW" dirty="0" smtClean="0"/>
-              <a:t>Dataset</a:t>
+              <a:t> Academy Online Learning Activity Dataset</a:t>
             </a:r>
           </a:p>
           <a:p>
             <a:pPr lvl="1"/>
             <a:r>
-              <a:rPr lang="hsb-DE" altLang="zh-TW" dirty="0" smtClean="0">
+              <a:rPr lang="hsb-DE" altLang="zh-TW" dirty="0">
                 <a:hlinkClick r:id="rId2"/>
               </a:rPr>
               <a:t>https://www.kaggle.com/datasets/junyiacademy/learning-activity-public-dataset-by-junyi-academy</a:t>
             </a:r>
-            <a:endParaRPr lang="hsb-DE" altLang="zh-TW" dirty="0" smtClean="0"/>
+            <a:endParaRPr lang="hsb-DE" altLang="zh-TW" dirty="0"/>
           </a:p>
           <a:p>
             <a:r>
@@ -21843,11 +21650,7 @@
             </a:r>
             <a:r>
               <a:rPr lang="en-US" altLang="zh-TW" dirty="0"/>
-              <a:t>2020 </a:t>
-            </a:r>
-            <a:r>
-              <a:rPr lang="en-US" altLang="zh-TW" dirty="0" smtClean="0"/>
-              <a:t>EDUATHON</a:t>
+              <a:t>2020 EDUATHON</a:t>
             </a:r>
           </a:p>
           <a:p>
@@ -21856,19 +21659,12 @@
               <a:rPr lang="hsb-DE" altLang="zh-TW" dirty="0">
                 <a:hlinkClick r:id="rId3"/>
               </a:rPr>
-              <a:t>https://</a:t>
-            </a:r>
-            <a:r>
-              <a:rPr lang="hsb-DE" altLang="zh-TW" dirty="0" smtClean="0">
-                <a:hlinkClick r:id="rId3"/>
-              </a:rPr>
-              <a:t>bhuntr.com/tw/competitions/90g27lhlrrcu6xta2x</a:t>
-            </a:r>
-            <a:r>
-              <a:rPr lang="zh-TW" altLang="en-US" dirty="0" smtClean="0"/>
+              <a:t>https://bhuntr.com/tw/competitions/90g27lhlrrcu6xta2x</a:t>
+            </a:r>
+            <a:r>
+              <a:rPr lang="zh-TW" altLang="en-US" dirty="0"/>
               <a:t> </a:t>
             </a:r>
-            <a:endParaRPr lang="zh-TW" altLang="en-US" dirty="0"/>
           </a:p>
         </p:txBody>
       </p:sp>
@@ -21891,10 +21687,9 @@
               <a:defRPr/>
             </a:pPr>
             <a:r>
-              <a:rPr lang="en-US" altLang="zh-TW" smtClean="0"/>
-              <a:t>Educational Data Mining, Fall 2023</a:t>
-            </a:r>
-            <a:endParaRPr lang="en-US" altLang="zh-TW"/>
+              <a:rPr lang="en-US" altLang="zh-TW"/>
+              <a:t>Educational Data Mining, Fall 2024</a:t>
+            </a:r>
           </a:p>
         </p:txBody>
       </p:sp>
@@ -21917,10 +21712,9 @@
               <a:defRPr/>
             </a:pPr>
             <a:r>
-              <a:rPr lang="en-US" altLang="zh-TW" smtClean="0"/>
+              <a:rPr lang="en-US" altLang="zh-TW"/>
               <a:t>NTUT CSIE</a:t>
             </a:r>
-            <a:endParaRPr lang="en-US" altLang="zh-TW"/>
           </a:p>
         </p:txBody>
       </p:sp>
@@ -21999,10 +21793,10 @@
           <a:lstStyle/>
           <a:p>
             <a:r>
-              <a:rPr lang="en-US" altLang="zh-TW" smtClean="0"/>
+              <a:rPr lang="en-US" altLang="zh-TW"/>
               <a:t>Conferences and Journals on Data Mining</a:t>
             </a:r>
-            <a:endParaRPr lang="zh-TW" altLang="en-US" smtClean="0"/>
+            <a:endParaRPr lang="zh-TW" altLang="en-US"/>
           </a:p>
         </p:txBody>
       </p:sp>
@@ -22027,7 +21821,7 @@
               <a:defRPr/>
             </a:pPr>
             <a:r>
-              <a:rPr lang="en-US" altLang="zh-TW" dirty="0" smtClean="0"/>
+              <a:rPr lang="en-US" altLang="zh-TW" dirty="0"/>
               <a:t>KDD Conferences</a:t>
             </a:r>
           </a:p>
@@ -22036,11 +21830,11 @@
               <a:defRPr/>
             </a:pPr>
             <a:r>
-              <a:rPr lang="en-US" altLang="zh-TW" dirty="0" smtClean="0"/>
+              <a:rPr lang="en-US" altLang="zh-TW" dirty="0"/>
               <a:t>ACM SIGKDD Int. Conf. on Knowledge Discovery in Databases and Data Mining (</a:t>
             </a:r>
             <a:r>
-              <a:rPr lang="en-US" altLang="zh-TW" dirty="0" smtClean="0">
+              <a:rPr lang="en-US" altLang="zh-TW" dirty="0">
                 <a:solidFill>
                   <a:srgbClr val="FF0000"/>
                 </a:solidFill>
@@ -22048,7 +21842,7 @@
               <a:t>KDD</a:t>
             </a:r>
             <a:r>
-              <a:rPr lang="en-US" altLang="zh-TW" dirty="0" smtClean="0"/>
+              <a:rPr lang="en-US" altLang="zh-TW" dirty="0"/>
               <a:t>)</a:t>
             </a:r>
           </a:p>
@@ -22057,7 +21851,7 @@
               <a:defRPr/>
             </a:pPr>
             <a:r>
-              <a:rPr lang="en-US" altLang="zh-TW" dirty="0" smtClean="0"/>
+              <a:rPr lang="en-US" altLang="zh-TW" dirty="0"/>
               <a:t>SIAM Data Mining Conf. (SDM)</a:t>
             </a:r>
           </a:p>
@@ -22066,11 +21860,11 @@
               <a:defRPr/>
             </a:pPr>
             <a:r>
-              <a:rPr lang="en-US" altLang="zh-TW" dirty="0" smtClean="0"/>
+              <a:rPr lang="en-US" altLang="zh-TW" dirty="0"/>
               <a:t>(IEEE) Int. Conf. on Data Mining (</a:t>
             </a:r>
             <a:r>
-              <a:rPr lang="en-US" altLang="zh-TW" dirty="0" smtClean="0">
+              <a:rPr lang="en-US" altLang="zh-TW" dirty="0">
                 <a:solidFill>
                   <a:srgbClr val="0000FF"/>
                 </a:solidFill>
@@ -22078,7 +21872,7 @@
               <a:t>ICDM</a:t>
             </a:r>
             <a:r>
-              <a:rPr lang="en-US" altLang="zh-TW" dirty="0" smtClean="0"/>
+              <a:rPr lang="en-US" altLang="zh-TW" dirty="0"/>
               <a:t>)</a:t>
             </a:r>
           </a:p>
@@ -22087,7 +21881,7 @@
               <a:defRPr/>
             </a:pPr>
             <a:r>
-              <a:rPr lang="en-US" altLang="zh-TW" dirty="0" smtClean="0"/>
+              <a:rPr lang="en-US" altLang="zh-TW" dirty="0"/>
               <a:t>European Conf. on Machine Learning and Principles and practices of Knowledge Discovery and Data Mining (ECML-PKDD)</a:t>
             </a:r>
           </a:p>
@@ -22096,7 +21890,7 @@
               <a:defRPr/>
             </a:pPr>
             <a:r>
-              <a:rPr lang="en-US" altLang="zh-TW" dirty="0" smtClean="0"/>
+              <a:rPr lang="en-US" altLang="zh-TW" dirty="0"/>
               <a:t>Pacific-Asia Conf. on Knowledge Discovery and Data Mining (PAKDD)</a:t>
             </a:r>
           </a:p>
@@ -22105,7 +21899,7 @@
               <a:defRPr/>
             </a:pPr>
             <a:r>
-              <a:rPr lang="en-US" altLang="zh-TW" dirty="0" smtClean="0"/>
+              <a:rPr lang="en-US" altLang="zh-TW" dirty="0"/>
               <a:t>Int. Conf. on Web Search and Data Mining (WSDM)</a:t>
             </a:r>
           </a:p>
@@ -22272,10 +22066,10 @@
               <a:buNone/>
             </a:pPr>
             <a:r>
-              <a:rPr kumimoji="0" lang="en-US" altLang="zh-TW" sz="1400" smtClean="0">
+              <a:rPr kumimoji="0" lang="en-US" altLang="zh-TW" sz="1400">
                 <a:latin typeface="Arial" panose="020B0604020202020204" pitchFamily="34" charset="0"/>
               </a:rPr>
-              <a:t>Educational Data Mining, Fall 2023</a:t>
+              <a:t>Educational Data Mining, Fall 2024</a:t>
             </a:r>
           </a:p>
         </p:txBody>
@@ -22435,7 +22229,7 @@
               <a:buNone/>
             </a:pPr>
             <a:r>
-              <a:rPr kumimoji="0" lang="en-US" altLang="zh-TW" sz="1400" smtClean="0">
+              <a:rPr kumimoji="0" lang="en-US" altLang="zh-TW" sz="1400">
                 <a:latin typeface="Arial" panose="020B0604020202020204" pitchFamily="34" charset="0"/>
               </a:rPr>
               <a:t>NTUT CSIE</a:t>
@@ -22610,7 +22404,7 @@
               </a:pPr>
               <a:t>29</a:t>
             </a:fld>
-            <a:endParaRPr kumimoji="0" lang="en-US" altLang="zh-TW" sz="1400" smtClean="0">
+            <a:endParaRPr kumimoji="0" lang="en-US" altLang="zh-TW" sz="1400">
               <a:latin typeface="Arial" panose="020B0604020202020204" pitchFamily="34" charset="0"/>
             </a:endParaRPr>
           </a:p>
@@ -22796,10 +22590,10 @@
               <a:buNone/>
             </a:pPr>
             <a:r>
-              <a:rPr kumimoji="0" lang="en-US" altLang="zh-TW" sz="1400" smtClean="0">
+              <a:rPr kumimoji="0" lang="en-US" altLang="zh-TW" sz="1400">
                 <a:latin typeface="Arial" panose="020B0604020202020204" pitchFamily="34" charset="0"/>
               </a:rPr>
-              <a:t>Educational Data Mining, Fall 2023</a:t>
+              <a:t>Educational Data Mining, Fall 2024</a:t>
             </a:r>
           </a:p>
         </p:txBody>
@@ -22959,7 +22753,7 @@
               <a:buNone/>
             </a:pPr>
             <a:r>
-              <a:rPr kumimoji="0" lang="en-US" altLang="zh-TW" sz="1400" smtClean="0">
+              <a:rPr kumimoji="0" lang="en-US" altLang="zh-TW" sz="1400">
                 <a:latin typeface="Arial" panose="020B0604020202020204" pitchFamily="34" charset="0"/>
               </a:rPr>
               <a:t>NTUT CSIE</a:t>
@@ -23134,7 +22928,7 @@
               </a:pPr>
               <a:t>3</a:t>
             </a:fld>
-            <a:endParaRPr kumimoji="0" lang="en-US" altLang="zh-TW" sz="1400" smtClean="0">
+            <a:endParaRPr kumimoji="0" lang="en-US" altLang="zh-TW" sz="1400">
               <a:latin typeface="Arial" panose="020B0604020202020204" pitchFamily="34" charset="0"/>
             </a:endParaRPr>
           </a:p>
@@ -23157,7 +22951,7 @@
           <a:p>
             <a:pPr eaLnBrk="1" hangingPunct="1"/>
             <a:r>
-              <a:rPr lang="en-US" altLang="zh-TW" dirty="0" smtClean="0"/>
+              <a:rPr lang="en-US" altLang="zh-TW" dirty="0"/>
               <a:t>About this Course</a:t>
             </a:r>
           </a:p>
@@ -23189,7 +22983,7 @@
               </a:lnSpc>
             </a:pPr>
             <a:r>
-              <a:rPr lang="en-US" altLang="zh-TW" sz="2800" dirty="0" smtClean="0"/>
+              <a:rPr lang="en-US" altLang="zh-TW" sz="2800" dirty="0"/>
               <a:t>Course Web Page:</a:t>
             </a:r>
           </a:p>
@@ -23200,12 +22994,12 @@
               </a:lnSpc>
             </a:pPr>
             <a:r>
-              <a:rPr lang="en-US" altLang="zh-TW" sz="2400" dirty="0" smtClean="0">
+              <a:rPr lang="en-US" altLang="zh-TW" sz="2400" dirty="0">
                 <a:hlinkClick r:id="rId3"/>
               </a:rPr>
               <a:t>https://chriswjh.github.io/EDM/</a:t>
             </a:r>
-            <a:endParaRPr lang="en-US" altLang="zh-TW" sz="2400" dirty="0" smtClean="0"/>
+            <a:endParaRPr lang="en-US" altLang="zh-TW" sz="2400" dirty="0"/>
           </a:p>
           <a:p>
             <a:pPr eaLnBrk="1" hangingPunct="1">
@@ -23214,7 +23008,7 @@
               </a:lnSpc>
             </a:pPr>
             <a:r>
-              <a:rPr lang="en-US" altLang="zh-TW" sz="2800" dirty="0" smtClean="0"/>
+              <a:rPr lang="en-US" altLang="zh-TW" sz="2800" dirty="0"/>
               <a:t>Time: 13:10-15:00pm, Tue., 9:10-10:00am, Wed.</a:t>
             </a:r>
           </a:p>
@@ -23225,27 +23019,47 @@
               </a:lnSpc>
             </a:pPr>
             <a:r>
-              <a:rPr lang="en-US" altLang="zh-TW" sz="2800" dirty="0" smtClean="0"/>
+              <a:rPr lang="en-US" altLang="zh-TW" sz="2800" dirty="0"/>
               <a:t>Classroom: </a:t>
             </a:r>
             <a:r>
-              <a:rPr lang="en-US" altLang="zh-TW" sz="2800" dirty="0" smtClean="0">
+              <a:rPr lang="en-US" altLang="zh-TW" sz="2800" dirty="0">
                 <a:solidFill>
                   <a:srgbClr val="0000FF"/>
                 </a:solidFill>
               </a:rPr>
-              <a:t>R227</a:t>
-            </a:r>
-            <a:r>
-              <a:rPr lang="en-US" altLang="zh-TW" sz="2800" dirty="0" smtClean="0"/>
+              <a:t>R234</a:t>
+            </a:r>
+            <a:r>
+              <a:rPr lang="en-US" altLang="zh-TW" sz="2800" dirty="0"/>
+              <a:t>, Technology Building /</a:t>
+            </a:r>
+          </a:p>
+          <a:p>
+            <a:pPr marL="0" indent="0" eaLnBrk="1" hangingPunct="1">
+              <a:lnSpc>
+                <a:spcPct val="80000"/>
+              </a:lnSpc>
+              <a:buNone/>
+            </a:pPr>
+            <a:r>
+              <a:rPr lang="en-US" altLang="zh-TW" sz="2800" dirty="0">
+                <a:solidFill>
+                  <a:srgbClr val="0000FF"/>
+                </a:solidFill>
+              </a:rPr>
+              <a:t>R327</a:t>
+            </a:r>
+            <a:r>
+              <a:rPr lang="en-US" altLang="zh-TW" sz="2800" dirty="0"/>
               <a:t>, 6</a:t>
             </a:r>
             <a:r>
-              <a:rPr lang="en-US" altLang="zh-TW" sz="2800" baseline="30000" dirty="0" smtClean="0"/>
+              <a:rPr lang="en-US" altLang="zh-TW" sz="2800" baseline="30000" dirty="0"/>
               <a:t>th</a:t>
             </a:r>
             <a:r>
-              <a:rPr lang="en-US" altLang="zh-TW" sz="2800" dirty="0" smtClean="0"/>
+              <a:rPr lang="en-US" altLang="zh-TW" sz="2800" dirty="0"/>
               <a:t> Teaching Building</a:t>
             </a:r>
           </a:p>
@@ -23256,7 +23070,7 @@
               </a:lnSpc>
             </a:pPr>
             <a:r>
-              <a:rPr lang="en-US" altLang="zh-TW" sz="2800" dirty="0" smtClean="0"/>
+              <a:rPr lang="en-US" altLang="zh-TW" sz="2800" dirty="0"/>
               <a:t>Classes will be in-person</a:t>
             </a:r>
           </a:p>
@@ -23267,10 +23081,9 @@
               </a:lnSpc>
             </a:pPr>
             <a:r>
-              <a:rPr lang="en-US" altLang="zh-TW" sz="2800" dirty="0" smtClean="0"/>
+              <a:rPr lang="en-US" altLang="zh-TW" sz="2800" dirty="0"/>
               <a:t>The teacher and the TA can be reached via e-mails, Teams, or Facebook group if needed</a:t>
             </a:r>
-            <a:endParaRPr lang="en-US" altLang="zh-TW" sz="2800" dirty="0"/>
           </a:p>
           <a:p>
             <a:pPr eaLnBrk="1" hangingPunct="1">
@@ -23287,13 +23100,6 @@
   <p:clrMapOvr>
     <a:masterClrMapping/>
   </p:clrMapOvr>
-  <p:timing>
-    <p:tnLst>
-      <p:par>
-        <p:cTn id="1" dur="indefinite" restart="never" nodeType="tmRoot"/>
-      </p:par>
-    </p:tnLst>
-  </p:timing>
 </p:sld>
 </file>
 
@@ -23329,7 +23135,7 @@
           <a:bodyPr/>
           <a:lstStyle/>
           <a:p>
-            <a:endParaRPr lang="zh-TW" altLang="en-US" smtClean="0"/>
+            <a:endParaRPr lang="zh-TW" altLang="en-US"/>
           </a:p>
         </p:txBody>
       </p:sp>
@@ -23354,7 +23160,7 @@
               <a:defRPr/>
             </a:pPr>
             <a:r>
-              <a:rPr lang="en-US" altLang="zh-TW" dirty="0" smtClean="0"/>
+              <a:rPr lang="en-US" altLang="zh-TW" dirty="0"/>
               <a:t>Other related conferences</a:t>
             </a:r>
           </a:p>
@@ -23363,7 +23169,7 @@
               <a:defRPr/>
             </a:pPr>
             <a:r>
-              <a:rPr lang="en-US" altLang="zh-TW" dirty="0" smtClean="0"/>
+              <a:rPr lang="en-US" altLang="zh-TW" dirty="0"/>
               <a:t>DB conferences: ACM SIGMOD, VLDB, ICDE, EDBT, ICDT, …</a:t>
             </a:r>
           </a:p>
@@ -23372,7 +23178,7 @@
               <a:defRPr/>
             </a:pPr>
             <a:r>
-              <a:rPr lang="en-US" altLang="zh-TW" dirty="0" smtClean="0"/>
+              <a:rPr lang="en-US" altLang="zh-TW" dirty="0"/>
               <a:t>Web and IR conferences: WWW, SIGIR, WSDM</a:t>
             </a:r>
           </a:p>
@@ -23381,7 +23187,7 @@
               <a:defRPr/>
             </a:pPr>
             <a:r>
-              <a:rPr lang="en-US" altLang="zh-TW" dirty="0" smtClean="0"/>
+              <a:rPr lang="en-US" altLang="zh-TW" dirty="0"/>
               <a:t>ML conferences: ICML, NIPS</a:t>
             </a:r>
           </a:p>
@@ -23390,7 +23196,7 @@
               <a:defRPr/>
             </a:pPr>
             <a:r>
-              <a:rPr lang="en-US" altLang="zh-TW" dirty="0" smtClean="0"/>
+              <a:rPr lang="en-US" altLang="zh-TW" dirty="0"/>
               <a:t>PR conferences: CVPR, </a:t>
             </a:r>
           </a:p>
@@ -23399,7 +23205,7 @@
               <a:defRPr/>
             </a:pPr>
             <a:r>
-              <a:rPr lang="en-US" altLang="zh-TW" dirty="0" smtClean="0"/>
+              <a:rPr lang="en-US" altLang="zh-TW" dirty="0"/>
               <a:t>Journals </a:t>
             </a:r>
           </a:p>
@@ -23408,7 +23214,7 @@
               <a:defRPr/>
             </a:pPr>
             <a:r>
-              <a:rPr lang="en-US" altLang="zh-TW" dirty="0" smtClean="0"/>
+              <a:rPr lang="en-US" altLang="zh-TW" dirty="0"/>
               <a:t>Data Mining and Knowledge Discovery (DAMI or DMKD)</a:t>
             </a:r>
           </a:p>
@@ -23417,7 +23223,7 @@
               <a:defRPr/>
             </a:pPr>
             <a:r>
-              <a:rPr lang="en-US" altLang="zh-TW" dirty="0" smtClean="0"/>
+              <a:rPr lang="en-US" altLang="zh-TW" dirty="0"/>
               <a:t>IEEE Trans. On Knowledge and Data Eng. (TKDE)</a:t>
             </a:r>
           </a:p>
@@ -23426,7 +23232,7 @@
               <a:defRPr/>
             </a:pPr>
             <a:r>
-              <a:rPr lang="en-US" altLang="zh-TW" dirty="0" smtClean="0"/>
+              <a:rPr lang="en-US" altLang="zh-TW" dirty="0"/>
               <a:t>KDD Explorations</a:t>
             </a:r>
           </a:p>
@@ -23435,7 +23241,7 @@
               <a:defRPr/>
             </a:pPr>
             <a:r>
-              <a:rPr lang="en-US" altLang="zh-TW" dirty="0" smtClean="0"/>
+              <a:rPr lang="en-US" altLang="zh-TW" dirty="0"/>
               <a:t>ACM Trans. on KDD</a:t>
             </a:r>
           </a:p>
@@ -23602,10 +23408,10 @@
               <a:buNone/>
             </a:pPr>
             <a:r>
-              <a:rPr kumimoji="0" lang="en-US" altLang="zh-TW" sz="1400" smtClean="0">
+              <a:rPr kumimoji="0" lang="en-US" altLang="zh-TW" sz="1400">
                 <a:latin typeface="Arial" panose="020B0604020202020204" pitchFamily="34" charset="0"/>
               </a:rPr>
-              <a:t>Educational Data Mining, Fall 2023</a:t>
+              <a:t>Educational Data Mining, Fall 2024</a:t>
             </a:r>
           </a:p>
         </p:txBody>
@@ -23765,7 +23571,7 @@
               <a:buNone/>
             </a:pPr>
             <a:r>
-              <a:rPr kumimoji="0" lang="en-US" altLang="zh-TW" sz="1400" smtClean="0">
+              <a:rPr kumimoji="0" lang="en-US" altLang="zh-TW" sz="1400">
                 <a:latin typeface="Arial" panose="020B0604020202020204" pitchFamily="34" charset="0"/>
               </a:rPr>
               <a:t>NTUT CSIE</a:t>
@@ -23940,7 +23746,7 @@
               </a:pPr>
               <a:t>30</a:t>
             </a:fld>
-            <a:endParaRPr kumimoji="0" lang="en-US" altLang="zh-TW" sz="1400" smtClean="0">
+            <a:endParaRPr kumimoji="0" lang="en-US" altLang="zh-TW" sz="1400">
               <a:latin typeface="Arial" panose="020B0604020202020204" pitchFamily="34" charset="0"/>
             </a:endParaRPr>
           </a:p>
@@ -23987,10 +23793,10 @@
           <a:lstStyle/>
           <a:p>
             <a:r>
-              <a:rPr lang="en-US" altLang="zh-TW" smtClean="0"/>
+              <a:rPr lang="en-US" altLang="zh-TW"/>
               <a:t>Where to Find References? DBLP, CiteSeer, Google</a:t>
             </a:r>
-            <a:endParaRPr lang="zh-TW" altLang="en-US" smtClean="0"/>
+            <a:endParaRPr lang="zh-TW" altLang="en-US"/>
           </a:p>
         </p:txBody>
       </p:sp>
@@ -24015,7 +23821,7 @@
               <a:defRPr/>
             </a:pPr>
             <a:r>
-              <a:rPr lang="en-US" altLang="zh-TW" dirty="0" smtClean="0"/>
+              <a:rPr lang="en-US" altLang="zh-TW" dirty="0"/>
               <a:t>Data mining and KDD:</a:t>
             </a:r>
           </a:p>
@@ -24024,11 +23830,11 @@
               <a:defRPr/>
             </a:pPr>
             <a:r>
-              <a:rPr lang="en-US" altLang="zh-TW" dirty="0" smtClean="0"/>
+              <a:rPr lang="en-US" altLang="zh-TW" dirty="0"/>
               <a:t>Conferences: </a:t>
             </a:r>
             <a:r>
-              <a:rPr lang="en-US" altLang="zh-TW" dirty="0" smtClean="0">
+              <a:rPr lang="en-US" altLang="zh-TW" dirty="0">
                 <a:solidFill>
                   <a:srgbClr val="FF0000"/>
                 </a:solidFill>
@@ -24036,7 +23842,7 @@
               <a:t>ACM-SIGKDD</a:t>
             </a:r>
             <a:r>
-              <a:rPr lang="en-US" altLang="zh-TW" dirty="0" smtClean="0"/>
+              <a:rPr lang="en-US" altLang="zh-TW" dirty="0"/>
               <a:t>, IEEE-ICDM, SIAM-DM, PKDD, PAKDD, etc.</a:t>
             </a:r>
           </a:p>
@@ -24045,7 +23851,7 @@
               <a:defRPr/>
             </a:pPr>
             <a:r>
-              <a:rPr lang="en-US" altLang="zh-TW" dirty="0" smtClean="0"/>
+              <a:rPr lang="en-US" altLang="zh-TW" dirty="0"/>
               <a:t>Journal: Data Mining and Knowledge Discovery, KDD Explorations, ACM TKDD, ACM TKDE</a:t>
             </a:r>
           </a:p>
@@ -24054,7 +23860,7 @@
               <a:defRPr/>
             </a:pPr>
             <a:r>
-              <a:rPr lang="en-US" altLang="zh-TW" dirty="0" smtClean="0"/>
+              <a:rPr lang="en-US" altLang="zh-TW" dirty="0"/>
               <a:t>Database systems </a:t>
             </a:r>
           </a:p>
@@ -24063,11 +23869,11 @@
               <a:defRPr/>
             </a:pPr>
             <a:r>
-              <a:rPr lang="en-US" altLang="zh-TW" dirty="0" smtClean="0"/>
+              <a:rPr lang="en-US" altLang="zh-TW" dirty="0"/>
               <a:t>Conferences: </a:t>
             </a:r>
             <a:r>
-              <a:rPr lang="en-US" altLang="zh-TW" dirty="0" smtClean="0">
+              <a:rPr lang="en-US" altLang="zh-TW" dirty="0">
                 <a:solidFill>
                   <a:srgbClr val="FF0000"/>
                 </a:solidFill>
@@ -24075,7 +23881,7 @@
               <a:t>ACM-SIGMOD</a:t>
             </a:r>
             <a:r>
-              <a:rPr lang="en-US" altLang="zh-TW" dirty="0" smtClean="0"/>
+              <a:rPr lang="en-US" altLang="zh-TW" dirty="0"/>
               <a:t>, ACM-PODS, VLDB, IEEE-ICDE, EDBT, ICDT, DASFAA</a:t>
             </a:r>
           </a:p>
@@ -24084,7 +23890,7 @@
               <a:defRPr/>
             </a:pPr>
             <a:r>
-              <a:rPr lang="en-US" altLang="zh-TW" dirty="0" smtClean="0"/>
+              <a:rPr lang="en-US" altLang="zh-TW" dirty="0"/>
               <a:t>Journals: IEEE-TKDE, ACM-TODS/TOIS, JIIS, J. ACM, VLDB J., Info. Sys., etc.</a:t>
             </a:r>
           </a:p>
@@ -24093,7 +23899,7 @@
               <a:defRPr/>
             </a:pPr>
             <a:r>
-              <a:rPr lang="en-US" altLang="zh-TW" dirty="0" smtClean="0"/>
+              <a:rPr lang="en-US" altLang="zh-TW" dirty="0"/>
               <a:t>AI &amp; Machine Learning</a:t>
             </a:r>
           </a:p>
@@ -24102,11 +23908,11 @@
               <a:defRPr/>
             </a:pPr>
             <a:r>
-              <a:rPr lang="en-US" altLang="zh-TW" dirty="0" smtClean="0"/>
+              <a:rPr lang="en-US" altLang="zh-TW" dirty="0"/>
               <a:t>Conferences: Machine learning (ML), </a:t>
             </a:r>
             <a:r>
-              <a:rPr lang="en-US" altLang="zh-TW" dirty="0" smtClean="0">
+              <a:rPr lang="en-US" altLang="zh-TW" dirty="0">
                 <a:solidFill>
                   <a:srgbClr val="FF0000"/>
                 </a:solidFill>
@@ -24114,11 +23920,11 @@
               <a:t>AAAI</a:t>
             </a:r>
             <a:r>
-              <a:rPr lang="en-US" altLang="zh-TW" dirty="0" smtClean="0"/>
+              <a:rPr lang="en-US" altLang="zh-TW" dirty="0"/>
               <a:t>, </a:t>
             </a:r>
             <a:r>
-              <a:rPr lang="en-US" altLang="zh-TW" dirty="0" smtClean="0">
+              <a:rPr lang="en-US" altLang="zh-TW" dirty="0">
                 <a:solidFill>
                   <a:srgbClr val="0000FF"/>
                 </a:solidFill>
@@ -24126,7 +23932,7 @@
               <a:t>IJCAI</a:t>
             </a:r>
             <a:r>
-              <a:rPr lang="en-US" altLang="zh-TW" dirty="0" smtClean="0"/>
+              <a:rPr lang="en-US" altLang="zh-TW" dirty="0"/>
               <a:t>, COLT (Learning Theory), CVPR, NIPS, etc.</a:t>
             </a:r>
           </a:p>
@@ -24135,7 +23941,7 @@
               <a:defRPr/>
             </a:pPr>
             <a:r>
-              <a:rPr lang="en-US" altLang="zh-TW" dirty="0" smtClean="0"/>
+              <a:rPr lang="en-US" altLang="zh-TW" dirty="0"/>
               <a:t>Journals: Machine Learning, Artificial Intelligence, Knowledge and Information Systems, IEEE-PAMI, etc.</a:t>
             </a:r>
           </a:p>
@@ -24302,10 +24108,10 @@
               <a:buNone/>
             </a:pPr>
             <a:r>
-              <a:rPr kumimoji="0" lang="en-US" altLang="zh-TW" sz="1400" smtClean="0">
+              <a:rPr kumimoji="0" lang="en-US" altLang="zh-TW" sz="1400">
                 <a:latin typeface="Arial" panose="020B0604020202020204" pitchFamily="34" charset="0"/>
               </a:rPr>
-              <a:t>Educational Data Mining, Fall 2023</a:t>
+              <a:t>Educational Data Mining, Fall 2024</a:t>
             </a:r>
           </a:p>
         </p:txBody>
@@ -24465,7 +24271,7 @@
               <a:buNone/>
             </a:pPr>
             <a:r>
-              <a:rPr kumimoji="0" lang="en-US" altLang="zh-TW" sz="1400" smtClean="0">
+              <a:rPr kumimoji="0" lang="en-US" altLang="zh-TW" sz="1400">
                 <a:latin typeface="Arial" panose="020B0604020202020204" pitchFamily="34" charset="0"/>
               </a:rPr>
               <a:t>NTUT CSIE</a:t>
@@ -24640,7 +24446,7 @@
               </a:pPr>
               <a:t>31</a:t>
             </a:fld>
-            <a:endParaRPr kumimoji="0" lang="en-US" altLang="zh-TW" sz="1400" smtClean="0">
+            <a:endParaRPr kumimoji="0" lang="en-US" altLang="zh-TW" sz="1400">
               <a:latin typeface="Arial" panose="020B0604020202020204" pitchFamily="34" charset="0"/>
             </a:endParaRPr>
           </a:p>
@@ -24686,7 +24492,7 @@
           <a:bodyPr/>
           <a:lstStyle/>
           <a:p>
-            <a:endParaRPr lang="zh-TW" altLang="en-US" smtClean="0"/>
+            <a:endParaRPr lang="zh-TW" altLang="en-US"/>
           </a:p>
         </p:txBody>
       </p:sp>
@@ -24711,7 +24517,7 @@
               <a:defRPr/>
             </a:pPr>
             <a:r>
-              <a:rPr lang="en-US" altLang="zh-TW" dirty="0" smtClean="0"/>
+              <a:rPr lang="en-US" altLang="zh-TW" dirty="0"/>
               <a:t>Web and IR </a:t>
             </a:r>
           </a:p>
@@ -24720,11 +24526,11 @@
               <a:defRPr/>
             </a:pPr>
             <a:r>
-              <a:rPr lang="en-US" altLang="zh-TW" dirty="0" smtClean="0"/>
+              <a:rPr lang="en-US" altLang="zh-TW" dirty="0"/>
               <a:t>Conferences: </a:t>
             </a:r>
             <a:r>
-              <a:rPr lang="en-US" altLang="zh-TW" dirty="0" smtClean="0">
+              <a:rPr lang="en-US" altLang="zh-TW" dirty="0">
                 <a:solidFill>
                   <a:srgbClr val="FF0000"/>
                 </a:solidFill>
@@ -24732,7 +24538,7 @@
               <a:t>ACM SIGIR</a:t>
             </a:r>
             <a:r>
-              <a:rPr lang="en-US" altLang="zh-TW" dirty="0" smtClean="0"/>
+              <a:rPr lang="en-US" altLang="zh-TW" dirty="0"/>
               <a:t>, WWW, CIKM, etc.</a:t>
             </a:r>
           </a:p>
@@ -24741,7 +24547,7 @@
               <a:defRPr/>
             </a:pPr>
             <a:r>
-              <a:rPr lang="en-US" altLang="zh-TW" dirty="0" smtClean="0"/>
+              <a:rPr lang="en-US" altLang="zh-TW" dirty="0"/>
               <a:t>Journals: WWW: Internet and Web Information Systems, </a:t>
             </a:r>
           </a:p>
@@ -24750,7 +24556,7 @@
               <a:defRPr/>
             </a:pPr>
             <a:r>
-              <a:rPr lang="en-US" altLang="zh-TW" dirty="0" smtClean="0"/>
+              <a:rPr lang="en-US" altLang="zh-TW" dirty="0"/>
               <a:t>Statistics</a:t>
             </a:r>
           </a:p>
@@ -24759,7 +24565,7 @@
               <a:defRPr/>
             </a:pPr>
             <a:r>
-              <a:rPr lang="en-US" altLang="zh-TW" dirty="0" smtClean="0"/>
+              <a:rPr lang="en-US" altLang="zh-TW" dirty="0"/>
               <a:t>Conferences: Joint Stat. Meeting, etc.</a:t>
             </a:r>
           </a:p>
@@ -24768,7 +24574,7 @@
               <a:defRPr/>
             </a:pPr>
             <a:r>
-              <a:rPr lang="en-US" altLang="zh-TW" dirty="0" smtClean="0"/>
+              <a:rPr lang="en-US" altLang="zh-TW" dirty="0"/>
               <a:t>Journals: Annals of statistics, etc.</a:t>
             </a:r>
           </a:p>
@@ -24777,7 +24583,7 @@
               <a:defRPr/>
             </a:pPr>
             <a:r>
-              <a:rPr lang="en-US" altLang="zh-TW" dirty="0" smtClean="0"/>
+              <a:rPr lang="en-US" altLang="zh-TW" dirty="0"/>
               <a:t>Visualization</a:t>
             </a:r>
           </a:p>
@@ -24786,11 +24592,11 @@
               <a:defRPr/>
             </a:pPr>
             <a:r>
-              <a:rPr lang="en-US" altLang="zh-TW" dirty="0" smtClean="0"/>
+              <a:rPr lang="en-US" altLang="zh-TW" dirty="0"/>
               <a:t>Conferences: CHI, </a:t>
             </a:r>
             <a:r>
-              <a:rPr lang="en-US" altLang="zh-TW" dirty="0" smtClean="0">
+              <a:rPr lang="en-US" altLang="zh-TW" dirty="0">
                 <a:solidFill>
                   <a:srgbClr val="FF0000"/>
                 </a:solidFill>
@@ -24798,7 +24604,7 @@
               <a:t>ACM-</a:t>
             </a:r>
             <a:r>
-              <a:rPr lang="en-US" altLang="zh-TW" dirty="0" err="1" smtClean="0">
+              <a:rPr lang="en-US" altLang="zh-TW" dirty="0" err="1">
                 <a:solidFill>
                   <a:srgbClr val="FF0000"/>
                 </a:solidFill>
@@ -24806,7 +24612,7 @@
               <a:t>SIGGraph</a:t>
             </a:r>
             <a:r>
-              <a:rPr lang="en-US" altLang="zh-TW" dirty="0" smtClean="0"/>
+              <a:rPr lang="en-US" altLang="zh-TW" dirty="0"/>
               <a:t>, etc.</a:t>
             </a:r>
           </a:p>
@@ -24815,7 +24621,7 @@
               <a:defRPr/>
             </a:pPr>
             <a:r>
-              <a:rPr lang="en-US" altLang="zh-TW" dirty="0" smtClean="0"/>
+              <a:rPr lang="en-US" altLang="zh-TW" dirty="0"/>
               <a:t>Journals: IEEE Trans. visualization and computer graphics, etc.</a:t>
             </a:r>
           </a:p>
@@ -24982,10 +24788,10 @@
               <a:buNone/>
             </a:pPr>
             <a:r>
-              <a:rPr kumimoji="0" lang="en-US" altLang="zh-TW" sz="1400" smtClean="0">
+              <a:rPr kumimoji="0" lang="en-US" altLang="zh-TW" sz="1400">
                 <a:latin typeface="Arial" panose="020B0604020202020204" pitchFamily="34" charset="0"/>
               </a:rPr>
-              <a:t>Educational Data Mining, Fall 2023</a:t>
+              <a:t>Educational Data Mining, Fall 2024</a:t>
             </a:r>
           </a:p>
         </p:txBody>
@@ -25145,7 +24951,7 @@
               <a:buNone/>
             </a:pPr>
             <a:r>
-              <a:rPr kumimoji="0" lang="en-US" altLang="zh-TW" sz="1400" smtClean="0">
+              <a:rPr kumimoji="0" lang="en-US" altLang="zh-TW" sz="1400">
                 <a:latin typeface="Arial" panose="020B0604020202020204" pitchFamily="34" charset="0"/>
               </a:rPr>
               <a:t>NTUT CSIE</a:t>
@@ -25320,7 +25126,7 @@
               </a:pPr>
               <a:t>32</a:t>
             </a:fld>
-            <a:endParaRPr kumimoji="0" lang="en-US" altLang="zh-TW" sz="1400" smtClean="0">
+            <a:endParaRPr kumimoji="0" lang="en-US" altLang="zh-TW" sz="1400">
               <a:latin typeface="Arial" panose="020B0604020202020204" pitchFamily="34" charset="0"/>
             </a:endParaRPr>
           </a:p>
@@ -25367,10 +25173,10 @@
           <a:lstStyle/>
           <a:p>
             <a:r>
-              <a:rPr lang="en-US" altLang="zh-TW" dirty="0" smtClean="0"/>
+              <a:rPr lang="en-US" altLang="zh-TW" dirty="0"/>
               <a:t>When it comes to Big Data…</a:t>
             </a:r>
-            <a:endParaRPr lang="zh-TW" altLang="en-US" dirty="0" smtClean="0"/>
+            <a:endParaRPr lang="zh-TW" altLang="en-US" dirty="0"/>
           </a:p>
         </p:txBody>
       </p:sp>
@@ -25390,11 +25196,11 @@
           <a:lstStyle/>
           <a:p>
             <a:r>
-              <a:rPr lang="en-US" altLang="zh-TW" smtClean="0"/>
+              <a:rPr lang="en-US" altLang="zh-TW"/>
               <a:t>It’s all about </a:t>
             </a:r>
             <a:r>
-              <a:rPr lang="en-US" altLang="zh-TW" smtClean="0">
+              <a:rPr lang="en-US" altLang="zh-TW">
                 <a:solidFill>
                   <a:srgbClr val="FF0000"/>
                 </a:solidFill>
@@ -25402,26 +25208,26 @@
               <a:t>scalability</a:t>
             </a:r>
             <a:r>
-              <a:rPr lang="en-US" altLang="zh-TW" smtClean="0"/>
+              <a:rPr lang="en-US" altLang="zh-TW"/>
               <a:t>!</a:t>
             </a:r>
           </a:p>
           <a:p>
             <a:pPr lvl="1"/>
             <a:r>
-              <a:rPr lang="en-US" altLang="zh-TW" smtClean="0"/>
+              <a:rPr lang="en-US" altLang="zh-TW"/>
               <a:t>Scale up (vertical scalability)</a:t>
             </a:r>
           </a:p>
           <a:p>
             <a:pPr lvl="1"/>
             <a:r>
-              <a:rPr lang="en-US" altLang="zh-TW" smtClean="0"/>
+              <a:rPr lang="en-US" altLang="zh-TW"/>
               <a:t>Scale out (horizontal scalability)</a:t>
             </a:r>
           </a:p>
           <a:p>
-            <a:endParaRPr lang="zh-TW" altLang="en-US" smtClean="0"/>
+            <a:endParaRPr lang="zh-TW" altLang="en-US"/>
           </a:p>
         </p:txBody>
       </p:sp>
@@ -25580,10 +25386,10 @@
               <a:buNone/>
             </a:pPr>
             <a:r>
-              <a:rPr kumimoji="0" lang="en-US" altLang="zh-TW" sz="1400" smtClean="0">
+              <a:rPr kumimoji="0" lang="en-US" altLang="zh-TW" sz="1400">
                 <a:latin typeface="Arial" panose="020B0604020202020204" pitchFamily="34" charset="0"/>
               </a:rPr>
-              <a:t>Educational Data Mining, Fall 2023</a:t>
+              <a:t>Educational Data Mining, Fall 2024</a:t>
             </a:r>
           </a:p>
         </p:txBody>
@@ -25743,7 +25549,7 @@
               <a:buNone/>
             </a:pPr>
             <a:r>
-              <a:rPr kumimoji="0" lang="en-US" altLang="zh-TW" sz="1400" smtClean="0">
+              <a:rPr kumimoji="0" lang="en-US" altLang="zh-TW" sz="1400">
                 <a:latin typeface="Arial" panose="020B0604020202020204" pitchFamily="34" charset="0"/>
               </a:rPr>
               <a:t>NTUT CSIE</a:t>
@@ -25918,7 +25724,7 @@
               </a:pPr>
               <a:t>33</a:t>
             </a:fld>
-            <a:endParaRPr kumimoji="0" lang="en-US" altLang="zh-TW" sz="1400" smtClean="0">
+            <a:endParaRPr kumimoji="0" lang="en-US" altLang="zh-TW" sz="1400">
               <a:latin typeface="Arial" panose="020B0604020202020204" pitchFamily="34" charset="0"/>
             </a:endParaRPr>
           </a:p>
@@ -26158,10 +25964,10 @@
               <a:buNone/>
             </a:pPr>
             <a:r>
-              <a:rPr kumimoji="0" lang="en-US" altLang="zh-TW" sz="1400" smtClean="0">
+              <a:rPr kumimoji="0" lang="en-US" altLang="zh-TW" sz="1400">
                 <a:latin typeface="Arial" panose="020B0604020202020204" pitchFamily="34" charset="0"/>
               </a:rPr>
-              <a:t>Educational Data Mining, Fall 2023</a:t>
+              <a:t>Educational Data Mining, Fall 2024</a:t>
             </a:r>
           </a:p>
         </p:txBody>
@@ -26321,7 +26127,7 @@
               <a:buNone/>
             </a:pPr>
             <a:r>
-              <a:rPr kumimoji="0" lang="en-US" altLang="zh-TW" sz="1400" smtClean="0">
+              <a:rPr kumimoji="0" lang="en-US" altLang="zh-TW" sz="1400">
                 <a:latin typeface="Arial" panose="020B0604020202020204" pitchFamily="34" charset="0"/>
               </a:rPr>
               <a:t>NTUT CSIE</a:t>
@@ -26496,7 +26302,7 @@
               </a:pPr>
               <a:t>34</a:t>
             </a:fld>
-            <a:endParaRPr kumimoji="0" lang="en-US" altLang="zh-TW" sz="1400" smtClean="0">
+            <a:endParaRPr kumimoji="0" lang="en-US" altLang="zh-TW" sz="1400">
               <a:latin typeface="Arial" panose="020B0604020202020204" pitchFamily="34" charset="0"/>
             </a:endParaRPr>
           </a:p>
@@ -26519,7 +26325,7 @@
           <a:p>
             <a:pPr eaLnBrk="1" hangingPunct="1"/>
             <a:r>
-              <a:rPr lang="en-US" altLang="zh-TW" smtClean="0"/>
+              <a:rPr lang="en-US" altLang="zh-TW"/>
               <a:t>Thanks for Your Attention!</a:t>
             </a:r>
           </a:p>
@@ -26541,7 +26347,7 @@
           <a:lstStyle/>
           <a:p>
             <a:pPr eaLnBrk="1" hangingPunct="1"/>
-            <a:endParaRPr lang="en-US" altLang="zh-TW" smtClean="0"/>
+            <a:endParaRPr lang="en-US" altLang="zh-TW"/>
           </a:p>
         </p:txBody>
       </p:sp>
@@ -26550,13 +26356,6 @@
   <p:clrMapOvr>
     <a:masterClrMapping/>
   </p:clrMapOvr>
-  <p:timing>
-    <p:tnLst>
-      <p:par>
-        <p:cTn id="1" dur="indefinite" restart="never" nodeType="tmRoot"/>
-      </p:par>
-    </p:tnLst>
-  </p:timing>
 </p:sld>
 </file>
 
@@ -26593,10 +26392,10 @@
           <a:lstStyle/>
           <a:p>
             <a:r>
-              <a:rPr lang="en-US" altLang="zh-TW" dirty="0" smtClean="0"/>
+              <a:rPr lang="en-US" altLang="zh-TW" dirty="0"/>
               <a:t>Other Communication Channels</a:t>
             </a:r>
-            <a:endParaRPr lang="zh-TW" altLang="en-US" dirty="0" smtClean="0"/>
+            <a:endParaRPr lang="zh-TW" altLang="en-US" dirty="0"/>
           </a:p>
         </p:txBody>
       </p:sp>
@@ -26621,12 +26420,8 @@
               <a:defRPr/>
             </a:pPr>
             <a:r>
-              <a:rPr lang="en-US" altLang="zh-TW" dirty="0" smtClean="0"/>
-              <a:t>Class </a:t>
-            </a:r>
-            <a:r>
               <a:rPr lang="en-US" altLang="zh-TW" dirty="0"/>
-              <a:t>sessions will be recorded using </a:t>
+              <a:t>Class sessions will be recorded using </a:t>
             </a:r>
             <a:r>
               <a:rPr lang="en-US" altLang="zh-TW" dirty="0" err="1">
@@ -26650,7 +26445,7 @@
               <a:defRPr/>
             </a:pPr>
             <a:r>
-              <a:rPr lang="en-US" altLang="zh-TW" dirty="0" smtClean="0"/>
+              <a:rPr lang="en-US" altLang="zh-TW" dirty="0"/>
               <a:t>Online class sessions using Microsoft Teams will also be provided</a:t>
             </a:r>
           </a:p>
@@ -26659,7 +26454,7 @@
               <a:defRPr/>
             </a:pPr>
             <a:r>
-              <a:rPr lang="en-US" altLang="zh-TW" dirty="0" smtClean="0"/>
+              <a:rPr lang="en-US" altLang="zh-TW" dirty="0"/>
               <a:t>Team created for the course number:</a:t>
             </a:r>
           </a:p>
@@ -26669,44 +26464,36 @@
             </a:pPr>
             <a:r>
               <a:rPr lang="en-US" altLang="zh-TW" dirty="0"/>
-              <a:t>[NTUT-Sync] </a:t>
-            </a:r>
-            <a:r>
-              <a:rPr lang="en-US" altLang="zh-TW" dirty="0" smtClean="0"/>
-              <a:t>112-1_</a:t>
-            </a:r>
-            <a:r>
-              <a:rPr lang="en-US" altLang="zh-TW" dirty="0" smtClean="0">
+              <a:t>[NTUT-Sync] 113-1_</a:t>
+            </a:r>
+            <a:r>
+              <a:rPr lang="en-US" altLang="zh-TW" dirty="0">
                 <a:solidFill>
                   <a:srgbClr val="FF0000"/>
                 </a:solidFill>
               </a:rPr>
-              <a:t>323351</a:t>
-            </a:r>
-            <a:r>
-              <a:rPr lang="en-US" altLang="zh-TW" dirty="0" smtClean="0"/>
+              <a:t>337849</a:t>
+            </a:r>
+            <a:r>
+              <a:rPr lang="en-US" altLang="zh-TW" dirty="0"/>
               <a:t>_</a:t>
             </a:r>
             <a:r>
-              <a:rPr lang="zh-TW" altLang="en-US" dirty="0" smtClean="0"/>
+              <a:rPr lang="zh-TW" altLang="en-US" dirty="0"/>
               <a:t>教育數據探勘與應用</a:t>
             </a:r>
-            <a:endParaRPr lang="en-US" altLang="zh-TW" dirty="0" smtClean="0"/>
+            <a:endParaRPr lang="en-US" altLang="zh-TW" dirty="0"/>
           </a:p>
           <a:p>
             <a:pPr>
               <a:defRPr/>
             </a:pPr>
             <a:r>
-              <a:rPr lang="en-US" altLang="zh-TW" dirty="0" smtClean="0"/>
-              <a:t>Online </a:t>
-            </a:r>
-            <a:r>
               <a:rPr lang="en-US" altLang="zh-TW" dirty="0"/>
-              <a:t>communication channels: </a:t>
-            </a:r>
-            <a:r>
-              <a:rPr lang="en-US" altLang="zh-TW" dirty="0" smtClean="0">
+              <a:t>Online communication channels: </a:t>
+            </a:r>
+            <a:r>
+              <a:rPr lang="en-US" altLang="zh-TW" dirty="0">
                 <a:solidFill>
                   <a:srgbClr val="0000FF"/>
                 </a:solidFill>
@@ -26714,7 +26501,7 @@
               <a:t>Teams, </a:t>
             </a:r>
             <a:r>
-              <a:rPr lang="en-US" altLang="zh-TW" dirty="0" err="1" smtClean="0">
+              <a:rPr lang="en-US" altLang="zh-TW" dirty="0" err="1">
                 <a:solidFill>
                   <a:srgbClr val="0000FF"/>
                 </a:solidFill>
@@ -26722,7 +26509,7 @@
               <a:t>iSchool</a:t>
             </a:r>
             <a:r>
-              <a:rPr lang="en-US" altLang="zh-TW" dirty="0" smtClean="0">
+              <a:rPr lang="en-US" altLang="zh-TW" dirty="0">
                 <a:solidFill>
                   <a:srgbClr val="0000FF"/>
                 </a:solidFill>
@@ -26730,7 +26517,7 @@
               <a:t>+, </a:t>
             </a:r>
             <a:r>
-              <a:rPr lang="en-US" altLang="zh-TW" dirty="0" smtClean="0"/>
+              <a:rPr lang="en-US" altLang="zh-TW" dirty="0"/>
               <a:t>course web page, e-mails</a:t>
             </a:r>
           </a:p>
@@ -26738,13 +26525,13 @@
             <a:pPr lvl="1">
               <a:defRPr/>
             </a:pPr>
-            <a:endParaRPr lang="en-US" altLang="zh-TW" dirty="0" smtClean="0"/>
+            <a:endParaRPr lang="en-US" altLang="zh-TW" dirty="0"/>
           </a:p>
           <a:p>
             <a:pPr>
               <a:defRPr/>
             </a:pPr>
-            <a:endParaRPr lang="zh-TW" altLang="en-US" dirty="0" smtClean="0"/>
+            <a:endParaRPr lang="zh-TW" altLang="en-US" dirty="0"/>
           </a:p>
         </p:txBody>
       </p:sp>
@@ -26903,10 +26690,10 @@
               <a:buNone/>
             </a:pPr>
             <a:r>
-              <a:rPr kumimoji="0" lang="en-US" altLang="zh-TW" sz="1400" smtClean="0">
+              <a:rPr kumimoji="0" lang="en-US" altLang="zh-TW" sz="1400">
                 <a:latin typeface="Arial" panose="020B0604020202020204" pitchFamily="34" charset="0"/>
               </a:rPr>
-              <a:t>Educational Data Mining, Fall 2023</a:t>
+              <a:t>Educational Data Mining, Fall 2024</a:t>
             </a:r>
           </a:p>
         </p:txBody>
@@ -27066,7 +26853,7 @@
               <a:buNone/>
             </a:pPr>
             <a:r>
-              <a:rPr kumimoji="0" lang="en-US" altLang="zh-TW" sz="1400" smtClean="0">
+              <a:rPr kumimoji="0" lang="en-US" altLang="zh-TW" sz="1400">
                 <a:latin typeface="Arial" panose="020B0604020202020204" pitchFamily="34" charset="0"/>
               </a:rPr>
               <a:t>NTUT CSIE</a:t>
@@ -27241,7 +27028,7 @@
               </a:pPr>
               <a:t>4</a:t>
             </a:fld>
-            <a:endParaRPr kumimoji="0" lang="en-US" altLang="zh-TW" sz="1400" smtClean="0">
+            <a:endParaRPr kumimoji="0" lang="en-US" altLang="zh-TW" sz="1400">
               <a:latin typeface="Arial" panose="020B0604020202020204" pitchFamily="34" charset="0"/>
             </a:endParaRPr>
           </a:p>
@@ -27427,10 +27214,10 @@
               <a:buNone/>
             </a:pPr>
             <a:r>
-              <a:rPr kumimoji="0" lang="en-US" altLang="zh-TW" sz="1400" smtClean="0">
+              <a:rPr kumimoji="0" lang="en-US" altLang="zh-TW" sz="1400">
                 <a:latin typeface="Arial" panose="020B0604020202020204" pitchFamily="34" charset="0"/>
               </a:rPr>
-              <a:t>Educational Data Mining, Fall 2023</a:t>
+              <a:t>Educational Data Mining, Fall 2024</a:t>
             </a:r>
           </a:p>
         </p:txBody>
@@ -27590,7 +27377,7 @@
               <a:buNone/>
             </a:pPr>
             <a:r>
-              <a:rPr kumimoji="0" lang="en-US" altLang="zh-TW" sz="1400" smtClean="0">
+              <a:rPr kumimoji="0" lang="en-US" altLang="zh-TW" sz="1400">
                 <a:latin typeface="Arial" panose="020B0604020202020204" pitchFamily="34" charset="0"/>
               </a:rPr>
               <a:t>NTUT CSIE</a:t>
@@ -27765,7 +27552,7 @@
               </a:pPr>
               <a:t>5</a:t>
             </a:fld>
-            <a:endParaRPr kumimoji="0" lang="en-US" altLang="zh-TW" sz="1400" smtClean="0">
+            <a:endParaRPr kumimoji="0" lang="en-US" altLang="zh-TW" sz="1400">
               <a:latin typeface="Arial" panose="020B0604020202020204" pitchFamily="34" charset="0"/>
             </a:endParaRPr>
           </a:p>
@@ -27788,7 +27575,7 @@
           <a:p>
             <a:pPr eaLnBrk="1" hangingPunct="1"/>
             <a:r>
-              <a:rPr lang="en-US" altLang="zh-TW" smtClean="0"/>
+              <a:rPr lang="en-US" altLang="zh-TW"/>
               <a:t>Course Materials</a:t>
             </a:r>
           </a:p>
@@ -27820,7 +27607,7 @@
               </a:lnSpc>
             </a:pPr>
             <a:r>
-              <a:rPr lang="en-US" altLang="zh-TW" sz="2400" dirty="0" smtClean="0"/>
+              <a:rPr lang="en-US" altLang="zh-TW" sz="2400" dirty="0"/>
               <a:t>Textbook:</a:t>
             </a:r>
           </a:p>
@@ -27831,27 +27618,27 @@
               </a:lnSpc>
             </a:pPr>
             <a:r>
-              <a:rPr lang="en-US" altLang="zh-TW" sz="1800" dirty="0" err="1" smtClean="0"/>
+              <a:rPr lang="en-US" altLang="zh-TW" sz="1800" dirty="0" err="1"/>
               <a:t>Jiawei</a:t>
             </a:r>
             <a:r>
-              <a:rPr lang="en-US" altLang="zh-TW" sz="1800" dirty="0" smtClean="0"/>
+              <a:rPr lang="en-US" altLang="zh-TW" sz="1800" dirty="0"/>
               <a:t> Han, Jian Pei, and </a:t>
             </a:r>
             <a:r>
-              <a:rPr lang="en-US" altLang="zh-TW" sz="1800" dirty="0" err="1" smtClean="0"/>
+              <a:rPr lang="en-US" altLang="zh-TW" sz="1800" dirty="0" err="1"/>
               <a:t>Hanghang</a:t>
             </a:r>
             <a:r>
-              <a:rPr lang="en-US" altLang="zh-TW" sz="1800" dirty="0" smtClean="0"/>
+              <a:rPr lang="en-US" altLang="zh-TW" sz="1800" dirty="0"/>
               <a:t> Tong, </a:t>
             </a:r>
             <a:r>
-              <a:rPr lang="en-US" altLang="zh-TW" sz="1800" i="1" dirty="0" smtClean="0"/>
+              <a:rPr lang="en-US" altLang="zh-TW" sz="1800" i="1" dirty="0"/>
               <a:t>Data Mining: Concepts and Techniques, 4th ed.</a:t>
             </a:r>
             <a:r>
-              <a:rPr lang="en-US" altLang="zh-TW" sz="1800" dirty="0" smtClean="0"/>
+              <a:rPr lang="en-US" altLang="zh-TW" sz="1800" dirty="0"/>
               <a:t>, Morgan Kaufmann Publishers, Oct. 2022. [DM4] (selected chapters)</a:t>
             </a:r>
           </a:p>
@@ -27862,7 +27649,7 @@
               </a:lnSpc>
             </a:pPr>
             <a:r>
-              <a:rPr lang="en-US" altLang="zh-TW" sz="2400" dirty="0" smtClean="0"/>
+              <a:rPr lang="en-US" altLang="zh-TW" sz="2400" dirty="0"/>
               <a:t>Prerequisites: </a:t>
             </a:r>
           </a:p>
@@ -27873,11 +27660,11 @@
               </a:lnSpc>
             </a:pPr>
             <a:r>
-              <a:rPr lang="en-US" altLang="zh-TW" sz="2000" dirty="0" smtClean="0"/>
+              <a:rPr lang="en-US" altLang="zh-TW" sz="2000" dirty="0"/>
               <a:t>Basic knowledge of </a:t>
             </a:r>
             <a:r>
-              <a:rPr lang="en-US" altLang="zh-TW" sz="2000" dirty="0" smtClean="0">
+              <a:rPr lang="en-US" altLang="zh-TW" sz="2000" dirty="0">
                 <a:solidFill>
                   <a:srgbClr val="0000FF"/>
                 </a:solidFill>
@@ -27885,11 +27672,11 @@
               <a:t>data structures (and algorithms)</a:t>
             </a:r>
             <a:r>
-              <a:rPr lang="en-US" altLang="zh-TW" sz="2000" dirty="0" smtClean="0"/>
+              <a:rPr lang="en-US" altLang="zh-TW" sz="2000" dirty="0"/>
               <a:t>, </a:t>
             </a:r>
             <a:r>
-              <a:rPr lang="en-US" altLang="zh-TW" sz="2000" dirty="0" smtClean="0">
+              <a:rPr lang="en-US" altLang="zh-TW" sz="2000" dirty="0">
                 <a:solidFill>
                   <a:srgbClr val="0000FF"/>
                 </a:solidFill>
@@ -27897,18 +27684,18 @@
               <a:t>database systems</a:t>
             </a:r>
             <a:r>
-              <a:rPr lang="en-US" altLang="zh-TW" sz="2000" dirty="0" smtClean="0"/>
+              <a:rPr lang="en-US" altLang="zh-TW" sz="2000" dirty="0"/>
               <a:t>, and </a:t>
             </a:r>
             <a:r>
-              <a:rPr lang="en-US" altLang="zh-TW" sz="2000" dirty="0" smtClean="0">
+              <a:rPr lang="en-US" altLang="zh-TW" sz="2000" dirty="0">
                 <a:solidFill>
                   <a:srgbClr val="0000FF"/>
                 </a:solidFill>
               </a:rPr>
               <a:t>discrete math (probability)</a:t>
             </a:r>
-            <a:endParaRPr lang="en-US" altLang="zh-TW" sz="2000" dirty="0" smtClean="0"/>
+            <a:endParaRPr lang="en-US" altLang="zh-TW" sz="2000" dirty="0"/>
           </a:p>
           <a:p>
             <a:pPr lvl="1" eaLnBrk="1" hangingPunct="1">
@@ -27917,15 +27704,15 @@
               </a:lnSpc>
             </a:pPr>
             <a:r>
-              <a:rPr lang="en-US" altLang="zh-TW" sz="2000" dirty="0" smtClean="0"/>
+              <a:rPr lang="en-US" altLang="zh-TW" sz="2000" dirty="0"/>
               <a:t>Programming experience is *required* for completing </a:t>
             </a:r>
             <a:r>
-              <a:rPr lang="en-US" altLang="zh-TW" sz="2000" dirty="0" err="1" smtClean="0"/>
+              <a:rPr lang="en-US" altLang="zh-TW" sz="2000" dirty="0" err="1"/>
               <a:t>homeworks</a:t>
             </a:r>
             <a:r>
-              <a:rPr lang="en-US" altLang="zh-TW" sz="2000" dirty="0" smtClean="0"/>
+              <a:rPr lang="en-US" altLang="zh-TW" sz="2000" dirty="0"/>
               <a:t> &amp; projects</a:t>
             </a:r>
           </a:p>
@@ -27936,13 +27723,6 @@
   <p:clrMapOvr>
     <a:masterClrMapping/>
   </p:clrMapOvr>
-  <p:timing>
-    <p:tnLst>
-      <p:par>
-        <p:cTn id="1" dur="indefinite" restart="never" nodeType="tmRoot"/>
-      </p:par>
-    </p:tnLst>
-  </p:timing>
 </p:sld>
 </file>
 
@@ -27979,10 +27759,10 @@
           <a:lstStyle/>
           <a:p>
             <a:r>
-              <a:rPr lang="en-US" altLang="zh-TW" smtClean="0"/>
+              <a:rPr lang="en-US" altLang="zh-TW"/>
               <a:t>Target Audience</a:t>
             </a:r>
-            <a:endParaRPr lang="zh-TW" altLang="en-US" smtClean="0"/>
+            <a:endParaRPr lang="zh-TW" altLang="en-US"/>
           </a:p>
         </p:txBody>
       </p:sp>
@@ -28002,17 +27782,17 @@
           <a:lstStyle/>
           <a:p>
             <a:r>
-              <a:rPr lang="en-US" altLang="zh-TW" dirty="0" smtClean="0"/>
+              <a:rPr lang="en-US" altLang="zh-TW" dirty="0"/>
               <a:t>CSIE juniors and above</a:t>
             </a:r>
           </a:p>
           <a:p>
             <a:r>
-              <a:rPr lang="en-US" altLang="zh-TW" dirty="0" smtClean="0"/>
+              <a:rPr lang="en-US" altLang="zh-TW" dirty="0"/>
               <a:t>Students who are interested in learning </a:t>
             </a:r>
             <a:r>
-              <a:rPr lang="en-US" altLang="zh-TW" dirty="0" smtClean="0">
+              <a:rPr lang="en-US" altLang="zh-TW" dirty="0">
                 <a:solidFill>
                   <a:srgbClr val="0000FF"/>
                 </a:solidFill>
@@ -28020,17 +27800,17 @@
               <a:t>data mining </a:t>
             </a:r>
             <a:r>
-              <a:rPr lang="en-US" altLang="zh-TW" dirty="0" smtClean="0"/>
+              <a:rPr lang="en-US" altLang="zh-TW" dirty="0"/>
               <a:t>concepts and tools</a:t>
             </a:r>
           </a:p>
           <a:p>
             <a:r>
-              <a:rPr lang="en-US" altLang="zh-TW" dirty="0" smtClean="0"/>
+              <a:rPr lang="en-US" altLang="zh-TW" dirty="0"/>
               <a:t>Applying data mining techniques for analyzing </a:t>
             </a:r>
             <a:r>
-              <a:rPr lang="en-US" altLang="zh-TW" dirty="0" smtClean="0">
+              <a:rPr lang="en-US" altLang="zh-TW" dirty="0">
                 <a:solidFill>
                   <a:srgbClr val="0000FF"/>
                 </a:solidFill>
@@ -28038,15 +27818,15 @@
               <a:t>educational</a:t>
             </a:r>
             <a:r>
-              <a:rPr lang="en-US" altLang="zh-TW" dirty="0" smtClean="0"/>
+              <a:rPr lang="en-US" altLang="zh-TW" dirty="0"/>
               <a:t> data</a:t>
             </a:r>
           </a:p>
           <a:p>
-            <a:endParaRPr lang="en-US" altLang="zh-TW" dirty="0" smtClean="0"/>
-          </a:p>
-          <a:p>
-            <a:endParaRPr lang="en-US" altLang="zh-TW" dirty="0" smtClean="0"/>
+            <a:endParaRPr lang="en-US" altLang="zh-TW" dirty="0"/>
+          </a:p>
+          <a:p>
+            <a:endParaRPr lang="en-US" altLang="zh-TW" dirty="0"/>
           </a:p>
         </p:txBody>
       </p:sp>
@@ -28205,10 +27985,10 @@
               <a:buNone/>
             </a:pPr>
             <a:r>
-              <a:rPr kumimoji="0" lang="en-US" altLang="zh-TW" sz="1400" smtClean="0">
+              <a:rPr kumimoji="0" lang="en-US" altLang="zh-TW" sz="1400">
                 <a:latin typeface="Arial" panose="020B0604020202020204" pitchFamily="34" charset="0"/>
               </a:rPr>
-              <a:t>Educational Data Mining, Fall 2023</a:t>
+              <a:t>Educational Data Mining, Fall 2024</a:t>
             </a:r>
           </a:p>
         </p:txBody>
@@ -28368,7 +28148,7 @@
               <a:buNone/>
             </a:pPr>
             <a:r>
-              <a:rPr kumimoji="0" lang="en-US" altLang="zh-TW" sz="1400" smtClean="0">
+              <a:rPr kumimoji="0" lang="en-US" altLang="zh-TW" sz="1400">
                 <a:latin typeface="Arial" panose="020B0604020202020204" pitchFamily="34" charset="0"/>
               </a:rPr>
               <a:t>NTUT CSIE</a:t>
@@ -28543,7 +28323,7 @@
               </a:pPr>
               <a:t>6</a:t>
             </a:fld>
-            <a:endParaRPr kumimoji="0" lang="en-US" altLang="zh-TW" sz="1400" smtClean="0">
+            <a:endParaRPr kumimoji="0" lang="en-US" altLang="zh-TW" sz="1400">
               <a:latin typeface="Arial" panose="020B0604020202020204" pitchFamily="34" charset="0"/>
             </a:endParaRPr>
           </a:p>
@@ -28554,13 +28334,6 @@
   <p:clrMapOvr>
     <a:masterClrMapping/>
   </p:clrMapOvr>
-  <p:timing>
-    <p:tnLst>
-      <p:par>
-        <p:cTn id="1" dur="indefinite" restart="never" nodeType="tmRoot"/>
-      </p:par>
-    </p:tnLst>
-  </p:timing>
 </p:sld>
 </file>
 
@@ -28597,7 +28370,7 @@
           <a:lstStyle/>
           <a:p>
             <a:r>
-              <a:rPr lang="en-US" altLang="zh-TW" dirty="0" smtClean="0"/>
+              <a:rPr lang="en-US" altLang="zh-TW" dirty="0"/>
               <a:t>Should I Take this Course?</a:t>
             </a:r>
             <a:endParaRPr lang="zh-TW" altLang="en-US" dirty="0"/>
@@ -28622,112 +28395,76 @@
           <a:lstStyle/>
           <a:p>
             <a:r>
-              <a:rPr lang="en-US" altLang="zh-TW" dirty="0" smtClean="0"/>
-              <a:t>This course is part of the </a:t>
-            </a:r>
-            <a:r>
               <a:rPr lang="en-US" altLang="zh-TW" dirty="0"/>
-              <a:t>Micro Courses on Educational Big </a:t>
-            </a:r>
-            <a:r>
-              <a:rPr lang="en-US" altLang="zh-TW" dirty="0" smtClean="0"/>
-              <a:t>Data (</a:t>
-            </a:r>
-            <a:r>
-              <a:rPr lang="zh-TW" altLang="en-US" dirty="0" smtClean="0"/>
+              <a:t>This course is part of the Micro Courses on Educational Big Data (</a:t>
+            </a:r>
+            <a:r>
+              <a:rPr lang="zh-TW" altLang="en-US" dirty="0"/>
               <a:t>教育大數據微學程</a:t>
             </a:r>
             <a:r>
-              <a:rPr lang="en-US" altLang="zh-TW" dirty="0" smtClean="0"/>
+              <a:rPr lang="en-US" altLang="zh-TW" dirty="0"/>
               <a:t>)</a:t>
             </a:r>
           </a:p>
           <a:p>
             <a:pPr lvl="1"/>
             <a:r>
-              <a:rPr lang="en-US" altLang="zh-TW" dirty="0" smtClean="0"/>
+              <a:rPr lang="en-US" altLang="zh-TW" dirty="0"/>
               <a:t>Rules: </a:t>
             </a:r>
             <a:r>
-              <a:rPr lang="en-US" altLang="zh-TW" dirty="0" smtClean="0">
+              <a:rPr lang="en-US" altLang="zh-TW" dirty="0">
                 <a:hlinkClick r:id="rId2"/>
               </a:rPr>
               <a:t>https://oaa.ntut.edu.tw/p/412-1008-17153.php?Lang=zh-tw</a:t>
             </a:r>
             <a:r>
-              <a:rPr lang="en-US" altLang="zh-TW" dirty="0" smtClean="0"/>
+              <a:rPr lang="en-US" altLang="zh-TW" dirty="0"/>
               <a:t> </a:t>
             </a:r>
           </a:p>
           <a:p>
             <a:pPr lvl="1"/>
             <a:r>
-              <a:rPr lang="en-US" altLang="zh-TW" dirty="0" smtClean="0"/>
+              <a:rPr lang="en-US" altLang="zh-TW" dirty="0"/>
               <a:t>Web: </a:t>
-            </a:r>
-            <a:r>
-              <a:rPr lang="en-US" altLang="zh-TW" dirty="0" smtClean="0">
-                <a:hlinkClick r:id="rId3"/>
-              </a:rPr>
-              <a:t>https</a:t>
             </a:r>
             <a:r>
               <a:rPr lang="en-US" altLang="zh-TW" dirty="0">
                 <a:hlinkClick r:id="rId3"/>
               </a:rPr>
-              <a:t>://course-map-fcf13.web.app</a:t>
-            </a:r>
-            <a:r>
-              <a:rPr lang="en-US" altLang="zh-TW" dirty="0" smtClean="0">
-                <a:hlinkClick r:id="rId3"/>
-              </a:rPr>
-              <a:t>/</a:t>
-            </a:r>
-            <a:endParaRPr lang="en-US" altLang="zh-TW" dirty="0" smtClean="0"/>
+              <a:t>https://course-map-fcf13.web.app/</a:t>
+            </a:r>
+            <a:endParaRPr lang="en-US" altLang="zh-TW" dirty="0"/>
           </a:p>
           <a:p>
             <a:pPr lvl="1"/>
             <a:r>
-              <a:rPr lang="en-US" altLang="zh-TW" dirty="0" smtClean="0"/>
+              <a:rPr lang="en-US" altLang="zh-TW" dirty="0"/>
               <a:t>Facebook: </a:t>
-            </a:r>
-            <a:r>
-              <a:rPr lang="en-US" altLang="zh-TW" dirty="0" smtClean="0">
-                <a:hlinkClick r:id="rId4"/>
-              </a:rPr>
-              <a:t>https</a:t>
             </a:r>
             <a:r>
               <a:rPr lang="en-US" altLang="zh-TW" dirty="0">
                 <a:hlinkClick r:id="rId4"/>
               </a:rPr>
-              <a:t>://</a:t>
-            </a:r>
-            <a:r>
-              <a:rPr lang="en-US" altLang="zh-TW" dirty="0" smtClean="0">
-                <a:hlinkClick r:id="rId4"/>
-              </a:rPr>
-              <a:t>www.facebook.com/profile.php?id=100089037155805</a:t>
-            </a:r>
-            <a:r>
-              <a:rPr lang="en-US" altLang="zh-TW" dirty="0" smtClean="0"/>
+              <a:t>https://www.facebook.com/profile.php?id=100089037155805</a:t>
+            </a:r>
+            <a:r>
+              <a:rPr lang="en-US" altLang="zh-TW" dirty="0"/>
               <a:t> </a:t>
             </a:r>
           </a:p>
           <a:p>
             <a:r>
-              <a:rPr lang="en-US" altLang="zh-TW" dirty="0" smtClean="0"/>
-              <a:t>NOTE: For CS students, this course is NOT </a:t>
-            </a:r>
-            <a:r>
-              <a:rPr lang="en-US" altLang="zh-TW" dirty="0" smtClean="0"/>
-              <a:t>credited as the </a:t>
-            </a:r>
-            <a:r>
-              <a:rPr lang="en-US" altLang="zh-TW" smtClean="0"/>
+              <a:rPr lang="en-US" altLang="zh-TW" dirty="0"/>
+              <a:t>NOTE: For CS students, this course is NOT credited as the </a:t>
+            </a:r>
+            <a:r>
+              <a:rPr lang="en-US" altLang="zh-TW"/>
               <a:t>cross-college credits</a:t>
             </a:r>
-            <a:endParaRPr lang="en-US" altLang="zh-TW" dirty="0" smtClean="0"/>
+            <a:endParaRPr lang="en-US" altLang="zh-TW" dirty="0"/>
           </a:p>
           <a:p>
             <a:endParaRPr lang="zh-TW" altLang="en-US" dirty="0"/>
@@ -28753,10 +28490,9 @@
               <a:defRPr/>
             </a:pPr>
             <a:r>
-              <a:rPr lang="en-US" altLang="zh-TW" smtClean="0"/>
-              <a:t>Educational Data Mining, Fall 2023</a:t>
-            </a:r>
-            <a:endParaRPr lang="en-US" altLang="zh-TW"/>
+              <a:rPr lang="en-US" altLang="zh-TW"/>
+              <a:t>Educational Data Mining, Fall 2024</a:t>
+            </a:r>
           </a:p>
         </p:txBody>
       </p:sp>
@@ -28779,10 +28515,9 @@
               <a:defRPr/>
             </a:pPr>
             <a:r>
-              <a:rPr lang="en-US" altLang="zh-TW" smtClean="0"/>
+              <a:rPr lang="en-US" altLang="zh-TW"/>
               <a:t>NTUT CSIE</a:t>
             </a:r>
-            <a:endParaRPr lang="en-US" altLang="zh-TW"/>
           </a:p>
         </p:txBody>
       </p:sp>
@@ -28861,7 +28596,7 @@
           <a:lstStyle/>
           <a:p>
             <a:r>
-              <a:rPr lang="en-US" altLang="zh-TW" dirty="0" smtClean="0"/>
+              <a:rPr lang="en-US" altLang="zh-TW" dirty="0"/>
               <a:t>Differences between Courses with Similar Names</a:t>
             </a:r>
             <a:endParaRPr lang="zh-TW" altLang="en-US" dirty="0"/>
@@ -28886,25 +28621,25 @@
           <a:lstStyle/>
           <a:p>
             <a:r>
-              <a:rPr lang="en-US" altLang="zh-TW" dirty="0" smtClean="0"/>
+              <a:rPr lang="en-US" altLang="zh-TW" dirty="0"/>
               <a:t>CS:</a:t>
             </a:r>
           </a:p>
           <a:p>
             <a:pPr lvl="1"/>
             <a:r>
-              <a:rPr lang="en-US" altLang="zh-TW" dirty="0" smtClean="0"/>
+              <a:rPr lang="en-US" altLang="zh-TW" dirty="0"/>
               <a:t>Basics: Introduction to Big Data Analytics</a:t>
             </a:r>
           </a:p>
           <a:p>
             <a:pPr lvl="2"/>
             <a:r>
-              <a:rPr lang="en-US" altLang="zh-TW" dirty="0" smtClean="0"/>
+              <a:rPr lang="en-US" altLang="zh-TW" dirty="0"/>
               <a:t>Concepts of data mining &amp; </a:t>
             </a:r>
             <a:r>
-              <a:rPr lang="en-US" altLang="zh-TW" dirty="0" smtClean="0">
+              <a:rPr lang="en-US" altLang="zh-TW" dirty="0">
                 <a:solidFill>
                   <a:srgbClr val="0000FF"/>
                 </a:solidFill>
@@ -28915,33 +28650,29 @@
           <a:p>
             <a:pPr lvl="1"/>
             <a:r>
-              <a:rPr lang="en-US" altLang="zh-TW" dirty="0" smtClean="0"/>
+              <a:rPr lang="en-US" altLang="zh-TW" dirty="0"/>
               <a:t>Application: Educational Data Mining and Applications (This course)</a:t>
             </a:r>
           </a:p>
           <a:p>
             <a:pPr lvl="2"/>
             <a:r>
-              <a:rPr lang="en-US" altLang="zh-TW" dirty="0" smtClean="0"/>
+              <a:rPr lang="en-US" altLang="zh-TW" dirty="0"/>
               <a:t>Data mining concept + educational data analysis</a:t>
             </a:r>
           </a:p>
           <a:p>
             <a:pPr lvl="1"/>
             <a:r>
-              <a:rPr lang="en-US" altLang="zh-TW" dirty="0" smtClean="0"/>
+              <a:rPr lang="en-US" altLang="zh-TW" dirty="0"/>
               <a:t>Advanced: Big Data Mining and Applications</a:t>
             </a:r>
           </a:p>
           <a:p>
             <a:pPr lvl="2"/>
             <a:r>
-              <a:rPr lang="en-US" altLang="zh-TW" dirty="0" smtClean="0"/>
-              <a:t>Mining different types of big data </a:t>
-            </a:r>
-            <a:r>
               <a:rPr lang="en-US" altLang="zh-TW" dirty="0"/>
-              <a:t>+ </a:t>
+              <a:t>Mining different types of big data + </a:t>
             </a:r>
             <a:r>
               <a:rPr lang="en-US" altLang="zh-TW" dirty="0">
@@ -28951,35 +28682,30 @@
               </a:rPr>
               <a:t>distributed platform</a:t>
             </a:r>
-            <a:endParaRPr lang="en-US" altLang="zh-TW" dirty="0" smtClean="0">
-              <a:solidFill>
-                <a:srgbClr val="0000FF"/>
-              </a:solidFill>
-            </a:endParaRPr>
-          </a:p>
-          <a:p>
-            <a:r>
-              <a:rPr lang="en-US" altLang="zh-TW" dirty="0" smtClean="0"/>
+          </a:p>
+          <a:p>
+            <a:r>
+              <a:rPr lang="en-US" altLang="zh-TW" dirty="0"/>
               <a:t>IFM:</a:t>
             </a:r>
           </a:p>
           <a:p>
             <a:pPr lvl="1"/>
             <a:r>
-              <a:rPr lang="en-US" altLang="zh-TW" dirty="0" smtClean="0"/>
+              <a:rPr lang="en-US" altLang="zh-TW" dirty="0"/>
               <a:t>Basics: Big Data Analytics</a:t>
             </a:r>
           </a:p>
           <a:p>
             <a:pPr lvl="2"/>
             <a:r>
-              <a:rPr lang="en-US" altLang="zh-TW" dirty="0" smtClean="0"/>
+              <a:rPr lang="en-US" altLang="zh-TW" dirty="0"/>
               <a:t>Data mining concepts</a:t>
             </a:r>
           </a:p>
           <a:p>
             <a:pPr lvl="1"/>
-            <a:endParaRPr lang="en-US" altLang="zh-TW" dirty="0" smtClean="0"/>
+            <a:endParaRPr lang="en-US" altLang="zh-TW" dirty="0"/>
           </a:p>
           <a:p>
             <a:endParaRPr lang="zh-TW" altLang="en-US" dirty="0"/>
@@ -29005,10 +28731,9 @@
               <a:defRPr/>
             </a:pPr>
             <a:r>
-              <a:rPr lang="en-US" altLang="zh-TW" smtClean="0"/>
-              <a:t>Educational Data Mining, Fall 2023</a:t>
-            </a:r>
-            <a:endParaRPr lang="en-US" altLang="zh-TW"/>
+              <a:rPr lang="en-US" altLang="zh-TW"/>
+              <a:t>Educational Data Mining, Fall 2024</a:t>
+            </a:r>
           </a:p>
         </p:txBody>
       </p:sp>
@@ -29031,10 +28756,9 @@
               <a:defRPr/>
             </a:pPr>
             <a:r>
-              <a:rPr lang="en-US" altLang="zh-TW" smtClean="0"/>
+              <a:rPr lang="en-US" altLang="zh-TW"/>
               <a:t>NTUT CSIE</a:t>
             </a:r>
-            <a:endParaRPr lang="en-US" altLang="zh-TW"/>
           </a:p>
         </p:txBody>
       </p:sp>
@@ -29252,10 +28976,10 @@
               <a:buNone/>
             </a:pPr>
             <a:r>
-              <a:rPr kumimoji="0" lang="en-US" altLang="zh-TW" sz="1400" smtClean="0">
+              <a:rPr kumimoji="0" lang="en-US" altLang="zh-TW" sz="1400">
                 <a:latin typeface="Arial" panose="020B0604020202020204" pitchFamily="34" charset="0"/>
               </a:rPr>
-              <a:t>Educational Data Mining, Fall 2023</a:t>
+              <a:t>Educational Data Mining, Fall 2024</a:t>
             </a:r>
           </a:p>
         </p:txBody>
@@ -29415,7 +29139,7 @@
               <a:buNone/>
             </a:pPr>
             <a:r>
-              <a:rPr kumimoji="0" lang="en-US" altLang="zh-TW" sz="1400" smtClean="0">
+              <a:rPr kumimoji="0" lang="en-US" altLang="zh-TW" sz="1400">
                 <a:latin typeface="Arial" panose="020B0604020202020204" pitchFamily="34" charset="0"/>
               </a:rPr>
               <a:t>NTUT CSIE</a:t>
@@ -29590,7 +29314,7 @@
               </a:pPr>
               <a:t>9</a:t>
             </a:fld>
-            <a:endParaRPr kumimoji="0" lang="en-US" altLang="zh-TW" sz="1400" smtClean="0">
+            <a:endParaRPr kumimoji="0" lang="en-US" altLang="zh-TW" sz="1400">
               <a:latin typeface="Arial" panose="020B0604020202020204" pitchFamily="34" charset="0"/>
             </a:endParaRPr>
           </a:p>
@@ -29613,7 +29337,7 @@
           <a:p>
             <a:pPr eaLnBrk="1" hangingPunct="1"/>
             <a:r>
-              <a:rPr lang="en-US" altLang="zh-TW" smtClean="0"/>
+              <a:rPr lang="en-US" altLang="zh-TW"/>
               <a:t>Additional Reading Materials</a:t>
             </a:r>
           </a:p>
@@ -29645,7 +29369,7 @@
               <a:defRPr/>
             </a:pPr>
             <a:r>
-              <a:rPr lang="en-US" altLang="zh-TW" sz="2400" dirty="0" smtClean="0"/>
+              <a:rPr lang="en-US" altLang="zh-TW" sz="2400" dirty="0"/>
               <a:t>Reference Books</a:t>
             </a:r>
           </a:p>
@@ -29654,23 +29378,23 @@
               <a:defRPr/>
             </a:pPr>
             <a:r>
-              <a:rPr lang="en-US" altLang="zh-TW" sz="2000" dirty="0" smtClean="0"/>
+              <a:rPr lang="en-US" altLang="zh-TW" sz="2000" dirty="0"/>
               <a:t>Tom White, </a:t>
             </a:r>
             <a:r>
-              <a:rPr lang="en-US" altLang="zh-TW" sz="2000" i="1" dirty="0" smtClean="0"/>
+              <a:rPr lang="en-US" altLang="zh-TW" sz="2000" i="1" dirty="0"/>
               <a:t>Hadoop: The Definitive Guide, 4</a:t>
             </a:r>
             <a:r>
-              <a:rPr lang="en-US" altLang="zh-TW" sz="2000" i="1" baseline="30000" dirty="0" smtClean="0"/>
+              <a:rPr lang="en-US" altLang="zh-TW" sz="2000" i="1" baseline="30000" dirty="0"/>
               <a:t>th</a:t>
             </a:r>
             <a:r>
-              <a:rPr lang="en-US" altLang="zh-TW" sz="2000" i="1" dirty="0" smtClean="0"/>
+              <a:rPr lang="en-US" altLang="zh-TW" sz="2000" i="1" dirty="0"/>
               <a:t> ed</a:t>
             </a:r>
             <a:r>
-              <a:rPr lang="en-US" altLang="zh-TW" sz="2000" dirty="0" smtClean="0"/>
+              <a:rPr lang="en-US" altLang="zh-TW" sz="2000" dirty="0"/>
               <a:t>., O’Reilly Media, 2015.</a:t>
             </a:r>
           </a:p>
@@ -29679,47 +29403,47 @@
               <a:defRPr/>
             </a:pPr>
             <a:r>
-              <a:rPr lang="en-US" altLang="zh-TW" sz="2000" dirty="0" smtClean="0"/>
+              <a:rPr lang="en-US" altLang="zh-TW" sz="2000" dirty="0"/>
               <a:t>Jules S. </a:t>
             </a:r>
             <a:r>
-              <a:rPr lang="en-US" altLang="zh-TW" sz="2000" dirty="0" err="1" smtClean="0"/>
+              <a:rPr lang="en-US" altLang="zh-TW" sz="2000" dirty="0" err="1"/>
               <a:t>Damji</a:t>
             </a:r>
             <a:r>
-              <a:rPr lang="en-US" altLang="zh-TW" sz="2000" dirty="0" smtClean="0"/>
+              <a:rPr lang="en-US" altLang="zh-TW" sz="2000" dirty="0"/>
               <a:t>, Brooke </a:t>
             </a:r>
             <a:r>
-              <a:rPr lang="en-US" altLang="zh-TW" sz="2000" dirty="0" err="1" smtClean="0"/>
+              <a:rPr lang="en-US" altLang="zh-TW" sz="2000" dirty="0" err="1"/>
               <a:t>Wenig</a:t>
             </a:r>
             <a:r>
-              <a:rPr lang="en-US" altLang="zh-TW" sz="2000" dirty="0" smtClean="0"/>
+              <a:rPr lang="en-US" altLang="zh-TW" sz="2000" dirty="0"/>
               <a:t>, </a:t>
             </a:r>
             <a:r>
-              <a:rPr lang="en-US" altLang="zh-TW" sz="2000" dirty="0" err="1" smtClean="0"/>
+              <a:rPr lang="en-US" altLang="zh-TW" sz="2000" dirty="0" err="1"/>
               <a:t>Tathagata</a:t>
             </a:r>
             <a:r>
-              <a:rPr lang="en-US" altLang="zh-TW" sz="2000" dirty="0" smtClean="0"/>
+              <a:rPr lang="en-US" altLang="zh-TW" sz="2000" dirty="0"/>
               <a:t> Das, Denny Lee, </a:t>
             </a:r>
             <a:r>
-              <a:rPr lang="en-US" altLang="zh-TW" sz="2000" i="1" dirty="0" smtClean="0"/>
+              <a:rPr lang="en-US" altLang="zh-TW" sz="2000" i="1" dirty="0"/>
               <a:t>Learning Spark: Lightning-Fast Big Data Analysis</a:t>
             </a:r>
             <a:r>
-              <a:rPr lang="en-US" altLang="zh-TW" sz="2000" dirty="0" smtClean="0"/>
+              <a:rPr lang="en-US" altLang="zh-TW" sz="2000" dirty="0"/>
               <a:t>, 2</a:t>
             </a:r>
             <a:r>
-              <a:rPr lang="en-US" altLang="zh-TW" sz="2000" baseline="30000" dirty="0" smtClean="0"/>
+              <a:rPr lang="en-US" altLang="zh-TW" sz="2000" baseline="30000" dirty="0"/>
               <a:t>nd</a:t>
             </a:r>
             <a:r>
-              <a:rPr lang="en-US" altLang="zh-TW" sz="2000" dirty="0" smtClean="0"/>
+              <a:rPr lang="en-US" altLang="zh-TW" sz="2000" dirty="0"/>
               <a:t> ed., O'Reilly Media, Jul. 2020.</a:t>
             </a:r>
           </a:p>
@@ -29728,19 +29452,19 @@
               <a:defRPr/>
             </a:pPr>
             <a:r>
-              <a:rPr lang="en-US" altLang="zh-TW" sz="2000" dirty="0" smtClean="0"/>
+              <a:rPr lang="en-US" altLang="zh-TW" sz="2000" dirty="0"/>
               <a:t>Jimmy Lin and Chris Dyer, </a:t>
             </a:r>
             <a:r>
-              <a:rPr lang="en-US" altLang="zh-TW" sz="2000" i="1" dirty="0" smtClean="0"/>
+              <a:rPr lang="en-US" altLang="zh-TW" sz="2000" i="1" dirty="0"/>
               <a:t>Data-Intensive Text Processing with </a:t>
             </a:r>
             <a:r>
-              <a:rPr lang="en-US" altLang="zh-TW" sz="2000" i="1" dirty="0" err="1" smtClean="0"/>
+              <a:rPr lang="en-US" altLang="zh-TW" sz="2000" i="1" dirty="0" err="1"/>
               <a:t>MapReduce</a:t>
             </a:r>
             <a:r>
-              <a:rPr lang="en-US" altLang="zh-TW" sz="2000" dirty="0" smtClean="0"/>
+              <a:rPr lang="en-US" altLang="zh-TW" sz="2000" dirty="0"/>
               <a:t>, Morgan &amp; Claypool Publishers, 2010.</a:t>
             </a:r>
           </a:p>
@@ -29749,39 +29473,39 @@
               <a:defRPr/>
             </a:pPr>
             <a:r>
-              <a:rPr lang="en-US" altLang="zh-TW" sz="2000" dirty="0" smtClean="0"/>
+              <a:rPr lang="en-US" altLang="zh-TW" sz="2000" dirty="0"/>
               <a:t>Jure </a:t>
             </a:r>
             <a:r>
-              <a:rPr lang="en-US" altLang="zh-TW" sz="2000" dirty="0" err="1" smtClean="0"/>
+              <a:rPr lang="en-US" altLang="zh-TW" sz="2000" dirty="0" err="1"/>
               <a:t>Leskovec</a:t>
             </a:r>
             <a:r>
-              <a:rPr lang="en-US" altLang="zh-TW" sz="2000" dirty="0" smtClean="0"/>
+              <a:rPr lang="en-US" altLang="zh-TW" sz="2000" dirty="0"/>
               <a:t>, </a:t>
             </a:r>
             <a:r>
-              <a:rPr lang="en-US" altLang="zh-TW" sz="2000" dirty="0" err="1" smtClean="0"/>
+              <a:rPr lang="en-US" altLang="zh-TW" sz="2000" dirty="0" err="1"/>
               <a:t>Anand</a:t>
             </a:r>
             <a:r>
-              <a:rPr lang="en-US" altLang="zh-TW" sz="2000" dirty="0" smtClean="0"/>
+              <a:rPr lang="en-US" altLang="zh-TW" sz="2000" dirty="0"/>
               <a:t> </a:t>
             </a:r>
             <a:r>
-              <a:rPr lang="en-US" altLang="zh-TW" sz="2000" dirty="0" err="1" smtClean="0"/>
+              <a:rPr lang="en-US" altLang="zh-TW" sz="2000" dirty="0" err="1"/>
               <a:t>Rajaraman</a:t>
             </a:r>
             <a:r>
-              <a:rPr lang="en-US" altLang="zh-TW" sz="2000" dirty="0" smtClean="0"/>
+              <a:rPr lang="en-US" altLang="zh-TW" sz="2000" dirty="0"/>
               <a:t>, Jeffrey David Ullman, </a:t>
             </a:r>
             <a:r>
-              <a:rPr lang="en-US" altLang="zh-TW" sz="2000" i="1" dirty="0" smtClean="0"/>
+              <a:rPr lang="en-US" altLang="zh-TW" sz="2000" i="1" dirty="0"/>
               <a:t>Mining of Massive Datasets</a:t>
             </a:r>
             <a:r>
-              <a:rPr lang="en-US" altLang="zh-TW" sz="2000" dirty="0" smtClean="0"/>
+              <a:rPr lang="en-US" altLang="zh-TW" sz="2000" dirty="0"/>
               <a:t>, 3rd Edition, Cambridge University Press, 2020. </a:t>
             </a:r>
           </a:p>
@@ -29790,13 +29514,13 @@
               <a:defRPr/>
             </a:pPr>
             <a:r>
-              <a:rPr lang="en-US" altLang="zh-TW" sz="1600" dirty="0" smtClean="0">
+              <a:rPr lang="en-US" altLang="zh-TW" sz="1600" dirty="0">
                 <a:hlinkClick r:id="rId3"/>
               </a:rPr>
               <a:t>http://www.mmds.org/</a:t>
             </a:r>
             <a:r>
-              <a:rPr lang="en-US" altLang="zh-TW" sz="1600" dirty="0" smtClean="0"/>
+              <a:rPr lang="en-US" altLang="zh-TW" sz="1600" dirty="0"/>
               <a:t> </a:t>
             </a:r>
           </a:p>
@@ -29805,7 +29529,7 @@
               <a:defRPr/>
             </a:pPr>
             <a:r>
-              <a:rPr lang="en-US" altLang="zh-TW" sz="2400" dirty="0" smtClean="0"/>
+              <a:rPr lang="en-US" altLang="zh-TW" sz="2400" dirty="0"/>
               <a:t>Official online documents: Hadoop, Spark, …</a:t>
             </a:r>
           </a:p>
@@ -29814,7 +29538,7 @@
               <a:defRPr/>
             </a:pPr>
             <a:r>
-              <a:rPr lang="en-US" altLang="zh-TW" sz="2400" dirty="0" smtClean="0"/>
+              <a:rPr lang="en-US" altLang="zh-TW" sz="2400" dirty="0"/>
               <a:t>Academic papers</a:t>
             </a:r>
           </a:p>
@@ -29822,7 +29546,7 @@
             <a:pPr eaLnBrk="1" hangingPunct="1">
               <a:defRPr/>
             </a:pPr>
-            <a:endParaRPr lang="en-US" altLang="zh-TW" sz="2800" dirty="0" smtClean="0"/>
+            <a:endParaRPr lang="en-US" altLang="zh-TW" sz="2800" dirty="0"/>
           </a:p>
         </p:txBody>
       </p:sp>
@@ -29831,13 +29555,6 @@
   <p:clrMapOvr>
     <a:masterClrMapping/>
   </p:clrMapOvr>
-  <p:timing>
-    <p:tnLst>
-      <p:par>
-        <p:cTn id="1" dur="indefinite" restart="never" nodeType="tmRoot"/>
-      </p:par>
-    </p:tnLst>
-  </p:timing>
 </p:sld>
 </file>
 

--- a/EDM/00-overview.pptx
+++ b/EDM/00-overview.pptx
@@ -5,10 +5,10 @@
     <p:sldMasterId id="2147483648" r:id="rId1"/>
   </p:sldMasterIdLst>
   <p:notesMasterIdLst>
-    <p:notesMasterId r:id="rId36"/>
+    <p:notesMasterId r:id="rId35"/>
   </p:notesMasterIdLst>
   <p:handoutMasterIdLst>
-    <p:handoutMasterId r:id="rId37"/>
+    <p:handoutMasterId r:id="rId36"/>
   </p:handoutMasterIdLst>
   <p:sldIdLst>
     <p:sldId id="256" r:id="rId2"/>
@@ -42,9 +42,8 @@
     <p:sldId id="431" r:id="rId30"/>
     <p:sldId id="432" r:id="rId31"/>
     <p:sldId id="433" r:id="rId32"/>
-    <p:sldId id="434" r:id="rId33"/>
-    <p:sldId id="436" r:id="rId34"/>
-    <p:sldId id="293" r:id="rId35"/>
+    <p:sldId id="436" r:id="rId33"/>
+    <p:sldId id="293" r:id="rId34"/>
   </p:sldIdLst>
   <p:sldSz cx="9144000" cy="6858000" type="screen4x3"/>
   <p:notesSz cx="6669088" cy="9928225"/>
@@ -2609,7 +2608,7 @@
                   <a:spcPct val="0"/>
                 </a:spcBef>
               </a:pPr>
-              <a:t>34</a:t>
+              <a:t>33</a:t>
             </a:fld>
             <a:endParaRPr lang="en-US" altLang="zh-TW"/>
           </a:p>
@@ -8008,7 +8007,15 @@
             <a:pPr eaLnBrk="1" hangingPunct="1"/>
             <a:r>
               <a:rPr lang="en-US" altLang="zh-TW" dirty="0"/>
-              <a:t>Sep. 2, 2024</a:t>
+              <a:t>Sep. </a:t>
+            </a:r>
+            <a:r>
+              <a:rPr lang="en-US" altLang="zh-TW"/>
+              <a:t>9, </a:t>
+            </a:r>
+            <a:r>
+              <a:rPr lang="en-US" altLang="zh-TW" dirty="0"/>
+              <a:t>2024</a:t>
             </a:r>
           </a:p>
         </p:txBody>
@@ -23009,7 +23016,7 @@
             </a:pPr>
             <a:r>
               <a:rPr lang="en-US" altLang="zh-TW" sz="2800" dirty="0"/>
-              <a:t>Time: 13:10-15:00pm, Tue., 9:10-10:00am, Wed.</a:t>
+              <a:t>Time: 10:10-12:00am, Mon., 9:10-10:00am, Wed.</a:t>
             </a:r>
           </a:p>
           <a:p>
@@ -24479,686 +24486,6 @@
       </p:grpSpPr>
       <p:sp>
         <p:nvSpPr>
-          <p:cNvPr id="58370" name="標題 1"/>
-          <p:cNvSpPr>
-            <a:spLocks noGrp="1"/>
-          </p:cNvSpPr>
-          <p:nvPr>
-            <p:ph type="title"/>
-          </p:nvPr>
-        </p:nvSpPr>
-        <p:spPr/>
-        <p:txBody>
-          <a:bodyPr/>
-          <a:lstStyle/>
-          <a:p>
-            <a:endParaRPr lang="zh-TW" altLang="en-US"/>
-          </a:p>
-        </p:txBody>
-      </p:sp>
-      <p:sp>
-        <p:nvSpPr>
-          <p:cNvPr id="3" name="內容版面配置區 2"/>
-          <p:cNvSpPr>
-            <a:spLocks noGrp="1"/>
-          </p:cNvSpPr>
-          <p:nvPr>
-            <p:ph idx="1"/>
-          </p:nvPr>
-        </p:nvSpPr>
-        <p:spPr/>
-        <p:txBody>
-          <a:bodyPr>
-            <a:normAutofit fontScale="92500" lnSpcReduction="20000"/>
-          </a:bodyPr>
-          <a:lstStyle/>
-          <a:p>
-            <a:pPr>
-              <a:defRPr/>
-            </a:pPr>
-            <a:r>
-              <a:rPr lang="en-US" altLang="zh-TW" dirty="0"/>
-              <a:t>Web and IR </a:t>
-            </a:r>
-          </a:p>
-          <a:p>
-            <a:pPr lvl="1">
-              <a:defRPr/>
-            </a:pPr>
-            <a:r>
-              <a:rPr lang="en-US" altLang="zh-TW" dirty="0"/>
-              <a:t>Conferences: </a:t>
-            </a:r>
-            <a:r>
-              <a:rPr lang="en-US" altLang="zh-TW" dirty="0">
-                <a:solidFill>
-                  <a:srgbClr val="FF0000"/>
-                </a:solidFill>
-              </a:rPr>
-              <a:t>ACM SIGIR</a:t>
-            </a:r>
-            <a:r>
-              <a:rPr lang="en-US" altLang="zh-TW" dirty="0"/>
-              <a:t>, WWW, CIKM, etc.</a:t>
-            </a:r>
-          </a:p>
-          <a:p>
-            <a:pPr lvl="1">
-              <a:defRPr/>
-            </a:pPr>
-            <a:r>
-              <a:rPr lang="en-US" altLang="zh-TW" dirty="0"/>
-              <a:t>Journals: WWW: Internet and Web Information Systems, </a:t>
-            </a:r>
-          </a:p>
-          <a:p>
-            <a:pPr>
-              <a:defRPr/>
-            </a:pPr>
-            <a:r>
-              <a:rPr lang="en-US" altLang="zh-TW" dirty="0"/>
-              <a:t>Statistics</a:t>
-            </a:r>
-          </a:p>
-          <a:p>
-            <a:pPr lvl="1">
-              <a:defRPr/>
-            </a:pPr>
-            <a:r>
-              <a:rPr lang="en-US" altLang="zh-TW" dirty="0"/>
-              <a:t>Conferences: Joint Stat. Meeting, etc.</a:t>
-            </a:r>
-          </a:p>
-          <a:p>
-            <a:pPr lvl="1">
-              <a:defRPr/>
-            </a:pPr>
-            <a:r>
-              <a:rPr lang="en-US" altLang="zh-TW" dirty="0"/>
-              <a:t>Journals: Annals of statistics, etc.</a:t>
-            </a:r>
-          </a:p>
-          <a:p>
-            <a:pPr>
-              <a:defRPr/>
-            </a:pPr>
-            <a:r>
-              <a:rPr lang="en-US" altLang="zh-TW" dirty="0"/>
-              <a:t>Visualization</a:t>
-            </a:r>
-          </a:p>
-          <a:p>
-            <a:pPr lvl="1">
-              <a:defRPr/>
-            </a:pPr>
-            <a:r>
-              <a:rPr lang="en-US" altLang="zh-TW" dirty="0"/>
-              <a:t>Conferences: CHI, </a:t>
-            </a:r>
-            <a:r>
-              <a:rPr lang="en-US" altLang="zh-TW" dirty="0">
-                <a:solidFill>
-                  <a:srgbClr val="FF0000"/>
-                </a:solidFill>
-              </a:rPr>
-              <a:t>ACM-</a:t>
-            </a:r>
-            <a:r>
-              <a:rPr lang="en-US" altLang="zh-TW" dirty="0" err="1">
-                <a:solidFill>
-                  <a:srgbClr val="FF0000"/>
-                </a:solidFill>
-              </a:rPr>
-              <a:t>SIGGraph</a:t>
-            </a:r>
-            <a:r>
-              <a:rPr lang="en-US" altLang="zh-TW" dirty="0"/>
-              <a:t>, etc.</a:t>
-            </a:r>
-          </a:p>
-          <a:p>
-            <a:pPr lvl="1">
-              <a:defRPr/>
-            </a:pPr>
-            <a:r>
-              <a:rPr lang="en-US" altLang="zh-TW" dirty="0"/>
-              <a:t>Journals: IEEE Trans. visualization and computer graphics, etc.</a:t>
-            </a:r>
-          </a:p>
-          <a:p>
-            <a:pPr>
-              <a:defRPr/>
-            </a:pPr>
-            <a:endParaRPr lang="zh-TW" altLang="en-US" dirty="0"/>
-          </a:p>
-        </p:txBody>
-      </p:sp>
-      <p:sp>
-        <p:nvSpPr>
-          <p:cNvPr id="58372" name="日期版面配置區 3"/>
-          <p:cNvSpPr>
-            <a:spLocks noGrp="1"/>
-          </p:cNvSpPr>
-          <p:nvPr>
-            <p:ph type="dt" sz="quarter" idx="10"/>
-          </p:nvPr>
-        </p:nvSpPr>
-        <p:spPr>
-          <a:noFill/>
-        </p:spPr>
-        <p:txBody>
-          <a:bodyPr/>
-          <a:lstStyle>
-            <a:lvl1pPr>
-              <a:spcBef>
-                <a:spcPct val="20000"/>
-              </a:spcBef>
-              <a:buChar char="•"/>
-              <a:defRPr kumimoji="1" sz="3200">
-                <a:solidFill>
-                  <a:schemeClr val="tx1"/>
-                </a:solidFill>
-                <a:latin typeface="Book Antiqua" panose="02040602050305030304" pitchFamily="18" charset="0"/>
-                <a:ea typeface="新細明體" panose="02020500000000000000" pitchFamily="18" charset="-120"/>
-              </a:defRPr>
-            </a:lvl1pPr>
-            <a:lvl2pPr marL="742950" indent="-285750">
-              <a:spcBef>
-                <a:spcPct val="20000"/>
-              </a:spcBef>
-              <a:buChar char="–"/>
-              <a:defRPr kumimoji="1" sz="2800">
-                <a:solidFill>
-                  <a:schemeClr val="tx1"/>
-                </a:solidFill>
-                <a:latin typeface="Book Antiqua" panose="02040602050305030304" pitchFamily="18" charset="0"/>
-                <a:ea typeface="新細明體" panose="02020500000000000000" pitchFamily="18" charset="-120"/>
-              </a:defRPr>
-            </a:lvl2pPr>
-            <a:lvl3pPr marL="1143000" indent="-228600">
-              <a:spcBef>
-                <a:spcPct val="20000"/>
-              </a:spcBef>
-              <a:buChar char="•"/>
-              <a:defRPr kumimoji="1" sz="2400">
-                <a:solidFill>
-                  <a:schemeClr val="tx1"/>
-                </a:solidFill>
-                <a:latin typeface="Book Antiqua" panose="02040602050305030304" pitchFamily="18" charset="0"/>
-                <a:ea typeface="新細明體" panose="02020500000000000000" pitchFamily="18" charset="-120"/>
-              </a:defRPr>
-            </a:lvl3pPr>
-            <a:lvl4pPr marL="1600200" indent="-228600">
-              <a:spcBef>
-                <a:spcPct val="20000"/>
-              </a:spcBef>
-              <a:buChar char="–"/>
-              <a:defRPr kumimoji="1" sz="2000">
-                <a:solidFill>
-                  <a:schemeClr val="tx1"/>
-                </a:solidFill>
-                <a:latin typeface="Book Antiqua" panose="02040602050305030304" pitchFamily="18" charset="0"/>
-                <a:ea typeface="新細明體" panose="02020500000000000000" pitchFamily="18" charset="-120"/>
-              </a:defRPr>
-            </a:lvl4pPr>
-            <a:lvl5pPr marL="2057400" indent="-228600">
-              <a:spcBef>
-                <a:spcPct val="20000"/>
-              </a:spcBef>
-              <a:buChar char="»"/>
-              <a:defRPr kumimoji="1" sz="2000">
-                <a:solidFill>
-                  <a:schemeClr val="tx1"/>
-                </a:solidFill>
-                <a:latin typeface="Book Antiqua" panose="02040602050305030304" pitchFamily="18" charset="0"/>
-                <a:ea typeface="新細明體" panose="02020500000000000000" pitchFamily="18" charset="-120"/>
-              </a:defRPr>
-            </a:lvl5pPr>
-            <a:lvl6pPr marL="2514600" indent="-228600" eaLnBrk="0" fontAlgn="base" hangingPunct="0">
-              <a:spcBef>
-                <a:spcPct val="20000"/>
-              </a:spcBef>
-              <a:spcAft>
-                <a:spcPct val="0"/>
-              </a:spcAft>
-              <a:buChar char="»"/>
-              <a:defRPr kumimoji="1" sz="2000">
-                <a:solidFill>
-                  <a:schemeClr val="tx1"/>
-                </a:solidFill>
-                <a:latin typeface="Book Antiqua" panose="02040602050305030304" pitchFamily="18" charset="0"/>
-                <a:ea typeface="新細明體" panose="02020500000000000000" pitchFamily="18" charset="-120"/>
-              </a:defRPr>
-            </a:lvl6pPr>
-            <a:lvl7pPr marL="2971800" indent="-228600" eaLnBrk="0" fontAlgn="base" hangingPunct="0">
-              <a:spcBef>
-                <a:spcPct val="20000"/>
-              </a:spcBef>
-              <a:spcAft>
-                <a:spcPct val="0"/>
-              </a:spcAft>
-              <a:buChar char="»"/>
-              <a:defRPr kumimoji="1" sz="2000">
-                <a:solidFill>
-                  <a:schemeClr val="tx1"/>
-                </a:solidFill>
-                <a:latin typeface="Book Antiqua" panose="02040602050305030304" pitchFamily="18" charset="0"/>
-                <a:ea typeface="新細明體" panose="02020500000000000000" pitchFamily="18" charset="-120"/>
-              </a:defRPr>
-            </a:lvl7pPr>
-            <a:lvl8pPr marL="3429000" indent="-228600" eaLnBrk="0" fontAlgn="base" hangingPunct="0">
-              <a:spcBef>
-                <a:spcPct val="20000"/>
-              </a:spcBef>
-              <a:spcAft>
-                <a:spcPct val="0"/>
-              </a:spcAft>
-              <a:buChar char="»"/>
-              <a:defRPr kumimoji="1" sz="2000">
-                <a:solidFill>
-                  <a:schemeClr val="tx1"/>
-                </a:solidFill>
-                <a:latin typeface="Book Antiqua" panose="02040602050305030304" pitchFamily="18" charset="0"/>
-                <a:ea typeface="新細明體" panose="02020500000000000000" pitchFamily="18" charset="-120"/>
-              </a:defRPr>
-            </a:lvl8pPr>
-            <a:lvl9pPr marL="3886200" indent="-228600" eaLnBrk="0" fontAlgn="base" hangingPunct="0">
-              <a:spcBef>
-                <a:spcPct val="20000"/>
-              </a:spcBef>
-              <a:spcAft>
-                <a:spcPct val="0"/>
-              </a:spcAft>
-              <a:buChar char="»"/>
-              <a:defRPr kumimoji="1" sz="2000">
-                <a:solidFill>
-                  <a:schemeClr val="tx1"/>
-                </a:solidFill>
-                <a:latin typeface="Book Antiqua" panose="02040602050305030304" pitchFamily="18" charset="0"/>
-                <a:ea typeface="新細明體" panose="02020500000000000000" pitchFamily="18" charset="-120"/>
-              </a:defRPr>
-            </a:lvl9pPr>
-          </a:lstStyle>
-          <a:p>
-            <a:pPr>
-              <a:spcBef>
-                <a:spcPct val="0"/>
-              </a:spcBef>
-              <a:buFontTx/>
-              <a:buNone/>
-            </a:pPr>
-            <a:r>
-              <a:rPr kumimoji="0" lang="en-US" altLang="zh-TW" sz="1400">
-                <a:latin typeface="Arial" panose="020B0604020202020204" pitchFamily="34" charset="0"/>
-              </a:rPr>
-              <a:t>Educational Data Mining, Fall 2024</a:t>
-            </a:r>
-          </a:p>
-        </p:txBody>
-      </p:sp>
-      <p:sp>
-        <p:nvSpPr>
-          <p:cNvPr id="58373" name="頁尾版面配置區 4"/>
-          <p:cNvSpPr>
-            <a:spLocks noGrp="1"/>
-          </p:cNvSpPr>
-          <p:nvPr>
-            <p:ph type="ftr" sz="quarter" idx="11"/>
-          </p:nvPr>
-        </p:nvSpPr>
-        <p:spPr>
-          <a:noFill/>
-        </p:spPr>
-        <p:txBody>
-          <a:bodyPr/>
-          <a:lstStyle>
-            <a:lvl1pPr>
-              <a:spcBef>
-                <a:spcPct val="20000"/>
-              </a:spcBef>
-              <a:buChar char="•"/>
-              <a:defRPr kumimoji="1" sz="3200">
-                <a:solidFill>
-                  <a:schemeClr val="tx1"/>
-                </a:solidFill>
-                <a:latin typeface="Book Antiqua" panose="02040602050305030304" pitchFamily="18" charset="0"/>
-                <a:ea typeface="新細明體" panose="02020500000000000000" pitchFamily="18" charset="-120"/>
-              </a:defRPr>
-            </a:lvl1pPr>
-            <a:lvl2pPr marL="742950" indent="-285750">
-              <a:spcBef>
-                <a:spcPct val="20000"/>
-              </a:spcBef>
-              <a:buChar char="–"/>
-              <a:defRPr kumimoji="1" sz="2800">
-                <a:solidFill>
-                  <a:schemeClr val="tx1"/>
-                </a:solidFill>
-                <a:latin typeface="Book Antiqua" panose="02040602050305030304" pitchFamily="18" charset="0"/>
-                <a:ea typeface="新細明體" panose="02020500000000000000" pitchFamily="18" charset="-120"/>
-              </a:defRPr>
-            </a:lvl2pPr>
-            <a:lvl3pPr marL="1143000" indent="-228600">
-              <a:spcBef>
-                <a:spcPct val="20000"/>
-              </a:spcBef>
-              <a:buChar char="•"/>
-              <a:defRPr kumimoji="1" sz="2400">
-                <a:solidFill>
-                  <a:schemeClr val="tx1"/>
-                </a:solidFill>
-                <a:latin typeface="Book Antiqua" panose="02040602050305030304" pitchFamily="18" charset="0"/>
-                <a:ea typeface="新細明體" panose="02020500000000000000" pitchFamily="18" charset="-120"/>
-              </a:defRPr>
-            </a:lvl3pPr>
-            <a:lvl4pPr marL="1600200" indent="-228600">
-              <a:spcBef>
-                <a:spcPct val="20000"/>
-              </a:spcBef>
-              <a:buChar char="–"/>
-              <a:defRPr kumimoji="1" sz="2000">
-                <a:solidFill>
-                  <a:schemeClr val="tx1"/>
-                </a:solidFill>
-                <a:latin typeface="Book Antiqua" panose="02040602050305030304" pitchFamily="18" charset="0"/>
-                <a:ea typeface="新細明體" panose="02020500000000000000" pitchFamily="18" charset="-120"/>
-              </a:defRPr>
-            </a:lvl4pPr>
-            <a:lvl5pPr marL="2057400" indent="-228600">
-              <a:spcBef>
-                <a:spcPct val="20000"/>
-              </a:spcBef>
-              <a:buChar char="»"/>
-              <a:defRPr kumimoji="1" sz="2000">
-                <a:solidFill>
-                  <a:schemeClr val="tx1"/>
-                </a:solidFill>
-                <a:latin typeface="Book Antiqua" panose="02040602050305030304" pitchFamily="18" charset="0"/>
-                <a:ea typeface="新細明體" panose="02020500000000000000" pitchFamily="18" charset="-120"/>
-              </a:defRPr>
-            </a:lvl5pPr>
-            <a:lvl6pPr marL="2514600" indent="-228600" eaLnBrk="0" fontAlgn="base" hangingPunct="0">
-              <a:spcBef>
-                <a:spcPct val="20000"/>
-              </a:spcBef>
-              <a:spcAft>
-                <a:spcPct val="0"/>
-              </a:spcAft>
-              <a:buChar char="»"/>
-              <a:defRPr kumimoji="1" sz="2000">
-                <a:solidFill>
-                  <a:schemeClr val="tx1"/>
-                </a:solidFill>
-                <a:latin typeface="Book Antiqua" panose="02040602050305030304" pitchFamily="18" charset="0"/>
-                <a:ea typeface="新細明體" panose="02020500000000000000" pitchFamily="18" charset="-120"/>
-              </a:defRPr>
-            </a:lvl6pPr>
-            <a:lvl7pPr marL="2971800" indent="-228600" eaLnBrk="0" fontAlgn="base" hangingPunct="0">
-              <a:spcBef>
-                <a:spcPct val="20000"/>
-              </a:spcBef>
-              <a:spcAft>
-                <a:spcPct val="0"/>
-              </a:spcAft>
-              <a:buChar char="»"/>
-              <a:defRPr kumimoji="1" sz="2000">
-                <a:solidFill>
-                  <a:schemeClr val="tx1"/>
-                </a:solidFill>
-                <a:latin typeface="Book Antiqua" panose="02040602050305030304" pitchFamily="18" charset="0"/>
-                <a:ea typeface="新細明體" panose="02020500000000000000" pitchFamily="18" charset="-120"/>
-              </a:defRPr>
-            </a:lvl7pPr>
-            <a:lvl8pPr marL="3429000" indent="-228600" eaLnBrk="0" fontAlgn="base" hangingPunct="0">
-              <a:spcBef>
-                <a:spcPct val="20000"/>
-              </a:spcBef>
-              <a:spcAft>
-                <a:spcPct val="0"/>
-              </a:spcAft>
-              <a:buChar char="»"/>
-              <a:defRPr kumimoji="1" sz="2000">
-                <a:solidFill>
-                  <a:schemeClr val="tx1"/>
-                </a:solidFill>
-                <a:latin typeface="Book Antiqua" panose="02040602050305030304" pitchFamily="18" charset="0"/>
-                <a:ea typeface="新細明體" panose="02020500000000000000" pitchFamily="18" charset="-120"/>
-              </a:defRPr>
-            </a:lvl8pPr>
-            <a:lvl9pPr marL="3886200" indent="-228600" eaLnBrk="0" fontAlgn="base" hangingPunct="0">
-              <a:spcBef>
-                <a:spcPct val="20000"/>
-              </a:spcBef>
-              <a:spcAft>
-                <a:spcPct val="0"/>
-              </a:spcAft>
-              <a:buChar char="»"/>
-              <a:defRPr kumimoji="1" sz="2000">
-                <a:solidFill>
-                  <a:schemeClr val="tx1"/>
-                </a:solidFill>
-                <a:latin typeface="Book Antiqua" panose="02040602050305030304" pitchFamily="18" charset="0"/>
-                <a:ea typeface="新細明體" panose="02020500000000000000" pitchFamily="18" charset="-120"/>
-              </a:defRPr>
-            </a:lvl9pPr>
-          </a:lstStyle>
-          <a:p>
-            <a:pPr>
-              <a:spcBef>
-                <a:spcPct val="0"/>
-              </a:spcBef>
-              <a:buFontTx/>
-              <a:buNone/>
-            </a:pPr>
-            <a:r>
-              <a:rPr kumimoji="0" lang="en-US" altLang="zh-TW" sz="1400">
-                <a:latin typeface="Arial" panose="020B0604020202020204" pitchFamily="34" charset="0"/>
-              </a:rPr>
-              <a:t>NTUT CSIE</a:t>
-            </a:r>
-          </a:p>
-        </p:txBody>
-      </p:sp>
-      <p:sp>
-        <p:nvSpPr>
-          <p:cNvPr id="58374" name="投影片編號版面配置區 5"/>
-          <p:cNvSpPr>
-            <a:spLocks noGrp="1"/>
-          </p:cNvSpPr>
-          <p:nvPr>
-            <p:ph type="sldNum" sz="quarter" idx="12"/>
-          </p:nvPr>
-        </p:nvSpPr>
-        <p:spPr>
-          <a:noFill/>
-        </p:spPr>
-        <p:txBody>
-          <a:bodyPr/>
-          <a:lstStyle>
-            <a:lvl1pPr>
-              <a:spcBef>
-                <a:spcPct val="20000"/>
-              </a:spcBef>
-              <a:buChar char="•"/>
-              <a:defRPr kumimoji="1" sz="3200">
-                <a:solidFill>
-                  <a:schemeClr val="tx1"/>
-                </a:solidFill>
-                <a:latin typeface="Book Antiqua" panose="02040602050305030304" pitchFamily="18" charset="0"/>
-                <a:ea typeface="新細明體" panose="02020500000000000000" pitchFamily="18" charset="-120"/>
-              </a:defRPr>
-            </a:lvl1pPr>
-            <a:lvl2pPr marL="742950" indent="-285750">
-              <a:spcBef>
-                <a:spcPct val="20000"/>
-              </a:spcBef>
-              <a:buChar char="–"/>
-              <a:defRPr kumimoji="1" sz="2800">
-                <a:solidFill>
-                  <a:schemeClr val="tx1"/>
-                </a:solidFill>
-                <a:latin typeface="Book Antiqua" panose="02040602050305030304" pitchFamily="18" charset="0"/>
-                <a:ea typeface="新細明體" panose="02020500000000000000" pitchFamily="18" charset="-120"/>
-              </a:defRPr>
-            </a:lvl2pPr>
-            <a:lvl3pPr marL="1143000" indent="-228600">
-              <a:spcBef>
-                <a:spcPct val="20000"/>
-              </a:spcBef>
-              <a:buChar char="•"/>
-              <a:defRPr kumimoji="1" sz="2400">
-                <a:solidFill>
-                  <a:schemeClr val="tx1"/>
-                </a:solidFill>
-                <a:latin typeface="Book Antiqua" panose="02040602050305030304" pitchFamily="18" charset="0"/>
-                <a:ea typeface="新細明體" panose="02020500000000000000" pitchFamily="18" charset="-120"/>
-              </a:defRPr>
-            </a:lvl3pPr>
-            <a:lvl4pPr marL="1600200" indent="-228600">
-              <a:spcBef>
-                <a:spcPct val="20000"/>
-              </a:spcBef>
-              <a:buChar char="–"/>
-              <a:defRPr kumimoji="1" sz="2000">
-                <a:solidFill>
-                  <a:schemeClr val="tx1"/>
-                </a:solidFill>
-                <a:latin typeface="Book Antiqua" panose="02040602050305030304" pitchFamily="18" charset="0"/>
-                <a:ea typeface="新細明體" panose="02020500000000000000" pitchFamily="18" charset="-120"/>
-              </a:defRPr>
-            </a:lvl4pPr>
-            <a:lvl5pPr marL="2057400" indent="-228600">
-              <a:spcBef>
-                <a:spcPct val="20000"/>
-              </a:spcBef>
-              <a:buChar char="»"/>
-              <a:defRPr kumimoji="1" sz="2000">
-                <a:solidFill>
-                  <a:schemeClr val="tx1"/>
-                </a:solidFill>
-                <a:latin typeface="Book Antiqua" panose="02040602050305030304" pitchFamily="18" charset="0"/>
-                <a:ea typeface="新細明體" panose="02020500000000000000" pitchFamily="18" charset="-120"/>
-              </a:defRPr>
-            </a:lvl5pPr>
-            <a:lvl6pPr marL="2514600" indent="-228600" eaLnBrk="0" fontAlgn="base" hangingPunct="0">
-              <a:spcBef>
-                <a:spcPct val="20000"/>
-              </a:spcBef>
-              <a:spcAft>
-                <a:spcPct val="0"/>
-              </a:spcAft>
-              <a:buChar char="»"/>
-              <a:defRPr kumimoji="1" sz="2000">
-                <a:solidFill>
-                  <a:schemeClr val="tx1"/>
-                </a:solidFill>
-                <a:latin typeface="Book Antiqua" panose="02040602050305030304" pitchFamily="18" charset="0"/>
-                <a:ea typeface="新細明體" panose="02020500000000000000" pitchFamily="18" charset="-120"/>
-              </a:defRPr>
-            </a:lvl6pPr>
-            <a:lvl7pPr marL="2971800" indent="-228600" eaLnBrk="0" fontAlgn="base" hangingPunct="0">
-              <a:spcBef>
-                <a:spcPct val="20000"/>
-              </a:spcBef>
-              <a:spcAft>
-                <a:spcPct val="0"/>
-              </a:spcAft>
-              <a:buChar char="»"/>
-              <a:defRPr kumimoji="1" sz="2000">
-                <a:solidFill>
-                  <a:schemeClr val="tx1"/>
-                </a:solidFill>
-                <a:latin typeface="Book Antiqua" panose="02040602050305030304" pitchFamily="18" charset="0"/>
-                <a:ea typeface="新細明體" panose="02020500000000000000" pitchFamily="18" charset="-120"/>
-              </a:defRPr>
-            </a:lvl7pPr>
-            <a:lvl8pPr marL="3429000" indent="-228600" eaLnBrk="0" fontAlgn="base" hangingPunct="0">
-              <a:spcBef>
-                <a:spcPct val="20000"/>
-              </a:spcBef>
-              <a:spcAft>
-                <a:spcPct val="0"/>
-              </a:spcAft>
-              <a:buChar char="»"/>
-              <a:defRPr kumimoji="1" sz="2000">
-                <a:solidFill>
-                  <a:schemeClr val="tx1"/>
-                </a:solidFill>
-                <a:latin typeface="Book Antiqua" panose="02040602050305030304" pitchFamily="18" charset="0"/>
-                <a:ea typeface="新細明體" panose="02020500000000000000" pitchFamily="18" charset="-120"/>
-              </a:defRPr>
-            </a:lvl8pPr>
-            <a:lvl9pPr marL="3886200" indent="-228600" eaLnBrk="0" fontAlgn="base" hangingPunct="0">
-              <a:spcBef>
-                <a:spcPct val="20000"/>
-              </a:spcBef>
-              <a:spcAft>
-                <a:spcPct val="0"/>
-              </a:spcAft>
-              <a:buChar char="»"/>
-              <a:defRPr kumimoji="1" sz="2000">
-                <a:solidFill>
-                  <a:schemeClr val="tx1"/>
-                </a:solidFill>
-                <a:latin typeface="Book Antiqua" panose="02040602050305030304" pitchFamily="18" charset="0"/>
-                <a:ea typeface="新細明體" panose="02020500000000000000" pitchFamily="18" charset="-120"/>
-              </a:defRPr>
-            </a:lvl9pPr>
-          </a:lstStyle>
-          <a:p>
-            <a:pPr>
-              <a:spcBef>
-                <a:spcPct val="0"/>
-              </a:spcBef>
-              <a:buFontTx/>
-              <a:buNone/>
-            </a:pPr>
-            <a:fld id="{764C3431-5EF7-4F81-8AA3-EE2C5E4046B6}" type="slidenum">
-              <a:rPr kumimoji="0" lang="en-US" altLang="zh-TW" sz="1400" smtClean="0">
-                <a:latin typeface="Arial" panose="020B0604020202020204" pitchFamily="34" charset="0"/>
-              </a:rPr>
-              <a:pPr>
-                <a:spcBef>
-                  <a:spcPct val="0"/>
-                </a:spcBef>
-                <a:buFontTx/>
-                <a:buNone/>
-              </a:pPr>
-              <a:t>32</a:t>
-            </a:fld>
-            <a:endParaRPr kumimoji="0" lang="en-US" altLang="zh-TW" sz="1400">
-              <a:latin typeface="Arial" panose="020B0604020202020204" pitchFamily="34" charset="0"/>
-            </a:endParaRPr>
-          </a:p>
-        </p:txBody>
-      </p:sp>
-    </p:spTree>
-  </p:cSld>
-  <p:clrMapOvr>
-    <a:masterClrMapping/>
-  </p:clrMapOvr>
-</p:sld>
-</file>
-
-<file path=ppt/slides/slide33.xml><?xml version="1.0" encoding="utf-8"?>
-<p:sld xmlns:a="http://schemas.openxmlformats.org/drawingml/2006/main" xmlns:r="http://schemas.openxmlformats.org/officeDocument/2006/relationships" xmlns:p="http://schemas.openxmlformats.org/presentationml/2006/main">
-  <p:cSld>
-    <p:spTree>
-      <p:nvGrpSpPr>
-        <p:cNvPr id="1" name=""/>
-        <p:cNvGrpSpPr/>
-        <p:nvPr/>
-      </p:nvGrpSpPr>
-      <p:grpSpPr>
-        <a:xfrm>
-          <a:off x="0" y="0"/>
-          <a:ext cx="0" cy="0"/>
-          <a:chOff x="0" y="0"/>
-          <a:chExt cx="0" cy="0"/>
-        </a:xfrm>
-      </p:grpSpPr>
-      <p:sp>
-        <p:nvSpPr>
           <p:cNvPr id="60418" name="標題 1"/>
           <p:cNvSpPr>
             <a:spLocks noGrp="1"/>
@@ -25722,7 +25049,7 @@
                 <a:buFontTx/>
                 <a:buNone/>
               </a:pPr>
-              <a:t>33</a:t>
+              <a:t>32</a:t>
             </a:fld>
             <a:endParaRPr kumimoji="0" lang="en-US" altLang="zh-TW" sz="1400">
               <a:latin typeface="Arial" panose="020B0604020202020204" pitchFamily="34" charset="0"/>
@@ -25792,7 +25119,7 @@
 </p:sld>
 </file>
 
-<file path=ppt/slides/slide34.xml><?xml version="1.0" encoding="utf-8"?>
+<file path=ppt/slides/slide33.xml><?xml version="1.0" encoding="utf-8"?>
 <p:sld xmlns:a="http://schemas.openxmlformats.org/drawingml/2006/main" xmlns:r="http://schemas.openxmlformats.org/officeDocument/2006/relationships" xmlns:p="http://schemas.openxmlformats.org/presentationml/2006/main">
   <p:cSld>
     <p:spTree>
@@ -26300,7 +25627,7 @@
                 <a:buFontTx/>
                 <a:buNone/>
               </a:pPr>
-              <a:t>34</a:t>
+              <a:t>33</a:t>
             </a:fld>
             <a:endParaRPr kumimoji="0" lang="en-US" altLang="zh-TW" sz="1400">
               <a:latin typeface="Arial" panose="020B0604020202020204" pitchFamily="34" charset="0"/>
@@ -27618,27 +26945,27 @@
               </a:lnSpc>
             </a:pPr>
             <a:r>
-              <a:rPr lang="en-US" altLang="zh-TW" sz="1800" dirty="0" err="1"/>
+              <a:rPr lang="en-US" altLang="zh-TW" sz="2000" dirty="0" err="1"/>
               <a:t>Jiawei</a:t>
             </a:r>
             <a:r>
-              <a:rPr lang="en-US" altLang="zh-TW" sz="1800" dirty="0"/>
+              <a:rPr lang="en-US" altLang="zh-TW" sz="2000" dirty="0"/>
               <a:t> Han, Jian Pei, and </a:t>
             </a:r>
             <a:r>
-              <a:rPr lang="en-US" altLang="zh-TW" sz="1800" dirty="0" err="1"/>
+              <a:rPr lang="en-US" altLang="zh-TW" sz="2000" dirty="0" err="1"/>
               <a:t>Hanghang</a:t>
             </a:r>
             <a:r>
-              <a:rPr lang="en-US" altLang="zh-TW" sz="1800" dirty="0"/>
+              <a:rPr lang="en-US" altLang="zh-TW" sz="2000" dirty="0"/>
               <a:t> Tong, </a:t>
             </a:r>
             <a:r>
-              <a:rPr lang="en-US" altLang="zh-TW" sz="1800" i="1" dirty="0"/>
+              <a:rPr lang="en-US" altLang="zh-TW" sz="2000" i="1" dirty="0"/>
               <a:t>Data Mining: Concepts and Techniques, 4th ed.</a:t>
             </a:r>
             <a:r>
-              <a:rPr lang="en-US" altLang="zh-TW" sz="1800" dirty="0"/>
+              <a:rPr lang="en-US" altLang="zh-TW" sz="2000" dirty="0"/>
               <a:t>, Morgan Kaufmann Publishers, Oct. 2022. [DM4] (selected chapters)</a:t>
             </a:r>
           </a:p>

--- a/EDM/00-overview.pptx
+++ b/EDM/00-overview.pptx
@@ -4546,7 +4546,7 @@
             </a:pPr>
             <a:r>
               <a:rPr lang="en-US" altLang="zh-TW"/>
-              <a:t>Educational Data Mining, Fall 2024</a:t>
+              <a:t>Educational Data Mining, Fall 2025</a:t>
             </a:r>
           </a:p>
         </p:txBody>
@@ -4746,7 +4746,7 @@
             </a:pPr>
             <a:r>
               <a:rPr lang="en-US" altLang="zh-TW"/>
-              <a:t>Educational Data Mining, Fall 2024</a:t>
+              <a:t>Educational Data Mining, Fall 2025</a:t>
             </a:r>
           </a:p>
         </p:txBody>
@@ -4956,7 +4956,7 @@
             </a:pPr>
             <a:r>
               <a:rPr lang="en-US" altLang="zh-TW"/>
-              <a:t>Educational Data Mining, Fall 2024</a:t>
+              <a:t>Educational Data Mining, Fall 2025</a:t>
             </a:r>
           </a:p>
         </p:txBody>
@@ -5156,7 +5156,7 @@
             </a:pPr>
             <a:r>
               <a:rPr lang="en-US" altLang="zh-TW"/>
-              <a:t>Educational Data Mining, Fall 2024</a:t>
+              <a:t>Educational Data Mining, Fall 2025</a:t>
             </a:r>
           </a:p>
         </p:txBody>
@@ -5379,7 +5379,7 @@
             </a:pPr>
             <a:r>
               <a:rPr lang="en-US" altLang="zh-TW"/>
-              <a:t>Educational Data Mining, Fall 2024</a:t>
+              <a:t>Educational Data Mining, Fall 2025</a:t>
             </a:r>
           </a:p>
         </p:txBody>
@@ -5696,7 +5696,7 @@
             </a:pPr>
             <a:r>
               <a:rPr lang="en-US" altLang="zh-TW"/>
-              <a:t>Educational Data Mining, Fall 2024</a:t>
+              <a:t>Educational Data Mining, Fall 2025</a:t>
             </a:r>
           </a:p>
         </p:txBody>
@@ -6147,7 +6147,7 @@
             </a:pPr>
             <a:r>
               <a:rPr lang="en-US" altLang="zh-TW"/>
-              <a:t>Educational Data Mining, Fall 2024</a:t>
+              <a:t>Educational Data Mining, Fall 2025</a:t>
             </a:r>
           </a:p>
         </p:txBody>
@@ -6296,7 +6296,7 @@
             </a:pPr>
             <a:r>
               <a:rPr lang="en-US" altLang="zh-TW"/>
-              <a:t>Educational Data Mining, Fall 2024</a:t>
+              <a:t>Educational Data Mining, Fall 2025</a:t>
             </a:r>
           </a:p>
         </p:txBody>
@@ -6423,7 +6423,7 @@
             </a:pPr>
             <a:r>
               <a:rPr lang="en-US" altLang="zh-TW"/>
-              <a:t>Educational Data Mining, Fall 2024</a:t>
+              <a:t>Educational Data Mining, Fall 2025</a:t>
             </a:r>
           </a:p>
         </p:txBody>
@@ -6730,7 +6730,7 @@
             </a:pPr>
             <a:r>
               <a:rPr lang="en-US" altLang="zh-TW"/>
-              <a:t>Educational Data Mining, Fall 2024</a:t>
+              <a:t>Educational Data Mining, Fall 2025</a:t>
             </a:r>
           </a:p>
         </p:txBody>
@@ -7015,7 +7015,7 @@
             </a:pPr>
             <a:r>
               <a:rPr lang="en-US" altLang="zh-TW"/>
-              <a:t>Educational Data Mining, Fall 2024</a:t>
+              <a:t>Educational Data Mining, Fall 2025</a:t>
             </a:r>
           </a:p>
         </p:txBody>
@@ -7360,7 +7360,7 @@
             </a:pPr>
             <a:r>
               <a:rPr lang="en-US" altLang="zh-TW"/>
-              <a:t>Educational Data Mining, Fall 2024</a:t>
+              <a:t>Educational Data Mining, Fall 2025</a:t>
             </a:r>
           </a:p>
         </p:txBody>
@@ -8007,15 +8007,7 @@
             <a:pPr eaLnBrk="1" hangingPunct="1"/>
             <a:r>
               <a:rPr lang="en-US" altLang="zh-TW" dirty="0"/>
-              <a:t>Sep. </a:t>
-            </a:r>
-            <a:r>
-              <a:rPr lang="en-US" altLang="zh-TW"/>
-              <a:t>9, </a:t>
-            </a:r>
-            <a:r>
-              <a:rPr lang="en-US" altLang="zh-TW" dirty="0"/>
-              <a:t>2024</a:t>
+              <a:t>Aug. 14, 2025</a:t>
             </a:r>
           </a:p>
         </p:txBody>
@@ -8203,7 +8195,7 @@
               <a:rPr kumimoji="0" lang="en-US" altLang="zh-TW" sz="1400">
                 <a:latin typeface="Arial" panose="020B0604020202020204" pitchFamily="34" charset="0"/>
               </a:rPr>
-              <a:t>Educational Data Mining, Fall 2024</a:t>
+              <a:t>Educational Data Mining, Fall 2025</a:t>
             </a:r>
           </a:p>
         </p:txBody>
@@ -8666,7 +8658,7 @@
                   <a:srgbClr val="FF0000"/>
                 </a:solidFill>
               </a:rPr>
-              <a:t>Jan. 10, 2025</a:t>
+              <a:t>Jan. 9, 2026</a:t>
             </a:r>
             <a:r>
               <a:rPr lang="en-US" altLang="zh-TW" dirty="0"/>
@@ -8864,7 +8856,7 @@
               <a:rPr kumimoji="0" lang="en-US" altLang="zh-TW" sz="1400">
                 <a:latin typeface="Arial" panose="020B0604020202020204" pitchFamily="34" charset="0"/>
               </a:rPr>
-              <a:t>Educational Data Mining, Fall 2024</a:t>
+              <a:t>Educational Data Mining, Fall 2025</a:t>
             </a:r>
           </a:p>
         </p:txBody>
@@ -9258,7 +9250,7 @@
                   <a:srgbClr val="0000FF"/>
                 </a:solidFill>
               </a:rPr>
-              <a:t>3</a:t>
+              <a:t>3~4</a:t>
             </a:r>
             <a:r>
               <a:rPr lang="en-US" altLang="zh-TW" sz="2800" dirty="0"/>
@@ -9317,8 +9309,16 @@
               <a:defRPr/>
             </a:pPr>
             <a:r>
+              <a:rPr lang="en-US" altLang="zh-TW" sz="2800" dirty="0">
+                <a:solidFill>
+                  <a:srgbClr val="0000FF"/>
+                </a:solidFill>
+              </a:rPr>
+              <a:t>One</a:t>
+            </a:r>
+            <a:r>
               <a:rPr lang="en-US" altLang="zh-TW" sz="2800" dirty="0"/>
-              <a:t>The term project for educational data analysis or system development</a:t>
+              <a:t> term project for educational data analysis or system development</a:t>
             </a:r>
           </a:p>
           <a:p>
@@ -9345,7 +9345,7 @@
             </a:pPr>
             <a:r>
               <a:rPr lang="en-US" altLang="zh-TW" sz="2800" dirty="0"/>
-              <a:t>Responsibility of each member must be specified in the document</a:t>
+              <a:t>Responsibility of each member must be specified in the document for team-based projects</a:t>
             </a:r>
           </a:p>
         </p:txBody>
@@ -9428,7 +9428,7 @@
                   <a:srgbClr val="FF0000"/>
                 </a:solidFill>
               </a:rPr>
-              <a:t>Nov. 4, 2024</a:t>
+              <a:t>Nov. 4, 2025</a:t>
             </a:r>
           </a:p>
           <a:p>
@@ -9437,7 +9437,7 @@
             </a:pPr>
             <a:r>
               <a:rPr lang="en-US" altLang="zh-TW" dirty="0"/>
-              <a:t>Time: 10:10-12:00</a:t>
+              <a:t>Time: 13:10-15:00</a:t>
             </a:r>
           </a:p>
           <a:p>
@@ -9650,7 +9650,7 @@
               <a:rPr kumimoji="0" lang="en-US" altLang="zh-TW" sz="1400">
                 <a:latin typeface="Arial" panose="020B0604020202020204" pitchFamily="34" charset="0"/>
               </a:rPr>
-              <a:t>Educational Data Mining, Fall 2024</a:t>
+              <a:t>Educational Data Mining, Fall 2025</a:t>
             </a:r>
           </a:p>
         </p:txBody>
@@ -10174,7 +10174,7 @@
               <a:rPr kumimoji="0" lang="en-US" altLang="zh-TW" sz="1400">
                 <a:latin typeface="Arial" panose="020B0604020202020204" pitchFamily="34" charset="0"/>
               </a:rPr>
-              <a:t>Educational Data Mining, Fall 2024</a:t>
+              <a:t>Educational Data Mining, Fall 2025</a:t>
             </a:r>
           </a:p>
         </p:txBody>
@@ -10626,7 +10626,7 @@
             <a:pPr eaLnBrk="1" hangingPunct="1"/>
             <a:r>
               <a:rPr lang="en-US" altLang="zh-TW" sz="2800" dirty="0"/>
-              <a:t>Presentation: 20 minutes per team</a:t>
+              <a:t>Presentation: ~20 minutes per team</a:t>
             </a:r>
           </a:p>
           <a:p>
@@ -10832,7 +10832,7 @@
               <a:rPr kumimoji="0" lang="en-US" altLang="zh-TW" sz="1400">
                 <a:latin typeface="Arial" panose="020B0604020202020204" pitchFamily="34" charset="0"/>
               </a:rPr>
-              <a:t>Educational Data Mining, Fall 2024</a:t>
+              <a:t>Educational Data Mining, Fall 2025</a:t>
             </a:r>
           </a:p>
         </p:txBody>
@@ -11485,7 +11485,7 @@
               <a:rPr kumimoji="0" lang="en-US" altLang="zh-TW" sz="1400">
                 <a:latin typeface="Arial" panose="020B0604020202020204" pitchFamily="34" charset="0"/>
               </a:rPr>
-              <a:t>Educational Data Mining, Fall 2024</a:t>
+              <a:t>Educational Data Mining, Fall 2025</a:t>
             </a:r>
           </a:p>
         </p:txBody>
@@ -11889,7 +11889,7 @@
             <a:pPr lvl="1" eaLnBrk="1" hangingPunct="1"/>
             <a:r>
               <a:rPr lang="en-US" altLang="zh-TW" sz="2400" dirty="0"/>
-              <a:t>How to apply data mining tools in </a:t>
+              <a:t>Apply data mining tools in analyzing </a:t>
             </a:r>
             <a:r>
               <a:rPr lang="en-US" altLang="zh-TW" sz="2400" dirty="0">
@@ -11908,7 +11908,7 @@
             <a:pPr lvl="1" eaLnBrk="1" hangingPunct="1"/>
             <a:r>
               <a:rPr lang="en-US" altLang="zh-TW" sz="2400" dirty="0"/>
-              <a:t>Have an idea of what distributed platforms like Hadoop/Spark can do (if time permits)</a:t>
+              <a:t>Get an idea of what distributed platforms like Hadoop/Spark can do (if time permits)</a:t>
             </a:r>
           </a:p>
           <a:p>
@@ -12017,7 +12017,7 @@
             </a:pPr>
             <a:r>
               <a:rPr lang="en-US" altLang="zh-TW"/>
-              <a:t>Educational Data Mining, Fall 2024</a:t>
+              <a:t>Educational Data Mining, Fall 2025</a:t>
             </a:r>
           </a:p>
         </p:txBody>
@@ -12178,7 +12178,7 @@
             </a:pPr>
             <a:r>
               <a:rPr lang="en-US" altLang="zh-TW"/>
-              <a:t>Educational Data Mining, Fall 2024</a:t>
+              <a:t>Educational Data Mining, Fall 2025</a:t>
             </a:r>
           </a:p>
         </p:txBody>
@@ -12615,7 +12615,7 @@
               <a:rPr kumimoji="0" lang="en-US" altLang="zh-TW" sz="1400">
                 <a:latin typeface="Arial" panose="020B0604020202020204" pitchFamily="34" charset="0"/>
               </a:rPr>
-              <a:t>Educational Data Mining, Fall 2024</a:t>
+              <a:t>Educational Data Mining, Fall 2025</a:t>
             </a:r>
           </a:p>
         </p:txBody>
@@ -13139,7 +13139,7 @@
               <a:rPr kumimoji="0" lang="en-US" altLang="zh-TW" sz="1400">
                 <a:latin typeface="Arial" panose="020B0604020202020204" pitchFamily="34" charset="0"/>
               </a:rPr>
-              <a:t>Educational Data Mining, Fall 2024</a:t>
+              <a:t>Educational Data Mining, Fall 2025</a:t>
             </a:r>
           </a:p>
         </p:txBody>
@@ -13723,7 +13723,7 @@
               <a:rPr kumimoji="0" lang="en-US" altLang="zh-TW" sz="1400">
                 <a:latin typeface="Arial" panose="020B0604020202020204" pitchFamily="34" charset="0"/>
               </a:rPr>
-              <a:t>Educational Data Mining, Fall 2024</a:t>
+              <a:t>Educational Data Mining, Fall 2025</a:t>
             </a:r>
           </a:p>
         </p:txBody>
@@ -14216,7 +14216,7 @@
                   <a:srgbClr val="0000FF"/>
                 </a:solidFill>
               </a:rPr>
-              <a:t>Mr. Wang (@ R1424, Technology Building)</a:t>
+              <a:t>(TBD) (@ R1424, Technology Building)</a:t>
             </a:r>
           </a:p>
           <a:p>
@@ -14415,7 +14415,7 @@
               <a:rPr kumimoji="0" lang="en-US" altLang="zh-TW" sz="1400">
                 <a:latin typeface="Arial" panose="020B0604020202020204" pitchFamily="34" charset="0"/>
               </a:rPr>
-              <a:t>Educational Data Mining, Fall 2024</a:t>
+              <a:t>Educational Data Mining, Fall 2025</a:t>
             </a:r>
           </a:p>
         </p:txBody>
@@ -15174,7 +15174,7 @@
               <a:rPr kumimoji="0" lang="en-US" altLang="zh-TW" sz="1400">
                 <a:latin typeface="Arial" panose="020B0604020202020204" pitchFamily="34" charset="0"/>
               </a:rPr>
-              <a:t>Educational Data Mining, Fall 2024</a:t>
+              <a:t>Educational Data Mining, Fall 2025</a:t>
             </a:r>
           </a:p>
         </p:txBody>
@@ -15810,7 +15810,7 @@
             <p:ph idx="1"/>
             <p:extLst>
               <p:ext uri="{D42A27DB-BD31-4B8C-83A1-F6EECF244321}">
-                <p14:modId xmlns:p14="http://schemas.microsoft.com/office/powerpoint/2010/main" val="536855853"/>
+                <p14:modId xmlns:p14="http://schemas.microsoft.com/office/powerpoint/2010/main" val="4046347350"/>
               </p:ext>
             </p:extLst>
           </p:nvPr>
@@ -16487,7 +16487,7 @@
                     <a:bodyPr/>
                     <a:lstStyle/>
                     <a:p>
-                      <a:pPr marL="0" marR="0" indent="0" algn="l" defTabSz="914400" rtl="0" eaLnBrk="1" fontAlgn="auto" latinLnBrk="0" hangingPunct="1">
+                      <a:pPr marL="0" marR="0" lvl="0" indent="0" algn="l" defTabSz="914400" rtl="0" eaLnBrk="1" fontAlgn="auto" latinLnBrk="0" hangingPunct="1">
                         <a:lnSpc>
                           <a:spcPct val="100000"/>
                         </a:lnSpc>
@@ -16515,6 +16515,29 @@
                           <a:cs typeface="+mn-cs"/>
                         </a:rPr>
                         <a:t>Due: HW#1</a:t>
+                      </a:r>
+                      <a:br>
+                        <a:rPr lang="en-US" altLang="zh-TW" sz="1800" b="1" i="0" kern="1200" dirty="0">
+                          <a:solidFill>
+                            <a:schemeClr val="dk1"/>
+                          </a:solidFill>
+                          <a:effectLst/>
+                          <a:latin typeface="+mn-lt"/>
+                          <a:ea typeface="+mn-ea"/>
+                          <a:cs typeface="+mn-cs"/>
+                        </a:rPr>
+                      </a:br>
+                      <a:r>
+                        <a:rPr lang="en-US" altLang="zh-TW" sz="1800" b="0" i="0" kern="1200" dirty="0">
+                          <a:solidFill>
+                            <a:schemeClr val="dk1"/>
+                          </a:solidFill>
+                          <a:effectLst/>
+                          <a:latin typeface="+mn-lt"/>
+                          <a:ea typeface="+mn-ea"/>
+                          <a:cs typeface="+mn-cs"/>
+                        </a:rPr>
+                        <a:t>HW#2</a:t>
                       </a:r>
                       <a:endParaRPr lang="zh-TW" altLang="en-US" dirty="0"/>
                     </a:p>
@@ -16607,38 +16630,6 @@
                     <a:bodyPr/>
                     <a:lstStyle/>
                     <a:p>
-                      <a:pPr marL="0" marR="0" indent="0" algn="l" defTabSz="914400" rtl="0" eaLnBrk="1" fontAlgn="auto" latinLnBrk="0" hangingPunct="1">
-                        <a:lnSpc>
-                          <a:spcPct val="100000"/>
-                        </a:lnSpc>
-                        <a:spcBef>
-                          <a:spcPts val="0"/>
-                        </a:spcBef>
-                        <a:spcAft>
-                          <a:spcPts val="0"/>
-                        </a:spcAft>
-                        <a:buClrTx/>
-                        <a:buSzTx/>
-                        <a:buFontTx/>
-                        <a:buNone/>
-                        <a:tabLst/>
-                        <a:defRPr/>
-                      </a:pPr>
-                      <a:r>
-                        <a:rPr lang="en-US" altLang="zh-TW" sz="1800" b="0" i="0" kern="1200" dirty="0">
-                          <a:solidFill>
-                            <a:schemeClr val="dk1"/>
-                          </a:solidFill>
-                          <a:effectLst/>
-                          <a:latin typeface="+mn-lt"/>
-                          <a:ea typeface="+mn-ea"/>
-                          <a:cs typeface="+mn-cs"/>
-                        </a:rPr>
-                        <a:t>HW#2</a:t>
-                      </a:r>
-                      <a:endParaRPr lang="zh-TW" altLang="en-US" dirty="0"/>
-                    </a:p>
-                    <a:p>
                       <a:endParaRPr lang="zh-TW" altLang="en-US" dirty="0"/>
                     </a:p>
                   </a:txBody>
@@ -16812,7 +16803,7 @@
               <a:rPr kumimoji="0" lang="en-US" altLang="zh-TW" sz="1400">
                 <a:latin typeface="Arial" panose="020B0604020202020204" pitchFamily="34" charset="0"/>
               </a:rPr>
-              <a:t>Educational Data Mining, Fall 2024</a:t>
+              <a:t>Educational Data Mining, Fall 2025</a:t>
             </a:r>
           </a:p>
         </p:txBody>
@@ -17355,7 +17346,7 @@
               <a:rPr kumimoji="0" lang="en-US" altLang="zh-TW" sz="1400">
                 <a:latin typeface="Arial" panose="020B0604020202020204" pitchFamily="34" charset="0"/>
               </a:rPr>
-              <a:t>Educational Data Mining, Fall 2024</a:t>
+              <a:t>Educational Data Mining, Fall 2025</a:t>
             </a:r>
           </a:p>
         </p:txBody>
@@ -17706,7 +17697,7 @@
             <p:ph idx="1"/>
             <p:extLst>
               <p:ext uri="{D42A27DB-BD31-4B8C-83A1-F6EECF244321}">
-                <p14:modId xmlns:p14="http://schemas.microsoft.com/office/powerpoint/2010/main" val="2672946005"/>
+                <p14:modId xmlns:p14="http://schemas.microsoft.com/office/powerpoint/2010/main" val="2369474765"/>
               </p:ext>
             </p:extLst>
           </p:nvPr>
@@ -17886,6 +17877,32 @@
                     <a:bodyPr/>
                     <a:lstStyle/>
                     <a:p>
+                      <a:r>
+                        <a:rPr lang="en-US" altLang="zh-TW" sz="1800" b="1" i="0" kern="1200" dirty="0">
+                          <a:solidFill>
+                            <a:schemeClr val="dk1"/>
+                          </a:solidFill>
+                          <a:effectLst/>
+                          <a:latin typeface="+mn-lt"/>
+                          <a:ea typeface="+mn-ea"/>
+                          <a:cs typeface="+mn-cs"/>
+                        </a:rPr>
+                        <a:t>Due: HW#2</a:t>
+                      </a:r>
+                    </a:p>
+                    <a:p>
+                      <a:r>
+                        <a:rPr lang="en-US" altLang="zh-TW" sz="1800" b="0" i="0" kern="1200" dirty="0">
+                          <a:solidFill>
+                            <a:schemeClr val="dk1"/>
+                          </a:solidFill>
+                          <a:effectLst/>
+                          <a:latin typeface="+mn-lt"/>
+                          <a:ea typeface="+mn-ea"/>
+                          <a:cs typeface="+mn-cs"/>
+                        </a:rPr>
+                        <a:t>HW#3 </a:t>
+                      </a:r>
                       <a:endParaRPr lang="zh-TW" altLang="en-US" sz="1800" dirty="0"/>
                     </a:p>
                   </a:txBody>
@@ -17998,32 +18015,6 @@
                     <a:bodyPr/>
                     <a:lstStyle/>
                     <a:p>
-                      <a:r>
-                        <a:rPr lang="en-US" altLang="zh-TW" sz="1800" b="1" i="0" kern="1200" dirty="0">
-                          <a:solidFill>
-                            <a:schemeClr val="dk1"/>
-                          </a:solidFill>
-                          <a:effectLst/>
-                          <a:latin typeface="+mn-lt"/>
-                          <a:ea typeface="+mn-ea"/>
-                          <a:cs typeface="+mn-cs"/>
-                        </a:rPr>
-                        <a:t>Due: HW#2</a:t>
-                      </a:r>
-                    </a:p>
-                    <a:p>
-                      <a:r>
-                        <a:rPr lang="en-US" altLang="zh-TW" sz="1800" b="0" i="0" kern="1200" dirty="0">
-                          <a:solidFill>
-                            <a:schemeClr val="dk1"/>
-                          </a:solidFill>
-                          <a:effectLst/>
-                          <a:latin typeface="+mn-lt"/>
-                          <a:ea typeface="+mn-ea"/>
-                          <a:cs typeface="+mn-cs"/>
-                        </a:rPr>
-                        <a:t>HW#3 </a:t>
-                      </a:r>
                       <a:endParaRPr lang="zh-TW" altLang="en-US" sz="1800" dirty="0"/>
                     </a:p>
                   </a:txBody>
@@ -18118,6 +18109,42 @@
                     <a:bodyPr/>
                     <a:lstStyle/>
                     <a:p>
+                      <a:pPr marL="0" marR="0" indent="0" algn="l" defTabSz="914400" rtl="0" eaLnBrk="1" fontAlgn="auto" latinLnBrk="0" hangingPunct="1">
+                        <a:lnSpc>
+                          <a:spcPct val="100000"/>
+                        </a:lnSpc>
+                        <a:spcBef>
+                          <a:spcPts val="0"/>
+                        </a:spcBef>
+                        <a:spcAft>
+                          <a:spcPts val="0"/>
+                        </a:spcAft>
+                        <a:buClrTx/>
+                        <a:buSzTx/>
+                        <a:buFontTx/>
+                        <a:buNone/>
+                        <a:tabLst/>
+                        <a:defRPr/>
+                      </a:pPr>
+                      <a:r>
+                        <a:rPr lang="en-US" altLang="zh-TW" sz="1800" b="0" i="0" kern="1200" dirty="0">
+                          <a:solidFill>
+                            <a:schemeClr val="dk1"/>
+                          </a:solidFill>
+                          <a:effectLst/>
+                          <a:latin typeface="+mn-lt"/>
+                          <a:ea typeface="+mn-ea"/>
+                          <a:cs typeface="+mn-cs"/>
+                        </a:rPr>
+                        <a:t>Due: HW#3</a:t>
+                      </a:r>
+                      <a:endParaRPr lang="zh-TW" altLang="en-US" sz="1800" dirty="0"/>
+                    </a:p>
+                    <a:p>
+                      <a:r>
+                        <a:rPr lang="en-US" altLang="zh-TW" sz="1800" dirty="0"/>
+                        <a:t>Due: Proposal</a:t>
+                      </a:r>
                       <a:endParaRPr lang="zh-TW" altLang="en-US" sz="1800" dirty="0"/>
                     </a:p>
                   </a:txBody>
@@ -18209,7 +18236,7 @@
                     <a:bodyPr/>
                     <a:lstStyle/>
                     <a:p>
-                      <a:pPr marL="0" marR="0" indent="0" algn="l" defTabSz="914400" rtl="0" eaLnBrk="1" fontAlgn="auto" latinLnBrk="0" hangingPunct="1">
+                      <a:pPr marL="0" marR="0" lvl="0" indent="0" algn="l" defTabSz="914400" rtl="0" eaLnBrk="1" fontAlgn="auto" latinLnBrk="0" hangingPunct="1">
                         <a:lnSpc>
                           <a:spcPct val="100000"/>
                         </a:lnSpc>
@@ -18226,25 +18253,6 @@
                         <a:tabLst/>
                         <a:defRPr/>
                       </a:pPr>
-                      <a:r>
-                        <a:rPr lang="en-US" altLang="zh-TW" sz="1800" b="0" i="0" kern="1200" dirty="0">
-                          <a:solidFill>
-                            <a:schemeClr val="dk1"/>
-                          </a:solidFill>
-                          <a:effectLst/>
-                          <a:latin typeface="+mn-lt"/>
-                          <a:ea typeface="+mn-ea"/>
-                          <a:cs typeface="+mn-cs"/>
-                        </a:rPr>
-                        <a:t>Due: HW#3</a:t>
-                      </a:r>
-                      <a:endParaRPr lang="zh-TW" altLang="en-US" sz="1800" dirty="0"/>
-                    </a:p>
-                    <a:p>
-                      <a:r>
-                        <a:rPr lang="en-US" altLang="zh-TW" sz="1800" dirty="0"/>
-                        <a:t>Due: Proposal</a:t>
-                      </a:r>
                       <a:endParaRPr lang="zh-TW" altLang="en-US" sz="1800" dirty="0"/>
                     </a:p>
                   </a:txBody>
@@ -18312,6 +18320,35 @@
                     <a:bodyPr/>
                     <a:lstStyle/>
                     <a:p>
+                      <a:pPr marL="0" marR="0" lvl="0" indent="0" algn="l" defTabSz="914400" rtl="0" eaLnBrk="1" fontAlgn="auto" latinLnBrk="0" hangingPunct="1">
+                        <a:lnSpc>
+                          <a:spcPct val="100000"/>
+                        </a:lnSpc>
+                        <a:spcBef>
+                          <a:spcPts val="0"/>
+                        </a:spcBef>
+                        <a:spcAft>
+                          <a:spcPts val="0"/>
+                        </a:spcAft>
+                        <a:buClrTx/>
+                        <a:buSzTx/>
+                        <a:buFontTx/>
+                        <a:buNone/>
+                        <a:tabLst/>
+                        <a:defRPr/>
+                      </a:pPr>
+                      <a:r>
+                        <a:rPr lang="en-US" altLang="zh-TW" sz="1800" b="0" i="0" kern="1200" dirty="0">
+                          <a:solidFill>
+                            <a:schemeClr val="dk1"/>
+                          </a:solidFill>
+                          <a:effectLst/>
+                          <a:latin typeface="+mn-lt"/>
+                          <a:ea typeface="+mn-ea"/>
+                          <a:cs typeface="+mn-cs"/>
+                        </a:rPr>
+                        <a:t>HW#4</a:t>
+                      </a:r>
                       <a:endParaRPr lang="zh-TW" altLang="en-US" sz="1800" dirty="0"/>
                     </a:p>
                   </a:txBody>
@@ -18460,18 +18497,6 @@
                         <a:tabLst/>
                         <a:defRPr/>
                       </a:pPr>
-                      <a:r>
-                        <a:rPr lang="en-US" altLang="zh-TW" sz="1800" b="0" i="0" kern="1200" dirty="0">
-                          <a:solidFill>
-                            <a:schemeClr val="dk1"/>
-                          </a:solidFill>
-                          <a:effectLst/>
-                          <a:latin typeface="+mn-lt"/>
-                          <a:ea typeface="+mn-ea"/>
-                          <a:cs typeface="+mn-cs"/>
-                        </a:rPr>
-                        <a:t>HW#4:</a:t>
-                      </a:r>
                       <a:endParaRPr lang="zh-TW" altLang="en-US" sz="1800" dirty="0"/>
                     </a:p>
                   </a:txBody>
@@ -18546,6 +18571,35 @@
                     <a:bodyPr/>
                     <a:lstStyle/>
                     <a:p>
+                      <a:pPr marL="0" marR="0" lvl="0" indent="0" algn="l" defTabSz="914400" rtl="0" eaLnBrk="1" fontAlgn="auto" latinLnBrk="0" hangingPunct="1">
+                        <a:lnSpc>
+                          <a:spcPct val="100000"/>
+                        </a:lnSpc>
+                        <a:spcBef>
+                          <a:spcPts val="0"/>
+                        </a:spcBef>
+                        <a:spcAft>
+                          <a:spcPts val="0"/>
+                        </a:spcAft>
+                        <a:buClrTx/>
+                        <a:buSzTx/>
+                        <a:buFontTx/>
+                        <a:buNone/>
+                        <a:tabLst/>
+                        <a:defRPr/>
+                      </a:pPr>
+                      <a:r>
+                        <a:rPr lang="en-US" altLang="zh-TW" sz="1800" b="0" i="0" kern="1200" dirty="0">
+                          <a:solidFill>
+                            <a:schemeClr val="dk1"/>
+                          </a:solidFill>
+                          <a:effectLst/>
+                          <a:latin typeface="+mn-lt"/>
+                          <a:ea typeface="+mn-ea"/>
+                          <a:cs typeface="+mn-cs"/>
+                        </a:rPr>
+                        <a:t>Due: HW#4</a:t>
+                      </a:r>
                       <a:endParaRPr lang="zh-TW" altLang="en-US" sz="1800" dirty="0"/>
                     </a:p>
                   </a:txBody>
@@ -18615,7 +18669,7 @@
             <p:ph idx="1"/>
             <p:extLst>
               <p:ext uri="{D42A27DB-BD31-4B8C-83A1-F6EECF244321}">
-                <p14:modId xmlns:p14="http://schemas.microsoft.com/office/powerpoint/2010/main" val="1252130289"/>
+                <p14:modId xmlns:p14="http://schemas.microsoft.com/office/powerpoint/2010/main" val="565676855"/>
               </p:ext>
             </p:extLst>
           </p:nvPr>
@@ -18779,38 +18833,6 @@
                   <a:txBody>
                     <a:bodyPr/>
                     <a:lstStyle/>
-                    <a:p>
-                      <a:pPr marL="0" marR="0" indent="0" algn="l" defTabSz="914400" rtl="0" eaLnBrk="1" fontAlgn="auto" latinLnBrk="0" hangingPunct="1">
-                        <a:lnSpc>
-                          <a:spcPct val="100000"/>
-                        </a:lnSpc>
-                        <a:spcBef>
-                          <a:spcPts val="0"/>
-                        </a:spcBef>
-                        <a:spcAft>
-                          <a:spcPts val="0"/>
-                        </a:spcAft>
-                        <a:buClrTx/>
-                        <a:buSzTx/>
-                        <a:buFontTx/>
-                        <a:buNone/>
-                        <a:tabLst/>
-                        <a:defRPr/>
-                      </a:pPr>
-                      <a:r>
-                        <a:rPr lang="en-US" altLang="zh-TW" sz="1800" b="0" i="0" kern="1200" dirty="0">
-                          <a:solidFill>
-                            <a:schemeClr val="dk1"/>
-                          </a:solidFill>
-                          <a:effectLst/>
-                          <a:latin typeface="+mn-lt"/>
-                          <a:ea typeface="+mn-ea"/>
-                          <a:cs typeface="+mn-cs"/>
-                        </a:rPr>
-                        <a:t>Due: HW#4</a:t>
-                      </a:r>
-                      <a:endParaRPr lang="zh-TW" altLang="en-US" sz="1800" dirty="0"/>
-                    </a:p>
                     <a:p>
                       <a:endParaRPr lang="zh-TW" altLang="en-US" sz="1800" dirty="0"/>
                     </a:p>
@@ -19031,7 +19053,7 @@
                             <a:srgbClr val="FF0000"/>
                           </a:solidFill>
                         </a:rPr>
-                        <a:t>1/10 </a:t>
+                        <a:t>1/9 </a:t>
                       </a:r>
                       <a:r>
                         <a:rPr lang="en-US" altLang="zh-TW" sz="1800" dirty="0"/>
@@ -19210,7 +19232,7 @@
               <a:rPr kumimoji="0" lang="en-US" altLang="zh-TW" sz="1400">
                 <a:latin typeface="Arial" panose="020B0604020202020204" pitchFamily="34" charset="0"/>
               </a:rPr>
-              <a:t>Educational Data Mining, Fall 2024</a:t>
+              <a:t>Educational Data Mining, Fall 2025</a:t>
             </a:r>
           </a:p>
         </p:txBody>
@@ -19631,10 +19653,7 @@
               </a:rPr>
               <a:t>Plagiarism is prohibited</a:t>
             </a:r>
-            <a:r>
-              <a:rPr lang="en-US" altLang="zh-TW" dirty="0"/>
-              <a:t>.</a:t>
-            </a:r>
+            <a:endParaRPr lang="en-US" altLang="zh-TW" dirty="0"/>
           </a:p>
           <a:p>
             <a:pPr lvl="1">
@@ -19663,7 +19682,7 @@
             </a:r>
             <a:r>
               <a:rPr lang="en-US" altLang="zh-TW" dirty="0"/>
-              <a:t>in your system projects.</a:t>
+              <a:t>in your system projects</a:t>
             </a:r>
           </a:p>
           <a:p>
@@ -19845,7 +19864,7 @@
               <a:rPr kumimoji="0" lang="en-US" altLang="zh-TW" sz="1400">
                 <a:latin typeface="Arial" panose="020B0604020202020204" pitchFamily="34" charset="0"/>
               </a:rPr>
-              <a:t>Educational Data Mining, Fall 2024</a:t>
+              <a:t>Educational Data Mining, Fall 2025</a:t>
             </a:r>
           </a:p>
         </p:txBody>
@@ -20271,7 +20290,7 @@
                   <a:srgbClr val="FF0000"/>
                 </a:solidFill>
               </a:rPr>
-              <a:t>Nov. 11, 2024</a:t>
+              <a:t>Nov. 11, 2025</a:t>
             </a:r>
             <a:r>
               <a:rPr lang="en-US" altLang="zh-TW" sz="2400" dirty="0"/>
@@ -20306,7 +20325,7 @@
                   <a:srgbClr val="FF0000"/>
                 </a:solidFill>
               </a:rPr>
-              <a:t>Dec. 16, 2024</a:t>
+              <a:t>Dec. 16, 2025</a:t>
             </a:r>
             <a:r>
               <a:rPr lang="en-US" altLang="zh-TW" sz="2400" dirty="0"/>
@@ -20329,7 +20348,7 @@
                   <a:srgbClr val="FF0000"/>
                 </a:solidFill>
               </a:rPr>
-              <a:t>Jan. 10, 2025</a:t>
+              <a:t>Jan. 9, 2026</a:t>
             </a:r>
             <a:r>
               <a:rPr lang="en-US" altLang="zh-TW" sz="2400" dirty="0"/>
@@ -20503,7 +20522,7 @@
               <a:rPr kumimoji="0" lang="en-US" altLang="zh-TW" sz="1400">
                 <a:latin typeface="Arial" panose="020B0604020202020204" pitchFamily="34" charset="0"/>
               </a:rPr>
-              <a:t>Educational Data Mining, Fall 2024</a:t>
+              <a:t>Educational Data Mining, Fall 2025</a:t>
             </a:r>
           </a:p>
         </p:txBody>
@@ -21223,7 +21242,7 @@
               <a:rPr kumimoji="0" lang="en-US" altLang="zh-TW" sz="1400">
                 <a:latin typeface="Arial" panose="020B0604020202020204" pitchFamily="34" charset="0"/>
               </a:rPr>
-              <a:t>Educational Data Mining, Fall 2024</a:t>
+              <a:t>Educational Data Mining, Fall 2025</a:t>
             </a:r>
           </a:p>
         </p:txBody>
@@ -21695,7 +21714,7 @@
             </a:pPr>
             <a:r>
               <a:rPr lang="en-US" altLang="zh-TW"/>
-              <a:t>Educational Data Mining, Fall 2024</a:t>
+              <a:t>Educational Data Mining, Fall 2025</a:t>
             </a:r>
           </a:p>
         </p:txBody>
@@ -22076,7 +22095,7 @@
               <a:rPr kumimoji="0" lang="en-US" altLang="zh-TW" sz="1400">
                 <a:latin typeface="Arial" panose="020B0604020202020204" pitchFamily="34" charset="0"/>
               </a:rPr>
-              <a:t>Educational Data Mining, Fall 2024</a:t>
+              <a:t>Educational Data Mining, Fall 2025</a:t>
             </a:r>
           </a:p>
         </p:txBody>
@@ -22600,7 +22619,7 @@
               <a:rPr kumimoji="0" lang="en-US" altLang="zh-TW" sz="1400">
                 <a:latin typeface="Arial" panose="020B0604020202020204" pitchFamily="34" charset="0"/>
               </a:rPr>
-              <a:t>Educational Data Mining, Fall 2024</a:t>
+              <a:t>Educational Data Mining, Fall 2025</a:t>
             </a:r>
           </a:p>
         </p:txBody>
@@ -23016,7 +23035,7 @@
             </a:pPr>
             <a:r>
               <a:rPr lang="en-US" altLang="zh-TW" sz="2800" dirty="0"/>
-              <a:t>Time: 10:10-12:00am, Mon., 9:10-10:00am, Wed.</a:t>
+              <a:t>Time: 13:10-15:00pm, Tue., 10:10-11:00am, Thu.</a:t>
             </a:r>
           </a:p>
           <a:p>
@@ -23039,35 +23058,7 @@
             </a:r>
             <a:r>
               <a:rPr lang="en-US" altLang="zh-TW" sz="2800" dirty="0"/>
-              <a:t>, Technology Building /</a:t>
-            </a:r>
-          </a:p>
-          <a:p>
-            <a:pPr marL="0" indent="0" eaLnBrk="1" hangingPunct="1">
-              <a:lnSpc>
-                <a:spcPct val="80000"/>
-              </a:lnSpc>
-              <a:buNone/>
-            </a:pPr>
-            <a:r>
-              <a:rPr lang="en-US" altLang="zh-TW" sz="2800" dirty="0">
-                <a:solidFill>
-                  <a:srgbClr val="0000FF"/>
-                </a:solidFill>
-              </a:rPr>
-              <a:t>R327</a:t>
-            </a:r>
-            <a:r>
-              <a:rPr lang="en-US" altLang="zh-TW" sz="2800" dirty="0"/>
-              <a:t>, 6</a:t>
-            </a:r>
-            <a:r>
-              <a:rPr lang="en-US" altLang="zh-TW" sz="2800" baseline="30000" dirty="0"/>
-              <a:t>th</a:t>
-            </a:r>
-            <a:r>
-              <a:rPr lang="en-US" altLang="zh-TW" sz="2800" dirty="0"/>
-              <a:t> Teaching Building</a:t>
+              <a:t>, Technology Building</a:t>
             </a:r>
           </a:p>
           <a:p>
@@ -23418,7 +23409,7 @@
               <a:rPr kumimoji="0" lang="en-US" altLang="zh-TW" sz="1400">
                 <a:latin typeface="Arial" panose="020B0604020202020204" pitchFamily="34" charset="0"/>
               </a:rPr>
-              <a:t>Educational Data Mining, Fall 2024</a:t>
+              <a:t>Educational Data Mining, Fall 2025</a:t>
             </a:r>
           </a:p>
         </p:txBody>
@@ -24118,7 +24109,7 @@
               <a:rPr kumimoji="0" lang="en-US" altLang="zh-TW" sz="1400">
                 <a:latin typeface="Arial" panose="020B0604020202020204" pitchFamily="34" charset="0"/>
               </a:rPr>
-              <a:t>Educational Data Mining, Fall 2024</a:t>
+              <a:t>Educational Data Mining, Fall 2025</a:t>
             </a:r>
           </a:p>
         </p:txBody>
@@ -24716,7 +24707,7 @@
               <a:rPr kumimoji="0" lang="en-US" altLang="zh-TW" sz="1400">
                 <a:latin typeface="Arial" panose="020B0604020202020204" pitchFamily="34" charset="0"/>
               </a:rPr>
-              <a:t>Educational Data Mining, Fall 2024</a:t>
+              <a:t>Educational Data Mining, Fall 2025</a:t>
             </a:r>
           </a:p>
         </p:txBody>
@@ -25294,7 +25285,7 @@
               <a:rPr kumimoji="0" lang="en-US" altLang="zh-TW" sz="1400">
                 <a:latin typeface="Arial" panose="020B0604020202020204" pitchFamily="34" charset="0"/>
               </a:rPr>
-              <a:t>Educational Data Mining, Fall 2024</a:t>
+              <a:t>Educational Data Mining, Fall 2025</a:t>
             </a:r>
           </a:p>
         </p:txBody>
@@ -25739,7 +25730,7 @@
         <p:spPr/>
         <p:txBody>
           <a:bodyPr>
-            <a:normAutofit/>
+            <a:normAutofit fontScale="92500"/>
           </a:bodyPr>
           <a:lstStyle/>
           <a:p>
@@ -25773,7 +25764,7 @@
             </a:pPr>
             <a:r>
               <a:rPr lang="en-US" altLang="zh-TW" dirty="0"/>
-              <a:t>Online class sessions using Microsoft Teams will also be provided</a:t>
+              <a:t>Online class sessions using Microsoft Teams will also be provided when possible</a:t>
             </a:r>
           </a:p>
           <a:p>
@@ -25791,7 +25782,7 @@
             </a:pPr>
             <a:r>
               <a:rPr lang="en-US" altLang="zh-TW" dirty="0"/>
-              <a:t>[NTUT-Sync] 113-1_</a:t>
+              <a:t>[NTUT-Sync] 114-1_</a:t>
             </a:r>
             <a:r>
               <a:rPr lang="en-US" altLang="zh-TW" dirty="0">
@@ -25799,7 +25790,7 @@
                   <a:srgbClr val="FF0000"/>
                 </a:solidFill>
               </a:rPr>
-              <a:t>337849</a:t>
+              <a:t>xxx</a:t>
             </a:r>
             <a:r>
               <a:rPr lang="en-US" altLang="zh-TW" dirty="0"/>
@@ -25807,9 +25798,16 @@
             </a:r>
             <a:r>
               <a:rPr lang="zh-TW" altLang="en-US" dirty="0"/>
-              <a:t>教育數據探勘與應用</a:t>
-            </a:r>
-            <a:endParaRPr lang="en-US" altLang="zh-TW" dirty="0"/>
+              <a:t>教育數據探勘與應用 </a:t>
+            </a:r>
+            <a:r>
+              <a:rPr lang="en-US" altLang="zh-TW" dirty="0">
+                <a:solidFill>
+                  <a:srgbClr val="FF0000"/>
+                </a:solidFill>
+              </a:rPr>
+              <a:t>(to be confirmed)</a:t>
+            </a:r>
           </a:p>
           <a:p>
             <a:pPr>
@@ -26020,7 +26018,7 @@
               <a:rPr kumimoji="0" lang="en-US" altLang="zh-TW" sz="1400">
                 <a:latin typeface="Arial" panose="020B0604020202020204" pitchFamily="34" charset="0"/>
               </a:rPr>
-              <a:t>Educational Data Mining, Fall 2024</a:t>
+              <a:t>Educational Data Mining, Fall 2025</a:t>
             </a:r>
           </a:p>
         </p:txBody>
@@ -26544,7 +26542,7 @@
               <a:rPr kumimoji="0" lang="en-US" altLang="zh-TW" sz="1400">
                 <a:latin typeface="Arial" panose="020B0604020202020204" pitchFamily="34" charset="0"/>
               </a:rPr>
-              <a:t>Educational Data Mining, Fall 2024</a:t>
+              <a:t>Educational Data Mining, Fall 2025</a:t>
             </a:r>
           </a:p>
         </p:txBody>
@@ -27315,7 +27313,7 @@
               <a:rPr kumimoji="0" lang="en-US" altLang="zh-TW" sz="1400">
                 <a:latin typeface="Arial" panose="020B0604020202020204" pitchFamily="34" charset="0"/>
               </a:rPr>
-              <a:t>Educational Data Mining, Fall 2024</a:t>
+              <a:t>Educational Data Mining, Fall 2025</a:t>
             </a:r>
           </a:p>
         </p:txBody>
@@ -27785,13 +27783,8 @@
           <a:p>
             <a:r>
               <a:rPr lang="en-US" altLang="zh-TW" dirty="0"/>
-              <a:t>NOTE: For CS students, this course is NOT credited as the </a:t>
-            </a:r>
-            <a:r>
-              <a:rPr lang="en-US" altLang="zh-TW"/>
-              <a:t>cross-college credits</a:t>
-            </a:r>
-            <a:endParaRPr lang="en-US" altLang="zh-TW" dirty="0"/>
+              <a:t>NOTE: For CS students, this course might NOT be credited as cross-college credits</a:t>
+            </a:r>
           </a:p>
           <a:p>
             <a:endParaRPr lang="zh-TW" altLang="en-US" dirty="0"/>
@@ -27818,7 +27811,7 @@
             </a:pPr>
             <a:r>
               <a:rPr lang="en-US" altLang="zh-TW"/>
-              <a:t>Educational Data Mining, Fall 2024</a:t>
+              <a:t>Educational Data Mining, Fall 2025</a:t>
             </a:r>
           </a:p>
         </p:txBody>
@@ -28059,7 +28052,7 @@
             </a:pPr>
             <a:r>
               <a:rPr lang="en-US" altLang="zh-TW"/>
-              <a:t>Educational Data Mining, Fall 2024</a:t>
+              <a:t>Educational Data Mining, Fall 2025</a:t>
             </a:r>
           </a:p>
         </p:txBody>
@@ -28306,7 +28299,7 @@
               <a:rPr kumimoji="0" lang="en-US" altLang="zh-TW" sz="1400">
                 <a:latin typeface="Arial" panose="020B0604020202020204" pitchFamily="34" charset="0"/>
               </a:rPr>
-              <a:t>Educational Data Mining, Fall 2024</a:t>
+              <a:t>Educational Data Mining, Fall 2025</a:t>
             </a:r>
           </a:p>
         </p:txBody>

--- a/EDM/00-overview.pptx
+++ b/EDM/00-overview.pptx
@@ -8007,7 +8007,15 @@
             <a:pPr eaLnBrk="1" hangingPunct="1"/>
             <a:r>
               <a:rPr lang="en-US" altLang="zh-TW" dirty="0"/>
-              <a:t>Aug. 14, 2025</a:t>
+              <a:t>Sep. </a:t>
+            </a:r>
+            <a:r>
+              <a:rPr lang="en-US" altLang="zh-TW"/>
+              <a:t>9, </a:t>
+            </a:r>
+            <a:r>
+              <a:rPr lang="en-US" altLang="zh-TW" dirty="0"/>
+              <a:t>2025</a:t>
             </a:r>
           </a:p>
         </p:txBody>
@@ -14216,7 +14224,7 @@
                   <a:srgbClr val="0000FF"/>
                 </a:solidFill>
               </a:rPr>
-              <a:t>(TBD) (@ R1424, Technology Building)</a:t>
+              <a:t>Miss Chung (@ R1424, Technology Building)</a:t>
             </a:r>
           </a:p>
           <a:p>
@@ -25730,7 +25738,7 @@
         <p:spPr/>
         <p:txBody>
           <a:bodyPr>
-            <a:normAutofit fontScale="92500"/>
+            <a:normAutofit lnSpcReduction="10000"/>
           </a:bodyPr>
           <a:lstStyle/>
           <a:p>
@@ -25790,7 +25798,7 @@
                   <a:srgbClr val="FF0000"/>
                 </a:solidFill>
               </a:rPr>
-              <a:t>xxx</a:t>
+              <a:t>348012</a:t>
             </a:r>
             <a:r>
               <a:rPr lang="en-US" altLang="zh-TW" dirty="0"/>
@@ -25800,14 +25808,11 @@
               <a:rPr lang="zh-TW" altLang="en-US" dirty="0"/>
               <a:t>教育數據探勘與應用 </a:t>
             </a:r>
-            <a:r>
-              <a:rPr lang="en-US" altLang="zh-TW" dirty="0">
-                <a:solidFill>
-                  <a:srgbClr val="FF0000"/>
-                </a:solidFill>
-              </a:rPr>
-              <a:t>(to be confirmed)</a:t>
-            </a:r>
+            <a:endParaRPr lang="en-US" altLang="zh-TW" dirty="0">
+              <a:solidFill>
+                <a:srgbClr val="FF0000"/>
+              </a:solidFill>
+            </a:endParaRPr>
           </a:p>
           <a:p>
             <a:pPr>

--- a/EDM/00-overview.pptx
+++ b/EDM/00-overview.pptx
@@ -9454,8 +9454,17 @@
             </a:pPr>
             <a:r>
               <a:rPr lang="en-US" altLang="zh-TW" dirty="0"/>
-              <a:t>Location: R234, Technology Building</a:t>
-            </a:r>
+              <a:t>Location: </a:t>
+            </a:r>
+            <a:r>
+              <a:rPr lang="en-US" altLang="zh-TW" sz="3200" dirty="0">
+                <a:solidFill>
+                  <a:srgbClr val="FF0000"/>
+                </a:solidFill>
+              </a:rPr>
+              <a:t>R301, Third Teaching Building</a:t>
+            </a:r>
+            <a:endParaRPr lang="en-US" altLang="zh-TW" dirty="0"/>
           </a:p>
           <a:p>
             <a:pPr>
@@ -23059,14 +23068,10 @@
             <a:r>
               <a:rPr lang="en-US" altLang="zh-TW" sz="2800" dirty="0">
                 <a:solidFill>
-                  <a:srgbClr val="0000FF"/>
+                  <a:srgbClr val="FF0000"/>
                 </a:solidFill>
               </a:rPr>
-              <a:t>R234</a:t>
-            </a:r>
-            <a:r>
-              <a:rPr lang="en-US" altLang="zh-TW" sz="2800" dirty="0"/>
-              <a:t>, Technology Building</a:t>
+              <a:t>R301, Third Teaching Building</a:t>
             </a:r>
           </a:p>
           <a:p>

--- a/EDM/00-overview.pptx
+++ b/EDM/00-overview.pptx
@@ -5,10 +5,10 @@
     <p:sldMasterId id="2147483648" r:id="rId1"/>
   </p:sldMasterIdLst>
   <p:notesMasterIdLst>
-    <p:notesMasterId r:id="rId35"/>
+    <p:notesMasterId r:id="rId36"/>
   </p:notesMasterIdLst>
   <p:handoutMasterIdLst>
-    <p:handoutMasterId r:id="rId36"/>
+    <p:handoutMasterId r:id="rId37"/>
   </p:handoutMasterIdLst>
   <p:sldIdLst>
     <p:sldId id="256" r:id="rId2"/>
@@ -24,26 +24,27 @@
     <p:sldId id="278" r:id="rId12"/>
     <p:sldId id="425" r:id="rId13"/>
     <p:sldId id="313" r:id="rId14"/>
-    <p:sldId id="294" r:id="rId15"/>
-    <p:sldId id="305" r:id="rId16"/>
-    <p:sldId id="446" r:id="rId17"/>
-    <p:sldId id="445" r:id="rId18"/>
-    <p:sldId id="409" r:id="rId19"/>
-    <p:sldId id="259" r:id="rId20"/>
-    <p:sldId id="273" r:id="rId21"/>
-    <p:sldId id="288" r:id="rId22"/>
-    <p:sldId id="422" r:id="rId23"/>
-    <p:sldId id="423" r:id="rId24"/>
-    <p:sldId id="424" r:id="rId25"/>
-    <p:sldId id="420" r:id="rId26"/>
-    <p:sldId id="358" r:id="rId27"/>
-    <p:sldId id="357" r:id="rId28"/>
-    <p:sldId id="447" r:id="rId29"/>
-    <p:sldId id="431" r:id="rId30"/>
-    <p:sldId id="432" r:id="rId31"/>
-    <p:sldId id="433" r:id="rId32"/>
-    <p:sldId id="436" r:id="rId33"/>
-    <p:sldId id="293" r:id="rId34"/>
+    <p:sldId id="448" r:id="rId15"/>
+    <p:sldId id="294" r:id="rId16"/>
+    <p:sldId id="305" r:id="rId17"/>
+    <p:sldId id="446" r:id="rId18"/>
+    <p:sldId id="445" r:id="rId19"/>
+    <p:sldId id="409" r:id="rId20"/>
+    <p:sldId id="259" r:id="rId21"/>
+    <p:sldId id="273" r:id="rId22"/>
+    <p:sldId id="288" r:id="rId23"/>
+    <p:sldId id="422" r:id="rId24"/>
+    <p:sldId id="423" r:id="rId25"/>
+    <p:sldId id="424" r:id="rId26"/>
+    <p:sldId id="420" r:id="rId27"/>
+    <p:sldId id="358" r:id="rId28"/>
+    <p:sldId id="357" r:id="rId29"/>
+    <p:sldId id="447" r:id="rId30"/>
+    <p:sldId id="431" r:id="rId31"/>
+    <p:sldId id="432" r:id="rId32"/>
+    <p:sldId id="433" r:id="rId33"/>
+    <p:sldId id="436" r:id="rId34"/>
+    <p:sldId id="293" r:id="rId35"/>
   </p:sldIdLst>
   <p:sldSz cx="9144000" cy="6858000" type="screen4x3"/>
   <p:notesSz cx="6669088" cy="9928225"/>
@@ -1513,7 +1514,7 @@
                   <a:spcPct val="0"/>
                 </a:spcBef>
               </a:pPr>
-              <a:t>15</a:t>
+              <a:t>16</a:t>
             </a:fld>
             <a:endParaRPr lang="en-US" altLang="zh-TW"/>
           </a:p>
@@ -1732,7 +1733,7 @@
                   <a:spcPct val="0"/>
                 </a:spcBef>
               </a:pPr>
-              <a:t>19</a:t>
+              <a:t>20</a:t>
             </a:fld>
             <a:endParaRPr lang="en-US" altLang="zh-TW"/>
           </a:p>
@@ -1951,7 +1952,7 @@
                   <a:spcPct val="0"/>
                 </a:spcBef>
               </a:pPr>
-              <a:t>20</a:t>
+              <a:t>21</a:t>
             </a:fld>
             <a:endParaRPr lang="en-US" altLang="zh-TW"/>
           </a:p>
@@ -2170,7 +2171,7 @@
                   <a:spcPct val="0"/>
                 </a:spcBef>
               </a:pPr>
-              <a:t>21</a:t>
+              <a:t>22</a:t>
             </a:fld>
             <a:endParaRPr lang="en-US" altLang="zh-TW"/>
           </a:p>
@@ -2389,7 +2390,7 @@
                   <a:spcPct val="0"/>
                 </a:spcBef>
               </a:pPr>
-              <a:t>26</a:t>
+              <a:t>27</a:t>
             </a:fld>
             <a:endParaRPr lang="en-US" altLang="zh-TW"/>
           </a:p>
@@ -2608,7 +2609,7 @@
                   <a:spcPct val="0"/>
                 </a:spcBef>
               </a:pPr>
-              <a:t>33</a:t>
+              <a:t>34</a:t>
             </a:fld>
             <a:endParaRPr lang="en-US" altLang="zh-TW"/>
           </a:p>
@@ -4360,7 +4361,7 @@
                   <a:spcPct val="0"/>
                 </a:spcBef>
               </a:pPr>
-              <a:t>14</a:t>
+              <a:t>15</a:t>
             </a:fld>
             <a:endParaRPr lang="en-US" altLang="zh-TW"/>
           </a:p>
@@ -10693,6 +10694,244 @@
       </p:grpSpPr>
       <p:sp>
         <p:nvSpPr>
+          <p:cNvPr id="2" name="標題 1">
+            <a:extLst>
+              <a:ext uri="{FF2B5EF4-FFF2-40B4-BE49-F238E27FC236}">
+                <a16:creationId xmlns:a16="http://schemas.microsoft.com/office/drawing/2014/main" id="{4C75ED75-E8AE-4E5B-8B32-DD74244959B4}"/>
+              </a:ext>
+            </a:extLst>
+          </p:cNvPr>
+          <p:cNvSpPr>
+            <a:spLocks noGrp="1"/>
+          </p:cNvSpPr>
+          <p:nvPr>
+            <p:ph type="title"/>
+          </p:nvPr>
+        </p:nvSpPr>
+        <p:spPr/>
+        <p:txBody>
+          <a:bodyPr/>
+          <a:lstStyle/>
+          <a:p>
+            <a:r>
+              <a:rPr lang="en-US" altLang="zh-TW" dirty="0"/>
+              <a:t>Example Topics for Term Projects</a:t>
+            </a:r>
+            <a:endParaRPr lang="zh-TW" altLang="en-US" dirty="0"/>
+          </a:p>
+        </p:txBody>
+      </p:sp>
+      <p:sp>
+        <p:nvSpPr>
+          <p:cNvPr id="3" name="內容版面配置區 2">
+            <a:extLst>
+              <a:ext uri="{FF2B5EF4-FFF2-40B4-BE49-F238E27FC236}">
+                <a16:creationId xmlns:a16="http://schemas.microsoft.com/office/drawing/2014/main" id="{7B0993CE-7DCA-4FB0-8C90-45EB3E578320}"/>
+              </a:ext>
+            </a:extLst>
+          </p:cNvPr>
+          <p:cNvSpPr>
+            <a:spLocks noGrp="1"/>
+          </p:cNvSpPr>
+          <p:nvPr>
+            <p:ph idx="1"/>
+          </p:nvPr>
+        </p:nvSpPr>
+        <p:spPr/>
+        <p:txBody>
+          <a:bodyPr>
+            <a:normAutofit fontScale="92500"/>
+          </a:bodyPr>
+          <a:lstStyle/>
+          <a:p>
+            <a:r>
+              <a:rPr lang="zh-TW" altLang="en-US" dirty="0"/>
+              <a:t>分析教育資源現狀</a:t>
+            </a:r>
+          </a:p>
+          <a:p>
+            <a:r>
+              <a:rPr lang="zh-TW" altLang="en-US" dirty="0"/>
+              <a:t>跨平臺學習資源對學習成效的影響探討</a:t>
+            </a:r>
+          </a:p>
+          <a:p>
+            <a:r>
+              <a:rPr lang="en-US" altLang="zh-TW" dirty="0"/>
+              <a:t>E</a:t>
+            </a:r>
+            <a:r>
+              <a:rPr lang="zh-TW" altLang="en-US" dirty="0"/>
+              <a:t>化教育對現代教育影響</a:t>
+            </a:r>
+          </a:p>
+          <a:p>
+            <a:r>
+              <a:rPr lang="zh-TW" altLang="en-US" dirty="0"/>
+              <a:t>來台外籍生與台灣籍留學生</a:t>
+            </a:r>
+          </a:p>
+          <a:p>
+            <a:r>
+              <a:rPr lang="zh-TW" altLang="en-US" dirty="0"/>
+              <a:t>依家庭狀況及平時活動評估學生學習表現</a:t>
+            </a:r>
+            <a:endParaRPr lang="en-US" altLang="zh-TW" dirty="0"/>
+          </a:p>
+          <a:p>
+            <a:r>
+              <a:rPr lang="zh-TW" altLang="en-US" dirty="0"/>
+              <a:t>探討師生和師資進修狀況與學生成績之關聯</a:t>
+            </a:r>
+            <a:endParaRPr lang="en-US" altLang="zh-TW" dirty="0"/>
+          </a:p>
+          <a:p>
+            <a:r>
+              <a:rPr lang="zh-TW" altLang="en-US" dirty="0"/>
+              <a:t>學生平板使用與學業成績的關聯性</a:t>
+            </a:r>
+            <a:endParaRPr lang="en-US" altLang="zh-TW" dirty="0"/>
+          </a:p>
+          <a:p>
+            <a:r>
+              <a:rPr lang="en-US" altLang="zh-TW" dirty="0"/>
+              <a:t>…</a:t>
+            </a:r>
+          </a:p>
+          <a:p>
+            <a:endParaRPr lang="zh-TW" altLang="en-US" dirty="0"/>
+          </a:p>
+        </p:txBody>
+      </p:sp>
+      <p:sp>
+        <p:nvSpPr>
+          <p:cNvPr id="4" name="日期版面配置區 3">
+            <a:extLst>
+              <a:ext uri="{FF2B5EF4-FFF2-40B4-BE49-F238E27FC236}">
+                <a16:creationId xmlns:a16="http://schemas.microsoft.com/office/drawing/2014/main" id="{D5C2A932-CDAD-435F-B436-DC2F0349F2EC}"/>
+              </a:ext>
+            </a:extLst>
+          </p:cNvPr>
+          <p:cNvSpPr>
+            <a:spLocks noGrp="1"/>
+          </p:cNvSpPr>
+          <p:nvPr>
+            <p:ph type="dt" sz="half" idx="10"/>
+          </p:nvPr>
+        </p:nvSpPr>
+        <p:spPr/>
+        <p:txBody>
+          <a:bodyPr/>
+          <a:lstStyle/>
+          <a:p>
+            <a:pPr>
+              <a:defRPr/>
+            </a:pPr>
+            <a:r>
+              <a:rPr lang="en-US" altLang="zh-TW"/>
+              <a:t>Educational Data Mining, Fall 2025</a:t>
+            </a:r>
+          </a:p>
+        </p:txBody>
+      </p:sp>
+      <p:sp>
+        <p:nvSpPr>
+          <p:cNvPr id="5" name="頁尾版面配置區 4">
+            <a:extLst>
+              <a:ext uri="{FF2B5EF4-FFF2-40B4-BE49-F238E27FC236}">
+                <a16:creationId xmlns:a16="http://schemas.microsoft.com/office/drawing/2014/main" id="{FE71A59F-00D2-4B67-90B5-A4B5A999E786}"/>
+              </a:ext>
+            </a:extLst>
+          </p:cNvPr>
+          <p:cNvSpPr>
+            <a:spLocks noGrp="1"/>
+          </p:cNvSpPr>
+          <p:nvPr>
+            <p:ph type="ftr" sz="quarter" idx="11"/>
+          </p:nvPr>
+        </p:nvSpPr>
+        <p:spPr/>
+        <p:txBody>
+          <a:bodyPr/>
+          <a:lstStyle/>
+          <a:p>
+            <a:pPr>
+              <a:defRPr/>
+            </a:pPr>
+            <a:r>
+              <a:rPr lang="en-US" altLang="zh-TW"/>
+              <a:t>NTUT CSIE</a:t>
+            </a:r>
+          </a:p>
+        </p:txBody>
+      </p:sp>
+      <p:sp>
+        <p:nvSpPr>
+          <p:cNvPr id="6" name="投影片編號版面配置區 5">
+            <a:extLst>
+              <a:ext uri="{FF2B5EF4-FFF2-40B4-BE49-F238E27FC236}">
+                <a16:creationId xmlns:a16="http://schemas.microsoft.com/office/drawing/2014/main" id="{9122DF58-8589-477A-BFF4-17FBF753DEBF}"/>
+              </a:ext>
+            </a:extLst>
+          </p:cNvPr>
+          <p:cNvSpPr>
+            <a:spLocks noGrp="1"/>
+          </p:cNvSpPr>
+          <p:nvPr>
+            <p:ph type="sldNum" sz="quarter" idx="12"/>
+          </p:nvPr>
+        </p:nvSpPr>
+        <p:spPr/>
+        <p:txBody>
+          <a:bodyPr/>
+          <a:lstStyle/>
+          <a:p>
+            <a:pPr>
+              <a:defRPr/>
+            </a:pPr>
+            <a:fld id="{02CE3ACE-715B-42EB-8112-DFB5C547F31F}" type="slidenum">
+              <a:rPr lang="en-US" altLang="zh-TW" smtClean="0"/>
+              <a:pPr>
+                <a:defRPr/>
+              </a:pPr>
+              <a:t>14</a:t>
+            </a:fld>
+            <a:endParaRPr lang="en-US" altLang="zh-TW"/>
+          </a:p>
+        </p:txBody>
+      </p:sp>
+    </p:spTree>
+    <p:extLst>
+      <p:ext uri="{BB962C8B-B14F-4D97-AF65-F5344CB8AC3E}">
+        <p14:creationId xmlns:p14="http://schemas.microsoft.com/office/powerpoint/2010/main" val="3038378761"/>
+      </p:ext>
+    </p:extLst>
+  </p:cSld>
+  <p:clrMapOvr>
+    <a:masterClrMapping/>
+  </p:clrMapOvr>
+</p:sld>
+</file>
+
+<file path=ppt/slides/slide15.xml><?xml version="1.0" encoding="utf-8"?>
+<p:sld xmlns:a="http://schemas.openxmlformats.org/drawingml/2006/main" xmlns:r="http://schemas.openxmlformats.org/officeDocument/2006/relationships" xmlns:p="http://schemas.openxmlformats.org/presentationml/2006/main">
+  <p:cSld>
+    <p:spTree>
+      <p:nvGrpSpPr>
+        <p:cNvPr id="1" name=""/>
+        <p:cNvGrpSpPr/>
+        <p:nvPr/>
+      </p:nvGrpSpPr>
+      <p:grpSpPr>
+        <a:xfrm>
+          <a:off x="0" y="0"/>
+          <a:ext cx="0" cy="0"/>
+          <a:chOff x="0" y="0"/>
+          <a:chExt cx="0" cy="0"/>
+        </a:xfrm>
+      </p:grpSpPr>
+      <p:sp>
+        <p:nvSpPr>
           <p:cNvPr id="28674" name="日期版面配置區 3"/>
           <p:cNvSpPr>
             <a:spLocks noGrp="1"/>
@@ -11182,7 +11421,7 @@
                 <a:buFontTx/>
                 <a:buNone/>
               </a:pPr>
-              <a:t>14</a:t>
+              <a:t>15</a:t>
             </a:fld>
             <a:endParaRPr kumimoji="0" lang="en-US" altLang="zh-TW" sz="1400">
               <a:latin typeface="Arial" panose="020B0604020202020204" pitchFamily="34" charset="0"/>
@@ -11327,7 +11566,7 @@
 </p:sld>
 </file>
 
-<file path=ppt/slides/slide15.xml><?xml version="1.0" encoding="utf-8"?>
+<file path=ppt/slides/slide16.xml><?xml version="1.0" encoding="utf-8"?>
 <p:sld xmlns:a="http://schemas.openxmlformats.org/drawingml/2006/main" xmlns:r="http://schemas.openxmlformats.org/officeDocument/2006/relationships" xmlns:p="http://schemas.openxmlformats.org/presentationml/2006/main">
   <p:cSld>
     <p:spTree>
@@ -11835,7 +12074,7 @@
                 <a:buFontTx/>
                 <a:buNone/>
               </a:pPr>
-              <a:t>15</a:t>
+              <a:t>16</a:t>
             </a:fld>
             <a:endParaRPr kumimoji="0" lang="en-US" altLang="zh-TW" sz="1400">
               <a:latin typeface="Arial" panose="020B0604020202020204" pitchFamily="34" charset="0"/>
@@ -11974,7 +12213,7 @@
 </p:sld>
 </file>
 
-<file path=ppt/slides/slide16.xml><?xml version="1.0" encoding="utf-8"?>
+<file path=ppt/slides/slide17.xml><?xml version="1.0" encoding="utf-8"?>
 <p:sld xmlns:a="http://schemas.openxmlformats.org/drawingml/2006/main" xmlns:r="http://schemas.openxmlformats.org/officeDocument/2006/relationships" xmlns:p="http://schemas.openxmlformats.org/presentationml/2006/main">
   <p:cSld>
     <p:spTree>
@@ -12087,7 +12326,7 @@
               <a:pPr>
                 <a:defRPr/>
               </a:pPr>
-              <a:t>16</a:t>
+              <a:t>17</a:t>
             </a:fld>
             <a:endParaRPr lang="en-US" altLang="zh-TW"/>
           </a:p>
@@ -12135,7 +12374,7 @@
 </p:sld>
 </file>
 
-<file path=ppt/slides/slide17.xml><?xml version="1.0" encoding="utf-8"?>
+<file path=ppt/slides/slide18.xml><?xml version="1.0" encoding="utf-8"?>
 <p:sld xmlns:a="http://schemas.openxmlformats.org/drawingml/2006/main" xmlns:r="http://schemas.openxmlformats.org/officeDocument/2006/relationships" xmlns:p="http://schemas.openxmlformats.org/presentationml/2006/main">
   <p:cSld>
     <p:spTree>
@@ -12248,7 +12487,7 @@
               <a:pPr>
                 <a:defRPr/>
               </a:pPr>
-              <a:t>17</a:t>
+              <a:t>18</a:t>
             </a:fld>
             <a:endParaRPr lang="en-US" altLang="zh-TW"/>
           </a:p>
@@ -12296,7 +12535,7 @@
 </p:sld>
 </file>
 
-<file path=ppt/slides/slide18.xml><?xml version="1.0" encoding="utf-8"?>
+<file path=ppt/slides/slide19.xml><?xml version="1.0" encoding="utf-8"?>
 <p:sld xmlns:a="http://schemas.openxmlformats.org/drawingml/2006/main" xmlns:r="http://schemas.openxmlformats.org/officeDocument/2006/relationships" xmlns:p="http://schemas.openxmlformats.org/presentationml/2006/main">
   <p:cSld>
     <p:spTree>
@@ -12965,595 +13204,11 @@
                 <a:buFontTx/>
                 <a:buNone/>
               </a:pPr>
-              <a:t>18</a:t>
-            </a:fld>
-            <a:endParaRPr kumimoji="0" lang="en-US" altLang="zh-TW" sz="1400">
-              <a:latin typeface="Arial" panose="020B0604020202020204" pitchFamily="34" charset="0"/>
-            </a:endParaRPr>
-          </a:p>
-        </p:txBody>
-      </p:sp>
-    </p:spTree>
-  </p:cSld>
-  <p:clrMapOvr>
-    <a:masterClrMapping/>
-  </p:clrMapOvr>
-</p:sld>
-</file>
-
-<file path=ppt/slides/slide19.xml><?xml version="1.0" encoding="utf-8"?>
-<p:sld xmlns:a="http://schemas.openxmlformats.org/drawingml/2006/main" xmlns:r="http://schemas.openxmlformats.org/officeDocument/2006/relationships" xmlns:p="http://schemas.openxmlformats.org/presentationml/2006/main">
-  <p:cSld>
-    <p:spTree>
-      <p:nvGrpSpPr>
-        <p:cNvPr id="1" name=""/>
-        <p:cNvGrpSpPr/>
-        <p:nvPr/>
-      </p:nvGrpSpPr>
-      <p:grpSpPr>
-        <a:xfrm>
-          <a:off x="0" y="0"/>
-          <a:ext cx="0" cy="0"/>
-          <a:chOff x="0" y="0"/>
-          <a:chExt cx="0" cy="0"/>
-        </a:xfrm>
-      </p:grpSpPr>
-      <p:sp>
-        <p:nvSpPr>
-          <p:cNvPr id="38914" name="日期版面配置區 3"/>
-          <p:cNvSpPr>
-            <a:spLocks noGrp="1"/>
-          </p:cNvSpPr>
-          <p:nvPr>
-            <p:ph type="dt" sz="quarter" idx="10"/>
-          </p:nvPr>
-        </p:nvSpPr>
-        <p:spPr>
-          <a:noFill/>
-        </p:spPr>
-        <p:txBody>
-          <a:bodyPr/>
-          <a:lstStyle>
-            <a:lvl1pPr>
-              <a:spcBef>
-                <a:spcPct val="20000"/>
-              </a:spcBef>
-              <a:buChar char="•"/>
-              <a:defRPr kumimoji="1" sz="3200">
-                <a:solidFill>
-                  <a:schemeClr val="tx1"/>
-                </a:solidFill>
-                <a:latin typeface="Book Antiqua" panose="02040602050305030304" pitchFamily="18" charset="0"/>
-                <a:ea typeface="新細明體" panose="02020500000000000000" pitchFamily="18" charset="-120"/>
-              </a:defRPr>
-            </a:lvl1pPr>
-            <a:lvl2pPr marL="742950" indent="-285750">
-              <a:spcBef>
-                <a:spcPct val="20000"/>
-              </a:spcBef>
-              <a:buChar char="–"/>
-              <a:defRPr kumimoji="1" sz="2800">
-                <a:solidFill>
-                  <a:schemeClr val="tx1"/>
-                </a:solidFill>
-                <a:latin typeface="Book Antiqua" panose="02040602050305030304" pitchFamily="18" charset="0"/>
-                <a:ea typeface="新細明體" panose="02020500000000000000" pitchFamily="18" charset="-120"/>
-              </a:defRPr>
-            </a:lvl2pPr>
-            <a:lvl3pPr marL="1143000" indent="-228600">
-              <a:spcBef>
-                <a:spcPct val="20000"/>
-              </a:spcBef>
-              <a:buChar char="•"/>
-              <a:defRPr kumimoji="1" sz="2400">
-                <a:solidFill>
-                  <a:schemeClr val="tx1"/>
-                </a:solidFill>
-                <a:latin typeface="Book Antiqua" panose="02040602050305030304" pitchFamily="18" charset="0"/>
-                <a:ea typeface="新細明體" panose="02020500000000000000" pitchFamily="18" charset="-120"/>
-              </a:defRPr>
-            </a:lvl3pPr>
-            <a:lvl4pPr marL="1600200" indent="-228600">
-              <a:spcBef>
-                <a:spcPct val="20000"/>
-              </a:spcBef>
-              <a:buChar char="–"/>
-              <a:defRPr kumimoji="1" sz="2000">
-                <a:solidFill>
-                  <a:schemeClr val="tx1"/>
-                </a:solidFill>
-                <a:latin typeface="Book Antiqua" panose="02040602050305030304" pitchFamily="18" charset="0"/>
-                <a:ea typeface="新細明體" panose="02020500000000000000" pitchFamily="18" charset="-120"/>
-              </a:defRPr>
-            </a:lvl4pPr>
-            <a:lvl5pPr marL="2057400" indent="-228600">
-              <a:spcBef>
-                <a:spcPct val="20000"/>
-              </a:spcBef>
-              <a:buChar char="»"/>
-              <a:defRPr kumimoji="1" sz="2000">
-                <a:solidFill>
-                  <a:schemeClr val="tx1"/>
-                </a:solidFill>
-                <a:latin typeface="Book Antiqua" panose="02040602050305030304" pitchFamily="18" charset="0"/>
-                <a:ea typeface="新細明體" panose="02020500000000000000" pitchFamily="18" charset="-120"/>
-              </a:defRPr>
-            </a:lvl5pPr>
-            <a:lvl6pPr marL="2514600" indent="-228600" eaLnBrk="0" fontAlgn="base" hangingPunct="0">
-              <a:spcBef>
-                <a:spcPct val="20000"/>
-              </a:spcBef>
-              <a:spcAft>
-                <a:spcPct val="0"/>
-              </a:spcAft>
-              <a:buChar char="»"/>
-              <a:defRPr kumimoji="1" sz="2000">
-                <a:solidFill>
-                  <a:schemeClr val="tx1"/>
-                </a:solidFill>
-                <a:latin typeface="Book Antiqua" panose="02040602050305030304" pitchFamily="18" charset="0"/>
-                <a:ea typeface="新細明體" panose="02020500000000000000" pitchFamily="18" charset="-120"/>
-              </a:defRPr>
-            </a:lvl6pPr>
-            <a:lvl7pPr marL="2971800" indent="-228600" eaLnBrk="0" fontAlgn="base" hangingPunct="0">
-              <a:spcBef>
-                <a:spcPct val="20000"/>
-              </a:spcBef>
-              <a:spcAft>
-                <a:spcPct val="0"/>
-              </a:spcAft>
-              <a:buChar char="»"/>
-              <a:defRPr kumimoji="1" sz="2000">
-                <a:solidFill>
-                  <a:schemeClr val="tx1"/>
-                </a:solidFill>
-                <a:latin typeface="Book Antiqua" panose="02040602050305030304" pitchFamily="18" charset="0"/>
-                <a:ea typeface="新細明體" panose="02020500000000000000" pitchFamily="18" charset="-120"/>
-              </a:defRPr>
-            </a:lvl7pPr>
-            <a:lvl8pPr marL="3429000" indent="-228600" eaLnBrk="0" fontAlgn="base" hangingPunct="0">
-              <a:spcBef>
-                <a:spcPct val="20000"/>
-              </a:spcBef>
-              <a:spcAft>
-                <a:spcPct val="0"/>
-              </a:spcAft>
-              <a:buChar char="»"/>
-              <a:defRPr kumimoji="1" sz="2000">
-                <a:solidFill>
-                  <a:schemeClr val="tx1"/>
-                </a:solidFill>
-                <a:latin typeface="Book Antiqua" panose="02040602050305030304" pitchFamily="18" charset="0"/>
-                <a:ea typeface="新細明體" panose="02020500000000000000" pitchFamily="18" charset="-120"/>
-              </a:defRPr>
-            </a:lvl8pPr>
-            <a:lvl9pPr marL="3886200" indent="-228600" eaLnBrk="0" fontAlgn="base" hangingPunct="0">
-              <a:spcBef>
-                <a:spcPct val="20000"/>
-              </a:spcBef>
-              <a:spcAft>
-                <a:spcPct val="0"/>
-              </a:spcAft>
-              <a:buChar char="»"/>
-              <a:defRPr kumimoji="1" sz="2000">
-                <a:solidFill>
-                  <a:schemeClr val="tx1"/>
-                </a:solidFill>
-                <a:latin typeface="Book Antiqua" panose="02040602050305030304" pitchFamily="18" charset="0"/>
-                <a:ea typeface="新細明體" panose="02020500000000000000" pitchFamily="18" charset="-120"/>
-              </a:defRPr>
-            </a:lvl9pPr>
-          </a:lstStyle>
-          <a:p>
-            <a:pPr>
-              <a:spcBef>
-                <a:spcPct val="0"/>
-              </a:spcBef>
-              <a:buFontTx/>
-              <a:buNone/>
-            </a:pPr>
-            <a:r>
-              <a:rPr kumimoji="0" lang="en-US" altLang="zh-TW" sz="1400">
-                <a:latin typeface="Arial" panose="020B0604020202020204" pitchFamily="34" charset="0"/>
-              </a:rPr>
-              <a:t>Educational Data Mining, Fall 2025</a:t>
-            </a:r>
-          </a:p>
-        </p:txBody>
-      </p:sp>
-      <p:sp>
-        <p:nvSpPr>
-          <p:cNvPr id="38915" name="頁尾版面配置區 4"/>
-          <p:cNvSpPr>
-            <a:spLocks noGrp="1"/>
-          </p:cNvSpPr>
-          <p:nvPr>
-            <p:ph type="ftr" sz="quarter" idx="11"/>
-          </p:nvPr>
-        </p:nvSpPr>
-        <p:spPr>
-          <a:noFill/>
-        </p:spPr>
-        <p:txBody>
-          <a:bodyPr/>
-          <a:lstStyle>
-            <a:lvl1pPr>
-              <a:spcBef>
-                <a:spcPct val="20000"/>
-              </a:spcBef>
-              <a:buChar char="•"/>
-              <a:defRPr kumimoji="1" sz="3200">
-                <a:solidFill>
-                  <a:schemeClr val="tx1"/>
-                </a:solidFill>
-                <a:latin typeface="Book Antiqua" panose="02040602050305030304" pitchFamily="18" charset="0"/>
-                <a:ea typeface="新細明體" panose="02020500000000000000" pitchFamily="18" charset="-120"/>
-              </a:defRPr>
-            </a:lvl1pPr>
-            <a:lvl2pPr marL="742950" indent="-285750">
-              <a:spcBef>
-                <a:spcPct val="20000"/>
-              </a:spcBef>
-              <a:buChar char="–"/>
-              <a:defRPr kumimoji="1" sz="2800">
-                <a:solidFill>
-                  <a:schemeClr val="tx1"/>
-                </a:solidFill>
-                <a:latin typeface="Book Antiqua" panose="02040602050305030304" pitchFamily="18" charset="0"/>
-                <a:ea typeface="新細明體" panose="02020500000000000000" pitchFamily="18" charset="-120"/>
-              </a:defRPr>
-            </a:lvl2pPr>
-            <a:lvl3pPr marL="1143000" indent="-228600">
-              <a:spcBef>
-                <a:spcPct val="20000"/>
-              </a:spcBef>
-              <a:buChar char="•"/>
-              <a:defRPr kumimoji="1" sz="2400">
-                <a:solidFill>
-                  <a:schemeClr val="tx1"/>
-                </a:solidFill>
-                <a:latin typeface="Book Antiqua" panose="02040602050305030304" pitchFamily="18" charset="0"/>
-                <a:ea typeface="新細明體" panose="02020500000000000000" pitchFamily="18" charset="-120"/>
-              </a:defRPr>
-            </a:lvl3pPr>
-            <a:lvl4pPr marL="1600200" indent="-228600">
-              <a:spcBef>
-                <a:spcPct val="20000"/>
-              </a:spcBef>
-              <a:buChar char="–"/>
-              <a:defRPr kumimoji="1" sz="2000">
-                <a:solidFill>
-                  <a:schemeClr val="tx1"/>
-                </a:solidFill>
-                <a:latin typeface="Book Antiqua" panose="02040602050305030304" pitchFamily="18" charset="0"/>
-                <a:ea typeface="新細明體" panose="02020500000000000000" pitchFamily="18" charset="-120"/>
-              </a:defRPr>
-            </a:lvl4pPr>
-            <a:lvl5pPr marL="2057400" indent="-228600">
-              <a:spcBef>
-                <a:spcPct val="20000"/>
-              </a:spcBef>
-              <a:buChar char="»"/>
-              <a:defRPr kumimoji="1" sz="2000">
-                <a:solidFill>
-                  <a:schemeClr val="tx1"/>
-                </a:solidFill>
-                <a:latin typeface="Book Antiqua" panose="02040602050305030304" pitchFamily="18" charset="0"/>
-                <a:ea typeface="新細明體" panose="02020500000000000000" pitchFamily="18" charset="-120"/>
-              </a:defRPr>
-            </a:lvl5pPr>
-            <a:lvl6pPr marL="2514600" indent="-228600" eaLnBrk="0" fontAlgn="base" hangingPunct="0">
-              <a:spcBef>
-                <a:spcPct val="20000"/>
-              </a:spcBef>
-              <a:spcAft>
-                <a:spcPct val="0"/>
-              </a:spcAft>
-              <a:buChar char="»"/>
-              <a:defRPr kumimoji="1" sz="2000">
-                <a:solidFill>
-                  <a:schemeClr val="tx1"/>
-                </a:solidFill>
-                <a:latin typeface="Book Antiqua" panose="02040602050305030304" pitchFamily="18" charset="0"/>
-                <a:ea typeface="新細明體" panose="02020500000000000000" pitchFamily="18" charset="-120"/>
-              </a:defRPr>
-            </a:lvl6pPr>
-            <a:lvl7pPr marL="2971800" indent="-228600" eaLnBrk="0" fontAlgn="base" hangingPunct="0">
-              <a:spcBef>
-                <a:spcPct val="20000"/>
-              </a:spcBef>
-              <a:spcAft>
-                <a:spcPct val="0"/>
-              </a:spcAft>
-              <a:buChar char="»"/>
-              <a:defRPr kumimoji="1" sz="2000">
-                <a:solidFill>
-                  <a:schemeClr val="tx1"/>
-                </a:solidFill>
-                <a:latin typeface="Book Antiqua" panose="02040602050305030304" pitchFamily="18" charset="0"/>
-                <a:ea typeface="新細明體" panose="02020500000000000000" pitchFamily="18" charset="-120"/>
-              </a:defRPr>
-            </a:lvl7pPr>
-            <a:lvl8pPr marL="3429000" indent="-228600" eaLnBrk="0" fontAlgn="base" hangingPunct="0">
-              <a:spcBef>
-                <a:spcPct val="20000"/>
-              </a:spcBef>
-              <a:spcAft>
-                <a:spcPct val="0"/>
-              </a:spcAft>
-              <a:buChar char="»"/>
-              <a:defRPr kumimoji="1" sz="2000">
-                <a:solidFill>
-                  <a:schemeClr val="tx1"/>
-                </a:solidFill>
-                <a:latin typeface="Book Antiqua" panose="02040602050305030304" pitchFamily="18" charset="0"/>
-                <a:ea typeface="新細明體" panose="02020500000000000000" pitchFamily="18" charset="-120"/>
-              </a:defRPr>
-            </a:lvl8pPr>
-            <a:lvl9pPr marL="3886200" indent="-228600" eaLnBrk="0" fontAlgn="base" hangingPunct="0">
-              <a:spcBef>
-                <a:spcPct val="20000"/>
-              </a:spcBef>
-              <a:spcAft>
-                <a:spcPct val="0"/>
-              </a:spcAft>
-              <a:buChar char="»"/>
-              <a:defRPr kumimoji="1" sz="2000">
-                <a:solidFill>
-                  <a:schemeClr val="tx1"/>
-                </a:solidFill>
-                <a:latin typeface="Book Antiqua" panose="02040602050305030304" pitchFamily="18" charset="0"/>
-                <a:ea typeface="新細明體" panose="02020500000000000000" pitchFamily="18" charset="-120"/>
-              </a:defRPr>
-            </a:lvl9pPr>
-          </a:lstStyle>
-          <a:p>
-            <a:pPr>
-              <a:spcBef>
-                <a:spcPct val="0"/>
-              </a:spcBef>
-              <a:buFontTx/>
-              <a:buNone/>
-            </a:pPr>
-            <a:r>
-              <a:rPr kumimoji="0" lang="en-US" altLang="zh-TW" sz="1400">
-                <a:latin typeface="Arial" panose="020B0604020202020204" pitchFamily="34" charset="0"/>
-              </a:rPr>
-              <a:t>NTUT CSIE</a:t>
-            </a:r>
-          </a:p>
-        </p:txBody>
-      </p:sp>
-      <p:sp>
-        <p:nvSpPr>
-          <p:cNvPr id="38916" name="投影片編號版面配置區 5"/>
-          <p:cNvSpPr>
-            <a:spLocks noGrp="1"/>
-          </p:cNvSpPr>
-          <p:nvPr>
-            <p:ph type="sldNum" sz="quarter" idx="12"/>
-          </p:nvPr>
-        </p:nvSpPr>
-        <p:spPr>
-          <a:noFill/>
-        </p:spPr>
-        <p:txBody>
-          <a:bodyPr/>
-          <a:lstStyle>
-            <a:lvl1pPr>
-              <a:spcBef>
-                <a:spcPct val="20000"/>
-              </a:spcBef>
-              <a:buChar char="•"/>
-              <a:defRPr kumimoji="1" sz="3200">
-                <a:solidFill>
-                  <a:schemeClr val="tx1"/>
-                </a:solidFill>
-                <a:latin typeface="Book Antiqua" panose="02040602050305030304" pitchFamily="18" charset="0"/>
-                <a:ea typeface="新細明體" panose="02020500000000000000" pitchFamily="18" charset="-120"/>
-              </a:defRPr>
-            </a:lvl1pPr>
-            <a:lvl2pPr marL="742950" indent="-285750">
-              <a:spcBef>
-                <a:spcPct val="20000"/>
-              </a:spcBef>
-              <a:buChar char="–"/>
-              <a:defRPr kumimoji="1" sz="2800">
-                <a:solidFill>
-                  <a:schemeClr val="tx1"/>
-                </a:solidFill>
-                <a:latin typeface="Book Antiqua" panose="02040602050305030304" pitchFamily="18" charset="0"/>
-                <a:ea typeface="新細明體" panose="02020500000000000000" pitchFamily="18" charset="-120"/>
-              </a:defRPr>
-            </a:lvl2pPr>
-            <a:lvl3pPr marL="1143000" indent="-228600">
-              <a:spcBef>
-                <a:spcPct val="20000"/>
-              </a:spcBef>
-              <a:buChar char="•"/>
-              <a:defRPr kumimoji="1" sz="2400">
-                <a:solidFill>
-                  <a:schemeClr val="tx1"/>
-                </a:solidFill>
-                <a:latin typeface="Book Antiqua" panose="02040602050305030304" pitchFamily="18" charset="0"/>
-                <a:ea typeface="新細明體" panose="02020500000000000000" pitchFamily="18" charset="-120"/>
-              </a:defRPr>
-            </a:lvl3pPr>
-            <a:lvl4pPr marL="1600200" indent="-228600">
-              <a:spcBef>
-                <a:spcPct val="20000"/>
-              </a:spcBef>
-              <a:buChar char="–"/>
-              <a:defRPr kumimoji="1" sz="2000">
-                <a:solidFill>
-                  <a:schemeClr val="tx1"/>
-                </a:solidFill>
-                <a:latin typeface="Book Antiqua" panose="02040602050305030304" pitchFamily="18" charset="0"/>
-                <a:ea typeface="新細明體" panose="02020500000000000000" pitchFamily="18" charset="-120"/>
-              </a:defRPr>
-            </a:lvl4pPr>
-            <a:lvl5pPr marL="2057400" indent="-228600">
-              <a:spcBef>
-                <a:spcPct val="20000"/>
-              </a:spcBef>
-              <a:buChar char="»"/>
-              <a:defRPr kumimoji="1" sz="2000">
-                <a:solidFill>
-                  <a:schemeClr val="tx1"/>
-                </a:solidFill>
-                <a:latin typeface="Book Antiqua" panose="02040602050305030304" pitchFamily="18" charset="0"/>
-                <a:ea typeface="新細明體" panose="02020500000000000000" pitchFamily="18" charset="-120"/>
-              </a:defRPr>
-            </a:lvl5pPr>
-            <a:lvl6pPr marL="2514600" indent="-228600" eaLnBrk="0" fontAlgn="base" hangingPunct="0">
-              <a:spcBef>
-                <a:spcPct val="20000"/>
-              </a:spcBef>
-              <a:spcAft>
-                <a:spcPct val="0"/>
-              </a:spcAft>
-              <a:buChar char="»"/>
-              <a:defRPr kumimoji="1" sz="2000">
-                <a:solidFill>
-                  <a:schemeClr val="tx1"/>
-                </a:solidFill>
-                <a:latin typeface="Book Antiqua" panose="02040602050305030304" pitchFamily="18" charset="0"/>
-                <a:ea typeface="新細明體" panose="02020500000000000000" pitchFamily="18" charset="-120"/>
-              </a:defRPr>
-            </a:lvl6pPr>
-            <a:lvl7pPr marL="2971800" indent="-228600" eaLnBrk="0" fontAlgn="base" hangingPunct="0">
-              <a:spcBef>
-                <a:spcPct val="20000"/>
-              </a:spcBef>
-              <a:spcAft>
-                <a:spcPct val="0"/>
-              </a:spcAft>
-              <a:buChar char="»"/>
-              <a:defRPr kumimoji="1" sz="2000">
-                <a:solidFill>
-                  <a:schemeClr val="tx1"/>
-                </a:solidFill>
-                <a:latin typeface="Book Antiqua" panose="02040602050305030304" pitchFamily="18" charset="0"/>
-                <a:ea typeface="新細明體" panose="02020500000000000000" pitchFamily="18" charset="-120"/>
-              </a:defRPr>
-            </a:lvl7pPr>
-            <a:lvl8pPr marL="3429000" indent="-228600" eaLnBrk="0" fontAlgn="base" hangingPunct="0">
-              <a:spcBef>
-                <a:spcPct val="20000"/>
-              </a:spcBef>
-              <a:spcAft>
-                <a:spcPct val="0"/>
-              </a:spcAft>
-              <a:buChar char="»"/>
-              <a:defRPr kumimoji="1" sz="2000">
-                <a:solidFill>
-                  <a:schemeClr val="tx1"/>
-                </a:solidFill>
-                <a:latin typeface="Book Antiqua" panose="02040602050305030304" pitchFamily="18" charset="0"/>
-                <a:ea typeface="新細明體" panose="02020500000000000000" pitchFamily="18" charset="-120"/>
-              </a:defRPr>
-            </a:lvl8pPr>
-            <a:lvl9pPr marL="3886200" indent="-228600" eaLnBrk="0" fontAlgn="base" hangingPunct="0">
-              <a:spcBef>
-                <a:spcPct val="20000"/>
-              </a:spcBef>
-              <a:spcAft>
-                <a:spcPct val="0"/>
-              </a:spcAft>
-              <a:buChar char="»"/>
-              <a:defRPr kumimoji="1" sz="2000">
-                <a:solidFill>
-                  <a:schemeClr val="tx1"/>
-                </a:solidFill>
-                <a:latin typeface="Book Antiqua" panose="02040602050305030304" pitchFamily="18" charset="0"/>
-                <a:ea typeface="新細明體" panose="02020500000000000000" pitchFamily="18" charset="-120"/>
-              </a:defRPr>
-            </a:lvl9pPr>
-          </a:lstStyle>
-          <a:p>
-            <a:pPr>
-              <a:spcBef>
-                <a:spcPct val="0"/>
-              </a:spcBef>
-              <a:buFontTx/>
-              <a:buNone/>
-            </a:pPr>
-            <a:fld id="{5C40A6B7-2979-4CC4-81BE-A37E07A68CED}" type="slidenum">
-              <a:rPr kumimoji="0" lang="en-US" altLang="zh-TW" sz="1400" smtClean="0">
-                <a:latin typeface="Arial" panose="020B0604020202020204" pitchFamily="34" charset="0"/>
-              </a:rPr>
-              <a:pPr>
-                <a:spcBef>
-                  <a:spcPct val="0"/>
-                </a:spcBef>
-                <a:buFontTx/>
-                <a:buNone/>
-              </a:pPr>
               <a:t>19</a:t>
             </a:fld>
             <a:endParaRPr kumimoji="0" lang="en-US" altLang="zh-TW" sz="1400">
               <a:latin typeface="Arial" panose="020B0604020202020204" pitchFamily="34" charset="0"/>
             </a:endParaRPr>
-          </a:p>
-        </p:txBody>
-      </p:sp>
-      <p:sp>
-        <p:nvSpPr>
-          <p:cNvPr id="38917" name="Rectangle 2"/>
-          <p:cNvSpPr>
-            <a:spLocks noGrp="1" noChangeArrowheads="1"/>
-          </p:cNvSpPr>
-          <p:nvPr>
-            <p:ph type="title"/>
-          </p:nvPr>
-        </p:nvSpPr>
-        <p:spPr/>
-        <p:txBody>
-          <a:bodyPr/>
-          <a:lstStyle/>
-          <a:p>
-            <a:pPr eaLnBrk="1" hangingPunct="1"/>
-            <a:r>
-              <a:rPr lang="en-US" altLang="zh-TW"/>
-              <a:t>The Goal of the Course</a:t>
-            </a:r>
-          </a:p>
-        </p:txBody>
-      </p:sp>
-      <p:sp>
-        <p:nvSpPr>
-          <p:cNvPr id="38918" name="Rectangle 3"/>
-          <p:cNvSpPr>
-            <a:spLocks noGrp="1" noChangeArrowheads="1"/>
-          </p:cNvSpPr>
-          <p:nvPr>
-            <p:ph type="body" idx="1"/>
-          </p:nvPr>
-        </p:nvSpPr>
-        <p:spPr/>
-        <p:txBody>
-          <a:bodyPr/>
-          <a:lstStyle/>
-          <a:p>
-            <a:pPr eaLnBrk="1" hangingPunct="1"/>
-            <a:r>
-              <a:rPr lang="en-US" altLang="zh-TW" dirty="0"/>
-              <a:t>To help students learn the basic concepts &amp; principles of data mining</a:t>
-            </a:r>
-          </a:p>
-          <a:p>
-            <a:pPr eaLnBrk="1" hangingPunct="1"/>
-            <a:r>
-              <a:rPr lang="en-US" altLang="zh-TW" dirty="0"/>
-              <a:t>To get students familiar with data mining tools and their application on educational data</a:t>
-            </a:r>
-          </a:p>
-          <a:p>
-            <a:pPr eaLnBrk="1" hangingPunct="1"/>
-            <a:r>
-              <a:rPr lang="en-US" altLang="zh-TW" dirty="0"/>
-              <a:t>To interpret the analytic results of data mining</a:t>
-            </a:r>
           </a:p>
         </p:txBody>
       </p:sp>
@@ -14244,7 +13899,7 @@
             </a:pPr>
             <a:r>
               <a:rPr lang="en-US" altLang="zh-TW" sz="2400" dirty="0"/>
-              <a:t>E-mail: (TBD)</a:t>
+              <a:t>E-mail: (TBA)</a:t>
             </a:r>
           </a:p>
         </p:txBody>
@@ -14258,6 +13913,602 @@
 </file>
 
 <file path=ppt/slides/slide20.xml><?xml version="1.0" encoding="utf-8"?>
+<p:sld xmlns:a="http://schemas.openxmlformats.org/drawingml/2006/main" xmlns:r="http://schemas.openxmlformats.org/officeDocument/2006/relationships" xmlns:p="http://schemas.openxmlformats.org/presentationml/2006/main">
+  <p:cSld>
+    <p:spTree>
+      <p:nvGrpSpPr>
+        <p:cNvPr id="1" name=""/>
+        <p:cNvGrpSpPr/>
+        <p:nvPr/>
+      </p:nvGrpSpPr>
+      <p:grpSpPr>
+        <a:xfrm>
+          <a:off x="0" y="0"/>
+          <a:ext cx="0" cy="0"/>
+          <a:chOff x="0" y="0"/>
+          <a:chExt cx="0" cy="0"/>
+        </a:xfrm>
+      </p:grpSpPr>
+      <p:sp>
+        <p:nvSpPr>
+          <p:cNvPr id="38914" name="日期版面配置區 3"/>
+          <p:cNvSpPr>
+            <a:spLocks noGrp="1"/>
+          </p:cNvSpPr>
+          <p:nvPr>
+            <p:ph type="dt" sz="quarter" idx="10"/>
+          </p:nvPr>
+        </p:nvSpPr>
+        <p:spPr>
+          <a:noFill/>
+        </p:spPr>
+        <p:txBody>
+          <a:bodyPr/>
+          <a:lstStyle>
+            <a:lvl1pPr>
+              <a:spcBef>
+                <a:spcPct val="20000"/>
+              </a:spcBef>
+              <a:buChar char="•"/>
+              <a:defRPr kumimoji="1" sz="3200">
+                <a:solidFill>
+                  <a:schemeClr val="tx1"/>
+                </a:solidFill>
+                <a:latin typeface="Book Antiqua" panose="02040602050305030304" pitchFamily="18" charset="0"/>
+                <a:ea typeface="新細明體" panose="02020500000000000000" pitchFamily="18" charset="-120"/>
+              </a:defRPr>
+            </a:lvl1pPr>
+            <a:lvl2pPr marL="742950" indent="-285750">
+              <a:spcBef>
+                <a:spcPct val="20000"/>
+              </a:spcBef>
+              <a:buChar char="–"/>
+              <a:defRPr kumimoji="1" sz="2800">
+                <a:solidFill>
+                  <a:schemeClr val="tx1"/>
+                </a:solidFill>
+                <a:latin typeface="Book Antiqua" panose="02040602050305030304" pitchFamily="18" charset="0"/>
+                <a:ea typeface="新細明體" panose="02020500000000000000" pitchFamily="18" charset="-120"/>
+              </a:defRPr>
+            </a:lvl2pPr>
+            <a:lvl3pPr marL="1143000" indent="-228600">
+              <a:spcBef>
+                <a:spcPct val="20000"/>
+              </a:spcBef>
+              <a:buChar char="•"/>
+              <a:defRPr kumimoji="1" sz="2400">
+                <a:solidFill>
+                  <a:schemeClr val="tx1"/>
+                </a:solidFill>
+                <a:latin typeface="Book Antiqua" panose="02040602050305030304" pitchFamily="18" charset="0"/>
+                <a:ea typeface="新細明體" panose="02020500000000000000" pitchFamily="18" charset="-120"/>
+              </a:defRPr>
+            </a:lvl3pPr>
+            <a:lvl4pPr marL="1600200" indent="-228600">
+              <a:spcBef>
+                <a:spcPct val="20000"/>
+              </a:spcBef>
+              <a:buChar char="–"/>
+              <a:defRPr kumimoji="1" sz="2000">
+                <a:solidFill>
+                  <a:schemeClr val="tx1"/>
+                </a:solidFill>
+                <a:latin typeface="Book Antiqua" panose="02040602050305030304" pitchFamily="18" charset="0"/>
+                <a:ea typeface="新細明體" panose="02020500000000000000" pitchFamily="18" charset="-120"/>
+              </a:defRPr>
+            </a:lvl4pPr>
+            <a:lvl5pPr marL="2057400" indent="-228600">
+              <a:spcBef>
+                <a:spcPct val="20000"/>
+              </a:spcBef>
+              <a:buChar char="»"/>
+              <a:defRPr kumimoji="1" sz="2000">
+                <a:solidFill>
+                  <a:schemeClr val="tx1"/>
+                </a:solidFill>
+                <a:latin typeface="Book Antiqua" panose="02040602050305030304" pitchFamily="18" charset="0"/>
+                <a:ea typeface="新細明體" panose="02020500000000000000" pitchFamily="18" charset="-120"/>
+              </a:defRPr>
+            </a:lvl5pPr>
+            <a:lvl6pPr marL="2514600" indent="-228600" eaLnBrk="0" fontAlgn="base" hangingPunct="0">
+              <a:spcBef>
+                <a:spcPct val="20000"/>
+              </a:spcBef>
+              <a:spcAft>
+                <a:spcPct val="0"/>
+              </a:spcAft>
+              <a:buChar char="»"/>
+              <a:defRPr kumimoji="1" sz="2000">
+                <a:solidFill>
+                  <a:schemeClr val="tx1"/>
+                </a:solidFill>
+                <a:latin typeface="Book Antiqua" panose="02040602050305030304" pitchFamily="18" charset="0"/>
+                <a:ea typeface="新細明體" panose="02020500000000000000" pitchFamily="18" charset="-120"/>
+              </a:defRPr>
+            </a:lvl6pPr>
+            <a:lvl7pPr marL="2971800" indent="-228600" eaLnBrk="0" fontAlgn="base" hangingPunct="0">
+              <a:spcBef>
+                <a:spcPct val="20000"/>
+              </a:spcBef>
+              <a:spcAft>
+                <a:spcPct val="0"/>
+              </a:spcAft>
+              <a:buChar char="»"/>
+              <a:defRPr kumimoji="1" sz="2000">
+                <a:solidFill>
+                  <a:schemeClr val="tx1"/>
+                </a:solidFill>
+                <a:latin typeface="Book Antiqua" panose="02040602050305030304" pitchFamily="18" charset="0"/>
+                <a:ea typeface="新細明體" panose="02020500000000000000" pitchFamily="18" charset="-120"/>
+              </a:defRPr>
+            </a:lvl7pPr>
+            <a:lvl8pPr marL="3429000" indent="-228600" eaLnBrk="0" fontAlgn="base" hangingPunct="0">
+              <a:spcBef>
+                <a:spcPct val="20000"/>
+              </a:spcBef>
+              <a:spcAft>
+                <a:spcPct val="0"/>
+              </a:spcAft>
+              <a:buChar char="»"/>
+              <a:defRPr kumimoji="1" sz="2000">
+                <a:solidFill>
+                  <a:schemeClr val="tx1"/>
+                </a:solidFill>
+                <a:latin typeface="Book Antiqua" panose="02040602050305030304" pitchFamily="18" charset="0"/>
+                <a:ea typeface="新細明體" panose="02020500000000000000" pitchFamily="18" charset="-120"/>
+              </a:defRPr>
+            </a:lvl8pPr>
+            <a:lvl9pPr marL="3886200" indent="-228600" eaLnBrk="0" fontAlgn="base" hangingPunct="0">
+              <a:spcBef>
+                <a:spcPct val="20000"/>
+              </a:spcBef>
+              <a:spcAft>
+                <a:spcPct val="0"/>
+              </a:spcAft>
+              <a:buChar char="»"/>
+              <a:defRPr kumimoji="1" sz="2000">
+                <a:solidFill>
+                  <a:schemeClr val="tx1"/>
+                </a:solidFill>
+                <a:latin typeface="Book Antiqua" panose="02040602050305030304" pitchFamily="18" charset="0"/>
+                <a:ea typeface="新細明體" panose="02020500000000000000" pitchFamily="18" charset="-120"/>
+              </a:defRPr>
+            </a:lvl9pPr>
+          </a:lstStyle>
+          <a:p>
+            <a:pPr>
+              <a:spcBef>
+                <a:spcPct val="0"/>
+              </a:spcBef>
+              <a:buFontTx/>
+              <a:buNone/>
+            </a:pPr>
+            <a:r>
+              <a:rPr kumimoji="0" lang="en-US" altLang="zh-TW" sz="1400">
+                <a:latin typeface="Arial" panose="020B0604020202020204" pitchFamily="34" charset="0"/>
+              </a:rPr>
+              <a:t>Educational Data Mining, Fall 2025</a:t>
+            </a:r>
+          </a:p>
+        </p:txBody>
+      </p:sp>
+      <p:sp>
+        <p:nvSpPr>
+          <p:cNvPr id="38915" name="頁尾版面配置區 4"/>
+          <p:cNvSpPr>
+            <a:spLocks noGrp="1"/>
+          </p:cNvSpPr>
+          <p:nvPr>
+            <p:ph type="ftr" sz="quarter" idx="11"/>
+          </p:nvPr>
+        </p:nvSpPr>
+        <p:spPr>
+          <a:noFill/>
+        </p:spPr>
+        <p:txBody>
+          <a:bodyPr/>
+          <a:lstStyle>
+            <a:lvl1pPr>
+              <a:spcBef>
+                <a:spcPct val="20000"/>
+              </a:spcBef>
+              <a:buChar char="•"/>
+              <a:defRPr kumimoji="1" sz="3200">
+                <a:solidFill>
+                  <a:schemeClr val="tx1"/>
+                </a:solidFill>
+                <a:latin typeface="Book Antiqua" panose="02040602050305030304" pitchFamily="18" charset="0"/>
+                <a:ea typeface="新細明體" panose="02020500000000000000" pitchFamily="18" charset="-120"/>
+              </a:defRPr>
+            </a:lvl1pPr>
+            <a:lvl2pPr marL="742950" indent="-285750">
+              <a:spcBef>
+                <a:spcPct val="20000"/>
+              </a:spcBef>
+              <a:buChar char="–"/>
+              <a:defRPr kumimoji="1" sz="2800">
+                <a:solidFill>
+                  <a:schemeClr val="tx1"/>
+                </a:solidFill>
+                <a:latin typeface="Book Antiqua" panose="02040602050305030304" pitchFamily="18" charset="0"/>
+                <a:ea typeface="新細明體" panose="02020500000000000000" pitchFamily="18" charset="-120"/>
+              </a:defRPr>
+            </a:lvl2pPr>
+            <a:lvl3pPr marL="1143000" indent="-228600">
+              <a:spcBef>
+                <a:spcPct val="20000"/>
+              </a:spcBef>
+              <a:buChar char="•"/>
+              <a:defRPr kumimoji="1" sz="2400">
+                <a:solidFill>
+                  <a:schemeClr val="tx1"/>
+                </a:solidFill>
+                <a:latin typeface="Book Antiqua" panose="02040602050305030304" pitchFamily="18" charset="0"/>
+                <a:ea typeface="新細明體" panose="02020500000000000000" pitchFamily="18" charset="-120"/>
+              </a:defRPr>
+            </a:lvl3pPr>
+            <a:lvl4pPr marL="1600200" indent="-228600">
+              <a:spcBef>
+                <a:spcPct val="20000"/>
+              </a:spcBef>
+              <a:buChar char="–"/>
+              <a:defRPr kumimoji="1" sz="2000">
+                <a:solidFill>
+                  <a:schemeClr val="tx1"/>
+                </a:solidFill>
+                <a:latin typeface="Book Antiqua" panose="02040602050305030304" pitchFamily="18" charset="0"/>
+                <a:ea typeface="新細明體" panose="02020500000000000000" pitchFamily="18" charset="-120"/>
+              </a:defRPr>
+            </a:lvl4pPr>
+            <a:lvl5pPr marL="2057400" indent="-228600">
+              <a:spcBef>
+                <a:spcPct val="20000"/>
+              </a:spcBef>
+              <a:buChar char="»"/>
+              <a:defRPr kumimoji="1" sz="2000">
+                <a:solidFill>
+                  <a:schemeClr val="tx1"/>
+                </a:solidFill>
+                <a:latin typeface="Book Antiqua" panose="02040602050305030304" pitchFamily="18" charset="0"/>
+                <a:ea typeface="新細明體" panose="02020500000000000000" pitchFamily="18" charset="-120"/>
+              </a:defRPr>
+            </a:lvl5pPr>
+            <a:lvl6pPr marL="2514600" indent="-228600" eaLnBrk="0" fontAlgn="base" hangingPunct="0">
+              <a:spcBef>
+                <a:spcPct val="20000"/>
+              </a:spcBef>
+              <a:spcAft>
+                <a:spcPct val="0"/>
+              </a:spcAft>
+              <a:buChar char="»"/>
+              <a:defRPr kumimoji="1" sz="2000">
+                <a:solidFill>
+                  <a:schemeClr val="tx1"/>
+                </a:solidFill>
+                <a:latin typeface="Book Antiqua" panose="02040602050305030304" pitchFamily="18" charset="0"/>
+                <a:ea typeface="新細明體" panose="02020500000000000000" pitchFamily="18" charset="-120"/>
+              </a:defRPr>
+            </a:lvl6pPr>
+            <a:lvl7pPr marL="2971800" indent="-228600" eaLnBrk="0" fontAlgn="base" hangingPunct="0">
+              <a:spcBef>
+                <a:spcPct val="20000"/>
+              </a:spcBef>
+              <a:spcAft>
+                <a:spcPct val="0"/>
+              </a:spcAft>
+              <a:buChar char="»"/>
+              <a:defRPr kumimoji="1" sz="2000">
+                <a:solidFill>
+                  <a:schemeClr val="tx1"/>
+                </a:solidFill>
+                <a:latin typeface="Book Antiqua" panose="02040602050305030304" pitchFamily="18" charset="0"/>
+                <a:ea typeface="新細明體" panose="02020500000000000000" pitchFamily="18" charset="-120"/>
+              </a:defRPr>
+            </a:lvl7pPr>
+            <a:lvl8pPr marL="3429000" indent="-228600" eaLnBrk="0" fontAlgn="base" hangingPunct="0">
+              <a:spcBef>
+                <a:spcPct val="20000"/>
+              </a:spcBef>
+              <a:spcAft>
+                <a:spcPct val="0"/>
+              </a:spcAft>
+              <a:buChar char="»"/>
+              <a:defRPr kumimoji="1" sz="2000">
+                <a:solidFill>
+                  <a:schemeClr val="tx1"/>
+                </a:solidFill>
+                <a:latin typeface="Book Antiqua" panose="02040602050305030304" pitchFamily="18" charset="0"/>
+                <a:ea typeface="新細明體" panose="02020500000000000000" pitchFamily="18" charset="-120"/>
+              </a:defRPr>
+            </a:lvl8pPr>
+            <a:lvl9pPr marL="3886200" indent="-228600" eaLnBrk="0" fontAlgn="base" hangingPunct="0">
+              <a:spcBef>
+                <a:spcPct val="20000"/>
+              </a:spcBef>
+              <a:spcAft>
+                <a:spcPct val="0"/>
+              </a:spcAft>
+              <a:buChar char="»"/>
+              <a:defRPr kumimoji="1" sz="2000">
+                <a:solidFill>
+                  <a:schemeClr val="tx1"/>
+                </a:solidFill>
+                <a:latin typeface="Book Antiqua" panose="02040602050305030304" pitchFamily="18" charset="0"/>
+                <a:ea typeface="新細明體" panose="02020500000000000000" pitchFamily="18" charset="-120"/>
+              </a:defRPr>
+            </a:lvl9pPr>
+          </a:lstStyle>
+          <a:p>
+            <a:pPr>
+              <a:spcBef>
+                <a:spcPct val="0"/>
+              </a:spcBef>
+              <a:buFontTx/>
+              <a:buNone/>
+            </a:pPr>
+            <a:r>
+              <a:rPr kumimoji="0" lang="en-US" altLang="zh-TW" sz="1400">
+                <a:latin typeface="Arial" panose="020B0604020202020204" pitchFamily="34" charset="0"/>
+              </a:rPr>
+              <a:t>NTUT CSIE</a:t>
+            </a:r>
+          </a:p>
+        </p:txBody>
+      </p:sp>
+      <p:sp>
+        <p:nvSpPr>
+          <p:cNvPr id="38916" name="投影片編號版面配置區 5"/>
+          <p:cNvSpPr>
+            <a:spLocks noGrp="1"/>
+          </p:cNvSpPr>
+          <p:nvPr>
+            <p:ph type="sldNum" sz="quarter" idx="12"/>
+          </p:nvPr>
+        </p:nvSpPr>
+        <p:spPr>
+          <a:noFill/>
+        </p:spPr>
+        <p:txBody>
+          <a:bodyPr/>
+          <a:lstStyle>
+            <a:lvl1pPr>
+              <a:spcBef>
+                <a:spcPct val="20000"/>
+              </a:spcBef>
+              <a:buChar char="•"/>
+              <a:defRPr kumimoji="1" sz="3200">
+                <a:solidFill>
+                  <a:schemeClr val="tx1"/>
+                </a:solidFill>
+                <a:latin typeface="Book Antiqua" panose="02040602050305030304" pitchFamily="18" charset="0"/>
+                <a:ea typeface="新細明體" panose="02020500000000000000" pitchFamily="18" charset="-120"/>
+              </a:defRPr>
+            </a:lvl1pPr>
+            <a:lvl2pPr marL="742950" indent="-285750">
+              <a:spcBef>
+                <a:spcPct val="20000"/>
+              </a:spcBef>
+              <a:buChar char="–"/>
+              <a:defRPr kumimoji="1" sz="2800">
+                <a:solidFill>
+                  <a:schemeClr val="tx1"/>
+                </a:solidFill>
+                <a:latin typeface="Book Antiqua" panose="02040602050305030304" pitchFamily="18" charset="0"/>
+                <a:ea typeface="新細明體" panose="02020500000000000000" pitchFamily="18" charset="-120"/>
+              </a:defRPr>
+            </a:lvl2pPr>
+            <a:lvl3pPr marL="1143000" indent="-228600">
+              <a:spcBef>
+                <a:spcPct val="20000"/>
+              </a:spcBef>
+              <a:buChar char="•"/>
+              <a:defRPr kumimoji="1" sz="2400">
+                <a:solidFill>
+                  <a:schemeClr val="tx1"/>
+                </a:solidFill>
+                <a:latin typeface="Book Antiqua" panose="02040602050305030304" pitchFamily="18" charset="0"/>
+                <a:ea typeface="新細明體" panose="02020500000000000000" pitchFamily="18" charset="-120"/>
+              </a:defRPr>
+            </a:lvl3pPr>
+            <a:lvl4pPr marL="1600200" indent="-228600">
+              <a:spcBef>
+                <a:spcPct val="20000"/>
+              </a:spcBef>
+              <a:buChar char="–"/>
+              <a:defRPr kumimoji="1" sz="2000">
+                <a:solidFill>
+                  <a:schemeClr val="tx1"/>
+                </a:solidFill>
+                <a:latin typeface="Book Antiqua" panose="02040602050305030304" pitchFamily="18" charset="0"/>
+                <a:ea typeface="新細明體" panose="02020500000000000000" pitchFamily="18" charset="-120"/>
+              </a:defRPr>
+            </a:lvl4pPr>
+            <a:lvl5pPr marL="2057400" indent="-228600">
+              <a:spcBef>
+                <a:spcPct val="20000"/>
+              </a:spcBef>
+              <a:buChar char="»"/>
+              <a:defRPr kumimoji="1" sz="2000">
+                <a:solidFill>
+                  <a:schemeClr val="tx1"/>
+                </a:solidFill>
+                <a:latin typeface="Book Antiqua" panose="02040602050305030304" pitchFamily="18" charset="0"/>
+                <a:ea typeface="新細明體" panose="02020500000000000000" pitchFamily="18" charset="-120"/>
+              </a:defRPr>
+            </a:lvl5pPr>
+            <a:lvl6pPr marL="2514600" indent="-228600" eaLnBrk="0" fontAlgn="base" hangingPunct="0">
+              <a:spcBef>
+                <a:spcPct val="20000"/>
+              </a:spcBef>
+              <a:spcAft>
+                <a:spcPct val="0"/>
+              </a:spcAft>
+              <a:buChar char="»"/>
+              <a:defRPr kumimoji="1" sz="2000">
+                <a:solidFill>
+                  <a:schemeClr val="tx1"/>
+                </a:solidFill>
+                <a:latin typeface="Book Antiqua" panose="02040602050305030304" pitchFamily="18" charset="0"/>
+                <a:ea typeface="新細明體" panose="02020500000000000000" pitchFamily="18" charset="-120"/>
+              </a:defRPr>
+            </a:lvl6pPr>
+            <a:lvl7pPr marL="2971800" indent="-228600" eaLnBrk="0" fontAlgn="base" hangingPunct="0">
+              <a:spcBef>
+                <a:spcPct val="20000"/>
+              </a:spcBef>
+              <a:spcAft>
+                <a:spcPct val="0"/>
+              </a:spcAft>
+              <a:buChar char="»"/>
+              <a:defRPr kumimoji="1" sz="2000">
+                <a:solidFill>
+                  <a:schemeClr val="tx1"/>
+                </a:solidFill>
+                <a:latin typeface="Book Antiqua" panose="02040602050305030304" pitchFamily="18" charset="0"/>
+                <a:ea typeface="新細明體" panose="02020500000000000000" pitchFamily="18" charset="-120"/>
+              </a:defRPr>
+            </a:lvl7pPr>
+            <a:lvl8pPr marL="3429000" indent="-228600" eaLnBrk="0" fontAlgn="base" hangingPunct="0">
+              <a:spcBef>
+                <a:spcPct val="20000"/>
+              </a:spcBef>
+              <a:spcAft>
+                <a:spcPct val="0"/>
+              </a:spcAft>
+              <a:buChar char="»"/>
+              <a:defRPr kumimoji="1" sz="2000">
+                <a:solidFill>
+                  <a:schemeClr val="tx1"/>
+                </a:solidFill>
+                <a:latin typeface="Book Antiqua" panose="02040602050305030304" pitchFamily="18" charset="0"/>
+                <a:ea typeface="新細明體" panose="02020500000000000000" pitchFamily="18" charset="-120"/>
+              </a:defRPr>
+            </a:lvl8pPr>
+            <a:lvl9pPr marL="3886200" indent="-228600" eaLnBrk="0" fontAlgn="base" hangingPunct="0">
+              <a:spcBef>
+                <a:spcPct val="20000"/>
+              </a:spcBef>
+              <a:spcAft>
+                <a:spcPct val="0"/>
+              </a:spcAft>
+              <a:buChar char="»"/>
+              <a:defRPr kumimoji="1" sz="2000">
+                <a:solidFill>
+                  <a:schemeClr val="tx1"/>
+                </a:solidFill>
+                <a:latin typeface="Book Antiqua" panose="02040602050305030304" pitchFamily="18" charset="0"/>
+                <a:ea typeface="新細明體" panose="02020500000000000000" pitchFamily="18" charset="-120"/>
+              </a:defRPr>
+            </a:lvl9pPr>
+          </a:lstStyle>
+          <a:p>
+            <a:pPr>
+              <a:spcBef>
+                <a:spcPct val="0"/>
+              </a:spcBef>
+              <a:buFontTx/>
+              <a:buNone/>
+            </a:pPr>
+            <a:fld id="{5C40A6B7-2979-4CC4-81BE-A37E07A68CED}" type="slidenum">
+              <a:rPr kumimoji="0" lang="en-US" altLang="zh-TW" sz="1400" smtClean="0">
+                <a:latin typeface="Arial" panose="020B0604020202020204" pitchFamily="34" charset="0"/>
+              </a:rPr>
+              <a:pPr>
+                <a:spcBef>
+                  <a:spcPct val="0"/>
+                </a:spcBef>
+                <a:buFontTx/>
+                <a:buNone/>
+              </a:pPr>
+              <a:t>20</a:t>
+            </a:fld>
+            <a:endParaRPr kumimoji="0" lang="en-US" altLang="zh-TW" sz="1400">
+              <a:latin typeface="Arial" panose="020B0604020202020204" pitchFamily="34" charset="0"/>
+            </a:endParaRPr>
+          </a:p>
+        </p:txBody>
+      </p:sp>
+      <p:sp>
+        <p:nvSpPr>
+          <p:cNvPr id="38917" name="Rectangle 2"/>
+          <p:cNvSpPr>
+            <a:spLocks noGrp="1" noChangeArrowheads="1"/>
+          </p:cNvSpPr>
+          <p:nvPr>
+            <p:ph type="title"/>
+          </p:nvPr>
+        </p:nvSpPr>
+        <p:spPr/>
+        <p:txBody>
+          <a:bodyPr/>
+          <a:lstStyle/>
+          <a:p>
+            <a:pPr eaLnBrk="1" hangingPunct="1"/>
+            <a:r>
+              <a:rPr lang="en-US" altLang="zh-TW"/>
+              <a:t>The Goal of the Course</a:t>
+            </a:r>
+          </a:p>
+        </p:txBody>
+      </p:sp>
+      <p:sp>
+        <p:nvSpPr>
+          <p:cNvPr id="38918" name="Rectangle 3"/>
+          <p:cNvSpPr>
+            <a:spLocks noGrp="1" noChangeArrowheads="1"/>
+          </p:cNvSpPr>
+          <p:nvPr>
+            <p:ph type="body" idx="1"/>
+          </p:nvPr>
+        </p:nvSpPr>
+        <p:spPr/>
+        <p:txBody>
+          <a:bodyPr/>
+          <a:lstStyle/>
+          <a:p>
+            <a:pPr eaLnBrk="1" hangingPunct="1"/>
+            <a:r>
+              <a:rPr lang="en-US" altLang="zh-TW" dirty="0"/>
+              <a:t>To help students learn the basic concepts &amp; principles of data mining</a:t>
+            </a:r>
+          </a:p>
+          <a:p>
+            <a:pPr eaLnBrk="1" hangingPunct="1"/>
+            <a:r>
+              <a:rPr lang="en-US" altLang="zh-TW" dirty="0"/>
+              <a:t>To get students familiar with data mining tools and their application on educational data</a:t>
+            </a:r>
+          </a:p>
+          <a:p>
+            <a:pPr eaLnBrk="1" hangingPunct="1"/>
+            <a:r>
+              <a:rPr lang="en-US" altLang="zh-TW" dirty="0"/>
+              <a:t>To </a:t>
+            </a:r>
+            <a:r>
+              <a:rPr lang="en-US" altLang="zh-TW" dirty="0">
+                <a:solidFill>
+                  <a:srgbClr val="0000FF"/>
+                </a:solidFill>
+              </a:rPr>
+              <a:t>interpret</a:t>
+            </a:r>
+            <a:r>
+              <a:rPr lang="en-US" altLang="zh-TW" dirty="0"/>
+              <a:t> the analytic results of data mining</a:t>
+            </a:r>
+          </a:p>
+        </p:txBody>
+      </p:sp>
+    </p:spTree>
+  </p:cSld>
+  <p:clrMapOvr>
+    <a:masterClrMapping/>
+  </p:clrMapOvr>
+</p:sld>
+</file>
+
+<file path=ppt/slides/slide21.xml><?xml version="1.0" encoding="utf-8"?>
 <p:sld xmlns:a="http://schemas.openxmlformats.org/drawingml/2006/main" xmlns:r="http://schemas.openxmlformats.org/officeDocument/2006/relationships" xmlns:p="http://schemas.openxmlformats.org/presentationml/2006/main">
   <p:cSld>
     <p:spTree>
@@ -14765,7 +15016,7 @@
                 <a:buFontTx/>
                 <a:buNone/>
               </a:pPr>
-              <a:t>20</a:t>
+              <a:t>21</a:t>
             </a:fld>
             <a:endParaRPr kumimoji="0" lang="en-US" altLang="zh-TW" sz="1400">
               <a:latin typeface="Arial" panose="020B0604020202020204" pitchFamily="34" charset="0"/>
@@ -15016,7 +15267,7 @@
 </p:sld>
 </file>
 
-<file path=ppt/slides/slide21.xml><?xml version="1.0" encoding="utf-8"?>
+<file path=ppt/slides/slide22.xml><?xml version="1.0" encoding="utf-8"?>
 <p:sld xmlns:a="http://schemas.openxmlformats.org/drawingml/2006/main" xmlns:r="http://schemas.openxmlformats.org/officeDocument/2006/relationships" xmlns:p="http://schemas.openxmlformats.org/presentationml/2006/main">
   <p:cSld>
     <p:spTree>
@@ -15524,7 +15775,7 @@
                 <a:buFontTx/>
                 <a:buNone/>
               </a:pPr>
-              <a:t>21</a:t>
+              <a:t>22</a:t>
             </a:fld>
             <a:endParaRPr kumimoji="0" lang="en-US" altLang="zh-TW" sz="1400">
               <a:latin typeface="Arial" panose="020B0604020202020204" pitchFamily="34" charset="0"/>
@@ -15777,7 +16028,7 @@
 </p:sld>
 </file>
 
-<file path=ppt/slides/slide22.xml><?xml version="1.0" encoding="utf-8"?>
+<file path=ppt/slides/slide23.xml><?xml version="1.0" encoding="utf-8"?>
 <p:sld xmlns:a="http://schemas.openxmlformats.org/drawingml/2006/main" xmlns:r="http://schemas.openxmlformats.org/officeDocument/2006/relationships" xmlns:p="http://schemas.openxmlformats.org/presentationml/2006/main">
   <p:cSld>
     <p:spTree>
@@ -17153,7 +17404,7 @@
                 <a:buFontTx/>
                 <a:buNone/>
               </a:pPr>
-              <a:t>22</a:t>
+              <a:t>23</a:t>
             </a:fld>
             <a:endParaRPr kumimoji="0" lang="en-US" altLang="zh-TW" sz="1400">
               <a:latin typeface="Arial" panose="020B0604020202020204" pitchFamily="34" charset="0"/>
@@ -17169,7 +17420,7 @@
 </p:sld>
 </file>
 
-<file path=ppt/slides/slide23.xml><?xml version="1.0" encoding="utf-8"?>
+<file path=ppt/slides/slide24.xml><?xml version="1.0" encoding="utf-8"?>
 <p:sld xmlns:a="http://schemas.openxmlformats.org/drawingml/2006/main" xmlns:r="http://schemas.openxmlformats.org/officeDocument/2006/relationships" xmlns:p="http://schemas.openxmlformats.org/presentationml/2006/main">
   <p:cSld>
     <p:spTree>
@@ -17696,7 +17947,7 @@
                 <a:buFontTx/>
                 <a:buNone/>
               </a:pPr>
-              <a:t>23</a:t>
+              <a:t>24</a:t>
             </a:fld>
             <a:endParaRPr kumimoji="0" lang="en-US" altLang="zh-TW" sz="1400">
               <a:latin typeface="Arial" panose="020B0604020202020204" pitchFamily="34" charset="0"/>
@@ -18640,7 +18891,7 @@
 </p:sld>
 </file>
 
-<file path=ppt/slides/slide24.xml><?xml version="1.0" encoding="utf-8"?>
+<file path=ppt/slides/slide25.xml><?xml version="1.0" encoding="utf-8"?>
 <p:sld xmlns:a="http://schemas.openxmlformats.org/drawingml/2006/main" xmlns:r="http://schemas.openxmlformats.org/officeDocument/2006/relationships" xmlns:p="http://schemas.openxmlformats.org/presentationml/2006/main">
   <p:cSld>
     <p:spTree>
@@ -19582,7 +19833,7 @@
                 <a:buFontTx/>
                 <a:buNone/>
               </a:pPr>
-              <a:t>24</a:t>
+              <a:t>25</a:t>
             </a:fld>
             <a:endParaRPr kumimoji="0" lang="en-US" altLang="zh-TW" sz="1400">
               <a:latin typeface="Arial" panose="020B0604020202020204" pitchFamily="34" charset="0"/>
@@ -19598,7 +19849,7 @@
 </p:sld>
 </file>
 
-<file path=ppt/slides/slide25.xml><?xml version="1.0" encoding="utf-8"?>
+<file path=ppt/slides/slide26.xml><?xml version="1.0" encoding="utf-8"?>
 <p:sld xmlns:a="http://schemas.openxmlformats.org/drawingml/2006/main" xmlns:r="http://schemas.openxmlformats.org/officeDocument/2006/relationships" xmlns:p="http://schemas.openxmlformats.org/presentationml/2006/main">
   <p:cSld>
     <p:spTree>
@@ -20214,7 +20465,7 @@
                 <a:buFontTx/>
                 <a:buNone/>
               </a:pPr>
-              <a:t>25</a:t>
+              <a:t>26</a:t>
             </a:fld>
             <a:endParaRPr kumimoji="0" lang="en-US" altLang="zh-TW" sz="1400">
               <a:latin typeface="Arial" panose="020B0604020202020204" pitchFamily="34" charset="0"/>
@@ -20230,7 +20481,7 @@
 </p:sld>
 </file>
 
-<file path=ppt/slides/slide26.xml><?xml version="1.0" encoding="utf-8"?>
+<file path=ppt/slides/slide27.xml><?xml version="1.0" encoding="utf-8"?>
 <p:sld xmlns:a="http://schemas.openxmlformats.org/drawingml/2006/main" xmlns:r="http://schemas.openxmlformats.org/officeDocument/2006/relationships" xmlns:p="http://schemas.openxmlformats.org/presentationml/2006/main">
   <p:cSld>
     <p:spTree>
@@ -20872,7 +21123,7 @@
                 <a:buFontTx/>
                 <a:buNone/>
               </a:pPr>
-              <a:t>26</a:t>
+              <a:t>27</a:t>
             </a:fld>
             <a:endParaRPr kumimoji="0" lang="en-US" altLang="zh-TW" sz="1400">
               <a:latin typeface="Arial" panose="020B0604020202020204" pitchFamily="34" charset="0"/>
@@ -20888,7 +21139,7 @@
 </p:sld>
 </file>
 
-<file path=ppt/slides/slide27.xml><?xml version="1.0" encoding="utf-8"?>
+<file path=ppt/slides/slide28.xml><?xml version="1.0" encoding="utf-8"?>
 <p:sld xmlns:a="http://schemas.openxmlformats.org/drawingml/2006/main" xmlns:r="http://schemas.openxmlformats.org/officeDocument/2006/relationships" xmlns:p="http://schemas.openxmlformats.org/presentationml/2006/main">
   <p:cSld>
     <p:spTree>
@@ -21592,7 +21843,7 @@
                 <a:buFontTx/>
                 <a:buNone/>
               </a:pPr>
-              <a:t>27</a:t>
+              <a:t>28</a:t>
             </a:fld>
             <a:endParaRPr kumimoji="0" lang="en-US" altLang="zh-TW" sz="1400">
               <a:latin typeface="Arial" panose="020B0604020202020204" pitchFamily="34" charset="0"/>
@@ -21608,7 +21859,7 @@
 </p:sld>
 </file>
 
-<file path=ppt/slides/slide28.xml><?xml version="1.0" encoding="utf-8"?>
+<file path=ppt/slides/slide29.xml><?xml version="1.0" encoding="utf-8"?>
 <p:sld xmlns:a="http://schemas.openxmlformats.org/drawingml/2006/main" xmlns:r="http://schemas.openxmlformats.org/officeDocument/2006/relationships" xmlns:p="http://schemas.openxmlformats.org/presentationml/2006/main">
   <p:cSld>
     <p:spTree>
@@ -21660,7 +21911,9 @@
         </p:nvSpPr>
         <p:spPr/>
         <p:txBody>
-          <a:bodyPr/>
+          <a:bodyPr>
+            <a:normAutofit fontScale="92500" lnSpcReduction="20000"/>
+          </a:bodyPr>
           <a:lstStyle/>
           <a:p>
             <a:r>
@@ -21708,6 +21961,32 @@
               <a:rPr lang="zh-TW" altLang="en-US" dirty="0"/>
               <a:t> </a:t>
             </a:r>
+            <a:endParaRPr lang="en-US" altLang="zh-TW" dirty="0"/>
+          </a:p>
+          <a:p>
+            <a:r>
+              <a:rPr lang="en-US" altLang="zh-TW" dirty="0"/>
+              <a:t>2024</a:t>
+            </a:r>
+            <a:r>
+              <a:rPr lang="zh-TW" altLang="en-US" dirty="0"/>
+              <a:t>教育大數據分析競賽</a:t>
+            </a:r>
+            <a:endParaRPr lang="en-US" altLang="zh-TW" dirty="0"/>
+          </a:p>
+          <a:p>
+            <a:pPr lvl="1"/>
+            <a:r>
+              <a:rPr lang="en-US" altLang="zh-TW" dirty="0">
+                <a:hlinkClick r:id="rId4"/>
+              </a:rPr>
+              <a:t>https://pads.moe.edu.tw/pads_front/index.php?action=plan&amp;uuid=5bc1d60c-eb62-41c2-8b21-254109a4c602</a:t>
+            </a:r>
+            <a:r>
+              <a:rPr lang="en-US" altLang="zh-TW" dirty="0"/>
+              <a:t> </a:t>
+            </a:r>
+            <a:endParaRPr lang="zh-TW" altLang="en-US" dirty="0"/>
           </a:p>
         </p:txBody>
       </p:sp>
@@ -21784,7 +22063,7 @@
               <a:pPr>
                 <a:defRPr/>
               </a:pPr>
-              <a:t>28</a:t>
+              <a:t>29</a:t>
             </a:fld>
             <a:endParaRPr lang="en-US" altLang="zh-TW"/>
           </a:p>
@@ -21796,664 +22075,6 @@
         <p14:creationId xmlns:p14="http://schemas.microsoft.com/office/powerpoint/2010/main" val="488090417"/>
       </p:ext>
     </p:extLst>
-  </p:cSld>
-  <p:clrMapOvr>
-    <a:masterClrMapping/>
-  </p:clrMapOvr>
-</p:sld>
-</file>
-
-<file path=ppt/slides/slide29.xml><?xml version="1.0" encoding="utf-8"?>
-<p:sld xmlns:a="http://schemas.openxmlformats.org/drawingml/2006/main" xmlns:r="http://schemas.openxmlformats.org/officeDocument/2006/relationships" xmlns:p="http://schemas.openxmlformats.org/presentationml/2006/main">
-  <p:cSld>
-    <p:spTree>
-      <p:nvGrpSpPr>
-        <p:cNvPr id="1" name=""/>
-        <p:cNvGrpSpPr/>
-        <p:nvPr/>
-      </p:nvGrpSpPr>
-      <p:grpSpPr>
-        <a:xfrm>
-          <a:off x="0" y="0"/>
-          <a:ext cx="0" cy="0"/>
-          <a:chOff x="0" y="0"/>
-          <a:chExt cx="0" cy="0"/>
-        </a:xfrm>
-      </p:grpSpPr>
-      <p:sp>
-        <p:nvSpPr>
-          <p:cNvPr id="55298" name="標題 1"/>
-          <p:cNvSpPr>
-            <a:spLocks noGrp="1"/>
-          </p:cNvSpPr>
-          <p:nvPr>
-            <p:ph type="title"/>
-          </p:nvPr>
-        </p:nvSpPr>
-        <p:spPr/>
-        <p:txBody>
-          <a:bodyPr/>
-          <a:lstStyle/>
-          <a:p>
-            <a:r>
-              <a:rPr lang="en-US" altLang="zh-TW"/>
-              <a:t>Conferences and Journals on Data Mining</a:t>
-            </a:r>
-            <a:endParaRPr lang="zh-TW" altLang="en-US"/>
-          </a:p>
-        </p:txBody>
-      </p:sp>
-      <p:sp>
-        <p:nvSpPr>
-          <p:cNvPr id="3" name="內容版面配置區 2"/>
-          <p:cNvSpPr>
-            <a:spLocks noGrp="1"/>
-          </p:cNvSpPr>
-          <p:nvPr>
-            <p:ph idx="1"/>
-          </p:nvPr>
-        </p:nvSpPr>
-        <p:spPr/>
-        <p:txBody>
-          <a:bodyPr>
-            <a:normAutofit fontScale="92500" lnSpcReduction="20000"/>
-          </a:bodyPr>
-          <a:lstStyle/>
-          <a:p>
-            <a:pPr>
-              <a:defRPr/>
-            </a:pPr>
-            <a:r>
-              <a:rPr lang="en-US" altLang="zh-TW" dirty="0"/>
-              <a:t>KDD Conferences</a:t>
-            </a:r>
-          </a:p>
-          <a:p>
-            <a:pPr lvl="1">
-              <a:defRPr/>
-            </a:pPr>
-            <a:r>
-              <a:rPr lang="en-US" altLang="zh-TW" dirty="0"/>
-              <a:t>ACM SIGKDD Int. Conf. on Knowledge Discovery in Databases and Data Mining (</a:t>
-            </a:r>
-            <a:r>
-              <a:rPr lang="en-US" altLang="zh-TW" dirty="0">
-                <a:solidFill>
-                  <a:srgbClr val="FF0000"/>
-                </a:solidFill>
-              </a:rPr>
-              <a:t>KDD</a:t>
-            </a:r>
-            <a:r>
-              <a:rPr lang="en-US" altLang="zh-TW" dirty="0"/>
-              <a:t>)</a:t>
-            </a:r>
-          </a:p>
-          <a:p>
-            <a:pPr lvl="1">
-              <a:defRPr/>
-            </a:pPr>
-            <a:r>
-              <a:rPr lang="en-US" altLang="zh-TW" dirty="0"/>
-              <a:t>SIAM Data Mining Conf. (SDM)</a:t>
-            </a:r>
-          </a:p>
-          <a:p>
-            <a:pPr lvl="1">
-              <a:defRPr/>
-            </a:pPr>
-            <a:r>
-              <a:rPr lang="en-US" altLang="zh-TW" dirty="0"/>
-              <a:t>(IEEE) Int. Conf. on Data Mining (</a:t>
-            </a:r>
-            <a:r>
-              <a:rPr lang="en-US" altLang="zh-TW" dirty="0">
-                <a:solidFill>
-                  <a:srgbClr val="0000FF"/>
-                </a:solidFill>
-              </a:rPr>
-              <a:t>ICDM</a:t>
-            </a:r>
-            <a:r>
-              <a:rPr lang="en-US" altLang="zh-TW" dirty="0"/>
-              <a:t>)</a:t>
-            </a:r>
-          </a:p>
-          <a:p>
-            <a:pPr lvl="1">
-              <a:defRPr/>
-            </a:pPr>
-            <a:r>
-              <a:rPr lang="en-US" altLang="zh-TW" dirty="0"/>
-              <a:t>European Conf. on Machine Learning and Principles and practices of Knowledge Discovery and Data Mining (ECML-PKDD)</a:t>
-            </a:r>
-          </a:p>
-          <a:p>
-            <a:pPr lvl="1">
-              <a:defRPr/>
-            </a:pPr>
-            <a:r>
-              <a:rPr lang="en-US" altLang="zh-TW" dirty="0"/>
-              <a:t>Pacific-Asia Conf. on Knowledge Discovery and Data Mining (PAKDD)</a:t>
-            </a:r>
-          </a:p>
-          <a:p>
-            <a:pPr lvl="1">
-              <a:defRPr/>
-            </a:pPr>
-            <a:r>
-              <a:rPr lang="en-US" altLang="zh-TW" dirty="0"/>
-              <a:t>Int. Conf. on Web Search and Data Mining (WSDM)</a:t>
-            </a:r>
-          </a:p>
-          <a:p>
-            <a:pPr>
-              <a:defRPr/>
-            </a:pPr>
-            <a:endParaRPr lang="zh-TW" altLang="en-US" dirty="0"/>
-          </a:p>
-        </p:txBody>
-      </p:sp>
-      <p:sp>
-        <p:nvSpPr>
-          <p:cNvPr id="55300" name="日期版面配置區 3"/>
-          <p:cNvSpPr>
-            <a:spLocks noGrp="1"/>
-          </p:cNvSpPr>
-          <p:nvPr>
-            <p:ph type="dt" sz="quarter" idx="10"/>
-          </p:nvPr>
-        </p:nvSpPr>
-        <p:spPr>
-          <a:noFill/>
-        </p:spPr>
-        <p:txBody>
-          <a:bodyPr/>
-          <a:lstStyle>
-            <a:lvl1pPr>
-              <a:spcBef>
-                <a:spcPct val="20000"/>
-              </a:spcBef>
-              <a:buChar char="•"/>
-              <a:defRPr kumimoji="1" sz="3200">
-                <a:solidFill>
-                  <a:schemeClr val="tx1"/>
-                </a:solidFill>
-                <a:latin typeface="Book Antiqua" panose="02040602050305030304" pitchFamily="18" charset="0"/>
-                <a:ea typeface="新細明體" panose="02020500000000000000" pitchFamily="18" charset="-120"/>
-              </a:defRPr>
-            </a:lvl1pPr>
-            <a:lvl2pPr marL="742950" indent="-285750">
-              <a:spcBef>
-                <a:spcPct val="20000"/>
-              </a:spcBef>
-              <a:buChar char="–"/>
-              <a:defRPr kumimoji="1" sz="2800">
-                <a:solidFill>
-                  <a:schemeClr val="tx1"/>
-                </a:solidFill>
-                <a:latin typeface="Book Antiqua" panose="02040602050305030304" pitchFamily="18" charset="0"/>
-                <a:ea typeface="新細明體" panose="02020500000000000000" pitchFamily="18" charset="-120"/>
-              </a:defRPr>
-            </a:lvl2pPr>
-            <a:lvl3pPr marL="1143000" indent="-228600">
-              <a:spcBef>
-                <a:spcPct val="20000"/>
-              </a:spcBef>
-              <a:buChar char="•"/>
-              <a:defRPr kumimoji="1" sz="2400">
-                <a:solidFill>
-                  <a:schemeClr val="tx1"/>
-                </a:solidFill>
-                <a:latin typeface="Book Antiqua" panose="02040602050305030304" pitchFamily="18" charset="0"/>
-                <a:ea typeface="新細明體" panose="02020500000000000000" pitchFamily="18" charset="-120"/>
-              </a:defRPr>
-            </a:lvl3pPr>
-            <a:lvl4pPr marL="1600200" indent="-228600">
-              <a:spcBef>
-                <a:spcPct val="20000"/>
-              </a:spcBef>
-              <a:buChar char="–"/>
-              <a:defRPr kumimoji="1" sz="2000">
-                <a:solidFill>
-                  <a:schemeClr val="tx1"/>
-                </a:solidFill>
-                <a:latin typeface="Book Antiqua" panose="02040602050305030304" pitchFamily="18" charset="0"/>
-                <a:ea typeface="新細明體" panose="02020500000000000000" pitchFamily="18" charset="-120"/>
-              </a:defRPr>
-            </a:lvl4pPr>
-            <a:lvl5pPr marL="2057400" indent="-228600">
-              <a:spcBef>
-                <a:spcPct val="20000"/>
-              </a:spcBef>
-              <a:buChar char="»"/>
-              <a:defRPr kumimoji="1" sz="2000">
-                <a:solidFill>
-                  <a:schemeClr val="tx1"/>
-                </a:solidFill>
-                <a:latin typeface="Book Antiqua" panose="02040602050305030304" pitchFamily="18" charset="0"/>
-                <a:ea typeface="新細明體" panose="02020500000000000000" pitchFamily="18" charset="-120"/>
-              </a:defRPr>
-            </a:lvl5pPr>
-            <a:lvl6pPr marL="2514600" indent="-228600" eaLnBrk="0" fontAlgn="base" hangingPunct="0">
-              <a:spcBef>
-                <a:spcPct val="20000"/>
-              </a:spcBef>
-              <a:spcAft>
-                <a:spcPct val="0"/>
-              </a:spcAft>
-              <a:buChar char="»"/>
-              <a:defRPr kumimoji="1" sz="2000">
-                <a:solidFill>
-                  <a:schemeClr val="tx1"/>
-                </a:solidFill>
-                <a:latin typeface="Book Antiqua" panose="02040602050305030304" pitchFamily="18" charset="0"/>
-                <a:ea typeface="新細明體" panose="02020500000000000000" pitchFamily="18" charset="-120"/>
-              </a:defRPr>
-            </a:lvl6pPr>
-            <a:lvl7pPr marL="2971800" indent="-228600" eaLnBrk="0" fontAlgn="base" hangingPunct="0">
-              <a:spcBef>
-                <a:spcPct val="20000"/>
-              </a:spcBef>
-              <a:spcAft>
-                <a:spcPct val="0"/>
-              </a:spcAft>
-              <a:buChar char="»"/>
-              <a:defRPr kumimoji="1" sz="2000">
-                <a:solidFill>
-                  <a:schemeClr val="tx1"/>
-                </a:solidFill>
-                <a:latin typeface="Book Antiqua" panose="02040602050305030304" pitchFamily="18" charset="0"/>
-                <a:ea typeface="新細明體" panose="02020500000000000000" pitchFamily="18" charset="-120"/>
-              </a:defRPr>
-            </a:lvl7pPr>
-            <a:lvl8pPr marL="3429000" indent="-228600" eaLnBrk="0" fontAlgn="base" hangingPunct="0">
-              <a:spcBef>
-                <a:spcPct val="20000"/>
-              </a:spcBef>
-              <a:spcAft>
-                <a:spcPct val="0"/>
-              </a:spcAft>
-              <a:buChar char="»"/>
-              <a:defRPr kumimoji="1" sz="2000">
-                <a:solidFill>
-                  <a:schemeClr val="tx1"/>
-                </a:solidFill>
-                <a:latin typeface="Book Antiqua" panose="02040602050305030304" pitchFamily="18" charset="0"/>
-                <a:ea typeface="新細明體" panose="02020500000000000000" pitchFamily="18" charset="-120"/>
-              </a:defRPr>
-            </a:lvl8pPr>
-            <a:lvl9pPr marL="3886200" indent="-228600" eaLnBrk="0" fontAlgn="base" hangingPunct="0">
-              <a:spcBef>
-                <a:spcPct val="20000"/>
-              </a:spcBef>
-              <a:spcAft>
-                <a:spcPct val="0"/>
-              </a:spcAft>
-              <a:buChar char="»"/>
-              <a:defRPr kumimoji="1" sz="2000">
-                <a:solidFill>
-                  <a:schemeClr val="tx1"/>
-                </a:solidFill>
-                <a:latin typeface="Book Antiqua" panose="02040602050305030304" pitchFamily="18" charset="0"/>
-                <a:ea typeface="新細明體" panose="02020500000000000000" pitchFamily="18" charset="-120"/>
-              </a:defRPr>
-            </a:lvl9pPr>
-          </a:lstStyle>
-          <a:p>
-            <a:pPr>
-              <a:spcBef>
-                <a:spcPct val="0"/>
-              </a:spcBef>
-              <a:buFontTx/>
-              <a:buNone/>
-            </a:pPr>
-            <a:r>
-              <a:rPr kumimoji="0" lang="en-US" altLang="zh-TW" sz="1400">
-                <a:latin typeface="Arial" panose="020B0604020202020204" pitchFamily="34" charset="0"/>
-              </a:rPr>
-              <a:t>Educational Data Mining, Fall 2025</a:t>
-            </a:r>
-          </a:p>
-        </p:txBody>
-      </p:sp>
-      <p:sp>
-        <p:nvSpPr>
-          <p:cNvPr id="55301" name="頁尾版面配置區 4"/>
-          <p:cNvSpPr>
-            <a:spLocks noGrp="1"/>
-          </p:cNvSpPr>
-          <p:nvPr>
-            <p:ph type="ftr" sz="quarter" idx="11"/>
-          </p:nvPr>
-        </p:nvSpPr>
-        <p:spPr>
-          <a:noFill/>
-        </p:spPr>
-        <p:txBody>
-          <a:bodyPr/>
-          <a:lstStyle>
-            <a:lvl1pPr>
-              <a:spcBef>
-                <a:spcPct val="20000"/>
-              </a:spcBef>
-              <a:buChar char="•"/>
-              <a:defRPr kumimoji="1" sz="3200">
-                <a:solidFill>
-                  <a:schemeClr val="tx1"/>
-                </a:solidFill>
-                <a:latin typeface="Book Antiqua" panose="02040602050305030304" pitchFamily="18" charset="0"/>
-                <a:ea typeface="新細明體" panose="02020500000000000000" pitchFamily="18" charset="-120"/>
-              </a:defRPr>
-            </a:lvl1pPr>
-            <a:lvl2pPr marL="742950" indent="-285750">
-              <a:spcBef>
-                <a:spcPct val="20000"/>
-              </a:spcBef>
-              <a:buChar char="–"/>
-              <a:defRPr kumimoji="1" sz="2800">
-                <a:solidFill>
-                  <a:schemeClr val="tx1"/>
-                </a:solidFill>
-                <a:latin typeface="Book Antiqua" panose="02040602050305030304" pitchFamily="18" charset="0"/>
-                <a:ea typeface="新細明體" panose="02020500000000000000" pitchFamily="18" charset="-120"/>
-              </a:defRPr>
-            </a:lvl2pPr>
-            <a:lvl3pPr marL="1143000" indent="-228600">
-              <a:spcBef>
-                <a:spcPct val="20000"/>
-              </a:spcBef>
-              <a:buChar char="•"/>
-              <a:defRPr kumimoji="1" sz="2400">
-                <a:solidFill>
-                  <a:schemeClr val="tx1"/>
-                </a:solidFill>
-                <a:latin typeface="Book Antiqua" panose="02040602050305030304" pitchFamily="18" charset="0"/>
-                <a:ea typeface="新細明體" panose="02020500000000000000" pitchFamily="18" charset="-120"/>
-              </a:defRPr>
-            </a:lvl3pPr>
-            <a:lvl4pPr marL="1600200" indent="-228600">
-              <a:spcBef>
-                <a:spcPct val="20000"/>
-              </a:spcBef>
-              <a:buChar char="–"/>
-              <a:defRPr kumimoji="1" sz="2000">
-                <a:solidFill>
-                  <a:schemeClr val="tx1"/>
-                </a:solidFill>
-                <a:latin typeface="Book Antiqua" panose="02040602050305030304" pitchFamily="18" charset="0"/>
-                <a:ea typeface="新細明體" panose="02020500000000000000" pitchFamily="18" charset="-120"/>
-              </a:defRPr>
-            </a:lvl4pPr>
-            <a:lvl5pPr marL="2057400" indent="-228600">
-              <a:spcBef>
-                <a:spcPct val="20000"/>
-              </a:spcBef>
-              <a:buChar char="»"/>
-              <a:defRPr kumimoji="1" sz="2000">
-                <a:solidFill>
-                  <a:schemeClr val="tx1"/>
-                </a:solidFill>
-                <a:latin typeface="Book Antiqua" panose="02040602050305030304" pitchFamily="18" charset="0"/>
-                <a:ea typeface="新細明體" panose="02020500000000000000" pitchFamily="18" charset="-120"/>
-              </a:defRPr>
-            </a:lvl5pPr>
-            <a:lvl6pPr marL="2514600" indent="-228600" eaLnBrk="0" fontAlgn="base" hangingPunct="0">
-              <a:spcBef>
-                <a:spcPct val="20000"/>
-              </a:spcBef>
-              <a:spcAft>
-                <a:spcPct val="0"/>
-              </a:spcAft>
-              <a:buChar char="»"/>
-              <a:defRPr kumimoji="1" sz="2000">
-                <a:solidFill>
-                  <a:schemeClr val="tx1"/>
-                </a:solidFill>
-                <a:latin typeface="Book Antiqua" panose="02040602050305030304" pitchFamily="18" charset="0"/>
-                <a:ea typeface="新細明體" panose="02020500000000000000" pitchFamily="18" charset="-120"/>
-              </a:defRPr>
-            </a:lvl6pPr>
-            <a:lvl7pPr marL="2971800" indent="-228600" eaLnBrk="0" fontAlgn="base" hangingPunct="0">
-              <a:spcBef>
-                <a:spcPct val="20000"/>
-              </a:spcBef>
-              <a:spcAft>
-                <a:spcPct val="0"/>
-              </a:spcAft>
-              <a:buChar char="»"/>
-              <a:defRPr kumimoji="1" sz="2000">
-                <a:solidFill>
-                  <a:schemeClr val="tx1"/>
-                </a:solidFill>
-                <a:latin typeface="Book Antiqua" panose="02040602050305030304" pitchFamily="18" charset="0"/>
-                <a:ea typeface="新細明體" panose="02020500000000000000" pitchFamily="18" charset="-120"/>
-              </a:defRPr>
-            </a:lvl7pPr>
-            <a:lvl8pPr marL="3429000" indent="-228600" eaLnBrk="0" fontAlgn="base" hangingPunct="0">
-              <a:spcBef>
-                <a:spcPct val="20000"/>
-              </a:spcBef>
-              <a:spcAft>
-                <a:spcPct val="0"/>
-              </a:spcAft>
-              <a:buChar char="»"/>
-              <a:defRPr kumimoji="1" sz="2000">
-                <a:solidFill>
-                  <a:schemeClr val="tx1"/>
-                </a:solidFill>
-                <a:latin typeface="Book Antiqua" panose="02040602050305030304" pitchFamily="18" charset="0"/>
-                <a:ea typeface="新細明體" panose="02020500000000000000" pitchFamily="18" charset="-120"/>
-              </a:defRPr>
-            </a:lvl8pPr>
-            <a:lvl9pPr marL="3886200" indent="-228600" eaLnBrk="0" fontAlgn="base" hangingPunct="0">
-              <a:spcBef>
-                <a:spcPct val="20000"/>
-              </a:spcBef>
-              <a:spcAft>
-                <a:spcPct val="0"/>
-              </a:spcAft>
-              <a:buChar char="»"/>
-              <a:defRPr kumimoji="1" sz="2000">
-                <a:solidFill>
-                  <a:schemeClr val="tx1"/>
-                </a:solidFill>
-                <a:latin typeface="Book Antiqua" panose="02040602050305030304" pitchFamily="18" charset="0"/>
-                <a:ea typeface="新細明體" panose="02020500000000000000" pitchFamily="18" charset="-120"/>
-              </a:defRPr>
-            </a:lvl9pPr>
-          </a:lstStyle>
-          <a:p>
-            <a:pPr>
-              <a:spcBef>
-                <a:spcPct val="0"/>
-              </a:spcBef>
-              <a:buFontTx/>
-              <a:buNone/>
-            </a:pPr>
-            <a:r>
-              <a:rPr kumimoji="0" lang="en-US" altLang="zh-TW" sz="1400">
-                <a:latin typeface="Arial" panose="020B0604020202020204" pitchFamily="34" charset="0"/>
-              </a:rPr>
-              <a:t>NTUT CSIE</a:t>
-            </a:r>
-          </a:p>
-        </p:txBody>
-      </p:sp>
-      <p:sp>
-        <p:nvSpPr>
-          <p:cNvPr id="55302" name="投影片編號版面配置區 5"/>
-          <p:cNvSpPr>
-            <a:spLocks noGrp="1"/>
-          </p:cNvSpPr>
-          <p:nvPr>
-            <p:ph type="sldNum" sz="quarter" idx="12"/>
-          </p:nvPr>
-        </p:nvSpPr>
-        <p:spPr>
-          <a:noFill/>
-        </p:spPr>
-        <p:txBody>
-          <a:bodyPr/>
-          <a:lstStyle>
-            <a:lvl1pPr>
-              <a:spcBef>
-                <a:spcPct val="20000"/>
-              </a:spcBef>
-              <a:buChar char="•"/>
-              <a:defRPr kumimoji="1" sz="3200">
-                <a:solidFill>
-                  <a:schemeClr val="tx1"/>
-                </a:solidFill>
-                <a:latin typeface="Book Antiqua" panose="02040602050305030304" pitchFamily="18" charset="0"/>
-                <a:ea typeface="新細明體" panose="02020500000000000000" pitchFamily="18" charset="-120"/>
-              </a:defRPr>
-            </a:lvl1pPr>
-            <a:lvl2pPr marL="742950" indent="-285750">
-              <a:spcBef>
-                <a:spcPct val="20000"/>
-              </a:spcBef>
-              <a:buChar char="–"/>
-              <a:defRPr kumimoji="1" sz="2800">
-                <a:solidFill>
-                  <a:schemeClr val="tx1"/>
-                </a:solidFill>
-                <a:latin typeface="Book Antiqua" panose="02040602050305030304" pitchFamily="18" charset="0"/>
-                <a:ea typeface="新細明體" panose="02020500000000000000" pitchFamily="18" charset="-120"/>
-              </a:defRPr>
-            </a:lvl2pPr>
-            <a:lvl3pPr marL="1143000" indent="-228600">
-              <a:spcBef>
-                <a:spcPct val="20000"/>
-              </a:spcBef>
-              <a:buChar char="•"/>
-              <a:defRPr kumimoji="1" sz="2400">
-                <a:solidFill>
-                  <a:schemeClr val="tx1"/>
-                </a:solidFill>
-                <a:latin typeface="Book Antiqua" panose="02040602050305030304" pitchFamily="18" charset="0"/>
-                <a:ea typeface="新細明體" panose="02020500000000000000" pitchFamily="18" charset="-120"/>
-              </a:defRPr>
-            </a:lvl3pPr>
-            <a:lvl4pPr marL="1600200" indent="-228600">
-              <a:spcBef>
-                <a:spcPct val="20000"/>
-              </a:spcBef>
-              <a:buChar char="–"/>
-              <a:defRPr kumimoji="1" sz="2000">
-                <a:solidFill>
-                  <a:schemeClr val="tx1"/>
-                </a:solidFill>
-                <a:latin typeface="Book Antiqua" panose="02040602050305030304" pitchFamily="18" charset="0"/>
-                <a:ea typeface="新細明體" panose="02020500000000000000" pitchFamily="18" charset="-120"/>
-              </a:defRPr>
-            </a:lvl4pPr>
-            <a:lvl5pPr marL="2057400" indent="-228600">
-              <a:spcBef>
-                <a:spcPct val="20000"/>
-              </a:spcBef>
-              <a:buChar char="»"/>
-              <a:defRPr kumimoji="1" sz="2000">
-                <a:solidFill>
-                  <a:schemeClr val="tx1"/>
-                </a:solidFill>
-                <a:latin typeface="Book Antiqua" panose="02040602050305030304" pitchFamily="18" charset="0"/>
-                <a:ea typeface="新細明體" panose="02020500000000000000" pitchFamily="18" charset="-120"/>
-              </a:defRPr>
-            </a:lvl5pPr>
-            <a:lvl6pPr marL="2514600" indent="-228600" eaLnBrk="0" fontAlgn="base" hangingPunct="0">
-              <a:spcBef>
-                <a:spcPct val="20000"/>
-              </a:spcBef>
-              <a:spcAft>
-                <a:spcPct val="0"/>
-              </a:spcAft>
-              <a:buChar char="»"/>
-              <a:defRPr kumimoji="1" sz="2000">
-                <a:solidFill>
-                  <a:schemeClr val="tx1"/>
-                </a:solidFill>
-                <a:latin typeface="Book Antiqua" panose="02040602050305030304" pitchFamily="18" charset="0"/>
-                <a:ea typeface="新細明體" panose="02020500000000000000" pitchFamily="18" charset="-120"/>
-              </a:defRPr>
-            </a:lvl6pPr>
-            <a:lvl7pPr marL="2971800" indent="-228600" eaLnBrk="0" fontAlgn="base" hangingPunct="0">
-              <a:spcBef>
-                <a:spcPct val="20000"/>
-              </a:spcBef>
-              <a:spcAft>
-                <a:spcPct val="0"/>
-              </a:spcAft>
-              <a:buChar char="»"/>
-              <a:defRPr kumimoji="1" sz="2000">
-                <a:solidFill>
-                  <a:schemeClr val="tx1"/>
-                </a:solidFill>
-                <a:latin typeface="Book Antiqua" panose="02040602050305030304" pitchFamily="18" charset="0"/>
-                <a:ea typeface="新細明體" panose="02020500000000000000" pitchFamily="18" charset="-120"/>
-              </a:defRPr>
-            </a:lvl7pPr>
-            <a:lvl8pPr marL="3429000" indent="-228600" eaLnBrk="0" fontAlgn="base" hangingPunct="0">
-              <a:spcBef>
-                <a:spcPct val="20000"/>
-              </a:spcBef>
-              <a:spcAft>
-                <a:spcPct val="0"/>
-              </a:spcAft>
-              <a:buChar char="»"/>
-              <a:defRPr kumimoji="1" sz="2000">
-                <a:solidFill>
-                  <a:schemeClr val="tx1"/>
-                </a:solidFill>
-                <a:latin typeface="Book Antiqua" panose="02040602050305030304" pitchFamily="18" charset="0"/>
-                <a:ea typeface="新細明體" panose="02020500000000000000" pitchFamily="18" charset="-120"/>
-              </a:defRPr>
-            </a:lvl8pPr>
-            <a:lvl9pPr marL="3886200" indent="-228600" eaLnBrk="0" fontAlgn="base" hangingPunct="0">
-              <a:spcBef>
-                <a:spcPct val="20000"/>
-              </a:spcBef>
-              <a:spcAft>
-                <a:spcPct val="0"/>
-              </a:spcAft>
-              <a:buChar char="»"/>
-              <a:defRPr kumimoji="1" sz="2000">
-                <a:solidFill>
-                  <a:schemeClr val="tx1"/>
-                </a:solidFill>
-                <a:latin typeface="Book Antiqua" panose="02040602050305030304" pitchFamily="18" charset="0"/>
-                <a:ea typeface="新細明體" panose="02020500000000000000" pitchFamily="18" charset="-120"/>
-              </a:defRPr>
-            </a:lvl9pPr>
-          </a:lstStyle>
-          <a:p>
-            <a:pPr>
-              <a:spcBef>
-                <a:spcPct val="0"/>
-              </a:spcBef>
-              <a:buFontTx/>
-              <a:buNone/>
-            </a:pPr>
-            <a:fld id="{AD8F2751-03B6-4379-A67E-441B84D02245}" type="slidenum">
-              <a:rPr kumimoji="0" lang="en-US" altLang="zh-TW" sz="1400" smtClean="0">
-                <a:latin typeface="Arial" panose="020B0604020202020204" pitchFamily="34" charset="0"/>
-              </a:rPr>
-              <a:pPr>
-                <a:spcBef>
-                  <a:spcPct val="0"/>
-                </a:spcBef>
-                <a:buFontTx/>
-                <a:buNone/>
-              </a:pPr>
-              <a:t>29</a:t>
-            </a:fld>
-            <a:endParaRPr kumimoji="0" lang="en-US" altLang="zh-TW" sz="1400">
-              <a:latin typeface="Arial" panose="020B0604020202020204" pitchFamily="34" charset="0"/>
-            </a:endParaRPr>
-          </a:p>
-        </p:txBody>
-      </p:sp>
-    </p:spTree>
   </p:cSld>
   <p:clrMapOvr>
     <a:masterClrMapping/>
@@ -23133,6 +22754,664 @@
       </p:grpSpPr>
       <p:sp>
         <p:nvSpPr>
+          <p:cNvPr id="55298" name="標題 1"/>
+          <p:cNvSpPr>
+            <a:spLocks noGrp="1"/>
+          </p:cNvSpPr>
+          <p:nvPr>
+            <p:ph type="title"/>
+          </p:nvPr>
+        </p:nvSpPr>
+        <p:spPr/>
+        <p:txBody>
+          <a:bodyPr/>
+          <a:lstStyle/>
+          <a:p>
+            <a:r>
+              <a:rPr lang="en-US" altLang="zh-TW" dirty="0"/>
+              <a:t>Research Information about Data Mining</a:t>
+            </a:r>
+            <a:endParaRPr lang="zh-TW" altLang="en-US" dirty="0"/>
+          </a:p>
+        </p:txBody>
+      </p:sp>
+      <p:sp>
+        <p:nvSpPr>
+          <p:cNvPr id="3" name="內容版面配置區 2"/>
+          <p:cNvSpPr>
+            <a:spLocks noGrp="1"/>
+          </p:cNvSpPr>
+          <p:nvPr>
+            <p:ph idx="1"/>
+          </p:nvPr>
+        </p:nvSpPr>
+        <p:spPr/>
+        <p:txBody>
+          <a:bodyPr>
+            <a:normAutofit fontScale="92500" lnSpcReduction="20000"/>
+          </a:bodyPr>
+          <a:lstStyle/>
+          <a:p>
+            <a:pPr>
+              <a:defRPr/>
+            </a:pPr>
+            <a:r>
+              <a:rPr lang="en-US" altLang="zh-TW" dirty="0"/>
+              <a:t>KDD Conferences</a:t>
+            </a:r>
+          </a:p>
+          <a:p>
+            <a:pPr lvl="1">
+              <a:defRPr/>
+            </a:pPr>
+            <a:r>
+              <a:rPr lang="en-US" altLang="zh-TW" dirty="0"/>
+              <a:t>ACM SIGKDD Int. Conf. on Knowledge Discovery in Databases and Data Mining (</a:t>
+            </a:r>
+            <a:r>
+              <a:rPr lang="en-US" altLang="zh-TW" dirty="0">
+                <a:solidFill>
+                  <a:srgbClr val="FF0000"/>
+                </a:solidFill>
+              </a:rPr>
+              <a:t>KDD</a:t>
+            </a:r>
+            <a:r>
+              <a:rPr lang="en-US" altLang="zh-TW" dirty="0"/>
+              <a:t>)</a:t>
+            </a:r>
+          </a:p>
+          <a:p>
+            <a:pPr lvl="1">
+              <a:defRPr/>
+            </a:pPr>
+            <a:r>
+              <a:rPr lang="en-US" altLang="zh-TW" dirty="0"/>
+              <a:t>SIAM Data Mining Conf. (SDM)</a:t>
+            </a:r>
+          </a:p>
+          <a:p>
+            <a:pPr lvl="1">
+              <a:defRPr/>
+            </a:pPr>
+            <a:r>
+              <a:rPr lang="en-US" altLang="zh-TW" dirty="0"/>
+              <a:t>(IEEE) Int. Conf. on Data Mining (</a:t>
+            </a:r>
+            <a:r>
+              <a:rPr lang="en-US" altLang="zh-TW" dirty="0">
+                <a:solidFill>
+                  <a:srgbClr val="0000FF"/>
+                </a:solidFill>
+              </a:rPr>
+              <a:t>ICDM</a:t>
+            </a:r>
+            <a:r>
+              <a:rPr lang="en-US" altLang="zh-TW" dirty="0"/>
+              <a:t>)</a:t>
+            </a:r>
+          </a:p>
+          <a:p>
+            <a:pPr lvl="1">
+              <a:defRPr/>
+            </a:pPr>
+            <a:r>
+              <a:rPr lang="en-US" altLang="zh-TW" dirty="0"/>
+              <a:t>European Conf. on Machine Learning and Principles and practices of Knowledge Discovery and Data Mining (ECML-PKDD)</a:t>
+            </a:r>
+          </a:p>
+          <a:p>
+            <a:pPr lvl="1">
+              <a:defRPr/>
+            </a:pPr>
+            <a:r>
+              <a:rPr lang="en-US" altLang="zh-TW" dirty="0"/>
+              <a:t>Pacific-Asia Conf. on Knowledge Discovery and Data Mining (PAKDD)</a:t>
+            </a:r>
+          </a:p>
+          <a:p>
+            <a:pPr lvl="1">
+              <a:defRPr/>
+            </a:pPr>
+            <a:r>
+              <a:rPr lang="en-US" altLang="zh-TW" dirty="0"/>
+              <a:t>Int. Conf. on Web Search and Data Mining (WSDM)</a:t>
+            </a:r>
+          </a:p>
+          <a:p>
+            <a:pPr>
+              <a:defRPr/>
+            </a:pPr>
+            <a:endParaRPr lang="zh-TW" altLang="en-US" dirty="0"/>
+          </a:p>
+        </p:txBody>
+      </p:sp>
+      <p:sp>
+        <p:nvSpPr>
+          <p:cNvPr id="55300" name="日期版面配置區 3"/>
+          <p:cNvSpPr>
+            <a:spLocks noGrp="1"/>
+          </p:cNvSpPr>
+          <p:nvPr>
+            <p:ph type="dt" sz="quarter" idx="10"/>
+          </p:nvPr>
+        </p:nvSpPr>
+        <p:spPr>
+          <a:noFill/>
+        </p:spPr>
+        <p:txBody>
+          <a:bodyPr/>
+          <a:lstStyle>
+            <a:lvl1pPr>
+              <a:spcBef>
+                <a:spcPct val="20000"/>
+              </a:spcBef>
+              <a:buChar char="•"/>
+              <a:defRPr kumimoji="1" sz="3200">
+                <a:solidFill>
+                  <a:schemeClr val="tx1"/>
+                </a:solidFill>
+                <a:latin typeface="Book Antiqua" panose="02040602050305030304" pitchFamily="18" charset="0"/>
+                <a:ea typeface="新細明體" panose="02020500000000000000" pitchFamily="18" charset="-120"/>
+              </a:defRPr>
+            </a:lvl1pPr>
+            <a:lvl2pPr marL="742950" indent="-285750">
+              <a:spcBef>
+                <a:spcPct val="20000"/>
+              </a:spcBef>
+              <a:buChar char="–"/>
+              <a:defRPr kumimoji="1" sz="2800">
+                <a:solidFill>
+                  <a:schemeClr val="tx1"/>
+                </a:solidFill>
+                <a:latin typeface="Book Antiqua" panose="02040602050305030304" pitchFamily="18" charset="0"/>
+                <a:ea typeface="新細明體" panose="02020500000000000000" pitchFamily="18" charset="-120"/>
+              </a:defRPr>
+            </a:lvl2pPr>
+            <a:lvl3pPr marL="1143000" indent="-228600">
+              <a:spcBef>
+                <a:spcPct val="20000"/>
+              </a:spcBef>
+              <a:buChar char="•"/>
+              <a:defRPr kumimoji="1" sz="2400">
+                <a:solidFill>
+                  <a:schemeClr val="tx1"/>
+                </a:solidFill>
+                <a:latin typeface="Book Antiqua" panose="02040602050305030304" pitchFamily="18" charset="0"/>
+                <a:ea typeface="新細明體" panose="02020500000000000000" pitchFamily="18" charset="-120"/>
+              </a:defRPr>
+            </a:lvl3pPr>
+            <a:lvl4pPr marL="1600200" indent="-228600">
+              <a:spcBef>
+                <a:spcPct val="20000"/>
+              </a:spcBef>
+              <a:buChar char="–"/>
+              <a:defRPr kumimoji="1" sz="2000">
+                <a:solidFill>
+                  <a:schemeClr val="tx1"/>
+                </a:solidFill>
+                <a:latin typeface="Book Antiqua" panose="02040602050305030304" pitchFamily="18" charset="0"/>
+                <a:ea typeface="新細明體" panose="02020500000000000000" pitchFamily="18" charset="-120"/>
+              </a:defRPr>
+            </a:lvl4pPr>
+            <a:lvl5pPr marL="2057400" indent="-228600">
+              <a:spcBef>
+                <a:spcPct val="20000"/>
+              </a:spcBef>
+              <a:buChar char="»"/>
+              <a:defRPr kumimoji="1" sz="2000">
+                <a:solidFill>
+                  <a:schemeClr val="tx1"/>
+                </a:solidFill>
+                <a:latin typeface="Book Antiqua" panose="02040602050305030304" pitchFamily="18" charset="0"/>
+                <a:ea typeface="新細明體" panose="02020500000000000000" pitchFamily="18" charset="-120"/>
+              </a:defRPr>
+            </a:lvl5pPr>
+            <a:lvl6pPr marL="2514600" indent="-228600" eaLnBrk="0" fontAlgn="base" hangingPunct="0">
+              <a:spcBef>
+                <a:spcPct val="20000"/>
+              </a:spcBef>
+              <a:spcAft>
+                <a:spcPct val="0"/>
+              </a:spcAft>
+              <a:buChar char="»"/>
+              <a:defRPr kumimoji="1" sz="2000">
+                <a:solidFill>
+                  <a:schemeClr val="tx1"/>
+                </a:solidFill>
+                <a:latin typeface="Book Antiqua" panose="02040602050305030304" pitchFamily="18" charset="0"/>
+                <a:ea typeface="新細明體" panose="02020500000000000000" pitchFamily="18" charset="-120"/>
+              </a:defRPr>
+            </a:lvl6pPr>
+            <a:lvl7pPr marL="2971800" indent="-228600" eaLnBrk="0" fontAlgn="base" hangingPunct="0">
+              <a:spcBef>
+                <a:spcPct val="20000"/>
+              </a:spcBef>
+              <a:spcAft>
+                <a:spcPct val="0"/>
+              </a:spcAft>
+              <a:buChar char="»"/>
+              <a:defRPr kumimoji="1" sz="2000">
+                <a:solidFill>
+                  <a:schemeClr val="tx1"/>
+                </a:solidFill>
+                <a:latin typeface="Book Antiqua" panose="02040602050305030304" pitchFamily="18" charset="0"/>
+                <a:ea typeface="新細明體" panose="02020500000000000000" pitchFamily="18" charset="-120"/>
+              </a:defRPr>
+            </a:lvl7pPr>
+            <a:lvl8pPr marL="3429000" indent="-228600" eaLnBrk="0" fontAlgn="base" hangingPunct="0">
+              <a:spcBef>
+                <a:spcPct val="20000"/>
+              </a:spcBef>
+              <a:spcAft>
+                <a:spcPct val="0"/>
+              </a:spcAft>
+              <a:buChar char="»"/>
+              <a:defRPr kumimoji="1" sz="2000">
+                <a:solidFill>
+                  <a:schemeClr val="tx1"/>
+                </a:solidFill>
+                <a:latin typeface="Book Antiqua" panose="02040602050305030304" pitchFamily="18" charset="0"/>
+                <a:ea typeface="新細明體" panose="02020500000000000000" pitchFamily="18" charset="-120"/>
+              </a:defRPr>
+            </a:lvl8pPr>
+            <a:lvl9pPr marL="3886200" indent="-228600" eaLnBrk="0" fontAlgn="base" hangingPunct="0">
+              <a:spcBef>
+                <a:spcPct val="20000"/>
+              </a:spcBef>
+              <a:spcAft>
+                <a:spcPct val="0"/>
+              </a:spcAft>
+              <a:buChar char="»"/>
+              <a:defRPr kumimoji="1" sz="2000">
+                <a:solidFill>
+                  <a:schemeClr val="tx1"/>
+                </a:solidFill>
+                <a:latin typeface="Book Antiqua" panose="02040602050305030304" pitchFamily="18" charset="0"/>
+                <a:ea typeface="新細明體" panose="02020500000000000000" pitchFamily="18" charset="-120"/>
+              </a:defRPr>
+            </a:lvl9pPr>
+          </a:lstStyle>
+          <a:p>
+            <a:pPr>
+              <a:spcBef>
+                <a:spcPct val="0"/>
+              </a:spcBef>
+              <a:buFontTx/>
+              <a:buNone/>
+            </a:pPr>
+            <a:r>
+              <a:rPr kumimoji="0" lang="en-US" altLang="zh-TW" sz="1400">
+                <a:latin typeface="Arial" panose="020B0604020202020204" pitchFamily="34" charset="0"/>
+              </a:rPr>
+              <a:t>Educational Data Mining, Fall 2025</a:t>
+            </a:r>
+          </a:p>
+        </p:txBody>
+      </p:sp>
+      <p:sp>
+        <p:nvSpPr>
+          <p:cNvPr id="55301" name="頁尾版面配置區 4"/>
+          <p:cNvSpPr>
+            <a:spLocks noGrp="1"/>
+          </p:cNvSpPr>
+          <p:nvPr>
+            <p:ph type="ftr" sz="quarter" idx="11"/>
+          </p:nvPr>
+        </p:nvSpPr>
+        <p:spPr>
+          <a:noFill/>
+        </p:spPr>
+        <p:txBody>
+          <a:bodyPr/>
+          <a:lstStyle>
+            <a:lvl1pPr>
+              <a:spcBef>
+                <a:spcPct val="20000"/>
+              </a:spcBef>
+              <a:buChar char="•"/>
+              <a:defRPr kumimoji="1" sz="3200">
+                <a:solidFill>
+                  <a:schemeClr val="tx1"/>
+                </a:solidFill>
+                <a:latin typeface="Book Antiqua" panose="02040602050305030304" pitchFamily="18" charset="0"/>
+                <a:ea typeface="新細明體" panose="02020500000000000000" pitchFamily="18" charset="-120"/>
+              </a:defRPr>
+            </a:lvl1pPr>
+            <a:lvl2pPr marL="742950" indent="-285750">
+              <a:spcBef>
+                <a:spcPct val="20000"/>
+              </a:spcBef>
+              <a:buChar char="–"/>
+              <a:defRPr kumimoji="1" sz="2800">
+                <a:solidFill>
+                  <a:schemeClr val="tx1"/>
+                </a:solidFill>
+                <a:latin typeface="Book Antiqua" panose="02040602050305030304" pitchFamily="18" charset="0"/>
+                <a:ea typeface="新細明體" panose="02020500000000000000" pitchFamily="18" charset="-120"/>
+              </a:defRPr>
+            </a:lvl2pPr>
+            <a:lvl3pPr marL="1143000" indent="-228600">
+              <a:spcBef>
+                <a:spcPct val="20000"/>
+              </a:spcBef>
+              <a:buChar char="•"/>
+              <a:defRPr kumimoji="1" sz="2400">
+                <a:solidFill>
+                  <a:schemeClr val="tx1"/>
+                </a:solidFill>
+                <a:latin typeface="Book Antiqua" panose="02040602050305030304" pitchFamily="18" charset="0"/>
+                <a:ea typeface="新細明體" panose="02020500000000000000" pitchFamily="18" charset="-120"/>
+              </a:defRPr>
+            </a:lvl3pPr>
+            <a:lvl4pPr marL="1600200" indent="-228600">
+              <a:spcBef>
+                <a:spcPct val="20000"/>
+              </a:spcBef>
+              <a:buChar char="–"/>
+              <a:defRPr kumimoji="1" sz="2000">
+                <a:solidFill>
+                  <a:schemeClr val="tx1"/>
+                </a:solidFill>
+                <a:latin typeface="Book Antiqua" panose="02040602050305030304" pitchFamily="18" charset="0"/>
+                <a:ea typeface="新細明體" panose="02020500000000000000" pitchFamily="18" charset="-120"/>
+              </a:defRPr>
+            </a:lvl4pPr>
+            <a:lvl5pPr marL="2057400" indent="-228600">
+              <a:spcBef>
+                <a:spcPct val="20000"/>
+              </a:spcBef>
+              <a:buChar char="»"/>
+              <a:defRPr kumimoji="1" sz="2000">
+                <a:solidFill>
+                  <a:schemeClr val="tx1"/>
+                </a:solidFill>
+                <a:latin typeface="Book Antiqua" panose="02040602050305030304" pitchFamily="18" charset="0"/>
+                <a:ea typeface="新細明體" panose="02020500000000000000" pitchFamily="18" charset="-120"/>
+              </a:defRPr>
+            </a:lvl5pPr>
+            <a:lvl6pPr marL="2514600" indent="-228600" eaLnBrk="0" fontAlgn="base" hangingPunct="0">
+              <a:spcBef>
+                <a:spcPct val="20000"/>
+              </a:spcBef>
+              <a:spcAft>
+                <a:spcPct val="0"/>
+              </a:spcAft>
+              <a:buChar char="»"/>
+              <a:defRPr kumimoji="1" sz="2000">
+                <a:solidFill>
+                  <a:schemeClr val="tx1"/>
+                </a:solidFill>
+                <a:latin typeface="Book Antiqua" panose="02040602050305030304" pitchFamily="18" charset="0"/>
+                <a:ea typeface="新細明體" panose="02020500000000000000" pitchFamily="18" charset="-120"/>
+              </a:defRPr>
+            </a:lvl6pPr>
+            <a:lvl7pPr marL="2971800" indent="-228600" eaLnBrk="0" fontAlgn="base" hangingPunct="0">
+              <a:spcBef>
+                <a:spcPct val="20000"/>
+              </a:spcBef>
+              <a:spcAft>
+                <a:spcPct val="0"/>
+              </a:spcAft>
+              <a:buChar char="»"/>
+              <a:defRPr kumimoji="1" sz="2000">
+                <a:solidFill>
+                  <a:schemeClr val="tx1"/>
+                </a:solidFill>
+                <a:latin typeface="Book Antiqua" panose="02040602050305030304" pitchFamily="18" charset="0"/>
+                <a:ea typeface="新細明體" panose="02020500000000000000" pitchFamily="18" charset="-120"/>
+              </a:defRPr>
+            </a:lvl7pPr>
+            <a:lvl8pPr marL="3429000" indent="-228600" eaLnBrk="0" fontAlgn="base" hangingPunct="0">
+              <a:spcBef>
+                <a:spcPct val="20000"/>
+              </a:spcBef>
+              <a:spcAft>
+                <a:spcPct val="0"/>
+              </a:spcAft>
+              <a:buChar char="»"/>
+              <a:defRPr kumimoji="1" sz="2000">
+                <a:solidFill>
+                  <a:schemeClr val="tx1"/>
+                </a:solidFill>
+                <a:latin typeface="Book Antiqua" panose="02040602050305030304" pitchFamily="18" charset="0"/>
+                <a:ea typeface="新細明體" panose="02020500000000000000" pitchFamily="18" charset="-120"/>
+              </a:defRPr>
+            </a:lvl8pPr>
+            <a:lvl9pPr marL="3886200" indent="-228600" eaLnBrk="0" fontAlgn="base" hangingPunct="0">
+              <a:spcBef>
+                <a:spcPct val="20000"/>
+              </a:spcBef>
+              <a:spcAft>
+                <a:spcPct val="0"/>
+              </a:spcAft>
+              <a:buChar char="»"/>
+              <a:defRPr kumimoji="1" sz="2000">
+                <a:solidFill>
+                  <a:schemeClr val="tx1"/>
+                </a:solidFill>
+                <a:latin typeface="Book Antiqua" panose="02040602050305030304" pitchFamily="18" charset="0"/>
+                <a:ea typeface="新細明體" panose="02020500000000000000" pitchFamily="18" charset="-120"/>
+              </a:defRPr>
+            </a:lvl9pPr>
+          </a:lstStyle>
+          <a:p>
+            <a:pPr>
+              <a:spcBef>
+                <a:spcPct val="0"/>
+              </a:spcBef>
+              <a:buFontTx/>
+              <a:buNone/>
+            </a:pPr>
+            <a:r>
+              <a:rPr kumimoji="0" lang="en-US" altLang="zh-TW" sz="1400">
+                <a:latin typeface="Arial" panose="020B0604020202020204" pitchFamily="34" charset="0"/>
+              </a:rPr>
+              <a:t>NTUT CSIE</a:t>
+            </a:r>
+          </a:p>
+        </p:txBody>
+      </p:sp>
+      <p:sp>
+        <p:nvSpPr>
+          <p:cNvPr id="55302" name="投影片編號版面配置區 5"/>
+          <p:cNvSpPr>
+            <a:spLocks noGrp="1"/>
+          </p:cNvSpPr>
+          <p:nvPr>
+            <p:ph type="sldNum" sz="quarter" idx="12"/>
+          </p:nvPr>
+        </p:nvSpPr>
+        <p:spPr>
+          <a:noFill/>
+        </p:spPr>
+        <p:txBody>
+          <a:bodyPr/>
+          <a:lstStyle>
+            <a:lvl1pPr>
+              <a:spcBef>
+                <a:spcPct val="20000"/>
+              </a:spcBef>
+              <a:buChar char="•"/>
+              <a:defRPr kumimoji="1" sz="3200">
+                <a:solidFill>
+                  <a:schemeClr val="tx1"/>
+                </a:solidFill>
+                <a:latin typeface="Book Antiqua" panose="02040602050305030304" pitchFamily="18" charset="0"/>
+                <a:ea typeface="新細明體" panose="02020500000000000000" pitchFamily="18" charset="-120"/>
+              </a:defRPr>
+            </a:lvl1pPr>
+            <a:lvl2pPr marL="742950" indent="-285750">
+              <a:spcBef>
+                <a:spcPct val="20000"/>
+              </a:spcBef>
+              <a:buChar char="–"/>
+              <a:defRPr kumimoji="1" sz="2800">
+                <a:solidFill>
+                  <a:schemeClr val="tx1"/>
+                </a:solidFill>
+                <a:latin typeface="Book Antiqua" panose="02040602050305030304" pitchFamily="18" charset="0"/>
+                <a:ea typeface="新細明體" panose="02020500000000000000" pitchFamily="18" charset="-120"/>
+              </a:defRPr>
+            </a:lvl2pPr>
+            <a:lvl3pPr marL="1143000" indent="-228600">
+              <a:spcBef>
+                <a:spcPct val="20000"/>
+              </a:spcBef>
+              <a:buChar char="•"/>
+              <a:defRPr kumimoji="1" sz="2400">
+                <a:solidFill>
+                  <a:schemeClr val="tx1"/>
+                </a:solidFill>
+                <a:latin typeface="Book Antiqua" panose="02040602050305030304" pitchFamily="18" charset="0"/>
+                <a:ea typeface="新細明體" panose="02020500000000000000" pitchFamily="18" charset="-120"/>
+              </a:defRPr>
+            </a:lvl3pPr>
+            <a:lvl4pPr marL="1600200" indent="-228600">
+              <a:spcBef>
+                <a:spcPct val="20000"/>
+              </a:spcBef>
+              <a:buChar char="–"/>
+              <a:defRPr kumimoji="1" sz="2000">
+                <a:solidFill>
+                  <a:schemeClr val="tx1"/>
+                </a:solidFill>
+                <a:latin typeface="Book Antiqua" panose="02040602050305030304" pitchFamily="18" charset="0"/>
+                <a:ea typeface="新細明體" panose="02020500000000000000" pitchFamily="18" charset="-120"/>
+              </a:defRPr>
+            </a:lvl4pPr>
+            <a:lvl5pPr marL="2057400" indent="-228600">
+              <a:spcBef>
+                <a:spcPct val="20000"/>
+              </a:spcBef>
+              <a:buChar char="»"/>
+              <a:defRPr kumimoji="1" sz="2000">
+                <a:solidFill>
+                  <a:schemeClr val="tx1"/>
+                </a:solidFill>
+                <a:latin typeface="Book Antiqua" panose="02040602050305030304" pitchFamily="18" charset="0"/>
+                <a:ea typeface="新細明體" panose="02020500000000000000" pitchFamily="18" charset="-120"/>
+              </a:defRPr>
+            </a:lvl5pPr>
+            <a:lvl6pPr marL="2514600" indent="-228600" eaLnBrk="0" fontAlgn="base" hangingPunct="0">
+              <a:spcBef>
+                <a:spcPct val="20000"/>
+              </a:spcBef>
+              <a:spcAft>
+                <a:spcPct val="0"/>
+              </a:spcAft>
+              <a:buChar char="»"/>
+              <a:defRPr kumimoji="1" sz="2000">
+                <a:solidFill>
+                  <a:schemeClr val="tx1"/>
+                </a:solidFill>
+                <a:latin typeface="Book Antiqua" panose="02040602050305030304" pitchFamily="18" charset="0"/>
+                <a:ea typeface="新細明體" panose="02020500000000000000" pitchFamily="18" charset="-120"/>
+              </a:defRPr>
+            </a:lvl6pPr>
+            <a:lvl7pPr marL="2971800" indent="-228600" eaLnBrk="0" fontAlgn="base" hangingPunct="0">
+              <a:spcBef>
+                <a:spcPct val="20000"/>
+              </a:spcBef>
+              <a:spcAft>
+                <a:spcPct val="0"/>
+              </a:spcAft>
+              <a:buChar char="»"/>
+              <a:defRPr kumimoji="1" sz="2000">
+                <a:solidFill>
+                  <a:schemeClr val="tx1"/>
+                </a:solidFill>
+                <a:latin typeface="Book Antiqua" panose="02040602050305030304" pitchFamily="18" charset="0"/>
+                <a:ea typeface="新細明體" panose="02020500000000000000" pitchFamily="18" charset="-120"/>
+              </a:defRPr>
+            </a:lvl7pPr>
+            <a:lvl8pPr marL="3429000" indent="-228600" eaLnBrk="0" fontAlgn="base" hangingPunct="0">
+              <a:spcBef>
+                <a:spcPct val="20000"/>
+              </a:spcBef>
+              <a:spcAft>
+                <a:spcPct val="0"/>
+              </a:spcAft>
+              <a:buChar char="»"/>
+              <a:defRPr kumimoji="1" sz="2000">
+                <a:solidFill>
+                  <a:schemeClr val="tx1"/>
+                </a:solidFill>
+                <a:latin typeface="Book Antiqua" panose="02040602050305030304" pitchFamily="18" charset="0"/>
+                <a:ea typeface="新細明體" panose="02020500000000000000" pitchFamily="18" charset="-120"/>
+              </a:defRPr>
+            </a:lvl8pPr>
+            <a:lvl9pPr marL="3886200" indent="-228600" eaLnBrk="0" fontAlgn="base" hangingPunct="0">
+              <a:spcBef>
+                <a:spcPct val="20000"/>
+              </a:spcBef>
+              <a:spcAft>
+                <a:spcPct val="0"/>
+              </a:spcAft>
+              <a:buChar char="»"/>
+              <a:defRPr kumimoji="1" sz="2000">
+                <a:solidFill>
+                  <a:schemeClr val="tx1"/>
+                </a:solidFill>
+                <a:latin typeface="Book Antiqua" panose="02040602050305030304" pitchFamily="18" charset="0"/>
+                <a:ea typeface="新細明體" panose="02020500000000000000" pitchFamily="18" charset="-120"/>
+              </a:defRPr>
+            </a:lvl9pPr>
+          </a:lstStyle>
+          <a:p>
+            <a:pPr>
+              <a:spcBef>
+                <a:spcPct val="0"/>
+              </a:spcBef>
+              <a:buFontTx/>
+              <a:buNone/>
+            </a:pPr>
+            <a:fld id="{AD8F2751-03B6-4379-A67E-441B84D02245}" type="slidenum">
+              <a:rPr kumimoji="0" lang="en-US" altLang="zh-TW" sz="1400" smtClean="0">
+                <a:latin typeface="Arial" panose="020B0604020202020204" pitchFamily="34" charset="0"/>
+              </a:rPr>
+              <a:pPr>
+                <a:spcBef>
+                  <a:spcPct val="0"/>
+                </a:spcBef>
+                <a:buFontTx/>
+                <a:buNone/>
+              </a:pPr>
+              <a:t>30</a:t>
+            </a:fld>
+            <a:endParaRPr kumimoji="0" lang="en-US" altLang="zh-TW" sz="1400">
+              <a:latin typeface="Arial" panose="020B0604020202020204" pitchFamily="34" charset="0"/>
+            </a:endParaRPr>
+          </a:p>
+        </p:txBody>
+      </p:sp>
+    </p:spTree>
+  </p:cSld>
+  <p:clrMapOvr>
+    <a:masterClrMapping/>
+  </p:clrMapOvr>
+</p:sld>
+</file>
+
+<file path=ppt/slides/slide31.xml><?xml version="1.0" encoding="utf-8"?>
+<p:sld xmlns:a="http://schemas.openxmlformats.org/drawingml/2006/main" xmlns:r="http://schemas.openxmlformats.org/officeDocument/2006/relationships" xmlns:p="http://schemas.openxmlformats.org/presentationml/2006/main">
+  <p:cSld>
+    <p:spTree>
+      <p:nvGrpSpPr>
+        <p:cNvPr id="1" name=""/>
+        <p:cNvGrpSpPr/>
+        <p:nvPr/>
+      </p:nvGrpSpPr>
+      <p:grpSpPr>
+        <a:xfrm>
+          <a:off x="0" y="0"/>
+          <a:ext cx="0" cy="0"/>
+          <a:chOff x="0" y="0"/>
+          <a:chExt cx="0" cy="0"/>
+        </a:xfrm>
+      </p:grpSpPr>
+      <p:sp>
+        <p:nvSpPr>
           <p:cNvPr id="56322" name="標題 1"/>
           <p:cNvSpPr>
             <a:spLocks noGrp="1"/>
@@ -23755,7 +24034,7 @@
                 <a:buFontTx/>
                 <a:buNone/>
               </a:pPr>
-              <a:t>30</a:t>
+              <a:t>31</a:t>
             </a:fld>
             <a:endParaRPr kumimoji="0" lang="en-US" altLang="zh-TW" sz="1400">
               <a:latin typeface="Arial" panose="020B0604020202020204" pitchFamily="34" charset="0"/>
@@ -23771,7 +24050,7 @@
 </p:sld>
 </file>
 
-<file path=ppt/slides/slide31.xml><?xml version="1.0" encoding="utf-8"?>
+<file path=ppt/slides/slide32.xml><?xml version="1.0" encoding="utf-8"?>
 <p:sld xmlns:a="http://schemas.openxmlformats.org/drawingml/2006/main" xmlns:r="http://schemas.openxmlformats.org/officeDocument/2006/relationships" xmlns:p="http://schemas.openxmlformats.org/presentationml/2006/main">
   <p:cSld>
     <p:spTree>
@@ -24455,7 +24734,7 @@
                 <a:buFontTx/>
                 <a:buNone/>
               </a:pPr>
-              <a:t>31</a:t>
+              <a:t>32</a:t>
             </a:fld>
             <a:endParaRPr kumimoji="0" lang="en-US" altLang="zh-TW" sz="1400">
               <a:latin typeface="Arial" panose="020B0604020202020204" pitchFamily="34" charset="0"/>
@@ -24471,7 +24750,7 @@
 </p:sld>
 </file>
 
-<file path=ppt/slides/slide32.xml><?xml version="1.0" encoding="utf-8"?>
+<file path=ppt/slides/slide33.xml><?xml version="1.0" encoding="utf-8"?>
 <p:sld xmlns:a="http://schemas.openxmlformats.org/drawingml/2006/main" xmlns:r="http://schemas.openxmlformats.org/officeDocument/2006/relationships" xmlns:p="http://schemas.openxmlformats.org/presentationml/2006/main">
   <p:cSld>
     <p:spTree>
@@ -25053,7 +25332,7 @@
                 <a:buFontTx/>
                 <a:buNone/>
               </a:pPr>
-              <a:t>32</a:t>
+              <a:t>33</a:t>
             </a:fld>
             <a:endParaRPr kumimoji="0" lang="en-US" altLang="zh-TW" sz="1400">
               <a:latin typeface="Arial" panose="020B0604020202020204" pitchFamily="34" charset="0"/>
@@ -25123,7 +25402,7 @@
 </p:sld>
 </file>
 
-<file path=ppt/slides/slide33.xml><?xml version="1.0" encoding="utf-8"?>
+<file path=ppt/slides/slide34.xml><?xml version="1.0" encoding="utf-8"?>
 <p:sld xmlns:a="http://schemas.openxmlformats.org/drawingml/2006/main" xmlns:r="http://schemas.openxmlformats.org/officeDocument/2006/relationships" xmlns:p="http://schemas.openxmlformats.org/presentationml/2006/main">
   <p:cSld>
     <p:spTree>
@@ -25631,7 +25910,7 @@
                 <a:buFontTx/>
                 <a:buNone/>
               </a:pPr>
-              <a:t>33</a:t>
+              <a:t>34</a:t>
             </a:fld>
             <a:endParaRPr kumimoji="0" lang="en-US" altLang="zh-TW" sz="1400">
               <a:latin typeface="Arial" panose="020B0604020202020204" pitchFamily="34" charset="0"/>
@@ -25656,8 +25935,8 @@
           <a:p>
             <a:pPr eaLnBrk="1" hangingPunct="1"/>
             <a:r>
-              <a:rPr lang="en-US" altLang="zh-TW"/>
-              <a:t>Thanks for Your Attention!</a:t>
+              <a:rPr lang="en-US" altLang="zh-TW" dirty="0"/>
+              <a:t>Summary</a:t>
             </a:r>
           </a:p>
         </p:txBody>
@@ -25678,7 +25957,32 @@
           <a:lstStyle/>
           <a:p>
             <a:pPr eaLnBrk="1" hangingPunct="1"/>
-            <a:endParaRPr lang="en-US" altLang="zh-TW"/>
+            <a:r>
+              <a:rPr lang="en-US" altLang="zh-TW" dirty="0"/>
+              <a:t>Introducing data mining concepts and tools</a:t>
+            </a:r>
+          </a:p>
+          <a:p>
+            <a:pPr eaLnBrk="1" hangingPunct="1"/>
+            <a:r>
+              <a:rPr lang="en-US" altLang="zh-TW" dirty="0"/>
+              <a:t>Analyzing real world educational data</a:t>
+            </a:r>
+          </a:p>
+          <a:p>
+            <a:pPr eaLnBrk="1" hangingPunct="1"/>
+            <a:r>
+              <a:rPr lang="en-US" altLang="zh-TW" dirty="0"/>
+              <a:t>Learning how to interpret the analysis results</a:t>
+            </a:r>
+          </a:p>
+          <a:p>
+            <a:pPr eaLnBrk="1" hangingPunct="1"/>
+            <a:endParaRPr lang="en-US" altLang="zh-TW" dirty="0"/>
+          </a:p>
+          <a:p>
+            <a:pPr eaLnBrk="1" hangingPunct="1"/>
+            <a:endParaRPr lang="en-US" altLang="zh-TW" dirty="0"/>
           </a:p>
         </p:txBody>
       </p:sp>
@@ -27793,7 +28097,7 @@
           <a:p>
             <a:r>
               <a:rPr lang="en-US" altLang="zh-TW" dirty="0"/>
-              <a:t>NOTE: For CS students, this course might NOT be credited as cross-college credits</a:t>
+              <a:t>NOTE: For CS students, this course might NOT be credited as cross-domain credits</a:t>
             </a:r>
           </a:p>
           <a:p>
@@ -27988,7 +28292,19 @@
             <a:pPr lvl="2"/>
             <a:r>
               <a:rPr lang="en-US" altLang="zh-TW" dirty="0"/>
-              <a:t>Data mining concept + educational data analysis</a:t>
+              <a:t>Data mining concept + </a:t>
+            </a:r>
+            <a:r>
+              <a:rPr lang="en-US" altLang="zh-TW" dirty="0">
+                <a:solidFill>
+                  <a:srgbClr val="0000FF"/>
+                </a:solidFill>
+              </a:rPr>
+              <a:t>educational </a:t>
+            </a:r>
+            <a:r>
+              <a:rPr lang="en-US" altLang="zh-TW" dirty="0"/>
+              <a:t>data analysis</a:t>
             </a:r>
           </a:p>
           <a:p>
